--- a/Regex_final.pptx
+++ b/Regex_final.pptx
@@ -2,7 +2,7 @@
 <file path=ppt/presentation.xml><?xml version="1.0" encoding="utf-8"?>
 <p:presentation xmlns:a="http://schemas.openxmlformats.org/drawingml/2006/main" xmlns:r="http://schemas.openxmlformats.org/officeDocument/2006/relationships" xmlns:p="http://schemas.openxmlformats.org/presentationml/2006/main" saveSubsetFonts="1">
   <p:sldMasterIdLst>
-    <p:sldMasterId id="2147483648" r:id="rId1"/>
+    <p:sldMasterId id="2147483660" r:id="rId1"/>
   </p:sldMasterIdLst>
   <p:sldIdLst>
     <p:sldId id="261" r:id="rId2"/>
@@ -16,7 +16,7 @@
     <a:defPPr>
       <a:defRPr lang="en-US"/>
     </a:defPPr>
-    <a:lvl1pPr marL="0" algn="l" defTabSz="914400" rtl="0" eaLnBrk="1" latinLnBrk="0" hangingPunct="1">
+    <a:lvl1pPr marL="0" algn="l" defTabSz="457200" rtl="0" eaLnBrk="1" latinLnBrk="0" hangingPunct="1">
       <a:defRPr sz="1800" kern="1200">
         <a:solidFill>
           <a:schemeClr val="tx1"/>
@@ -26,7 +26,7 @@
         <a:cs typeface="+mn-cs"/>
       </a:defRPr>
     </a:lvl1pPr>
-    <a:lvl2pPr marL="457200" algn="l" defTabSz="914400" rtl="0" eaLnBrk="1" latinLnBrk="0" hangingPunct="1">
+    <a:lvl2pPr marL="457200" algn="l" defTabSz="457200" rtl="0" eaLnBrk="1" latinLnBrk="0" hangingPunct="1">
       <a:defRPr sz="1800" kern="1200">
         <a:solidFill>
           <a:schemeClr val="tx1"/>
@@ -36,7 +36,7 @@
         <a:cs typeface="+mn-cs"/>
       </a:defRPr>
     </a:lvl2pPr>
-    <a:lvl3pPr marL="914400" algn="l" defTabSz="914400" rtl="0" eaLnBrk="1" latinLnBrk="0" hangingPunct="1">
+    <a:lvl3pPr marL="914400" algn="l" defTabSz="457200" rtl="0" eaLnBrk="1" latinLnBrk="0" hangingPunct="1">
       <a:defRPr sz="1800" kern="1200">
         <a:solidFill>
           <a:schemeClr val="tx1"/>
@@ -46,7 +46,7 @@
         <a:cs typeface="+mn-cs"/>
       </a:defRPr>
     </a:lvl3pPr>
-    <a:lvl4pPr marL="1371600" algn="l" defTabSz="914400" rtl="0" eaLnBrk="1" latinLnBrk="0" hangingPunct="1">
+    <a:lvl4pPr marL="1371600" algn="l" defTabSz="457200" rtl="0" eaLnBrk="1" latinLnBrk="0" hangingPunct="1">
       <a:defRPr sz="1800" kern="1200">
         <a:solidFill>
           <a:schemeClr val="tx1"/>
@@ -56,7 +56,7 @@
         <a:cs typeface="+mn-cs"/>
       </a:defRPr>
     </a:lvl4pPr>
-    <a:lvl5pPr marL="1828800" algn="l" defTabSz="914400" rtl="0" eaLnBrk="1" latinLnBrk="0" hangingPunct="1">
+    <a:lvl5pPr marL="1828800" algn="l" defTabSz="457200" rtl="0" eaLnBrk="1" latinLnBrk="0" hangingPunct="1">
       <a:defRPr sz="1800" kern="1200">
         <a:solidFill>
           <a:schemeClr val="tx1"/>
@@ -66,7 +66,7 @@
         <a:cs typeface="+mn-cs"/>
       </a:defRPr>
     </a:lvl5pPr>
-    <a:lvl6pPr marL="2286000" algn="l" defTabSz="914400" rtl="0" eaLnBrk="1" latinLnBrk="0" hangingPunct="1">
+    <a:lvl6pPr marL="2286000" algn="l" defTabSz="457200" rtl="0" eaLnBrk="1" latinLnBrk="0" hangingPunct="1">
       <a:defRPr sz="1800" kern="1200">
         <a:solidFill>
           <a:schemeClr val="tx1"/>
@@ -76,7 +76,7 @@
         <a:cs typeface="+mn-cs"/>
       </a:defRPr>
     </a:lvl6pPr>
-    <a:lvl7pPr marL="2743200" algn="l" defTabSz="914400" rtl="0" eaLnBrk="1" latinLnBrk="0" hangingPunct="1">
+    <a:lvl7pPr marL="2743200" algn="l" defTabSz="457200" rtl="0" eaLnBrk="1" latinLnBrk="0" hangingPunct="1">
       <a:defRPr sz="1800" kern="1200">
         <a:solidFill>
           <a:schemeClr val="tx1"/>
@@ -86,7 +86,7 @@
         <a:cs typeface="+mn-cs"/>
       </a:defRPr>
     </a:lvl7pPr>
-    <a:lvl8pPr marL="3200400" algn="l" defTabSz="914400" rtl="0" eaLnBrk="1" latinLnBrk="0" hangingPunct="1">
+    <a:lvl8pPr marL="3200400" algn="l" defTabSz="457200" rtl="0" eaLnBrk="1" latinLnBrk="0" hangingPunct="1">
       <a:defRPr sz="1800" kern="1200">
         <a:solidFill>
           <a:schemeClr val="tx1"/>
@@ -96,7 +96,7 @@
         <a:cs typeface="+mn-cs"/>
       </a:defRPr>
     </a:lvl8pPr>
-    <a:lvl9pPr marL="3657600" algn="l" defTabSz="914400" rtl="0" eaLnBrk="1" latinLnBrk="0" hangingPunct="1">
+    <a:lvl9pPr marL="3657600" algn="l" defTabSz="457200" rtl="0" eaLnBrk="1" latinLnBrk="0" hangingPunct="1">
       <a:defRPr sz="1800" kern="1200">
         <a:solidFill>
           <a:schemeClr val="tx1"/>
@@ -107,6 +107,11 @@
       </a:defRPr>
     </a:lvl9pPr>
   </p:defaultTextStyle>
+  <p:extLst>
+    <p:ext uri="{EFAFB233-063F-42B5-8137-9DF3F51BA10A}">
+      <p15:sldGuideLst xmlns:p15="http://schemas.microsoft.com/office/powerpoint/2012/main"/>
+    </p:ext>
+  </p:extLst>
 </p:presentation>
 </file>
 
@@ -1162,7 +1167,7 @@
             <a:alphaOff val="0"/>
           </a:schemeClr>
         </a:solidFill>
-        <a:ln w="12700" cap="flat" cmpd="sng" algn="ctr">
+        <a:ln w="19050" cap="rnd" cmpd="sng" algn="ctr">
           <a:solidFill>
             <a:schemeClr val="lt1">
               <a:hueOff val="0"/>
@@ -1172,7 +1177,6 @@
             </a:schemeClr>
           </a:solidFill>
           <a:prstDash val="solid"/>
-          <a:miter lim="800000"/>
         </a:ln>
         <a:effectLst/>
       </dsp:spPr>
@@ -1245,13 +1249,13 @@
         </a:prstGeom>
         <a:solidFill>
           <a:schemeClr val="accent5">
-            <a:hueOff val="-3379271"/>
-            <a:satOff val="-8710"/>
-            <a:lumOff val="-5883"/>
+            <a:hueOff val="3118619"/>
+            <a:satOff val="-2006"/>
+            <a:lumOff val="1372"/>
             <a:alphaOff val="0"/>
           </a:schemeClr>
         </a:solidFill>
-        <a:ln w="12700" cap="flat" cmpd="sng" algn="ctr">
+        <a:ln w="19050" cap="rnd" cmpd="sng" algn="ctr">
           <a:solidFill>
             <a:schemeClr val="lt1">
               <a:hueOff val="0"/>
@@ -1261,7 +1265,6 @@
             </a:schemeClr>
           </a:solidFill>
           <a:prstDash val="solid"/>
-          <a:miter lim="800000"/>
         </a:ln>
         <a:effectLst/>
       </dsp:spPr>
@@ -1334,13 +1337,13 @@
         </a:prstGeom>
         <a:solidFill>
           <a:schemeClr val="accent5">
-            <a:hueOff val="-6758543"/>
-            <a:satOff val="-17419"/>
-            <a:lumOff val="-11765"/>
+            <a:hueOff val="6237238"/>
+            <a:satOff val="-4013"/>
+            <a:lumOff val="2744"/>
             <a:alphaOff val="0"/>
           </a:schemeClr>
         </a:solidFill>
-        <a:ln w="12700" cap="flat" cmpd="sng" algn="ctr">
+        <a:ln w="19050" cap="rnd" cmpd="sng" algn="ctr">
           <a:solidFill>
             <a:schemeClr val="lt1">
               <a:hueOff val="0"/>
@@ -1350,7 +1353,6 @@
             </a:schemeClr>
           </a:solidFill>
           <a:prstDash val="solid"/>
-          <a:miter lim="800000"/>
         </a:ln>
         <a:effectLst/>
       </dsp:spPr>
@@ -2626,13 +2628,7 @@
       </p:grpSpPr>
       <p:sp>
         <p:nvSpPr>
-          <p:cNvPr id="2" name="Title 1">
-            <a:extLst>
-              <a:ext uri="{FF2B5EF4-FFF2-40B4-BE49-F238E27FC236}">
-                <a16:creationId xmlns:a16="http://schemas.microsoft.com/office/drawing/2014/main" id="{8E507925-29FA-4D4E-897F-40A71FC06883}"/>
-              </a:ext>
-            </a:extLst>
-          </p:cNvPr>
+          <p:cNvPr id="2" name="Title 1"/>
           <p:cNvSpPr>
             <a:spLocks noGrp="1"/>
           </p:cNvSpPr>
@@ -2642,15 +2638,15 @@
         </p:nvSpPr>
         <p:spPr>
           <a:xfrm>
-            <a:off x="1524000" y="1122363"/>
-            <a:ext cx="9144000" cy="2387600"/>
+            <a:off x="1154955" y="1447800"/>
+            <a:ext cx="8825658" cy="3329581"/>
           </a:xfrm>
         </p:spPr>
         <p:txBody>
           <a:bodyPr anchor="b"/>
           <a:lstStyle>
-            <a:lvl1pPr algn="ctr">
-              <a:defRPr sz="6000"/>
+            <a:lvl1pPr>
+              <a:defRPr sz="7200"/>
             </a:lvl1pPr>
           </a:lstStyle>
           <a:p>
@@ -2658,18 +2654,13 @@
               <a:rPr lang="en-US"/>
               <a:t>Click to edit Master title style</a:t>
             </a:r>
-          </a:p>
-        </p:txBody>
-      </p:sp>
-      <p:sp>
-        <p:nvSpPr>
-          <p:cNvPr id="3" name="Subtitle 2">
-            <a:extLst>
-              <a:ext uri="{FF2B5EF4-FFF2-40B4-BE49-F238E27FC236}">
-                <a16:creationId xmlns:a16="http://schemas.microsoft.com/office/drawing/2014/main" id="{84270716-3504-4750-9226-99F33BA59345}"/>
-              </a:ext>
-            </a:extLst>
-          </p:cNvPr>
+            <a:endParaRPr lang="en-US" dirty="0"/>
+          </a:p>
+        </p:txBody>
+      </p:sp>
+      <p:sp>
+        <p:nvSpPr>
+          <p:cNvPr id="3" name="Subtitle 2"/>
           <p:cNvSpPr>
             <a:spLocks noGrp="1"/>
           </p:cNvSpPr>
@@ -2679,48 +2670,103 @@
         </p:nvSpPr>
         <p:spPr>
           <a:xfrm>
-            <a:off x="1524000" y="3602038"/>
-            <a:ext cx="9144000" cy="1655762"/>
+            <a:off x="1154955" y="4777380"/>
+            <a:ext cx="8825658" cy="861420"/>
           </a:xfrm>
         </p:spPr>
         <p:txBody>
-          <a:bodyPr/>
+          <a:bodyPr anchor="t"/>
           <a:lstStyle>
-            <a:lvl1pPr marL="0" indent="0" algn="ctr">
-              <a:buNone/>
-              <a:defRPr sz="2400"/>
+            <a:lvl1pPr marL="0" indent="0" algn="l">
+              <a:buNone/>
+              <a:defRPr cap="all">
+                <a:solidFill>
+                  <a:schemeClr val="bg2">
+                    <a:lumMod val="40000"/>
+                    <a:lumOff val="60000"/>
+                  </a:schemeClr>
+                </a:solidFill>
+              </a:defRPr>
             </a:lvl1pPr>
             <a:lvl2pPr marL="457200" indent="0" algn="ctr">
               <a:buNone/>
-              <a:defRPr sz="2000"/>
+              <a:defRPr>
+                <a:solidFill>
+                  <a:schemeClr val="tx1">
+                    <a:tint val="75000"/>
+                  </a:schemeClr>
+                </a:solidFill>
+              </a:defRPr>
             </a:lvl2pPr>
             <a:lvl3pPr marL="914400" indent="0" algn="ctr">
               <a:buNone/>
-              <a:defRPr sz="1800"/>
+              <a:defRPr>
+                <a:solidFill>
+                  <a:schemeClr val="tx1">
+                    <a:tint val="75000"/>
+                  </a:schemeClr>
+                </a:solidFill>
+              </a:defRPr>
             </a:lvl3pPr>
             <a:lvl4pPr marL="1371600" indent="0" algn="ctr">
               <a:buNone/>
-              <a:defRPr sz="1600"/>
+              <a:defRPr>
+                <a:solidFill>
+                  <a:schemeClr val="tx1">
+                    <a:tint val="75000"/>
+                  </a:schemeClr>
+                </a:solidFill>
+              </a:defRPr>
             </a:lvl4pPr>
             <a:lvl5pPr marL="1828800" indent="0" algn="ctr">
               <a:buNone/>
-              <a:defRPr sz="1600"/>
+              <a:defRPr>
+                <a:solidFill>
+                  <a:schemeClr val="tx1">
+                    <a:tint val="75000"/>
+                  </a:schemeClr>
+                </a:solidFill>
+              </a:defRPr>
             </a:lvl5pPr>
             <a:lvl6pPr marL="2286000" indent="0" algn="ctr">
               <a:buNone/>
-              <a:defRPr sz="1600"/>
+              <a:defRPr>
+                <a:solidFill>
+                  <a:schemeClr val="tx1">
+                    <a:tint val="75000"/>
+                  </a:schemeClr>
+                </a:solidFill>
+              </a:defRPr>
             </a:lvl6pPr>
             <a:lvl7pPr marL="2743200" indent="0" algn="ctr">
               <a:buNone/>
-              <a:defRPr sz="1600"/>
+              <a:defRPr>
+                <a:solidFill>
+                  <a:schemeClr val="tx1">
+                    <a:tint val="75000"/>
+                  </a:schemeClr>
+                </a:solidFill>
+              </a:defRPr>
             </a:lvl7pPr>
             <a:lvl8pPr marL="3200400" indent="0" algn="ctr">
               <a:buNone/>
-              <a:defRPr sz="1600"/>
+              <a:defRPr>
+                <a:solidFill>
+                  <a:schemeClr val="tx1">
+                    <a:tint val="75000"/>
+                  </a:schemeClr>
+                </a:solidFill>
+              </a:defRPr>
             </a:lvl8pPr>
             <a:lvl9pPr marL="3657600" indent="0" algn="ctr">
               <a:buNone/>
-              <a:defRPr sz="1600"/>
+              <a:defRPr>
+                <a:solidFill>
+                  <a:schemeClr val="tx1">
+                    <a:tint val="75000"/>
+                  </a:schemeClr>
+                </a:solidFill>
+              </a:defRPr>
             </a:lvl9pPr>
           </a:lstStyle>
           <a:p>
@@ -2728,18 +2774,13 @@
               <a:rPr lang="en-US"/>
               <a:t>Click to edit Master subtitle style</a:t>
             </a:r>
-          </a:p>
-        </p:txBody>
-      </p:sp>
-      <p:sp>
-        <p:nvSpPr>
-          <p:cNvPr id="4" name="Date Placeholder 3">
-            <a:extLst>
-              <a:ext uri="{FF2B5EF4-FFF2-40B4-BE49-F238E27FC236}">
-                <a16:creationId xmlns:a16="http://schemas.microsoft.com/office/drawing/2014/main" id="{D48DDE91-E3E6-4EEA-AE45-F160422552A8}"/>
-              </a:ext>
-            </a:extLst>
-          </p:cNvPr>
+            <a:endParaRPr lang="en-US" dirty="0"/>
+          </a:p>
+        </p:txBody>
+      </p:sp>
+      <p:sp>
+        <p:nvSpPr>
+          <p:cNvPr id="4" name="Date Placeholder 3"/>
           <p:cNvSpPr>
             <a:spLocks noGrp="1"/>
           </p:cNvSpPr>
@@ -2754,7 +2795,7 @@
           <a:p>
             <a:fld id="{F4C6FC4E-C84B-4657-97FD-F4C92E31B913}" type="datetimeFigureOut">
               <a:rPr lang="en-US" smtClean="0"/>
-              <a:t>6/24/2020</a:t>
+              <a:t>6/25/2020</a:t>
             </a:fld>
             <a:endParaRPr lang="en-US"/>
           </a:p>
@@ -2762,13 +2803,7 @@
       </p:sp>
       <p:sp>
         <p:nvSpPr>
-          <p:cNvPr id="5" name="Footer Placeholder 4">
-            <a:extLst>
-              <a:ext uri="{FF2B5EF4-FFF2-40B4-BE49-F238E27FC236}">
-                <a16:creationId xmlns:a16="http://schemas.microsoft.com/office/drawing/2014/main" id="{93DACA69-2B1C-46AC-91F2-66C0ABE0A14A}"/>
-              </a:ext>
-            </a:extLst>
-          </p:cNvPr>
+          <p:cNvPr id="5" name="Footer Placeholder 4"/>
           <p:cNvSpPr>
             <a:spLocks noGrp="1"/>
           </p:cNvSpPr>
@@ -2787,13 +2822,7 @@
       </p:sp>
       <p:sp>
         <p:nvSpPr>
-          <p:cNvPr id="6" name="Slide Number Placeholder 5">
-            <a:extLst>
-              <a:ext uri="{FF2B5EF4-FFF2-40B4-BE49-F238E27FC236}">
-                <a16:creationId xmlns:a16="http://schemas.microsoft.com/office/drawing/2014/main" id="{70B0E9A0-9540-47E0-8C28-0D32B9ED5AB8}"/>
-              </a:ext>
-            </a:extLst>
-          </p:cNvPr>
+          <p:cNvPr id="6" name="Slide Number Placeholder 5"/>
           <p:cNvSpPr>
             <a:spLocks noGrp="1"/>
           </p:cNvSpPr>
@@ -2817,7 +2846,7 @@
     </p:spTree>
     <p:extLst>
       <p:ext uri="{BB962C8B-B14F-4D97-AF65-F5344CB8AC3E}">
-        <p14:creationId xmlns:p14="http://schemas.microsoft.com/office/powerpoint/2010/main" val="2202089768"/>
+        <p14:creationId xmlns:p14="http://schemas.microsoft.com/office/powerpoint/2010/main" val="339968265"/>
       </p:ext>
     </p:extLst>
   </p:cSld>
@@ -2828,6 +2857,2572 @@
 </file>
 
 <file path=ppt/slideLayouts/slideLayout10.xml><?xml version="1.0" encoding="utf-8"?>
+<p:sldLayout xmlns:a="http://schemas.openxmlformats.org/drawingml/2006/main" xmlns:r="http://schemas.openxmlformats.org/officeDocument/2006/relationships" xmlns:p="http://schemas.openxmlformats.org/presentationml/2006/main" preserve="1">
+  <p:cSld name="Panoramic Picture with Caption">
+    <p:spTree>
+      <p:nvGrpSpPr>
+        <p:cNvPr id="1" name=""/>
+        <p:cNvGrpSpPr/>
+        <p:nvPr/>
+      </p:nvGrpSpPr>
+      <p:grpSpPr>
+        <a:xfrm>
+          <a:off x="0" y="0"/>
+          <a:ext cx="0" cy="0"/>
+          <a:chOff x="0" y="0"/>
+          <a:chExt cx="0" cy="0"/>
+        </a:xfrm>
+      </p:grpSpPr>
+      <p:sp>
+        <p:nvSpPr>
+          <p:cNvPr id="2" name="Title 1"/>
+          <p:cNvSpPr>
+            <a:spLocks noGrp="1"/>
+          </p:cNvSpPr>
+          <p:nvPr>
+            <p:ph type="title"/>
+          </p:nvPr>
+        </p:nvSpPr>
+        <p:spPr>
+          <a:xfrm>
+            <a:off x="1154956" y="4800587"/>
+            <a:ext cx="8825657" cy="566738"/>
+          </a:xfrm>
+        </p:spPr>
+        <p:txBody>
+          <a:bodyPr anchor="b">
+            <a:normAutofit/>
+          </a:bodyPr>
+          <a:lstStyle>
+            <a:lvl1pPr algn="l">
+              <a:defRPr sz="2400" b="0"/>
+            </a:lvl1pPr>
+          </a:lstStyle>
+          <a:p>
+            <a:r>
+              <a:rPr lang="en-US"/>
+              <a:t>Click to edit Master title style</a:t>
+            </a:r>
+            <a:endParaRPr lang="en-US" dirty="0"/>
+          </a:p>
+        </p:txBody>
+      </p:sp>
+      <p:sp>
+        <p:nvSpPr>
+          <p:cNvPr id="3" name="Picture Placeholder 2"/>
+          <p:cNvSpPr>
+            <a:spLocks noGrp="1" noChangeAspect="1"/>
+          </p:cNvSpPr>
+          <p:nvPr>
+            <p:ph type="pic" idx="1"/>
+          </p:nvPr>
+        </p:nvSpPr>
+        <p:spPr>
+          <a:xfrm>
+            <a:off x="1154955" y="685800"/>
+            <a:ext cx="8825658" cy="3640666"/>
+          </a:xfrm>
+          <a:prstGeom prst="roundRect">
+            <a:avLst>
+              <a:gd name="adj" fmla="val 1858"/>
+            </a:avLst>
+          </a:prstGeom>
+          <a:effectLst>
+            <a:outerShdw blurRad="50800" dist="50800" dir="5400000" algn="tl" rotWithShape="0">
+              <a:srgbClr val="000000">
+                <a:alpha val="43000"/>
+              </a:srgbClr>
+            </a:outerShdw>
+          </a:effectLst>
+        </p:spPr>
+        <p:txBody>
+          <a:bodyPr anchor="t">
+            <a:normAutofit/>
+          </a:bodyPr>
+          <a:lstStyle>
+            <a:lvl1pPr marL="0" indent="0" algn="ctr">
+              <a:buNone/>
+              <a:defRPr sz="1600"/>
+            </a:lvl1pPr>
+            <a:lvl2pPr marL="457200" indent="0">
+              <a:buNone/>
+              <a:defRPr sz="1600"/>
+            </a:lvl2pPr>
+            <a:lvl3pPr marL="914400" indent="0">
+              <a:buNone/>
+              <a:defRPr sz="1600"/>
+            </a:lvl3pPr>
+            <a:lvl4pPr marL="1371600" indent="0">
+              <a:buNone/>
+              <a:defRPr sz="1600"/>
+            </a:lvl4pPr>
+            <a:lvl5pPr marL="1828800" indent="0">
+              <a:buNone/>
+              <a:defRPr sz="1600"/>
+            </a:lvl5pPr>
+            <a:lvl6pPr marL="2286000" indent="0">
+              <a:buNone/>
+              <a:defRPr sz="1600"/>
+            </a:lvl6pPr>
+            <a:lvl7pPr marL="2743200" indent="0">
+              <a:buNone/>
+              <a:defRPr sz="1600"/>
+            </a:lvl7pPr>
+            <a:lvl8pPr marL="3200400" indent="0">
+              <a:buNone/>
+              <a:defRPr sz="1600"/>
+            </a:lvl8pPr>
+            <a:lvl9pPr marL="3657600" indent="0">
+              <a:buNone/>
+              <a:defRPr sz="1600"/>
+            </a:lvl9pPr>
+          </a:lstStyle>
+          <a:p>
+            <a:r>
+              <a:rPr lang="en-US"/>
+              <a:t>Click icon to add picture</a:t>
+            </a:r>
+            <a:endParaRPr lang="en-US" dirty="0"/>
+          </a:p>
+        </p:txBody>
+      </p:sp>
+      <p:sp>
+        <p:nvSpPr>
+          <p:cNvPr id="4" name="Text Placeholder 3"/>
+          <p:cNvSpPr>
+            <a:spLocks noGrp="1"/>
+          </p:cNvSpPr>
+          <p:nvPr>
+            <p:ph type="body" sz="half" idx="2"/>
+          </p:nvPr>
+        </p:nvSpPr>
+        <p:spPr>
+          <a:xfrm>
+            <a:off x="1154956" y="5367325"/>
+            <a:ext cx="8825656" cy="493712"/>
+          </a:xfrm>
+        </p:spPr>
+        <p:txBody>
+          <a:bodyPr>
+            <a:normAutofit/>
+          </a:bodyPr>
+          <a:lstStyle>
+            <a:lvl1pPr marL="0" indent="0">
+              <a:buNone/>
+              <a:defRPr sz="1200"/>
+            </a:lvl1pPr>
+            <a:lvl2pPr marL="457200" indent="0">
+              <a:buNone/>
+              <a:defRPr sz="1200"/>
+            </a:lvl2pPr>
+            <a:lvl3pPr marL="914400" indent="0">
+              <a:buNone/>
+              <a:defRPr sz="1000"/>
+            </a:lvl3pPr>
+            <a:lvl4pPr marL="1371600" indent="0">
+              <a:buNone/>
+              <a:defRPr sz="900"/>
+            </a:lvl4pPr>
+            <a:lvl5pPr marL="1828800" indent="0">
+              <a:buNone/>
+              <a:defRPr sz="900"/>
+            </a:lvl5pPr>
+            <a:lvl6pPr marL="2286000" indent="0">
+              <a:buNone/>
+              <a:defRPr sz="900"/>
+            </a:lvl6pPr>
+            <a:lvl7pPr marL="2743200" indent="0">
+              <a:buNone/>
+              <a:defRPr sz="900"/>
+            </a:lvl7pPr>
+            <a:lvl8pPr marL="3200400" indent="0">
+              <a:buNone/>
+              <a:defRPr sz="900"/>
+            </a:lvl8pPr>
+            <a:lvl9pPr marL="3657600" indent="0">
+              <a:buNone/>
+              <a:defRPr sz="900"/>
+            </a:lvl9pPr>
+          </a:lstStyle>
+          <a:p>
+            <a:pPr lvl="0"/>
+            <a:r>
+              <a:rPr lang="en-US"/>
+              <a:t>Click to edit Master text styles</a:t>
+            </a:r>
+          </a:p>
+        </p:txBody>
+      </p:sp>
+      <p:sp>
+        <p:nvSpPr>
+          <p:cNvPr id="5" name="Date Placeholder 4"/>
+          <p:cNvSpPr>
+            <a:spLocks noGrp="1"/>
+          </p:cNvSpPr>
+          <p:nvPr>
+            <p:ph type="dt" sz="half" idx="10"/>
+          </p:nvPr>
+        </p:nvSpPr>
+        <p:spPr/>
+        <p:txBody>
+          <a:bodyPr/>
+          <a:lstStyle/>
+          <a:p>
+            <a:fld id="{F4C6FC4E-C84B-4657-97FD-F4C92E31B913}" type="datetimeFigureOut">
+              <a:rPr lang="en-US" smtClean="0"/>
+              <a:t>6/25/2020</a:t>
+            </a:fld>
+            <a:endParaRPr lang="en-US"/>
+          </a:p>
+        </p:txBody>
+      </p:sp>
+      <p:sp>
+        <p:nvSpPr>
+          <p:cNvPr id="6" name="Footer Placeholder 5"/>
+          <p:cNvSpPr>
+            <a:spLocks noGrp="1"/>
+          </p:cNvSpPr>
+          <p:nvPr>
+            <p:ph type="ftr" sz="quarter" idx="11"/>
+          </p:nvPr>
+        </p:nvSpPr>
+        <p:spPr/>
+        <p:txBody>
+          <a:bodyPr/>
+          <a:lstStyle/>
+          <a:p>
+            <a:endParaRPr lang="en-US"/>
+          </a:p>
+        </p:txBody>
+      </p:sp>
+      <p:sp>
+        <p:nvSpPr>
+          <p:cNvPr id="7" name="Slide Number Placeholder 6"/>
+          <p:cNvSpPr>
+            <a:spLocks noGrp="1"/>
+          </p:cNvSpPr>
+          <p:nvPr>
+            <p:ph type="sldNum" sz="quarter" idx="12"/>
+          </p:nvPr>
+        </p:nvSpPr>
+        <p:spPr/>
+        <p:txBody>
+          <a:bodyPr/>
+          <a:lstStyle/>
+          <a:p>
+            <a:fld id="{F1D20B05-C423-423F-BECE-6249FDC28811}" type="slidenum">
+              <a:rPr lang="en-US" smtClean="0"/>
+              <a:t>‹#›</a:t>
+            </a:fld>
+            <a:endParaRPr lang="en-US"/>
+          </a:p>
+        </p:txBody>
+      </p:sp>
+    </p:spTree>
+    <p:extLst>
+      <p:ext uri="{BB962C8B-B14F-4D97-AF65-F5344CB8AC3E}">
+        <p14:creationId xmlns:p14="http://schemas.microsoft.com/office/powerpoint/2010/main" val="2372469524"/>
+      </p:ext>
+    </p:extLst>
+  </p:cSld>
+  <p:clrMapOvr>
+    <a:masterClrMapping/>
+  </p:clrMapOvr>
+</p:sldLayout>
+</file>
+
+<file path=ppt/slideLayouts/slideLayout11.xml><?xml version="1.0" encoding="utf-8"?>
+<p:sldLayout xmlns:a="http://schemas.openxmlformats.org/drawingml/2006/main" xmlns:r="http://schemas.openxmlformats.org/officeDocument/2006/relationships" xmlns:p="http://schemas.openxmlformats.org/presentationml/2006/main" preserve="1">
+  <p:cSld name="Title and Caption">
+    <p:spTree>
+      <p:nvGrpSpPr>
+        <p:cNvPr id="1" name=""/>
+        <p:cNvGrpSpPr/>
+        <p:nvPr/>
+      </p:nvGrpSpPr>
+      <p:grpSpPr>
+        <a:xfrm>
+          <a:off x="0" y="0"/>
+          <a:ext cx="0" cy="0"/>
+          <a:chOff x="0" y="0"/>
+          <a:chExt cx="0" cy="0"/>
+        </a:xfrm>
+      </p:grpSpPr>
+      <p:sp>
+        <p:nvSpPr>
+          <p:cNvPr id="2" name="Title 1"/>
+          <p:cNvSpPr>
+            <a:spLocks noGrp="1"/>
+          </p:cNvSpPr>
+          <p:nvPr>
+            <p:ph type="title"/>
+          </p:nvPr>
+        </p:nvSpPr>
+        <p:spPr>
+          <a:xfrm>
+            <a:off x="1154954" y="1447800"/>
+            <a:ext cx="8825659" cy="1981200"/>
+          </a:xfrm>
+        </p:spPr>
+        <p:txBody>
+          <a:bodyPr/>
+          <a:lstStyle>
+            <a:lvl1pPr>
+              <a:defRPr sz="4800"/>
+            </a:lvl1pPr>
+          </a:lstStyle>
+          <a:p>
+            <a:r>
+              <a:rPr lang="en-US"/>
+              <a:t>Click to edit Master title style</a:t>
+            </a:r>
+            <a:endParaRPr lang="en-US" dirty="0"/>
+          </a:p>
+        </p:txBody>
+      </p:sp>
+      <p:sp>
+        <p:nvSpPr>
+          <p:cNvPr id="8" name="Text Placeholder 3"/>
+          <p:cNvSpPr>
+            <a:spLocks noGrp="1"/>
+          </p:cNvSpPr>
+          <p:nvPr>
+            <p:ph type="body" sz="half" idx="2"/>
+          </p:nvPr>
+        </p:nvSpPr>
+        <p:spPr>
+          <a:xfrm>
+            <a:off x="1154954" y="3657600"/>
+            <a:ext cx="8825659" cy="2362200"/>
+          </a:xfrm>
+        </p:spPr>
+        <p:txBody>
+          <a:bodyPr anchor="ctr">
+            <a:normAutofit/>
+          </a:bodyPr>
+          <a:lstStyle>
+            <a:lvl1pPr marL="0" indent="0">
+              <a:buNone/>
+              <a:defRPr sz="1800"/>
+            </a:lvl1pPr>
+            <a:lvl2pPr marL="457200" indent="0">
+              <a:buNone/>
+              <a:defRPr sz="1200"/>
+            </a:lvl2pPr>
+            <a:lvl3pPr marL="914400" indent="0">
+              <a:buNone/>
+              <a:defRPr sz="1000"/>
+            </a:lvl3pPr>
+            <a:lvl4pPr marL="1371600" indent="0">
+              <a:buNone/>
+              <a:defRPr sz="900"/>
+            </a:lvl4pPr>
+            <a:lvl5pPr marL="1828800" indent="0">
+              <a:buNone/>
+              <a:defRPr sz="900"/>
+            </a:lvl5pPr>
+            <a:lvl6pPr marL="2286000" indent="0">
+              <a:buNone/>
+              <a:defRPr sz="900"/>
+            </a:lvl6pPr>
+            <a:lvl7pPr marL="2743200" indent="0">
+              <a:buNone/>
+              <a:defRPr sz="900"/>
+            </a:lvl7pPr>
+            <a:lvl8pPr marL="3200400" indent="0">
+              <a:buNone/>
+              <a:defRPr sz="900"/>
+            </a:lvl8pPr>
+            <a:lvl9pPr marL="3657600" indent="0">
+              <a:buNone/>
+              <a:defRPr sz="900"/>
+            </a:lvl9pPr>
+          </a:lstStyle>
+          <a:p>
+            <a:pPr lvl="0"/>
+            <a:r>
+              <a:rPr lang="en-US"/>
+              <a:t>Click to edit Master text styles</a:t>
+            </a:r>
+          </a:p>
+        </p:txBody>
+      </p:sp>
+      <p:sp>
+        <p:nvSpPr>
+          <p:cNvPr id="4" name="Date Placeholder 3"/>
+          <p:cNvSpPr>
+            <a:spLocks noGrp="1"/>
+          </p:cNvSpPr>
+          <p:nvPr>
+            <p:ph type="dt" sz="half" idx="10"/>
+          </p:nvPr>
+        </p:nvSpPr>
+        <p:spPr/>
+        <p:txBody>
+          <a:bodyPr/>
+          <a:lstStyle/>
+          <a:p>
+            <a:fld id="{F4C6FC4E-C84B-4657-97FD-F4C92E31B913}" type="datetimeFigureOut">
+              <a:rPr lang="en-US" smtClean="0"/>
+              <a:t>6/25/2020</a:t>
+            </a:fld>
+            <a:endParaRPr lang="en-US"/>
+          </a:p>
+        </p:txBody>
+      </p:sp>
+      <p:sp>
+        <p:nvSpPr>
+          <p:cNvPr id="5" name="Footer Placeholder 4"/>
+          <p:cNvSpPr>
+            <a:spLocks noGrp="1"/>
+          </p:cNvSpPr>
+          <p:nvPr>
+            <p:ph type="ftr" sz="quarter" idx="11"/>
+          </p:nvPr>
+        </p:nvSpPr>
+        <p:spPr/>
+        <p:txBody>
+          <a:bodyPr/>
+          <a:lstStyle/>
+          <a:p>
+            <a:endParaRPr lang="en-US"/>
+          </a:p>
+        </p:txBody>
+      </p:sp>
+      <p:sp>
+        <p:nvSpPr>
+          <p:cNvPr id="6" name="Slide Number Placeholder 5"/>
+          <p:cNvSpPr>
+            <a:spLocks noGrp="1"/>
+          </p:cNvSpPr>
+          <p:nvPr>
+            <p:ph type="sldNum" sz="quarter" idx="12"/>
+          </p:nvPr>
+        </p:nvSpPr>
+        <p:spPr/>
+        <p:txBody>
+          <a:bodyPr/>
+          <a:lstStyle/>
+          <a:p>
+            <a:fld id="{F1D20B05-C423-423F-BECE-6249FDC28811}" type="slidenum">
+              <a:rPr lang="en-US" smtClean="0"/>
+              <a:t>‹#›</a:t>
+            </a:fld>
+            <a:endParaRPr lang="en-US"/>
+          </a:p>
+        </p:txBody>
+      </p:sp>
+    </p:spTree>
+    <p:extLst>
+      <p:ext uri="{BB962C8B-B14F-4D97-AF65-F5344CB8AC3E}">
+        <p14:creationId xmlns:p14="http://schemas.microsoft.com/office/powerpoint/2010/main" val="901414507"/>
+      </p:ext>
+    </p:extLst>
+  </p:cSld>
+  <p:clrMapOvr>
+    <a:masterClrMapping/>
+  </p:clrMapOvr>
+</p:sldLayout>
+</file>
+
+<file path=ppt/slideLayouts/slideLayout12.xml><?xml version="1.0" encoding="utf-8"?>
+<p:sldLayout xmlns:a="http://schemas.openxmlformats.org/drawingml/2006/main" xmlns:r="http://schemas.openxmlformats.org/officeDocument/2006/relationships" xmlns:p="http://schemas.openxmlformats.org/presentationml/2006/main" preserve="1">
+  <p:cSld name="Quote with Caption">
+    <p:spTree>
+      <p:nvGrpSpPr>
+        <p:cNvPr id="1" name=""/>
+        <p:cNvGrpSpPr/>
+        <p:nvPr/>
+      </p:nvGrpSpPr>
+      <p:grpSpPr>
+        <a:xfrm>
+          <a:off x="0" y="0"/>
+          <a:ext cx="0" cy="0"/>
+          <a:chOff x="0" y="0"/>
+          <a:chExt cx="0" cy="0"/>
+        </a:xfrm>
+      </p:grpSpPr>
+      <p:sp>
+        <p:nvSpPr>
+          <p:cNvPr id="2" name="Title 1"/>
+          <p:cNvSpPr>
+            <a:spLocks noGrp="1"/>
+          </p:cNvSpPr>
+          <p:nvPr>
+            <p:ph type="title"/>
+          </p:nvPr>
+        </p:nvSpPr>
+        <p:spPr>
+          <a:xfrm>
+            <a:off x="1574801" y="1447800"/>
+            <a:ext cx="7999315" cy="2323374"/>
+          </a:xfrm>
+        </p:spPr>
+        <p:txBody>
+          <a:bodyPr/>
+          <a:lstStyle>
+            <a:lvl1pPr>
+              <a:defRPr sz="4800"/>
+            </a:lvl1pPr>
+          </a:lstStyle>
+          <a:p>
+            <a:r>
+              <a:rPr lang="en-US"/>
+              <a:t>Click to edit Master title style</a:t>
+            </a:r>
+            <a:endParaRPr lang="en-US" dirty="0"/>
+          </a:p>
+        </p:txBody>
+      </p:sp>
+      <p:sp>
+        <p:nvSpPr>
+          <p:cNvPr id="11" name="Text Placeholder 3"/>
+          <p:cNvSpPr>
+            <a:spLocks noGrp="1"/>
+          </p:cNvSpPr>
+          <p:nvPr>
+            <p:ph type="body" sz="half" idx="14"/>
+          </p:nvPr>
+        </p:nvSpPr>
+        <p:spPr>
+          <a:xfrm>
+            <a:off x="1930400" y="3771174"/>
+            <a:ext cx="7279649" cy="342174"/>
+          </a:xfrm>
+        </p:spPr>
+        <p:txBody>
+          <a:bodyPr vert="horz" lIns="91440" tIns="45720" rIns="91440" bIns="45720" rtlCol="0" anchor="t">
+            <a:normAutofit/>
+          </a:bodyPr>
+          <a:lstStyle>
+            <a:lvl1pPr marL="0" indent="0">
+              <a:buNone/>
+              <a:defRPr lang="en-US" sz="1400" b="0" i="0" kern="1200" cap="small" dirty="0">
+                <a:solidFill>
+                  <a:schemeClr val="bg2">
+                    <a:lumMod val="40000"/>
+                    <a:lumOff val="60000"/>
+                  </a:schemeClr>
+                </a:solidFill>
+                <a:latin typeface="+mj-lt"/>
+                <a:ea typeface="+mj-ea"/>
+                <a:cs typeface="+mj-cs"/>
+              </a:defRPr>
+            </a:lvl1pPr>
+            <a:lvl2pPr marL="457200" indent="0">
+              <a:buNone/>
+              <a:defRPr sz="1200"/>
+            </a:lvl2pPr>
+            <a:lvl3pPr marL="914400" indent="0">
+              <a:buNone/>
+              <a:defRPr sz="1000"/>
+            </a:lvl3pPr>
+            <a:lvl4pPr marL="1371600" indent="0">
+              <a:buNone/>
+              <a:defRPr sz="900"/>
+            </a:lvl4pPr>
+            <a:lvl5pPr marL="1828800" indent="0">
+              <a:buNone/>
+              <a:defRPr sz="900"/>
+            </a:lvl5pPr>
+            <a:lvl6pPr marL="2286000" indent="0">
+              <a:buNone/>
+              <a:defRPr sz="900"/>
+            </a:lvl6pPr>
+            <a:lvl7pPr marL="2743200" indent="0">
+              <a:buNone/>
+              <a:defRPr sz="900"/>
+            </a:lvl7pPr>
+            <a:lvl8pPr marL="3200400" indent="0">
+              <a:buNone/>
+              <a:defRPr sz="900"/>
+            </a:lvl8pPr>
+            <a:lvl9pPr marL="3657600" indent="0">
+              <a:buNone/>
+              <a:defRPr sz="900"/>
+            </a:lvl9pPr>
+          </a:lstStyle>
+          <a:p>
+            <a:pPr marL="0" lvl="0" indent="0">
+              <a:buNone/>
+            </a:pPr>
+            <a:r>
+              <a:rPr lang="en-US"/>
+              <a:t>Click to edit Master text styles</a:t>
+            </a:r>
+          </a:p>
+        </p:txBody>
+      </p:sp>
+      <p:sp>
+        <p:nvSpPr>
+          <p:cNvPr id="10" name="Text Placeholder 3"/>
+          <p:cNvSpPr>
+            <a:spLocks noGrp="1"/>
+          </p:cNvSpPr>
+          <p:nvPr>
+            <p:ph type="body" sz="half" idx="2"/>
+          </p:nvPr>
+        </p:nvSpPr>
+        <p:spPr>
+          <a:xfrm>
+            <a:off x="1154954" y="4350657"/>
+            <a:ext cx="8825659" cy="1676400"/>
+          </a:xfrm>
+        </p:spPr>
+        <p:txBody>
+          <a:bodyPr anchor="ctr">
+            <a:normAutofit/>
+          </a:bodyPr>
+          <a:lstStyle>
+            <a:lvl1pPr marL="0" indent="0">
+              <a:buNone/>
+              <a:defRPr sz="1800"/>
+            </a:lvl1pPr>
+            <a:lvl2pPr marL="457200" indent="0">
+              <a:buNone/>
+              <a:defRPr sz="1200"/>
+            </a:lvl2pPr>
+            <a:lvl3pPr marL="914400" indent="0">
+              <a:buNone/>
+              <a:defRPr sz="1000"/>
+            </a:lvl3pPr>
+            <a:lvl4pPr marL="1371600" indent="0">
+              <a:buNone/>
+              <a:defRPr sz="900"/>
+            </a:lvl4pPr>
+            <a:lvl5pPr marL="1828800" indent="0">
+              <a:buNone/>
+              <a:defRPr sz="900"/>
+            </a:lvl5pPr>
+            <a:lvl6pPr marL="2286000" indent="0">
+              <a:buNone/>
+              <a:defRPr sz="900"/>
+            </a:lvl6pPr>
+            <a:lvl7pPr marL="2743200" indent="0">
+              <a:buNone/>
+              <a:defRPr sz="900"/>
+            </a:lvl7pPr>
+            <a:lvl8pPr marL="3200400" indent="0">
+              <a:buNone/>
+              <a:defRPr sz="900"/>
+            </a:lvl8pPr>
+            <a:lvl9pPr marL="3657600" indent="0">
+              <a:buNone/>
+              <a:defRPr sz="900"/>
+            </a:lvl9pPr>
+          </a:lstStyle>
+          <a:p>
+            <a:pPr lvl="0"/>
+            <a:r>
+              <a:rPr lang="en-US"/>
+              <a:t>Click to edit Master text styles</a:t>
+            </a:r>
+          </a:p>
+        </p:txBody>
+      </p:sp>
+      <p:sp>
+        <p:nvSpPr>
+          <p:cNvPr id="4" name="Date Placeholder 3"/>
+          <p:cNvSpPr>
+            <a:spLocks noGrp="1"/>
+          </p:cNvSpPr>
+          <p:nvPr>
+            <p:ph type="dt" sz="half" idx="10"/>
+          </p:nvPr>
+        </p:nvSpPr>
+        <p:spPr/>
+        <p:txBody>
+          <a:bodyPr/>
+          <a:lstStyle/>
+          <a:p>
+            <a:fld id="{F4C6FC4E-C84B-4657-97FD-F4C92E31B913}" type="datetimeFigureOut">
+              <a:rPr lang="en-US" smtClean="0"/>
+              <a:t>6/25/2020</a:t>
+            </a:fld>
+            <a:endParaRPr lang="en-US"/>
+          </a:p>
+        </p:txBody>
+      </p:sp>
+      <p:sp>
+        <p:nvSpPr>
+          <p:cNvPr id="5" name="Footer Placeholder 4"/>
+          <p:cNvSpPr>
+            <a:spLocks noGrp="1"/>
+          </p:cNvSpPr>
+          <p:nvPr>
+            <p:ph type="ftr" sz="quarter" idx="11"/>
+          </p:nvPr>
+        </p:nvSpPr>
+        <p:spPr/>
+        <p:txBody>
+          <a:bodyPr/>
+          <a:lstStyle/>
+          <a:p>
+            <a:endParaRPr lang="en-US"/>
+          </a:p>
+        </p:txBody>
+      </p:sp>
+      <p:sp>
+        <p:nvSpPr>
+          <p:cNvPr id="6" name="Slide Number Placeholder 5"/>
+          <p:cNvSpPr>
+            <a:spLocks noGrp="1"/>
+          </p:cNvSpPr>
+          <p:nvPr>
+            <p:ph type="sldNum" sz="quarter" idx="12"/>
+          </p:nvPr>
+        </p:nvSpPr>
+        <p:spPr/>
+        <p:txBody>
+          <a:bodyPr/>
+          <a:lstStyle/>
+          <a:p>
+            <a:fld id="{F1D20B05-C423-423F-BECE-6249FDC28811}" type="slidenum">
+              <a:rPr lang="en-US" smtClean="0"/>
+              <a:t>‹#›</a:t>
+            </a:fld>
+            <a:endParaRPr lang="en-US"/>
+          </a:p>
+        </p:txBody>
+      </p:sp>
+      <p:sp>
+        <p:nvSpPr>
+          <p:cNvPr id="12" name="TextBox 11"/>
+          <p:cNvSpPr txBox="1"/>
+          <p:nvPr/>
+        </p:nvSpPr>
+        <p:spPr>
+          <a:xfrm>
+            <a:off x="898295" y="971253"/>
+            <a:ext cx="801912" cy="1969770"/>
+          </a:xfrm>
+          <a:prstGeom prst="rect">
+            <a:avLst/>
+          </a:prstGeom>
+          <a:noFill/>
+        </p:spPr>
+        <p:txBody>
+          <a:bodyPr wrap="square" rtlCol="0">
+            <a:spAutoFit/>
+          </a:bodyPr>
+          <a:lstStyle>
+            <a:defPPr>
+              <a:defRPr lang="en-US"/>
+            </a:defPPr>
+            <a:lvl1pPr algn="r">
+              <a:defRPr sz="12200" b="0" i="0">
+                <a:solidFill>
+                  <a:schemeClr val="bg2">
+                    <a:lumMod val="40000"/>
+                    <a:lumOff val="60000"/>
+                  </a:schemeClr>
+                </a:solidFill>
+                <a:latin typeface="Arial"/>
+                <a:ea typeface="+mj-ea"/>
+                <a:cs typeface="+mj-cs"/>
+              </a:defRPr>
+            </a:lvl1pPr>
+          </a:lstStyle>
+          <a:p>
+            <a:pPr lvl="0"/>
+            <a:r>
+              <a:rPr lang="en-US" dirty="0"/>
+              <a:t>“</a:t>
+            </a:r>
+          </a:p>
+        </p:txBody>
+      </p:sp>
+      <p:sp>
+        <p:nvSpPr>
+          <p:cNvPr id="15" name="TextBox 14"/>
+          <p:cNvSpPr txBox="1"/>
+          <p:nvPr/>
+        </p:nvSpPr>
+        <p:spPr>
+          <a:xfrm>
+            <a:off x="9330490" y="2613787"/>
+            <a:ext cx="801912" cy="1969770"/>
+          </a:xfrm>
+          <a:prstGeom prst="rect">
+            <a:avLst/>
+          </a:prstGeom>
+          <a:noFill/>
+        </p:spPr>
+        <p:txBody>
+          <a:bodyPr wrap="square" rtlCol="0">
+            <a:spAutoFit/>
+          </a:bodyPr>
+          <a:lstStyle>
+            <a:defPPr>
+              <a:defRPr lang="en-US"/>
+            </a:defPPr>
+            <a:lvl1pPr algn="r">
+              <a:defRPr sz="12200" b="0" i="0">
+                <a:solidFill>
+                  <a:schemeClr val="bg2">
+                    <a:lumMod val="40000"/>
+                    <a:lumOff val="60000"/>
+                  </a:schemeClr>
+                </a:solidFill>
+                <a:latin typeface="Arial"/>
+                <a:ea typeface="+mj-ea"/>
+                <a:cs typeface="+mj-cs"/>
+              </a:defRPr>
+            </a:lvl1pPr>
+          </a:lstStyle>
+          <a:p>
+            <a:pPr lvl="0"/>
+            <a:r>
+              <a:rPr lang="en-US" dirty="0"/>
+              <a:t>”</a:t>
+            </a:r>
+          </a:p>
+        </p:txBody>
+      </p:sp>
+    </p:spTree>
+    <p:extLst>
+      <p:ext uri="{BB962C8B-B14F-4D97-AF65-F5344CB8AC3E}">
+        <p14:creationId xmlns:p14="http://schemas.microsoft.com/office/powerpoint/2010/main" val="1842991068"/>
+      </p:ext>
+    </p:extLst>
+  </p:cSld>
+  <p:clrMapOvr>
+    <a:masterClrMapping/>
+  </p:clrMapOvr>
+</p:sldLayout>
+</file>
+
+<file path=ppt/slideLayouts/slideLayout13.xml><?xml version="1.0" encoding="utf-8"?>
+<p:sldLayout xmlns:a="http://schemas.openxmlformats.org/drawingml/2006/main" xmlns:r="http://schemas.openxmlformats.org/officeDocument/2006/relationships" xmlns:p="http://schemas.openxmlformats.org/presentationml/2006/main" preserve="1">
+  <p:cSld name="Name Card">
+    <p:spTree>
+      <p:nvGrpSpPr>
+        <p:cNvPr id="1" name=""/>
+        <p:cNvGrpSpPr/>
+        <p:nvPr/>
+      </p:nvGrpSpPr>
+      <p:grpSpPr>
+        <a:xfrm>
+          <a:off x="0" y="0"/>
+          <a:ext cx="0" cy="0"/>
+          <a:chOff x="0" y="0"/>
+          <a:chExt cx="0" cy="0"/>
+        </a:xfrm>
+      </p:grpSpPr>
+      <p:sp>
+        <p:nvSpPr>
+          <p:cNvPr id="2" name="Title 1"/>
+          <p:cNvSpPr>
+            <a:spLocks noGrp="1"/>
+          </p:cNvSpPr>
+          <p:nvPr>
+            <p:ph type="title"/>
+          </p:nvPr>
+        </p:nvSpPr>
+        <p:spPr>
+          <a:xfrm>
+            <a:off x="1154954" y="3124201"/>
+            <a:ext cx="8825660" cy="1653180"/>
+          </a:xfrm>
+        </p:spPr>
+        <p:txBody>
+          <a:bodyPr anchor="b"/>
+          <a:lstStyle>
+            <a:lvl1pPr algn="l">
+              <a:defRPr sz="4000" b="0" cap="none"/>
+            </a:lvl1pPr>
+          </a:lstStyle>
+          <a:p>
+            <a:r>
+              <a:rPr lang="en-US"/>
+              <a:t>Click to edit Master title style</a:t>
+            </a:r>
+            <a:endParaRPr lang="en-US" dirty="0"/>
+          </a:p>
+        </p:txBody>
+      </p:sp>
+      <p:sp>
+        <p:nvSpPr>
+          <p:cNvPr id="3" name="Text Placeholder 2"/>
+          <p:cNvSpPr>
+            <a:spLocks noGrp="1"/>
+          </p:cNvSpPr>
+          <p:nvPr>
+            <p:ph type="body" idx="1"/>
+          </p:nvPr>
+        </p:nvSpPr>
+        <p:spPr>
+          <a:xfrm>
+            <a:off x="1154954" y="4777381"/>
+            <a:ext cx="8825659" cy="860400"/>
+          </a:xfrm>
+        </p:spPr>
+        <p:txBody>
+          <a:bodyPr anchor="t"/>
+          <a:lstStyle>
+            <a:lvl1pPr marL="0" indent="0" algn="l">
+              <a:buNone/>
+              <a:defRPr sz="2000" cap="none">
+                <a:solidFill>
+                  <a:schemeClr val="bg2">
+                    <a:lumMod val="40000"/>
+                    <a:lumOff val="60000"/>
+                  </a:schemeClr>
+                </a:solidFill>
+              </a:defRPr>
+            </a:lvl1pPr>
+            <a:lvl2pPr marL="457200" indent="0">
+              <a:buNone/>
+              <a:defRPr sz="1800">
+                <a:solidFill>
+                  <a:schemeClr val="tx1">
+                    <a:tint val="75000"/>
+                  </a:schemeClr>
+                </a:solidFill>
+              </a:defRPr>
+            </a:lvl2pPr>
+            <a:lvl3pPr marL="914400" indent="0">
+              <a:buNone/>
+              <a:defRPr sz="1600">
+                <a:solidFill>
+                  <a:schemeClr val="tx1">
+                    <a:tint val="75000"/>
+                  </a:schemeClr>
+                </a:solidFill>
+              </a:defRPr>
+            </a:lvl3pPr>
+            <a:lvl4pPr marL="1371600" indent="0">
+              <a:buNone/>
+              <a:defRPr sz="1400">
+                <a:solidFill>
+                  <a:schemeClr val="tx1">
+                    <a:tint val="75000"/>
+                  </a:schemeClr>
+                </a:solidFill>
+              </a:defRPr>
+            </a:lvl4pPr>
+            <a:lvl5pPr marL="1828800" indent="0">
+              <a:buNone/>
+              <a:defRPr sz="1400">
+                <a:solidFill>
+                  <a:schemeClr val="tx1">
+                    <a:tint val="75000"/>
+                  </a:schemeClr>
+                </a:solidFill>
+              </a:defRPr>
+            </a:lvl5pPr>
+            <a:lvl6pPr marL="2286000" indent="0">
+              <a:buNone/>
+              <a:defRPr sz="1400">
+                <a:solidFill>
+                  <a:schemeClr val="tx1">
+                    <a:tint val="75000"/>
+                  </a:schemeClr>
+                </a:solidFill>
+              </a:defRPr>
+            </a:lvl6pPr>
+            <a:lvl7pPr marL="2743200" indent="0">
+              <a:buNone/>
+              <a:defRPr sz="1400">
+                <a:solidFill>
+                  <a:schemeClr val="tx1">
+                    <a:tint val="75000"/>
+                  </a:schemeClr>
+                </a:solidFill>
+              </a:defRPr>
+            </a:lvl7pPr>
+            <a:lvl8pPr marL="3200400" indent="0">
+              <a:buNone/>
+              <a:defRPr sz="1400">
+                <a:solidFill>
+                  <a:schemeClr val="tx1">
+                    <a:tint val="75000"/>
+                  </a:schemeClr>
+                </a:solidFill>
+              </a:defRPr>
+            </a:lvl8pPr>
+            <a:lvl9pPr marL="3657600" indent="0">
+              <a:buNone/>
+              <a:defRPr sz="1400">
+                <a:solidFill>
+                  <a:schemeClr val="tx1">
+                    <a:tint val="75000"/>
+                  </a:schemeClr>
+                </a:solidFill>
+              </a:defRPr>
+            </a:lvl9pPr>
+          </a:lstStyle>
+          <a:p>
+            <a:pPr lvl="0"/>
+            <a:r>
+              <a:rPr lang="en-US"/>
+              <a:t>Click to edit Master text styles</a:t>
+            </a:r>
+          </a:p>
+        </p:txBody>
+      </p:sp>
+      <p:sp>
+        <p:nvSpPr>
+          <p:cNvPr id="4" name="Date Placeholder 3"/>
+          <p:cNvSpPr>
+            <a:spLocks noGrp="1"/>
+          </p:cNvSpPr>
+          <p:nvPr>
+            <p:ph type="dt" sz="half" idx="10"/>
+          </p:nvPr>
+        </p:nvSpPr>
+        <p:spPr/>
+        <p:txBody>
+          <a:bodyPr/>
+          <a:lstStyle/>
+          <a:p>
+            <a:fld id="{F4C6FC4E-C84B-4657-97FD-F4C92E31B913}" type="datetimeFigureOut">
+              <a:rPr lang="en-US" smtClean="0"/>
+              <a:t>6/25/2020</a:t>
+            </a:fld>
+            <a:endParaRPr lang="en-US"/>
+          </a:p>
+        </p:txBody>
+      </p:sp>
+      <p:sp>
+        <p:nvSpPr>
+          <p:cNvPr id="5" name="Footer Placeholder 4"/>
+          <p:cNvSpPr>
+            <a:spLocks noGrp="1"/>
+          </p:cNvSpPr>
+          <p:nvPr>
+            <p:ph type="ftr" sz="quarter" idx="11"/>
+          </p:nvPr>
+        </p:nvSpPr>
+        <p:spPr/>
+        <p:txBody>
+          <a:bodyPr/>
+          <a:lstStyle/>
+          <a:p>
+            <a:endParaRPr lang="en-US"/>
+          </a:p>
+        </p:txBody>
+      </p:sp>
+      <p:sp>
+        <p:nvSpPr>
+          <p:cNvPr id="6" name="Slide Number Placeholder 5"/>
+          <p:cNvSpPr>
+            <a:spLocks noGrp="1"/>
+          </p:cNvSpPr>
+          <p:nvPr>
+            <p:ph type="sldNum" sz="quarter" idx="12"/>
+          </p:nvPr>
+        </p:nvSpPr>
+        <p:spPr/>
+        <p:txBody>
+          <a:bodyPr/>
+          <a:lstStyle/>
+          <a:p>
+            <a:fld id="{F1D20B05-C423-423F-BECE-6249FDC28811}" type="slidenum">
+              <a:rPr lang="en-US" smtClean="0"/>
+              <a:t>‹#›</a:t>
+            </a:fld>
+            <a:endParaRPr lang="en-US"/>
+          </a:p>
+        </p:txBody>
+      </p:sp>
+    </p:spTree>
+    <p:extLst>
+      <p:ext uri="{BB962C8B-B14F-4D97-AF65-F5344CB8AC3E}">
+        <p14:creationId xmlns:p14="http://schemas.microsoft.com/office/powerpoint/2010/main" val="1038058732"/>
+      </p:ext>
+    </p:extLst>
+  </p:cSld>
+  <p:clrMapOvr>
+    <a:masterClrMapping/>
+  </p:clrMapOvr>
+</p:sldLayout>
+</file>
+
+<file path=ppt/slideLayouts/slideLayout14.xml><?xml version="1.0" encoding="utf-8"?>
+<p:sldLayout xmlns:a="http://schemas.openxmlformats.org/drawingml/2006/main" xmlns:r="http://schemas.openxmlformats.org/officeDocument/2006/relationships" xmlns:p="http://schemas.openxmlformats.org/presentationml/2006/main" preserve="1">
+  <p:cSld name="3 Column">
+    <p:spTree>
+      <p:nvGrpSpPr>
+        <p:cNvPr id="1" name=""/>
+        <p:cNvGrpSpPr/>
+        <p:nvPr/>
+      </p:nvGrpSpPr>
+      <p:grpSpPr>
+        <a:xfrm>
+          <a:off x="0" y="0"/>
+          <a:ext cx="0" cy="0"/>
+          <a:chOff x="0" y="0"/>
+          <a:chExt cx="0" cy="0"/>
+        </a:xfrm>
+      </p:grpSpPr>
+      <p:sp>
+        <p:nvSpPr>
+          <p:cNvPr id="2" name="Title 1"/>
+          <p:cNvSpPr>
+            <a:spLocks noGrp="1"/>
+          </p:cNvSpPr>
+          <p:nvPr>
+            <p:ph type="title"/>
+          </p:nvPr>
+        </p:nvSpPr>
+        <p:spPr/>
+        <p:txBody>
+          <a:bodyPr/>
+          <a:lstStyle>
+            <a:lvl1pPr>
+              <a:defRPr sz="4200"/>
+            </a:lvl1pPr>
+          </a:lstStyle>
+          <a:p>
+            <a:r>
+              <a:rPr lang="en-US"/>
+              <a:t>Click to edit Master title style</a:t>
+            </a:r>
+            <a:endParaRPr lang="en-US" dirty="0"/>
+          </a:p>
+        </p:txBody>
+      </p:sp>
+      <p:sp>
+        <p:nvSpPr>
+          <p:cNvPr id="3" name="Text Placeholder 2"/>
+          <p:cNvSpPr>
+            <a:spLocks noGrp="1"/>
+          </p:cNvSpPr>
+          <p:nvPr>
+            <p:ph type="body" idx="1"/>
+          </p:nvPr>
+        </p:nvSpPr>
+        <p:spPr>
+          <a:xfrm>
+            <a:off x="632947" y="1981200"/>
+            <a:ext cx="2946866" cy="576262"/>
+          </a:xfrm>
+        </p:spPr>
+        <p:txBody>
+          <a:bodyPr anchor="b">
+            <a:noAutofit/>
+          </a:bodyPr>
+          <a:lstStyle>
+            <a:lvl1pPr marL="0" indent="0">
+              <a:buNone/>
+              <a:defRPr sz="2400" b="0">
+                <a:solidFill>
+                  <a:schemeClr val="bg2">
+                    <a:lumMod val="40000"/>
+                    <a:lumOff val="60000"/>
+                  </a:schemeClr>
+                </a:solidFill>
+              </a:defRPr>
+            </a:lvl1pPr>
+            <a:lvl2pPr marL="457200" indent="0">
+              <a:buNone/>
+              <a:defRPr sz="2000" b="1"/>
+            </a:lvl2pPr>
+            <a:lvl3pPr marL="914400" indent="0">
+              <a:buNone/>
+              <a:defRPr sz="1800" b="1"/>
+            </a:lvl3pPr>
+            <a:lvl4pPr marL="1371600" indent="0">
+              <a:buNone/>
+              <a:defRPr sz="1600" b="1"/>
+            </a:lvl4pPr>
+            <a:lvl5pPr marL="1828800" indent="0">
+              <a:buNone/>
+              <a:defRPr sz="1600" b="1"/>
+            </a:lvl5pPr>
+            <a:lvl6pPr marL="2286000" indent="0">
+              <a:buNone/>
+              <a:defRPr sz="1600" b="1"/>
+            </a:lvl6pPr>
+            <a:lvl7pPr marL="2743200" indent="0">
+              <a:buNone/>
+              <a:defRPr sz="1600" b="1"/>
+            </a:lvl7pPr>
+            <a:lvl8pPr marL="3200400" indent="0">
+              <a:buNone/>
+              <a:defRPr sz="1600" b="1"/>
+            </a:lvl8pPr>
+            <a:lvl9pPr marL="3657600" indent="0">
+              <a:buNone/>
+              <a:defRPr sz="1600" b="1"/>
+            </a:lvl9pPr>
+          </a:lstStyle>
+          <a:p>
+            <a:pPr lvl="0"/>
+            <a:r>
+              <a:rPr lang="en-US"/>
+              <a:t>Click to edit Master text styles</a:t>
+            </a:r>
+          </a:p>
+        </p:txBody>
+      </p:sp>
+      <p:sp>
+        <p:nvSpPr>
+          <p:cNvPr id="16" name="Text Placeholder 3"/>
+          <p:cNvSpPr>
+            <a:spLocks noGrp="1"/>
+          </p:cNvSpPr>
+          <p:nvPr>
+            <p:ph type="body" sz="half" idx="15"/>
+          </p:nvPr>
+        </p:nvSpPr>
+        <p:spPr>
+          <a:xfrm>
+            <a:off x="652463" y="2667000"/>
+            <a:ext cx="2927350" cy="3589338"/>
+          </a:xfrm>
+        </p:spPr>
+        <p:txBody>
+          <a:bodyPr anchor="t">
+            <a:normAutofit/>
+          </a:bodyPr>
+          <a:lstStyle>
+            <a:lvl1pPr marL="0" indent="0">
+              <a:buNone/>
+              <a:defRPr sz="1400"/>
+            </a:lvl1pPr>
+            <a:lvl2pPr marL="457200" indent="0">
+              <a:buNone/>
+              <a:defRPr sz="1200"/>
+            </a:lvl2pPr>
+            <a:lvl3pPr marL="914400" indent="0">
+              <a:buNone/>
+              <a:defRPr sz="1000"/>
+            </a:lvl3pPr>
+            <a:lvl4pPr marL="1371600" indent="0">
+              <a:buNone/>
+              <a:defRPr sz="900"/>
+            </a:lvl4pPr>
+            <a:lvl5pPr marL="1828800" indent="0">
+              <a:buNone/>
+              <a:defRPr sz="900"/>
+            </a:lvl5pPr>
+            <a:lvl6pPr marL="2286000" indent="0">
+              <a:buNone/>
+              <a:defRPr sz="900"/>
+            </a:lvl6pPr>
+            <a:lvl7pPr marL="2743200" indent="0">
+              <a:buNone/>
+              <a:defRPr sz="900"/>
+            </a:lvl7pPr>
+            <a:lvl8pPr marL="3200400" indent="0">
+              <a:buNone/>
+              <a:defRPr sz="900"/>
+            </a:lvl8pPr>
+            <a:lvl9pPr marL="3657600" indent="0">
+              <a:buNone/>
+              <a:defRPr sz="900"/>
+            </a:lvl9pPr>
+          </a:lstStyle>
+          <a:p>
+            <a:pPr lvl="0"/>
+            <a:r>
+              <a:rPr lang="en-US"/>
+              <a:t>Click to edit Master text styles</a:t>
+            </a:r>
+          </a:p>
+        </p:txBody>
+      </p:sp>
+      <p:sp>
+        <p:nvSpPr>
+          <p:cNvPr id="5" name="Text Placeholder 4"/>
+          <p:cNvSpPr>
+            <a:spLocks noGrp="1"/>
+          </p:cNvSpPr>
+          <p:nvPr>
+            <p:ph type="body" sz="quarter" idx="3"/>
+          </p:nvPr>
+        </p:nvSpPr>
+        <p:spPr>
+          <a:xfrm>
+            <a:off x="3883659" y="1981200"/>
+            <a:ext cx="2936241" cy="576262"/>
+          </a:xfrm>
+        </p:spPr>
+        <p:txBody>
+          <a:bodyPr anchor="b">
+            <a:noAutofit/>
+          </a:bodyPr>
+          <a:lstStyle>
+            <a:lvl1pPr marL="0" indent="0">
+              <a:buNone/>
+              <a:defRPr sz="2400" b="0">
+                <a:solidFill>
+                  <a:schemeClr val="bg2">
+                    <a:lumMod val="40000"/>
+                    <a:lumOff val="60000"/>
+                  </a:schemeClr>
+                </a:solidFill>
+              </a:defRPr>
+            </a:lvl1pPr>
+            <a:lvl2pPr marL="457200" indent="0">
+              <a:buNone/>
+              <a:defRPr sz="2000" b="1"/>
+            </a:lvl2pPr>
+            <a:lvl3pPr marL="914400" indent="0">
+              <a:buNone/>
+              <a:defRPr sz="1800" b="1"/>
+            </a:lvl3pPr>
+            <a:lvl4pPr marL="1371600" indent="0">
+              <a:buNone/>
+              <a:defRPr sz="1600" b="1"/>
+            </a:lvl4pPr>
+            <a:lvl5pPr marL="1828800" indent="0">
+              <a:buNone/>
+              <a:defRPr sz="1600" b="1"/>
+            </a:lvl5pPr>
+            <a:lvl6pPr marL="2286000" indent="0">
+              <a:buNone/>
+              <a:defRPr sz="1600" b="1"/>
+            </a:lvl6pPr>
+            <a:lvl7pPr marL="2743200" indent="0">
+              <a:buNone/>
+              <a:defRPr sz="1600" b="1"/>
+            </a:lvl7pPr>
+            <a:lvl8pPr marL="3200400" indent="0">
+              <a:buNone/>
+              <a:defRPr sz="1600" b="1"/>
+            </a:lvl8pPr>
+            <a:lvl9pPr marL="3657600" indent="0">
+              <a:buNone/>
+              <a:defRPr sz="1600" b="1"/>
+            </a:lvl9pPr>
+          </a:lstStyle>
+          <a:p>
+            <a:pPr lvl="0"/>
+            <a:r>
+              <a:rPr lang="en-US"/>
+              <a:t>Click to edit Master text styles</a:t>
+            </a:r>
+          </a:p>
+        </p:txBody>
+      </p:sp>
+      <p:sp>
+        <p:nvSpPr>
+          <p:cNvPr id="19" name="Text Placeholder 3"/>
+          <p:cNvSpPr>
+            <a:spLocks noGrp="1"/>
+          </p:cNvSpPr>
+          <p:nvPr>
+            <p:ph type="body" sz="half" idx="16"/>
+          </p:nvPr>
+        </p:nvSpPr>
+        <p:spPr>
+          <a:xfrm>
+            <a:off x="3873106" y="2667000"/>
+            <a:ext cx="2946794" cy="3589338"/>
+          </a:xfrm>
+        </p:spPr>
+        <p:txBody>
+          <a:bodyPr anchor="t">
+            <a:normAutofit/>
+          </a:bodyPr>
+          <a:lstStyle>
+            <a:lvl1pPr marL="0" indent="0">
+              <a:buNone/>
+              <a:defRPr sz="1400"/>
+            </a:lvl1pPr>
+            <a:lvl2pPr marL="457200" indent="0">
+              <a:buNone/>
+              <a:defRPr sz="1200"/>
+            </a:lvl2pPr>
+            <a:lvl3pPr marL="914400" indent="0">
+              <a:buNone/>
+              <a:defRPr sz="1000"/>
+            </a:lvl3pPr>
+            <a:lvl4pPr marL="1371600" indent="0">
+              <a:buNone/>
+              <a:defRPr sz="900"/>
+            </a:lvl4pPr>
+            <a:lvl5pPr marL="1828800" indent="0">
+              <a:buNone/>
+              <a:defRPr sz="900"/>
+            </a:lvl5pPr>
+            <a:lvl6pPr marL="2286000" indent="0">
+              <a:buNone/>
+              <a:defRPr sz="900"/>
+            </a:lvl6pPr>
+            <a:lvl7pPr marL="2743200" indent="0">
+              <a:buNone/>
+              <a:defRPr sz="900"/>
+            </a:lvl7pPr>
+            <a:lvl8pPr marL="3200400" indent="0">
+              <a:buNone/>
+              <a:defRPr sz="900"/>
+            </a:lvl8pPr>
+            <a:lvl9pPr marL="3657600" indent="0">
+              <a:buNone/>
+              <a:defRPr sz="900"/>
+            </a:lvl9pPr>
+          </a:lstStyle>
+          <a:p>
+            <a:pPr lvl="0"/>
+            <a:r>
+              <a:rPr lang="en-US"/>
+              <a:t>Click to edit Master text styles</a:t>
+            </a:r>
+          </a:p>
+        </p:txBody>
+      </p:sp>
+      <p:sp>
+        <p:nvSpPr>
+          <p:cNvPr id="14" name="Text Placeholder 4"/>
+          <p:cNvSpPr>
+            <a:spLocks noGrp="1"/>
+          </p:cNvSpPr>
+          <p:nvPr>
+            <p:ph type="body" sz="quarter" idx="13"/>
+          </p:nvPr>
+        </p:nvSpPr>
+        <p:spPr>
+          <a:xfrm>
+            <a:off x="7124700" y="1981200"/>
+            <a:ext cx="2932113" cy="576262"/>
+          </a:xfrm>
+        </p:spPr>
+        <p:txBody>
+          <a:bodyPr anchor="b">
+            <a:noAutofit/>
+          </a:bodyPr>
+          <a:lstStyle>
+            <a:lvl1pPr marL="0" indent="0">
+              <a:buNone/>
+              <a:defRPr sz="2400" b="0">
+                <a:solidFill>
+                  <a:schemeClr val="bg2">
+                    <a:lumMod val="40000"/>
+                    <a:lumOff val="60000"/>
+                  </a:schemeClr>
+                </a:solidFill>
+              </a:defRPr>
+            </a:lvl1pPr>
+            <a:lvl2pPr marL="457200" indent="0">
+              <a:buNone/>
+              <a:defRPr sz="2000" b="1"/>
+            </a:lvl2pPr>
+            <a:lvl3pPr marL="914400" indent="0">
+              <a:buNone/>
+              <a:defRPr sz="1800" b="1"/>
+            </a:lvl3pPr>
+            <a:lvl4pPr marL="1371600" indent="0">
+              <a:buNone/>
+              <a:defRPr sz="1600" b="1"/>
+            </a:lvl4pPr>
+            <a:lvl5pPr marL="1828800" indent="0">
+              <a:buNone/>
+              <a:defRPr sz="1600" b="1"/>
+            </a:lvl5pPr>
+            <a:lvl6pPr marL="2286000" indent="0">
+              <a:buNone/>
+              <a:defRPr sz="1600" b="1"/>
+            </a:lvl6pPr>
+            <a:lvl7pPr marL="2743200" indent="0">
+              <a:buNone/>
+              <a:defRPr sz="1600" b="1"/>
+            </a:lvl7pPr>
+            <a:lvl8pPr marL="3200400" indent="0">
+              <a:buNone/>
+              <a:defRPr sz="1600" b="1"/>
+            </a:lvl8pPr>
+            <a:lvl9pPr marL="3657600" indent="0">
+              <a:buNone/>
+              <a:defRPr sz="1600" b="1"/>
+            </a:lvl9pPr>
+          </a:lstStyle>
+          <a:p>
+            <a:pPr lvl="0"/>
+            <a:r>
+              <a:rPr lang="en-US"/>
+              <a:t>Click to edit Master text styles</a:t>
+            </a:r>
+          </a:p>
+        </p:txBody>
+      </p:sp>
+      <p:sp>
+        <p:nvSpPr>
+          <p:cNvPr id="20" name="Text Placeholder 3"/>
+          <p:cNvSpPr>
+            <a:spLocks noGrp="1"/>
+          </p:cNvSpPr>
+          <p:nvPr>
+            <p:ph type="body" sz="half" idx="17"/>
+          </p:nvPr>
+        </p:nvSpPr>
+        <p:spPr>
+          <a:xfrm>
+            <a:off x="7124700" y="2667000"/>
+            <a:ext cx="2932113" cy="3589338"/>
+          </a:xfrm>
+        </p:spPr>
+        <p:txBody>
+          <a:bodyPr anchor="t">
+            <a:normAutofit/>
+          </a:bodyPr>
+          <a:lstStyle>
+            <a:lvl1pPr marL="0" indent="0">
+              <a:buNone/>
+              <a:defRPr sz="1400"/>
+            </a:lvl1pPr>
+            <a:lvl2pPr marL="457200" indent="0">
+              <a:buNone/>
+              <a:defRPr sz="1200"/>
+            </a:lvl2pPr>
+            <a:lvl3pPr marL="914400" indent="0">
+              <a:buNone/>
+              <a:defRPr sz="1000"/>
+            </a:lvl3pPr>
+            <a:lvl4pPr marL="1371600" indent="0">
+              <a:buNone/>
+              <a:defRPr sz="900"/>
+            </a:lvl4pPr>
+            <a:lvl5pPr marL="1828800" indent="0">
+              <a:buNone/>
+              <a:defRPr sz="900"/>
+            </a:lvl5pPr>
+            <a:lvl6pPr marL="2286000" indent="0">
+              <a:buNone/>
+              <a:defRPr sz="900"/>
+            </a:lvl6pPr>
+            <a:lvl7pPr marL="2743200" indent="0">
+              <a:buNone/>
+              <a:defRPr sz="900"/>
+            </a:lvl7pPr>
+            <a:lvl8pPr marL="3200400" indent="0">
+              <a:buNone/>
+              <a:defRPr sz="900"/>
+            </a:lvl8pPr>
+            <a:lvl9pPr marL="3657600" indent="0">
+              <a:buNone/>
+              <a:defRPr sz="900"/>
+            </a:lvl9pPr>
+          </a:lstStyle>
+          <a:p>
+            <a:pPr lvl="0"/>
+            <a:r>
+              <a:rPr lang="en-US"/>
+              <a:t>Click to edit Master text styles</a:t>
+            </a:r>
+          </a:p>
+        </p:txBody>
+      </p:sp>
+      <p:cxnSp>
+        <p:nvCxnSpPr>
+          <p:cNvPr id="17" name="Straight Connector 16"/>
+          <p:cNvCxnSpPr/>
+          <p:nvPr/>
+        </p:nvCxnSpPr>
+        <p:spPr>
+          <a:xfrm>
+            <a:off x="3726142" y="2133600"/>
+            <a:ext cx="0" cy="3962400"/>
+          </a:xfrm>
+          <a:prstGeom prst="line">
+            <a:avLst/>
+          </a:prstGeom>
+          <a:ln w="12700" cmpd="sng">
+            <a:solidFill>
+              <a:schemeClr val="bg2">
+                <a:lumMod val="40000"/>
+                <a:lumOff val="60000"/>
+                <a:alpha val="40000"/>
+              </a:schemeClr>
+            </a:solidFill>
+          </a:ln>
+        </p:spPr>
+        <p:style>
+          <a:lnRef idx="2">
+            <a:schemeClr val="accent1"/>
+          </a:lnRef>
+          <a:fillRef idx="0">
+            <a:schemeClr val="accent1"/>
+          </a:fillRef>
+          <a:effectRef idx="1">
+            <a:schemeClr val="accent1"/>
+          </a:effectRef>
+          <a:fontRef idx="minor">
+            <a:schemeClr val="tx1"/>
+          </a:fontRef>
+        </p:style>
+      </p:cxnSp>
+      <p:cxnSp>
+        <p:nvCxnSpPr>
+          <p:cNvPr id="18" name="Straight Connector 17"/>
+          <p:cNvCxnSpPr/>
+          <p:nvPr/>
+        </p:nvCxnSpPr>
+        <p:spPr>
+          <a:xfrm>
+            <a:off x="6962227" y="2133600"/>
+            <a:ext cx="0" cy="3966882"/>
+          </a:xfrm>
+          <a:prstGeom prst="line">
+            <a:avLst/>
+          </a:prstGeom>
+          <a:ln w="12700" cmpd="sng">
+            <a:solidFill>
+              <a:schemeClr val="bg2">
+                <a:lumMod val="40000"/>
+                <a:lumOff val="60000"/>
+                <a:alpha val="40000"/>
+              </a:schemeClr>
+            </a:solidFill>
+          </a:ln>
+        </p:spPr>
+        <p:style>
+          <a:lnRef idx="2">
+            <a:schemeClr val="accent1"/>
+          </a:lnRef>
+          <a:fillRef idx="0">
+            <a:schemeClr val="accent1"/>
+          </a:fillRef>
+          <a:effectRef idx="1">
+            <a:schemeClr val="accent1"/>
+          </a:effectRef>
+          <a:fontRef idx="minor">
+            <a:schemeClr val="tx1"/>
+          </a:fontRef>
+        </p:style>
+      </p:cxnSp>
+      <p:sp>
+        <p:nvSpPr>
+          <p:cNvPr id="7" name="Date Placeholder 3"/>
+          <p:cNvSpPr>
+            <a:spLocks noGrp="1"/>
+          </p:cNvSpPr>
+          <p:nvPr>
+            <p:ph type="dt" sz="half" idx="10"/>
+          </p:nvPr>
+        </p:nvSpPr>
+        <p:spPr/>
+        <p:txBody>
+          <a:bodyPr/>
+          <a:lstStyle/>
+          <a:p>
+            <a:fld id="{F4C6FC4E-C84B-4657-97FD-F4C92E31B913}" type="datetimeFigureOut">
+              <a:rPr lang="en-US" smtClean="0"/>
+              <a:t>6/25/2020</a:t>
+            </a:fld>
+            <a:endParaRPr lang="en-US"/>
+          </a:p>
+        </p:txBody>
+      </p:sp>
+      <p:sp>
+        <p:nvSpPr>
+          <p:cNvPr id="4" name="Footer Placeholder 4"/>
+          <p:cNvSpPr>
+            <a:spLocks noGrp="1"/>
+          </p:cNvSpPr>
+          <p:nvPr>
+            <p:ph type="ftr" sz="quarter" idx="11"/>
+          </p:nvPr>
+        </p:nvSpPr>
+        <p:spPr/>
+        <p:txBody>
+          <a:bodyPr/>
+          <a:lstStyle/>
+          <a:p>
+            <a:endParaRPr lang="en-US"/>
+          </a:p>
+        </p:txBody>
+      </p:sp>
+      <p:sp>
+        <p:nvSpPr>
+          <p:cNvPr id="6" name="Slide Number Placeholder 5"/>
+          <p:cNvSpPr>
+            <a:spLocks noGrp="1"/>
+          </p:cNvSpPr>
+          <p:nvPr>
+            <p:ph type="sldNum" sz="quarter" idx="12"/>
+          </p:nvPr>
+        </p:nvSpPr>
+        <p:spPr/>
+        <p:txBody>
+          <a:bodyPr/>
+          <a:lstStyle/>
+          <a:p>
+            <a:fld id="{F1D20B05-C423-423F-BECE-6249FDC28811}" type="slidenum">
+              <a:rPr lang="en-US" smtClean="0"/>
+              <a:t>‹#›</a:t>
+            </a:fld>
+            <a:endParaRPr lang="en-US"/>
+          </a:p>
+        </p:txBody>
+      </p:sp>
+    </p:spTree>
+    <p:extLst>
+      <p:ext uri="{BB962C8B-B14F-4D97-AF65-F5344CB8AC3E}">
+        <p14:creationId xmlns:p14="http://schemas.microsoft.com/office/powerpoint/2010/main" val="21500153"/>
+      </p:ext>
+    </p:extLst>
+  </p:cSld>
+  <p:clrMapOvr>
+    <a:masterClrMapping/>
+  </p:clrMapOvr>
+</p:sldLayout>
+</file>
+
+<file path=ppt/slideLayouts/slideLayout15.xml><?xml version="1.0" encoding="utf-8"?>
+<p:sldLayout xmlns:a="http://schemas.openxmlformats.org/drawingml/2006/main" xmlns:r="http://schemas.openxmlformats.org/officeDocument/2006/relationships" xmlns:p="http://schemas.openxmlformats.org/presentationml/2006/main" preserve="1">
+  <p:cSld name="3 Picture Column">
+    <p:spTree>
+      <p:nvGrpSpPr>
+        <p:cNvPr id="1" name=""/>
+        <p:cNvGrpSpPr/>
+        <p:nvPr/>
+      </p:nvGrpSpPr>
+      <p:grpSpPr>
+        <a:xfrm>
+          <a:off x="0" y="0"/>
+          <a:ext cx="0" cy="0"/>
+          <a:chOff x="0" y="0"/>
+          <a:chExt cx="0" cy="0"/>
+        </a:xfrm>
+      </p:grpSpPr>
+      <p:sp>
+        <p:nvSpPr>
+          <p:cNvPr id="2" name="Title 1"/>
+          <p:cNvSpPr>
+            <a:spLocks noGrp="1"/>
+          </p:cNvSpPr>
+          <p:nvPr>
+            <p:ph type="title"/>
+          </p:nvPr>
+        </p:nvSpPr>
+        <p:spPr/>
+        <p:txBody>
+          <a:bodyPr/>
+          <a:lstStyle>
+            <a:lvl1pPr>
+              <a:defRPr sz="4200"/>
+            </a:lvl1pPr>
+          </a:lstStyle>
+          <a:p>
+            <a:r>
+              <a:rPr lang="en-US"/>
+              <a:t>Click to edit Master title style</a:t>
+            </a:r>
+            <a:endParaRPr lang="en-US" dirty="0"/>
+          </a:p>
+        </p:txBody>
+      </p:sp>
+      <p:sp>
+        <p:nvSpPr>
+          <p:cNvPr id="3" name="Text Placeholder 2"/>
+          <p:cNvSpPr>
+            <a:spLocks noGrp="1"/>
+          </p:cNvSpPr>
+          <p:nvPr>
+            <p:ph type="body" idx="1"/>
+          </p:nvPr>
+        </p:nvSpPr>
+        <p:spPr>
+          <a:xfrm>
+            <a:off x="652463" y="4250949"/>
+            <a:ext cx="2940050" cy="576262"/>
+          </a:xfrm>
+        </p:spPr>
+        <p:txBody>
+          <a:bodyPr anchor="b">
+            <a:noAutofit/>
+          </a:bodyPr>
+          <a:lstStyle>
+            <a:lvl1pPr marL="0" indent="0">
+              <a:buNone/>
+              <a:defRPr sz="2400" b="0">
+                <a:solidFill>
+                  <a:schemeClr val="bg2">
+                    <a:lumMod val="40000"/>
+                    <a:lumOff val="60000"/>
+                  </a:schemeClr>
+                </a:solidFill>
+              </a:defRPr>
+            </a:lvl1pPr>
+            <a:lvl2pPr marL="457200" indent="0">
+              <a:buNone/>
+              <a:defRPr sz="2000" b="1"/>
+            </a:lvl2pPr>
+            <a:lvl3pPr marL="914400" indent="0">
+              <a:buNone/>
+              <a:defRPr sz="1800" b="1"/>
+            </a:lvl3pPr>
+            <a:lvl4pPr marL="1371600" indent="0">
+              <a:buNone/>
+              <a:defRPr sz="1600" b="1"/>
+            </a:lvl4pPr>
+            <a:lvl5pPr marL="1828800" indent="0">
+              <a:buNone/>
+              <a:defRPr sz="1600" b="1"/>
+            </a:lvl5pPr>
+            <a:lvl6pPr marL="2286000" indent="0">
+              <a:buNone/>
+              <a:defRPr sz="1600" b="1"/>
+            </a:lvl6pPr>
+            <a:lvl7pPr marL="2743200" indent="0">
+              <a:buNone/>
+              <a:defRPr sz="1600" b="1"/>
+            </a:lvl7pPr>
+            <a:lvl8pPr marL="3200400" indent="0">
+              <a:buNone/>
+              <a:defRPr sz="1600" b="1"/>
+            </a:lvl8pPr>
+            <a:lvl9pPr marL="3657600" indent="0">
+              <a:buNone/>
+              <a:defRPr sz="1600" b="1"/>
+            </a:lvl9pPr>
+          </a:lstStyle>
+          <a:p>
+            <a:pPr lvl="0"/>
+            <a:r>
+              <a:rPr lang="en-US"/>
+              <a:t>Click to edit Master text styles</a:t>
+            </a:r>
+          </a:p>
+        </p:txBody>
+      </p:sp>
+      <p:sp>
+        <p:nvSpPr>
+          <p:cNvPr id="29" name="Picture Placeholder 2"/>
+          <p:cNvSpPr>
+            <a:spLocks noGrp="1" noChangeAspect="1"/>
+          </p:cNvSpPr>
+          <p:nvPr>
+            <p:ph type="pic" idx="15"/>
+          </p:nvPr>
+        </p:nvSpPr>
+        <p:spPr>
+          <a:xfrm>
+            <a:off x="652463" y="2209800"/>
+            <a:ext cx="2940050" cy="1524000"/>
+          </a:xfrm>
+          <a:prstGeom prst="roundRect">
+            <a:avLst>
+              <a:gd name="adj" fmla="val 1858"/>
+            </a:avLst>
+          </a:prstGeom>
+          <a:effectLst>
+            <a:outerShdw blurRad="50800" dist="50800" dir="5400000" algn="tl" rotWithShape="0">
+              <a:srgbClr val="000000">
+                <a:alpha val="43000"/>
+              </a:srgbClr>
+            </a:outerShdw>
+          </a:effectLst>
+        </p:spPr>
+        <p:txBody>
+          <a:bodyPr anchor="t">
+            <a:normAutofit/>
+          </a:bodyPr>
+          <a:lstStyle>
+            <a:lvl1pPr marL="0" indent="0" algn="ctr">
+              <a:buNone/>
+              <a:defRPr sz="1600"/>
+            </a:lvl1pPr>
+            <a:lvl2pPr marL="457200" indent="0">
+              <a:buNone/>
+              <a:defRPr sz="1600"/>
+            </a:lvl2pPr>
+            <a:lvl3pPr marL="914400" indent="0">
+              <a:buNone/>
+              <a:defRPr sz="1600"/>
+            </a:lvl3pPr>
+            <a:lvl4pPr marL="1371600" indent="0">
+              <a:buNone/>
+              <a:defRPr sz="1600"/>
+            </a:lvl4pPr>
+            <a:lvl5pPr marL="1828800" indent="0">
+              <a:buNone/>
+              <a:defRPr sz="1600"/>
+            </a:lvl5pPr>
+            <a:lvl6pPr marL="2286000" indent="0">
+              <a:buNone/>
+              <a:defRPr sz="1600"/>
+            </a:lvl6pPr>
+            <a:lvl7pPr marL="2743200" indent="0">
+              <a:buNone/>
+              <a:defRPr sz="1600"/>
+            </a:lvl7pPr>
+            <a:lvl8pPr marL="3200400" indent="0">
+              <a:buNone/>
+              <a:defRPr sz="1600"/>
+            </a:lvl8pPr>
+            <a:lvl9pPr marL="3657600" indent="0">
+              <a:buNone/>
+              <a:defRPr sz="1600"/>
+            </a:lvl9pPr>
+          </a:lstStyle>
+          <a:p>
+            <a:r>
+              <a:rPr lang="en-US"/>
+              <a:t>Click icon to add picture</a:t>
+            </a:r>
+            <a:endParaRPr lang="en-US" dirty="0"/>
+          </a:p>
+        </p:txBody>
+      </p:sp>
+      <p:sp>
+        <p:nvSpPr>
+          <p:cNvPr id="22" name="Text Placeholder 3"/>
+          <p:cNvSpPr>
+            <a:spLocks noGrp="1"/>
+          </p:cNvSpPr>
+          <p:nvPr>
+            <p:ph type="body" sz="half" idx="18"/>
+          </p:nvPr>
+        </p:nvSpPr>
+        <p:spPr>
+          <a:xfrm>
+            <a:off x="652463" y="4827211"/>
+            <a:ext cx="2940050" cy="659189"/>
+          </a:xfrm>
+        </p:spPr>
+        <p:txBody>
+          <a:bodyPr anchor="t">
+            <a:normAutofit/>
+          </a:bodyPr>
+          <a:lstStyle>
+            <a:lvl1pPr marL="0" indent="0">
+              <a:buNone/>
+              <a:defRPr sz="1400"/>
+            </a:lvl1pPr>
+            <a:lvl2pPr marL="457200" indent="0">
+              <a:buNone/>
+              <a:defRPr sz="1200"/>
+            </a:lvl2pPr>
+            <a:lvl3pPr marL="914400" indent="0">
+              <a:buNone/>
+              <a:defRPr sz="1000"/>
+            </a:lvl3pPr>
+            <a:lvl4pPr marL="1371600" indent="0">
+              <a:buNone/>
+              <a:defRPr sz="900"/>
+            </a:lvl4pPr>
+            <a:lvl5pPr marL="1828800" indent="0">
+              <a:buNone/>
+              <a:defRPr sz="900"/>
+            </a:lvl5pPr>
+            <a:lvl6pPr marL="2286000" indent="0">
+              <a:buNone/>
+              <a:defRPr sz="900"/>
+            </a:lvl6pPr>
+            <a:lvl7pPr marL="2743200" indent="0">
+              <a:buNone/>
+              <a:defRPr sz="900"/>
+            </a:lvl7pPr>
+            <a:lvl8pPr marL="3200400" indent="0">
+              <a:buNone/>
+              <a:defRPr sz="900"/>
+            </a:lvl8pPr>
+            <a:lvl9pPr marL="3657600" indent="0">
+              <a:buNone/>
+              <a:defRPr sz="900"/>
+            </a:lvl9pPr>
+          </a:lstStyle>
+          <a:p>
+            <a:pPr lvl="0"/>
+            <a:r>
+              <a:rPr lang="en-US"/>
+              <a:t>Click to edit Master text styles</a:t>
+            </a:r>
+          </a:p>
+        </p:txBody>
+      </p:sp>
+      <p:sp>
+        <p:nvSpPr>
+          <p:cNvPr id="5" name="Text Placeholder 4"/>
+          <p:cNvSpPr>
+            <a:spLocks noGrp="1"/>
+          </p:cNvSpPr>
+          <p:nvPr>
+            <p:ph type="body" sz="quarter" idx="3"/>
+          </p:nvPr>
+        </p:nvSpPr>
+        <p:spPr>
+          <a:xfrm>
+            <a:off x="3889375" y="4250949"/>
+            <a:ext cx="2930525" cy="576262"/>
+          </a:xfrm>
+        </p:spPr>
+        <p:txBody>
+          <a:bodyPr anchor="b">
+            <a:noAutofit/>
+          </a:bodyPr>
+          <a:lstStyle>
+            <a:lvl1pPr marL="0" indent="0">
+              <a:buNone/>
+              <a:defRPr sz="2400" b="0">
+                <a:solidFill>
+                  <a:schemeClr val="bg2">
+                    <a:lumMod val="40000"/>
+                    <a:lumOff val="60000"/>
+                  </a:schemeClr>
+                </a:solidFill>
+              </a:defRPr>
+            </a:lvl1pPr>
+            <a:lvl2pPr marL="457200" indent="0">
+              <a:buNone/>
+              <a:defRPr sz="2000" b="1"/>
+            </a:lvl2pPr>
+            <a:lvl3pPr marL="914400" indent="0">
+              <a:buNone/>
+              <a:defRPr sz="1800" b="1"/>
+            </a:lvl3pPr>
+            <a:lvl4pPr marL="1371600" indent="0">
+              <a:buNone/>
+              <a:defRPr sz="1600" b="1"/>
+            </a:lvl4pPr>
+            <a:lvl5pPr marL="1828800" indent="0">
+              <a:buNone/>
+              <a:defRPr sz="1600" b="1"/>
+            </a:lvl5pPr>
+            <a:lvl6pPr marL="2286000" indent="0">
+              <a:buNone/>
+              <a:defRPr sz="1600" b="1"/>
+            </a:lvl6pPr>
+            <a:lvl7pPr marL="2743200" indent="0">
+              <a:buNone/>
+              <a:defRPr sz="1600" b="1"/>
+            </a:lvl7pPr>
+            <a:lvl8pPr marL="3200400" indent="0">
+              <a:buNone/>
+              <a:defRPr sz="1600" b="1"/>
+            </a:lvl8pPr>
+            <a:lvl9pPr marL="3657600" indent="0">
+              <a:buNone/>
+              <a:defRPr sz="1600" b="1"/>
+            </a:lvl9pPr>
+          </a:lstStyle>
+          <a:p>
+            <a:pPr lvl="0"/>
+            <a:r>
+              <a:rPr lang="en-US"/>
+              <a:t>Click to edit Master text styles</a:t>
+            </a:r>
+          </a:p>
+        </p:txBody>
+      </p:sp>
+      <p:sp>
+        <p:nvSpPr>
+          <p:cNvPr id="30" name="Picture Placeholder 2"/>
+          <p:cNvSpPr>
+            <a:spLocks noGrp="1" noChangeAspect="1"/>
+          </p:cNvSpPr>
+          <p:nvPr>
+            <p:ph type="pic" idx="21"/>
+          </p:nvPr>
+        </p:nvSpPr>
+        <p:spPr>
+          <a:xfrm>
+            <a:off x="3889374" y="2209800"/>
+            <a:ext cx="2930525" cy="1524000"/>
+          </a:xfrm>
+          <a:prstGeom prst="roundRect">
+            <a:avLst>
+              <a:gd name="adj" fmla="val 1858"/>
+            </a:avLst>
+          </a:prstGeom>
+          <a:effectLst>
+            <a:outerShdw blurRad="50800" dist="50800" dir="5400000" algn="tl" rotWithShape="0">
+              <a:srgbClr val="000000">
+                <a:alpha val="43000"/>
+              </a:srgbClr>
+            </a:outerShdw>
+          </a:effectLst>
+        </p:spPr>
+        <p:txBody>
+          <a:bodyPr anchor="t">
+            <a:normAutofit/>
+          </a:bodyPr>
+          <a:lstStyle>
+            <a:lvl1pPr marL="0" indent="0" algn="ctr">
+              <a:buNone/>
+              <a:defRPr sz="1600"/>
+            </a:lvl1pPr>
+            <a:lvl2pPr marL="457200" indent="0">
+              <a:buNone/>
+              <a:defRPr sz="1600"/>
+            </a:lvl2pPr>
+            <a:lvl3pPr marL="914400" indent="0">
+              <a:buNone/>
+              <a:defRPr sz="1600"/>
+            </a:lvl3pPr>
+            <a:lvl4pPr marL="1371600" indent="0">
+              <a:buNone/>
+              <a:defRPr sz="1600"/>
+            </a:lvl4pPr>
+            <a:lvl5pPr marL="1828800" indent="0">
+              <a:buNone/>
+              <a:defRPr sz="1600"/>
+            </a:lvl5pPr>
+            <a:lvl6pPr marL="2286000" indent="0">
+              <a:buNone/>
+              <a:defRPr sz="1600"/>
+            </a:lvl6pPr>
+            <a:lvl7pPr marL="2743200" indent="0">
+              <a:buNone/>
+              <a:defRPr sz="1600"/>
+            </a:lvl7pPr>
+            <a:lvl8pPr marL="3200400" indent="0">
+              <a:buNone/>
+              <a:defRPr sz="1600"/>
+            </a:lvl8pPr>
+            <a:lvl9pPr marL="3657600" indent="0">
+              <a:buNone/>
+              <a:defRPr sz="1600"/>
+            </a:lvl9pPr>
+          </a:lstStyle>
+          <a:p>
+            <a:r>
+              <a:rPr lang="en-US"/>
+              <a:t>Click icon to add picture</a:t>
+            </a:r>
+            <a:endParaRPr lang="en-US" dirty="0"/>
+          </a:p>
+        </p:txBody>
+      </p:sp>
+      <p:sp>
+        <p:nvSpPr>
+          <p:cNvPr id="23" name="Text Placeholder 3"/>
+          <p:cNvSpPr>
+            <a:spLocks noGrp="1"/>
+          </p:cNvSpPr>
+          <p:nvPr>
+            <p:ph type="body" sz="half" idx="19"/>
+          </p:nvPr>
+        </p:nvSpPr>
+        <p:spPr>
+          <a:xfrm>
+            <a:off x="3888022" y="4827210"/>
+            <a:ext cx="2934406" cy="659189"/>
+          </a:xfrm>
+        </p:spPr>
+        <p:txBody>
+          <a:bodyPr anchor="t">
+            <a:normAutofit/>
+          </a:bodyPr>
+          <a:lstStyle>
+            <a:lvl1pPr marL="0" indent="0">
+              <a:buNone/>
+              <a:defRPr sz="1400"/>
+            </a:lvl1pPr>
+            <a:lvl2pPr marL="457200" indent="0">
+              <a:buNone/>
+              <a:defRPr sz="1200"/>
+            </a:lvl2pPr>
+            <a:lvl3pPr marL="914400" indent="0">
+              <a:buNone/>
+              <a:defRPr sz="1000"/>
+            </a:lvl3pPr>
+            <a:lvl4pPr marL="1371600" indent="0">
+              <a:buNone/>
+              <a:defRPr sz="900"/>
+            </a:lvl4pPr>
+            <a:lvl5pPr marL="1828800" indent="0">
+              <a:buNone/>
+              <a:defRPr sz="900"/>
+            </a:lvl5pPr>
+            <a:lvl6pPr marL="2286000" indent="0">
+              <a:buNone/>
+              <a:defRPr sz="900"/>
+            </a:lvl6pPr>
+            <a:lvl7pPr marL="2743200" indent="0">
+              <a:buNone/>
+              <a:defRPr sz="900"/>
+            </a:lvl7pPr>
+            <a:lvl8pPr marL="3200400" indent="0">
+              <a:buNone/>
+              <a:defRPr sz="900"/>
+            </a:lvl8pPr>
+            <a:lvl9pPr marL="3657600" indent="0">
+              <a:buNone/>
+              <a:defRPr sz="900"/>
+            </a:lvl9pPr>
+          </a:lstStyle>
+          <a:p>
+            <a:pPr lvl="0"/>
+            <a:r>
+              <a:rPr lang="en-US"/>
+              <a:t>Click to edit Master text styles</a:t>
+            </a:r>
+          </a:p>
+        </p:txBody>
+      </p:sp>
+      <p:sp>
+        <p:nvSpPr>
+          <p:cNvPr id="14" name="Text Placeholder 4"/>
+          <p:cNvSpPr>
+            <a:spLocks noGrp="1"/>
+          </p:cNvSpPr>
+          <p:nvPr>
+            <p:ph type="body" sz="quarter" idx="13"/>
+          </p:nvPr>
+        </p:nvSpPr>
+        <p:spPr>
+          <a:xfrm>
+            <a:off x="7124700" y="4250949"/>
+            <a:ext cx="2932113" cy="576262"/>
+          </a:xfrm>
+        </p:spPr>
+        <p:txBody>
+          <a:bodyPr anchor="b">
+            <a:noAutofit/>
+          </a:bodyPr>
+          <a:lstStyle>
+            <a:lvl1pPr marL="0" indent="0">
+              <a:buNone/>
+              <a:defRPr sz="2400" b="0">
+                <a:solidFill>
+                  <a:schemeClr val="bg2">
+                    <a:lumMod val="40000"/>
+                    <a:lumOff val="60000"/>
+                  </a:schemeClr>
+                </a:solidFill>
+              </a:defRPr>
+            </a:lvl1pPr>
+            <a:lvl2pPr marL="457200" indent="0">
+              <a:buNone/>
+              <a:defRPr sz="2000" b="1"/>
+            </a:lvl2pPr>
+            <a:lvl3pPr marL="914400" indent="0">
+              <a:buNone/>
+              <a:defRPr sz="1800" b="1"/>
+            </a:lvl3pPr>
+            <a:lvl4pPr marL="1371600" indent="0">
+              <a:buNone/>
+              <a:defRPr sz="1600" b="1"/>
+            </a:lvl4pPr>
+            <a:lvl5pPr marL="1828800" indent="0">
+              <a:buNone/>
+              <a:defRPr sz="1600" b="1"/>
+            </a:lvl5pPr>
+            <a:lvl6pPr marL="2286000" indent="0">
+              <a:buNone/>
+              <a:defRPr sz="1600" b="1"/>
+            </a:lvl6pPr>
+            <a:lvl7pPr marL="2743200" indent="0">
+              <a:buNone/>
+              <a:defRPr sz="1600" b="1"/>
+            </a:lvl7pPr>
+            <a:lvl8pPr marL="3200400" indent="0">
+              <a:buNone/>
+              <a:defRPr sz="1600" b="1"/>
+            </a:lvl8pPr>
+            <a:lvl9pPr marL="3657600" indent="0">
+              <a:buNone/>
+              <a:defRPr sz="1600" b="1"/>
+            </a:lvl9pPr>
+          </a:lstStyle>
+          <a:p>
+            <a:pPr lvl="0"/>
+            <a:r>
+              <a:rPr lang="en-US"/>
+              <a:t>Click to edit Master text styles</a:t>
+            </a:r>
+          </a:p>
+        </p:txBody>
+      </p:sp>
+      <p:sp>
+        <p:nvSpPr>
+          <p:cNvPr id="31" name="Picture Placeholder 2"/>
+          <p:cNvSpPr>
+            <a:spLocks noGrp="1" noChangeAspect="1"/>
+          </p:cNvSpPr>
+          <p:nvPr>
+            <p:ph type="pic" idx="22"/>
+          </p:nvPr>
+        </p:nvSpPr>
+        <p:spPr>
+          <a:xfrm>
+            <a:off x="7124699" y="2209800"/>
+            <a:ext cx="2932113" cy="1524000"/>
+          </a:xfrm>
+          <a:prstGeom prst="roundRect">
+            <a:avLst>
+              <a:gd name="adj" fmla="val 1858"/>
+            </a:avLst>
+          </a:prstGeom>
+          <a:effectLst>
+            <a:outerShdw blurRad="50800" dist="50800" dir="5400000" algn="tl" rotWithShape="0">
+              <a:srgbClr val="000000">
+                <a:alpha val="43000"/>
+              </a:srgbClr>
+            </a:outerShdw>
+          </a:effectLst>
+        </p:spPr>
+        <p:txBody>
+          <a:bodyPr anchor="t">
+            <a:normAutofit/>
+          </a:bodyPr>
+          <a:lstStyle>
+            <a:lvl1pPr marL="0" indent="0" algn="ctr">
+              <a:buNone/>
+              <a:defRPr sz="1600"/>
+            </a:lvl1pPr>
+            <a:lvl2pPr marL="457200" indent="0">
+              <a:buNone/>
+              <a:defRPr sz="1600"/>
+            </a:lvl2pPr>
+            <a:lvl3pPr marL="914400" indent="0">
+              <a:buNone/>
+              <a:defRPr sz="1600"/>
+            </a:lvl3pPr>
+            <a:lvl4pPr marL="1371600" indent="0">
+              <a:buNone/>
+              <a:defRPr sz="1600"/>
+            </a:lvl4pPr>
+            <a:lvl5pPr marL="1828800" indent="0">
+              <a:buNone/>
+              <a:defRPr sz="1600"/>
+            </a:lvl5pPr>
+            <a:lvl6pPr marL="2286000" indent="0">
+              <a:buNone/>
+              <a:defRPr sz="1600"/>
+            </a:lvl6pPr>
+            <a:lvl7pPr marL="2743200" indent="0">
+              <a:buNone/>
+              <a:defRPr sz="1600"/>
+            </a:lvl7pPr>
+            <a:lvl8pPr marL="3200400" indent="0">
+              <a:buNone/>
+              <a:defRPr sz="1600"/>
+            </a:lvl8pPr>
+            <a:lvl9pPr marL="3657600" indent="0">
+              <a:buNone/>
+              <a:defRPr sz="1600"/>
+            </a:lvl9pPr>
+          </a:lstStyle>
+          <a:p>
+            <a:r>
+              <a:rPr lang="en-US"/>
+              <a:t>Click icon to add picture</a:t>
+            </a:r>
+            <a:endParaRPr lang="en-US" dirty="0"/>
+          </a:p>
+        </p:txBody>
+      </p:sp>
+      <p:sp>
+        <p:nvSpPr>
+          <p:cNvPr id="24" name="Text Placeholder 3"/>
+          <p:cNvSpPr>
+            <a:spLocks noGrp="1"/>
+          </p:cNvSpPr>
+          <p:nvPr>
+            <p:ph type="body" sz="half" idx="20"/>
+          </p:nvPr>
+        </p:nvSpPr>
+        <p:spPr>
+          <a:xfrm>
+            <a:off x="7124575" y="4827208"/>
+            <a:ext cx="2935997" cy="659189"/>
+          </a:xfrm>
+        </p:spPr>
+        <p:txBody>
+          <a:bodyPr anchor="t">
+            <a:normAutofit/>
+          </a:bodyPr>
+          <a:lstStyle>
+            <a:lvl1pPr marL="0" indent="0">
+              <a:buNone/>
+              <a:defRPr sz="1400"/>
+            </a:lvl1pPr>
+            <a:lvl2pPr marL="457200" indent="0">
+              <a:buNone/>
+              <a:defRPr sz="1200"/>
+            </a:lvl2pPr>
+            <a:lvl3pPr marL="914400" indent="0">
+              <a:buNone/>
+              <a:defRPr sz="1000"/>
+            </a:lvl3pPr>
+            <a:lvl4pPr marL="1371600" indent="0">
+              <a:buNone/>
+              <a:defRPr sz="900"/>
+            </a:lvl4pPr>
+            <a:lvl5pPr marL="1828800" indent="0">
+              <a:buNone/>
+              <a:defRPr sz="900"/>
+            </a:lvl5pPr>
+            <a:lvl6pPr marL="2286000" indent="0">
+              <a:buNone/>
+              <a:defRPr sz="900"/>
+            </a:lvl6pPr>
+            <a:lvl7pPr marL="2743200" indent="0">
+              <a:buNone/>
+              <a:defRPr sz="900"/>
+            </a:lvl7pPr>
+            <a:lvl8pPr marL="3200400" indent="0">
+              <a:buNone/>
+              <a:defRPr sz="900"/>
+            </a:lvl8pPr>
+            <a:lvl9pPr marL="3657600" indent="0">
+              <a:buNone/>
+              <a:defRPr sz="900"/>
+            </a:lvl9pPr>
+          </a:lstStyle>
+          <a:p>
+            <a:pPr lvl="0"/>
+            <a:r>
+              <a:rPr lang="en-US"/>
+              <a:t>Click to edit Master text styles</a:t>
+            </a:r>
+          </a:p>
+        </p:txBody>
+      </p:sp>
+      <p:cxnSp>
+        <p:nvCxnSpPr>
+          <p:cNvPr id="19" name="Straight Connector 18"/>
+          <p:cNvCxnSpPr/>
+          <p:nvPr/>
+        </p:nvCxnSpPr>
+        <p:spPr>
+          <a:xfrm>
+            <a:off x="3726142" y="2133600"/>
+            <a:ext cx="0" cy="3962400"/>
+          </a:xfrm>
+          <a:prstGeom prst="line">
+            <a:avLst/>
+          </a:prstGeom>
+          <a:ln w="12700" cmpd="sng">
+            <a:solidFill>
+              <a:schemeClr val="bg2">
+                <a:lumMod val="40000"/>
+                <a:lumOff val="60000"/>
+                <a:alpha val="40000"/>
+              </a:schemeClr>
+            </a:solidFill>
+          </a:ln>
+        </p:spPr>
+        <p:style>
+          <a:lnRef idx="2">
+            <a:schemeClr val="accent1"/>
+          </a:lnRef>
+          <a:fillRef idx="0">
+            <a:schemeClr val="accent1"/>
+          </a:fillRef>
+          <a:effectRef idx="1">
+            <a:schemeClr val="accent1"/>
+          </a:effectRef>
+          <a:fontRef idx="minor">
+            <a:schemeClr val="tx1"/>
+          </a:fontRef>
+        </p:style>
+      </p:cxnSp>
+      <p:cxnSp>
+        <p:nvCxnSpPr>
+          <p:cNvPr id="20" name="Straight Connector 19"/>
+          <p:cNvCxnSpPr/>
+          <p:nvPr/>
+        </p:nvCxnSpPr>
+        <p:spPr>
+          <a:xfrm>
+            <a:off x="6962227" y="2133600"/>
+            <a:ext cx="0" cy="3966882"/>
+          </a:xfrm>
+          <a:prstGeom prst="line">
+            <a:avLst/>
+          </a:prstGeom>
+          <a:ln w="12700" cmpd="sng">
+            <a:solidFill>
+              <a:schemeClr val="bg2">
+                <a:lumMod val="40000"/>
+                <a:lumOff val="60000"/>
+                <a:alpha val="40000"/>
+              </a:schemeClr>
+            </a:solidFill>
+          </a:ln>
+        </p:spPr>
+        <p:style>
+          <a:lnRef idx="2">
+            <a:schemeClr val="accent1"/>
+          </a:lnRef>
+          <a:fillRef idx="0">
+            <a:schemeClr val="accent1"/>
+          </a:fillRef>
+          <a:effectRef idx="1">
+            <a:schemeClr val="accent1"/>
+          </a:effectRef>
+          <a:fontRef idx="minor">
+            <a:schemeClr val="tx1"/>
+          </a:fontRef>
+        </p:style>
+      </p:cxnSp>
+      <p:sp>
+        <p:nvSpPr>
+          <p:cNvPr id="7" name="Date Placeholder 3"/>
+          <p:cNvSpPr>
+            <a:spLocks noGrp="1"/>
+          </p:cNvSpPr>
+          <p:nvPr>
+            <p:ph type="dt" sz="half" idx="10"/>
+          </p:nvPr>
+        </p:nvSpPr>
+        <p:spPr/>
+        <p:txBody>
+          <a:bodyPr/>
+          <a:lstStyle/>
+          <a:p>
+            <a:fld id="{F4C6FC4E-C84B-4657-97FD-F4C92E31B913}" type="datetimeFigureOut">
+              <a:rPr lang="en-US" smtClean="0"/>
+              <a:t>6/25/2020</a:t>
+            </a:fld>
+            <a:endParaRPr lang="en-US"/>
+          </a:p>
+        </p:txBody>
+      </p:sp>
+      <p:sp>
+        <p:nvSpPr>
+          <p:cNvPr id="4" name="Footer Placeholder 4"/>
+          <p:cNvSpPr>
+            <a:spLocks noGrp="1"/>
+          </p:cNvSpPr>
+          <p:nvPr>
+            <p:ph type="ftr" sz="quarter" idx="11"/>
+          </p:nvPr>
+        </p:nvSpPr>
+        <p:spPr/>
+        <p:txBody>
+          <a:bodyPr/>
+          <a:lstStyle/>
+          <a:p>
+            <a:endParaRPr lang="en-US"/>
+          </a:p>
+        </p:txBody>
+      </p:sp>
+      <p:sp>
+        <p:nvSpPr>
+          <p:cNvPr id="6" name="Slide Number Placeholder 5"/>
+          <p:cNvSpPr>
+            <a:spLocks noGrp="1"/>
+          </p:cNvSpPr>
+          <p:nvPr>
+            <p:ph type="sldNum" sz="quarter" idx="12"/>
+          </p:nvPr>
+        </p:nvSpPr>
+        <p:spPr/>
+        <p:txBody>
+          <a:bodyPr/>
+          <a:lstStyle/>
+          <a:p>
+            <a:fld id="{F1D20B05-C423-423F-BECE-6249FDC28811}" type="slidenum">
+              <a:rPr lang="en-US" smtClean="0"/>
+              <a:t>‹#›</a:t>
+            </a:fld>
+            <a:endParaRPr lang="en-US"/>
+          </a:p>
+        </p:txBody>
+      </p:sp>
+    </p:spTree>
+    <p:extLst>
+      <p:ext uri="{BB962C8B-B14F-4D97-AF65-F5344CB8AC3E}">
+        <p14:creationId xmlns:p14="http://schemas.microsoft.com/office/powerpoint/2010/main" val="2595380956"/>
+      </p:ext>
+    </p:extLst>
+  </p:cSld>
+  <p:clrMapOvr>
+    <a:masterClrMapping/>
+  </p:clrMapOvr>
+</p:sldLayout>
+</file>
+
+<file path=ppt/slideLayouts/slideLayout16.xml><?xml version="1.0" encoding="utf-8"?>
 <p:sldLayout xmlns:a="http://schemas.openxmlformats.org/drawingml/2006/main" xmlns:r="http://schemas.openxmlformats.org/officeDocument/2006/relationships" xmlns:p="http://schemas.openxmlformats.org/presentationml/2006/main" type="vertTx" preserve="1">
   <p:cSld name="Title and Vertical Text">
     <p:spTree>
@@ -2846,13 +5441,7 @@
       </p:grpSpPr>
       <p:sp>
         <p:nvSpPr>
-          <p:cNvPr id="2" name="Title 1">
-            <a:extLst>
-              <a:ext uri="{FF2B5EF4-FFF2-40B4-BE49-F238E27FC236}">
-                <a16:creationId xmlns:a16="http://schemas.microsoft.com/office/drawing/2014/main" id="{EFBD8E7A-B0CA-45A7-9335-8A382415BB10}"/>
-              </a:ext>
-            </a:extLst>
-          </p:cNvPr>
+          <p:cNvPr id="2" name="Title 1"/>
           <p:cNvSpPr>
             <a:spLocks noGrp="1"/>
           </p:cNvSpPr>
@@ -2869,18 +5458,13 @@
               <a:rPr lang="en-US"/>
               <a:t>Click to edit Master title style</a:t>
             </a:r>
-          </a:p>
-        </p:txBody>
-      </p:sp>
-      <p:sp>
-        <p:nvSpPr>
-          <p:cNvPr id="3" name="Vertical Text Placeholder 2">
-            <a:extLst>
-              <a:ext uri="{FF2B5EF4-FFF2-40B4-BE49-F238E27FC236}">
-                <a16:creationId xmlns:a16="http://schemas.microsoft.com/office/drawing/2014/main" id="{CF88C9B9-C0E6-4EE5-B4AA-AE821C12E680}"/>
-              </a:ext>
-            </a:extLst>
-          </p:cNvPr>
+            <a:endParaRPr lang="en-US" dirty="0"/>
+          </a:p>
+        </p:txBody>
+      </p:sp>
+      <p:sp>
+        <p:nvSpPr>
+          <p:cNvPr id="3" name="Vertical Text Placeholder 2"/>
           <p:cNvSpPr>
             <a:spLocks noGrp="1"/>
           </p:cNvSpPr>
@@ -2890,7 +5474,7 @@
         </p:nvSpPr>
         <p:spPr/>
         <p:txBody>
-          <a:bodyPr vert="eaVert"/>
+          <a:bodyPr vert="eaVert" anchor="t" anchorCtr="0"/>
           <a:lstStyle/>
           <a:p>
             <a:pPr lvl="0"/>
@@ -2926,18 +5510,13 @@
               <a:rPr lang="en-US"/>
               <a:t>Fifth level</a:t>
             </a:r>
-          </a:p>
-        </p:txBody>
-      </p:sp>
-      <p:sp>
-        <p:nvSpPr>
-          <p:cNvPr id="4" name="Date Placeholder 3">
-            <a:extLst>
-              <a:ext uri="{FF2B5EF4-FFF2-40B4-BE49-F238E27FC236}">
-                <a16:creationId xmlns:a16="http://schemas.microsoft.com/office/drawing/2014/main" id="{56AB3B29-7D45-4DBB-BF80-C7A4FF621DCA}"/>
-              </a:ext>
-            </a:extLst>
-          </p:cNvPr>
+            <a:endParaRPr lang="en-US" dirty="0"/>
+          </a:p>
+        </p:txBody>
+      </p:sp>
+      <p:sp>
+        <p:nvSpPr>
+          <p:cNvPr id="4" name="Date Placeholder 3"/>
           <p:cNvSpPr>
             <a:spLocks noGrp="1"/>
           </p:cNvSpPr>
@@ -2952,7 +5531,7 @@
           <a:p>
             <a:fld id="{F4C6FC4E-C84B-4657-97FD-F4C92E31B913}" type="datetimeFigureOut">
               <a:rPr lang="en-US" smtClean="0"/>
-              <a:t>6/24/2020</a:t>
+              <a:t>6/25/2020</a:t>
             </a:fld>
             <a:endParaRPr lang="en-US"/>
           </a:p>
@@ -2960,13 +5539,7 @@
       </p:sp>
       <p:sp>
         <p:nvSpPr>
-          <p:cNvPr id="5" name="Footer Placeholder 4">
-            <a:extLst>
-              <a:ext uri="{FF2B5EF4-FFF2-40B4-BE49-F238E27FC236}">
-                <a16:creationId xmlns:a16="http://schemas.microsoft.com/office/drawing/2014/main" id="{18B4FEF9-2DD0-49C2-8E1B-3BC92E1F81D5}"/>
-              </a:ext>
-            </a:extLst>
-          </p:cNvPr>
+          <p:cNvPr id="5" name="Footer Placeholder 4"/>
           <p:cNvSpPr>
             <a:spLocks noGrp="1"/>
           </p:cNvSpPr>
@@ -2985,13 +5558,7 @@
       </p:sp>
       <p:sp>
         <p:nvSpPr>
-          <p:cNvPr id="6" name="Slide Number Placeholder 5">
-            <a:extLst>
-              <a:ext uri="{FF2B5EF4-FFF2-40B4-BE49-F238E27FC236}">
-                <a16:creationId xmlns:a16="http://schemas.microsoft.com/office/drawing/2014/main" id="{4C52D5D9-3867-4C72-A466-3E945AB17301}"/>
-              </a:ext>
-            </a:extLst>
-          </p:cNvPr>
+          <p:cNvPr id="6" name="Slide Number Placeholder 5"/>
           <p:cNvSpPr>
             <a:spLocks noGrp="1"/>
           </p:cNvSpPr>
@@ -3015,7 +5582,7 @@
     </p:spTree>
     <p:extLst>
       <p:ext uri="{BB962C8B-B14F-4D97-AF65-F5344CB8AC3E}">
-        <p14:creationId xmlns:p14="http://schemas.microsoft.com/office/powerpoint/2010/main" val="3345479789"/>
+        <p14:creationId xmlns:p14="http://schemas.microsoft.com/office/powerpoint/2010/main" val="1774239857"/>
       </p:ext>
     </p:extLst>
   </p:cSld>
@@ -3025,7 +5592,7 @@
 </p:sldLayout>
 </file>
 
-<file path=ppt/slideLayouts/slideLayout11.xml><?xml version="1.0" encoding="utf-8"?>
+<file path=ppt/slideLayouts/slideLayout17.xml><?xml version="1.0" encoding="utf-8"?>
 <p:sldLayout xmlns:a="http://schemas.openxmlformats.org/drawingml/2006/main" xmlns:r="http://schemas.openxmlformats.org/officeDocument/2006/relationships" xmlns:p="http://schemas.openxmlformats.org/presentationml/2006/main" type="vertTitleAndTx" preserve="1">
   <p:cSld name="Vertical Title and Text">
     <p:spTree>
@@ -3044,13 +5611,7 @@
       </p:grpSpPr>
       <p:sp>
         <p:nvSpPr>
-          <p:cNvPr id="2" name="Vertical Title 1">
-            <a:extLst>
-              <a:ext uri="{FF2B5EF4-FFF2-40B4-BE49-F238E27FC236}">
-                <a16:creationId xmlns:a16="http://schemas.microsoft.com/office/drawing/2014/main" id="{6F56E181-91E1-4545-A666-5F6342B4043D}"/>
-              </a:ext>
-            </a:extLst>
-          </p:cNvPr>
+          <p:cNvPr id="2" name="Vertical Title 1"/>
           <p:cNvSpPr>
             <a:spLocks noGrp="1"/>
           </p:cNvSpPr>
@@ -3060,47 +5621,42 @@
         </p:nvSpPr>
         <p:spPr>
           <a:xfrm>
-            <a:off x="8724900" y="365125"/>
-            <a:ext cx="2628900" cy="5811838"/>
+            <a:off x="8304212" y="430213"/>
+            <a:ext cx="1752601" cy="5826125"/>
           </a:xfrm>
         </p:spPr>
         <p:txBody>
+          <a:bodyPr vert="eaVert" anchor="b" anchorCtr="0"/>
+          <a:lstStyle/>
+          <a:p>
+            <a:r>
+              <a:rPr lang="en-US"/>
+              <a:t>Click to edit Master title style</a:t>
+            </a:r>
+            <a:endParaRPr lang="en-US" dirty="0"/>
+          </a:p>
+        </p:txBody>
+      </p:sp>
+      <p:sp>
+        <p:nvSpPr>
+          <p:cNvPr id="3" name="Vertical Text Placeholder 2"/>
+          <p:cNvSpPr>
+            <a:spLocks noGrp="1"/>
+          </p:cNvSpPr>
+          <p:nvPr>
+            <p:ph type="body" orient="vert" idx="1"/>
+          </p:nvPr>
+        </p:nvSpPr>
+        <p:spPr>
+          <a:xfrm>
+            <a:off x="652463" y="887414"/>
+            <a:ext cx="7423149" cy="5368924"/>
+          </a:xfrm>
+        </p:spPr>
+        <p:txBody>
           <a:bodyPr vert="eaVert"/>
           <a:lstStyle/>
           <a:p>
-            <a:r>
-              <a:rPr lang="en-US"/>
-              <a:t>Click to edit Master title style</a:t>
-            </a:r>
-          </a:p>
-        </p:txBody>
-      </p:sp>
-      <p:sp>
-        <p:nvSpPr>
-          <p:cNvPr id="3" name="Vertical Text Placeholder 2">
-            <a:extLst>
-              <a:ext uri="{FF2B5EF4-FFF2-40B4-BE49-F238E27FC236}">
-                <a16:creationId xmlns:a16="http://schemas.microsoft.com/office/drawing/2014/main" id="{E75AFF13-7725-4FF9-A183-65E998DAA90B}"/>
-              </a:ext>
-            </a:extLst>
-          </p:cNvPr>
-          <p:cNvSpPr>
-            <a:spLocks noGrp="1"/>
-          </p:cNvSpPr>
-          <p:nvPr>
-            <p:ph type="body" orient="vert" idx="1"/>
-          </p:nvPr>
-        </p:nvSpPr>
-        <p:spPr>
-          <a:xfrm>
-            <a:off x="838200" y="365125"/>
-            <a:ext cx="7734300" cy="5811838"/>
-          </a:xfrm>
-        </p:spPr>
-        <p:txBody>
-          <a:bodyPr vert="eaVert"/>
-          <a:lstStyle/>
-          <a:p>
             <a:pPr lvl="0"/>
             <a:r>
               <a:rPr lang="en-US"/>
@@ -3134,18 +5690,13 @@
               <a:rPr lang="en-US"/>
               <a:t>Fifth level</a:t>
             </a:r>
-          </a:p>
-        </p:txBody>
-      </p:sp>
-      <p:sp>
-        <p:nvSpPr>
-          <p:cNvPr id="4" name="Date Placeholder 3">
-            <a:extLst>
-              <a:ext uri="{FF2B5EF4-FFF2-40B4-BE49-F238E27FC236}">
-                <a16:creationId xmlns:a16="http://schemas.microsoft.com/office/drawing/2014/main" id="{DB78F3D1-8D77-4519-BFE7-371F2756F5AB}"/>
-              </a:ext>
-            </a:extLst>
-          </p:cNvPr>
+            <a:endParaRPr lang="en-US" dirty="0"/>
+          </a:p>
+        </p:txBody>
+      </p:sp>
+      <p:sp>
+        <p:nvSpPr>
+          <p:cNvPr id="4" name="Date Placeholder 3"/>
           <p:cNvSpPr>
             <a:spLocks noGrp="1"/>
           </p:cNvSpPr>
@@ -3160,7 +5711,7 @@
           <a:p>
             <a:fld id="{F4C6FC4E-C84B-4657-97FD-F4C92E31B913}" type="datetimeFigureOut">
               <a:rPr lang="en-US" smtClean="0"/>
-              <a:t>6/24/2020</a:t>
+              <a:t>6/25/2020</a:t>
             </a:fld>
             <a:endParaRPr lang="en-US"/>
           </a:p>
@@ -3168,13 +5719,7 @@
       </p:sp>
       <p:sp>
         <p:nvSpPr>
-          <p:cNvPr id="5" name="Footer Placeholder 4">
-            <a:extLst>
-              <a:ext uri="{FF2B5EF4-FFF2-40B4-BE49-F238E27FC236}">
-                <a16:creationId xmlns:a16="http://schemas.microsoft.com/office/drawing/2014/main" id="{00D6640D-CC48-4F57-863A-771232C9963C}"/>
-              </a:ext>
-            </a:extLst>
-          </p:cNvPr>
+          <p:cNvPr id="5" name="Footer Placeholder 4"/>
           <p:cNvSpPr>
             <a:spLocks noGrp="1"/>
           </p:cNvSpPr>
@@ -3193,13 +5738,7 @@
       </p:sp>
       <p:sp>
         <p:nvSpPr>
-          <p:cNvPr id="6" name="Slide Number Placeholder 5">
-            <a:extLst>
-              <a:ext uri="{FF2B5EF4-FFF2-40B4-BE49-F238E27FC236}">
-                <a16:creationId xmlns:a16="http://schemas.microsoft.com/office/drawing/2014/main" id="{CF8FFA66-0B68-4360-9118-150C200E4F7B}"/>
-              </a:ext>
-            </a:extLst>
-          </p:cNvPr>
+          <p:cNvPr id="6" name="Slide Number Placeholder 5"/>
           <p:cNvSpPr>
             <a:spLocks noGrp="1"/>
           </p:cNvSpPr>
@@ -3223,7 +5762,7 @@
     </p:spTree>
     <p:extLst>
       <p:ext uri="{BB962C8B-B14F-4D97-AF65-F5344CB8AC3E}">
-        <p14:creationId xmlns:p14="http://schemas.microsoft.com/office/powerpoint/2010/main" val="660714564"/>
+        <p14:creationId xmlns:p14="http://schemas.microsoft.com/office/powerpoint/2010/main" val="1792674708"/>
       </p:ext>
     </p:extLst>
   </p:cSld>
@@ -3252,13 +5791,7 @@
       </p:grpSpPr>
       <p:sp>
         <p:nvSpPr>
-          <p:cNvPr id="2" name="Title 1">
-            <a:extLst>
-              <a:ext uri="{FF2B5EF4-FFF2-40B4-BE49-F238E27FC236}">
-                <a16:creationId xmlns:a16="http://schemas.microsoft.com/office/drawing/2014/main" id="{DFC22AE4-92D1-4D4E-8B23-AD2777A39569}"/>
-              </a:ext>
-            </a:extLst>
-          </p:cNvPr>
+          <p:cNvPr id="2" name="Title 1"/>
           <p:cNvSpPr>
             <a:spLocks noGrp="1"/>
           </p:cNvSpPr>
@@ -3275,18 +5808,13 @@
               <a:rPr lang="en-US"/>
               <a:t>Click to edit Master title style</a:t>
             </a:r>
-          </a:p>
-        </p:txBody>
-      </p:sp>
-      <p:sp>
-        <p:nvSpPr>
-          <p:cNvPr id="3" name="Content Placeholder 2">
-            <a:extLst>
-              <a:ext uri="{FF2B5EF4-FFF2-40B4-BE49-F238E27FC236}">
-                <a16:creationId xmlns:a16="http://schemas.microsoft.com/office/drawing/2014/main" id="{772CAA47-1CC8-4A84-9C5D-D1FB7150DE99}"/>
-              </a:ext>
-            </a:extLst>
-          </p:cNvPr>
+            <a:endParaRPr lang="en-US" dirty="0"/>
+          </a:p>
+        </p:txBody>
+      </p:sp>
+      <p:sp>
+        <p:nvSpPr>
+          <p:cNvPr id="3" name="Content Placeholder 2"/>
           <p:cNvSpPr>
             <a:spLocks noGrp="1"/>
           </p:cNvSpPr>
@@ -3332,18 +5860,13 @@
               <a:rPr lang="en-US"/>
               <a:t>Fifth level</a:t>
             </a:r>
-          </a:p>
-        </p:txBody>
-      </p:sp>
-      <p:sp>
-        <p:nvSpPr>
-          <p:cNvPr id="4" name="Date Placeholder 3">
-            <a:extLst>
-              <a:ext uri="{FF2B5EF4-FFF2-40B4-BE49-F238E27FC236}">
-                <a16:creationId xmlns:a16="http://schemas.microsoft.com/office/drawing/2014/main" id="{6EE260C3-91F8-4327-888D-BC35493A6273}"/>
-              </a:ext>
-            </a:extLst>
-          </p:cNvPr>
+            <a:endParaRPr lang="en-US" dirty="0"/>
+          </a:p>
+        </p:txBody>
+      </p:sp>
+      <p:sp>
+        <p:nvSpPr>
+          <p:cNvPr id="7" name="Date Placeholder 3"/>
           <p:cNvSpPr>
             <a:spLocks noGrp="1"/>
           </p:cNvSpPr>
@@ -3358,7 +5881,7 @@
           <a:p>
             <a:fld id="{F4C6FC4E-C84B-4657-97FD-F4C92E31B913}" type="datetimeFigureOut">
               <a:rPr lang="en-US" smtClean="0"/>
-              <a:t>6/24/2020</a:t>
+              <a:t>6/25/2020</a:t>
             </a:fld>
             <a:endParaRPr lang="en-US"/>
           </a:p>
@@ -3366,13 +5889,7 @@
       </p:sp>
       <p:sp>
         <p:nvSpPr>
-          <p:cNvPr id="5" name="Footer Placeholder 4">
-            <a:extLst>
-              <a:ext uri="{FF2B5EF4-FFF2-40B4-BE49-F238E27FC236}">
-                <a16:creationId xmlns:a16="http://schemas.microsoft.com/office/drawing/2014/main" id="{019AD1E6-CAAB-4928-8CF0-82C9CE4578D5}"/>
-              </a:ext>
-            </a:extLst>
-          </p:cNvPr>
+          <p:cNvPr id="5" name="Footer Placeholder 4"/>
           <p:cNvSpPr>
             <a:spLocks noGrp="1"/>
           </p:cNvSpPr>
@@ -3391,13 +5908,7 @@
       </p:sp>
       <p:sp>
         <p:nvSpPr>
-          <p:cNvPr id="6" name="Slide Number Placeholder 5">
-            <a:extLst>
-              <a:ext uri="{FF2B5EF4-FFF2-40B4-BE49-F238E27FC236}">
-                <a16:creationId xmlns:a16="http://schemas.microsoft.com/office/drawing/2014/main" id="{D0CE852F-6F27-44F4-9E45-C29474720C8E}"/>
-              </a:ext>
-            </a:extLst>
-          </p:cNvPr>
+          <p:cNvPr id="6" name="Slide Number Placeholder 5"/>
           <p:cNvSpPr>
             <a:spLocks noGrp="1"/>
           </p:cNvSpPr>
@@ -3421,7 +5932,7 @@
     </p:spTree>
     <p:extLst>
       <p:ext uri="{BB962C8B-B14F-4D97-AF65-F5344CB8AC3E}">
-        <p14:creationId xmlns:p14="http://schemas.microsoft.com/office/powerpoint/2010/main" val="395583048"/>
+        <p14:creationId xmlns:p14="http://schemas.microsoft.com/office/powerpoint/2010/main" val="3162962399"/>
       </p:ext>
     </p:extLst>
   </p:cSld>
@@ -3450,13 +5961,7 @@
       </p:grpSpPr>
       <p:sp>
         <p:nvSpPr>
-          <p:cNvPr id="2" name="Title 1">
-            <a:extLst>
-              <a:ext uri="{FF2B5EF4-FFF2-40B4-BE49-F238E27FC236}">
-                <a16:creationId xmlns:a16="http://schemas.microsoft.com/office/drawing/2014/main" id="{1528FD2A-6AE4-4195-8334-9245EE805A93}"/>
-              </a:ext>
-            </a:extLst>
-          </p:cNvPr>
+          <p:cNvPr id="2" name="Title 1"/>
           <p:cNvSpPr>
             <a:spLocks noGrp="1"/>
           </p:cNvSpPr>
@@ -3466,15 +5971,15 @@
         </p:nvSpPr>
         <p:spPr>
           <a:xfrm>
-            <a:off x="831850" y="1709738"/>
-            <a:ext cx="10515600" cy="2852737"/>
+            <a:off x="1154956" y="2861733"/>
+            <a:ext cx="8825657" cy="1915647"/>
           </a:xfrm>
         </p:spPr>
         <p:txBody>
           <a:bodyPr anchor="b"/>
           <a:lstStyle>
-            <a:lvl1pPr>
-              <a:defRPr sz="6000"/>
+            <a:lvl1pPr algn="l">
+              <a:defRPr sz="4000" b="0" cap="none"/>
             </a:lvl1pPr>
           </a:lstStyle>
           <a:p>
@@ -3482,18 +5987,13 @@
               <a:rPr lang="en-US"/>
               <a:t>Click to edit Master title style</a:t>
             </a:r>
-          </a:p>
-        </p:txBody>
-      </p:sp>
-      <p:sp>
-        <p:nvSpPr>
-          <p:cNvPr id="3" name="Text Placeholder 2">
-            <a:extLst>
-              <a:ext uri="{FF2B5EF4-FFF2-40B4-BE49-F238E27FC236}">
-                <a16:creationId xmlns:a16="http://schemas.microsoft.com/office/drawing/2014/main" id="{FF5BC7B6-60F5-4FA3-A78A-DD2DC38B4189}"/>
-              </a:ext>
-            </a:extLst>
-          </p:cNvPr>
+            <a:endParaRPr lang="en-US" dirty="0"/>
+          </a:p>
+        </p:txBody>
+      </p:sp>
+      <p:sp>
+        <p:nvSpPr>
+          <p:cNvPr id="3" name="Text Placeholder 2"/>
           <p:cNvSpPr>
             <a:spLocks noGrp="1"/>
           </p:cNvSpPr>
@@ -3503,26 +6003,27 @@
         </p:nvSpPr>
         <p:spPr>
           <a:xfrm>
-            <a:off x="831850" y="4589463"/>
-            <a:ext cx="10515600" cy="1500187"/>
+            <a:off x="1154955" y="4777381"/>
+            <a:ext cx="8825658" cy="860400"/>
           </a:xfrm>
         </p:spPr>
         <p:txBody>
-          <a:bodyPr/>
+          <a:bodyPr anchor="t"/>
           <a:lstStyle>
-            <a:lvl1pPr marL="0" indent="0">
-              <a:buNone/>
-              <a:defRPr sz="2400">
+            <a:lvl1pPr marL="0" indent="0" algn="l">
+              <a:buNone/>
+              <a:defRPr sz="2000" cap="all">
                 <a:solidFill>
-                  <a:schemeClr val="tx1">
-                    <a:tint val="75000"/>
+                  <a:schemeClr val="bg2">
+                    <a:lumMod val="40000"/>
+                    <a:lumOff val="60000"/>
                   </a:schemeClr>
                 </a:solidFill>
               </a:defRPr>
             </a:lvl1pPr>
             <a:lvl2pPr marL="457200" indent="0">
               <a:buNone/>
-              <a:defRPr sz="2000">
+              <a:defRPr sz="1800">
                 <a:solidFill>
                   <a:schemeClr val="tx1">
                     <a:tint val="75000"/>
@@ -3532,7 +6033,7 @@
             </a:lvl2pPr>
             <a:lvl3pPr marL="914400" indent="0">
               <a:buNone/>
-              <a:defRPr sz="1800">
+              <a:defRPr sz="1600">
                 <a:solidFill>
                   <a:schemeClr val="tx1">
                     <a:tint val="75000"/>
@@ -3542,7 +6043,7 @@
             </a:lvl3pPr>
             <a:lvl4pPr marL="1371600" indent="0">
               <a:buNone/>
-              <a:defRPr sz="1600">
+              <a:defRPr sz="1400">
                 <a:solidFill>
                   <a:schemeClr val="tx1">
                     <a:tint val="75000"/>
@@ -3552,7 +6053,7 @@
             </a:lvl4pPr>
             <a:lvl5pPr marL="1828800" indent="0">
               <a:buNone/>
-              <a:defRPr sz="1600">
+              <a:defRPr sz="1400">
                 <a:solidFill>
                   <a:schemeClr val="tx1">
                     <a:tint val="75000"/>
@@ -3562,7 +6063,7 @@
             </a:lvl5pPr>
             <a:lvl6pPr marL="2286000" indent="0">
               <a:buNone/>
-              <a:defRPr sz="1600">
+              <a:defRPr sz="1400">
                 <a:solidFill>
                   <a:schemeClr val="tx1">
                     <a:tint val="75000"/>
@@ -3572,7 +6073,7 @@
             </a:lvl6pPr>
             <a:lvl7pPr marL="2743200" indent="0">
               <a:buNone/>
-              <a:defRPr sz="1600">
+              <a:defRPr sz="1400">
                 <a:solidFill>
                   <a:schemeClr val="tx1">
                     <a:tint val="75000"/>
@@ -3582,7 +6083,7 @@
             </a:lvl7pPr>
             <a:lvl8pPr marL="3200400" indent="0">
               <a:buNone/>
-              <a:defRPr sz="1600">
+              <a:defRPr sz="1400">
                 <a:solidFill>
                   <a:schemeClr val="tx1">
                     <a:tint val="75000"/>
@@ -3592,7 +6093,7 @@
             </a:lvl8pPr>
             <a:lvl9pPr marL="3657600" indent="0">
               <a:buNone/>
-              <a:defRPr sz="1600">
+              <a:defRPr sz="1400">
                 <a:solidFill>
                   <a:schemeClr val="tx1">
                     <a:tint val="75000"/>
@@ -3612,13 +6113,7 @@
       </p:sp>
       <p:sp>
         <p:nvSpPr>
-          <p:cNvPr id="4" name="Date Placeholder 3">
-            <a:extLst>
-              <a:ext uri="{FF2B5EF4-FFF2-40B4-BE49-F238E27FC236}">
-                <a16:creationId xmlns:a16="http://schemas.microsoft.com/office/drawing/2014/main" id="{C29B4C5D-0CF2-45D6-B464-2DF60559792B}"/>
-              </a:ext>
-            </a:extLst>
-          </p:cNvPr>
+          <p:cNvPr id="4" name="Date Placeholder 3"/>
           <p:cNvSpPr>
             <a:spLocks noGrp="1"/>
           </p:cNvSpPr>
@@ -3633,7 +6128,7 @@
           <a:p>
             <a:fld id="{F4C6FC4E-C84B-4657-97FD-F4C92E31B913}" type="datetimeFigureOut">
               <a:rPr lang="en-US" smtClean="0"/>
-              <a:t>6/24/2020</a:t>
+              <a:t>6/25/2020</a:t>
             </a:fld>
             <a:endParaRPr lang="en-US"/>
           </a:p>
@@ -3641,13 +6136,7 @@
       </p:sp>
       <p:sp>
         <p:nvSpPr>
-          <p:cNvPr id="5" name="Footer Placeholder 4">
-            <a:extLst>
-              <a:ext uri="{FF2B5EF4-FFF2-40B4-BE49-F238E27FC236}">
-                <a16:creationId xmlns:a16="http://schemas.microsoft.com/office/drawing/2014/main" id="{186F010E-7272-4575-B2D5-C49596858B64}"/>
-              </a:ext>
-            </a:extLst>
-          </p:cNvPr>
+          <p:cNvPr id="5" name="Footer Placeholder 4"/>
           <p:cNvSpPr>
             <a:spLocks noGrp="1"/>
           </p:cNvSpPr>
@@ -3666,13 +6155,7 @@
       </p:sp>
       <p:sp>
         <p:nvSpPr>
-          <p:cNvPr id="6" name="Slide Number Placeholder 5">
-            <a:extLst>
-              <a:ext uri="{FF2B5EF4-FFF2-40B4-BE49-F238E27FC236}">
-                <a16:creationId xmlns:a16="http://schemas.microsoft.com/office/drawing/2014/main" id="{FC92FF70-B655-44FB-974F-CBF7B7D957AC}"/>
-              </a:ext>
-            </a:extLst>
-          </p:cNvPr>
+          <p:cNvPr id="6" name="Slide Number Placeholder 5"/>
           <p:cNvSpPr>
             <a:spLocks noGrp="1"/>
           </p:cNvSpPr>
@@ -3696,7 +6179,7 @@
     </p:spTree>
     <p:extLst>
       <p:ext uri="{BB962C8B-B14F-4D97-AF65-F5344CB8AC3E}">
-        <p14:creationId xmlns:p14="http://schemas.microsoft.com/office/powerpoint/2010/main" val="1283587540"/>
+        <p14:creationId xmlns:p14="http://schemas.microsoft.com/office/powerpoint/2010/main" val="1496944012"/>
       </p:ext>
     </p:extLst>
   </p:cSld>
@@ -3725,13 +6208,7 @@
       </p:grpSpPr>
       <p:sp>
         <p:nvSpPr>
-          <p:cNvPr id="2" name="Title 1">
-            <a:extLst>
-              <a:ext uri="{FF2B5EF4-FFF2-40B4-BE49-F238E27FC236}">
-                <a16:creationId xmlns:a16="http://schemas.microsoft.com/office/drawing/2014/main" id="{2C04C763-35BD-443F-ABEF-089E018A3BC3}"/>
-              </a:ext>
-            </a:extLst>
-          </p:cNvPr>
+          <p:cNvPr id="2" name="Title 1"/>
           <p:cNvSpPr>
             <a:spLocks noGrp="1"/>
           </p:cNvSpPr>
@@ -3748,18 +6225,13 @@
               <a:rPr lang="en-US"/>
               <a:t>Click to edit Master title style</a:t>
             </a:r>
-          </a:p>
-        </p:txBody>
-      </p:sp>
-      <p:sp>
-        <p:nvSpPr>
-          <p:cNvPr id="3" name="Content Placeholder 2">
-            <a:extLst>
-              <a:ext uri="{FF2B5EF4-FFF2-40B4-BE49-F238E27FC236}">
-                <a16:creationId xmlns:a16="http://schemas.microsoft.com/office/drawing/2014/main" id="{0C764604-20B6-4E0A-B37E-80EA900321DB}"/>
-              </a:ext>
-            </a:extLst>
-          </p:cNvPr>
+            <a:endParaRPr lang="en-US" dirty="0"/>
+          </a:p>
+        </p:txBody>
+      </p:sp>
+      <p:sp>
+        <p:nvSpPr>
+          <p:cNvPr id="3" name="Content Placeholder 2"/>
           <p:cNvSpPr>
             <a:spLocks noGrp="1"/>
           </p:cNvSpPr>
@@ -3769,175 +6241,213 @@
         </p:nvSpPr>
         <p:spPr>
           <a:xfrm>
-            <a:off x="838200" y="1825625"/>
-            <a:ext cx="5181600" cy="4351338"/>
+            <a:off x="1103312" y="2060575"/>
+            <a:ext cx="4396339" cy="4195763"/>
           </a:xfrm>
         </p:spPr>
         <p:txBody>
+          <a:bodyPr>
+            <a:normAutofit/>
+          </a:bodyPr>
+          <a:lstStyle>
+            <a:lvl1pPr>
+              <a:defRPr sz="1800"/>
+            </a:lvl1pPr>
+            <a:lvl2pPr>
+              <a:defRPr sz="1600"/>
+            </a:lvl2pPr>
+            <a:lvl3pPr>
+              <a:defRPr sz="1400"/>
+            </a:lvl3pPr>
+            <a:lvl4pPr>
+              <a:defRPr sz="1200"/>
+            </a:lvl4pPr>
+            <a:lvl5pPr>
+              <a:defRPr sz="1200"/>
+            </a:lvl5pPr>
+            <a:lvl6pPr>
+              <a:defRPr sz="1200"/>
+            </a:lvl6pPr>
+            <a:lvl7pPr>
+              <a:defRPr sz="1200"/>
+            </a:lvl7pPr>
+            <a:lvl8pPr>
+              <a:defRPr sz="1200"/>
+            </a:lvl8pPr>
+            <a:lvl9pPr>
+              <a:defRPr sz="1200"/>
+            </a:lvl9pPr>
+          </a:lstStyle>
+          <a:p>
+            <a:pPr lvl="0"/>
+            <a:r>
+              <a:rPr lang="en-US"/>
+              <a:t>Click to edit Master text styles</a:t>
+            </a:r>
+          </a:p>
+          <a:p>
+            <a:pPr lvl="1"/>
+            <a:r>
+              <a:rPr lang="en-US"/>
+              <a:t>Second level</a:t>
+            </a:r>
+          </a:p>
+          <a:p>
+            <a:pPr lvl="2"/>
+            <a:r>
+              <a:rPr lang="en-US"/>
+              <a:t>Third level</a:t>
+            </a:r>
+          </a:p>
+          <a:p>
+            <a:pPr lvl="3"/>
+            <a:r>
+              <a:rPr lang="en-US"/>
+              <a:t>Fourth level</a:t>
+            </a:r>
+          </a:p>
+          <a:p>
+            <a:pPr lvl="4"/>
+            <a:r>
+              <a:rPr lang="en-US"/>
+              <a:t>Fifth level</a:t>
+            </a:r>
+            <a:endParaRPr lang="en-US" dirty="0"/>
+          </a:p>
+        </p:txBody>
+      </p:sp>
+      <p:sp>
+        <p:nvSpPr>
+          <p:cNvPr id="4" name="Content Placeholder 3"/>
+          <p:cNvSpPr>
+            <a:spLocks noGrp="1"/>
+          </p:cNvSpPr>
+          <p:nvPr>
+            <p:ph sz="half" idx="2"/>
+          </p:nvPr>
+        </p:nvSpPr>
+        <p:spPr>
+          <a:xfrm>
+            <a:off x="5654493" y="2056092"/>
+            <a:ext cx="4396341" cy="4200245"/>
+          </a:xfrm>
+        </p:spPr>
+        <p:txBody>
+          <a:bodyPr>
+            <a:normAutofit/>
+          </a:bodyPr>
+          <a:lstStyle>
+            <a:lvl1pPr>
+              <a:defRPr sz="1800"/>
+            </a:lvl1pPr>
+            <a:lvl2pPr>
+              <a:defRPr sz="1600"/>
+            </a:lvl2pPr>
+            <a:lvl3pPr>
+              <a:defRPr sz="1400"/>
+            </a:lvl3pPr>
+            <a:lvl4pPr>
+              <a:defRPr sz="1200"/>
+            </a:lvl4pPr>
+            <a:lvl5pPr>
+              <a:defRPr sz="1200"/>
+            </a:lvl5pPr>
+            <a:lvl6pPr>
+              <a:defRPr sz="1200"/>
+            </a:lvl6pPr>
+            <a:lvl7pPr>
+              <a:defRPr sz="1200"/>
+            </a:lvl7pPr>
+            <a:lvl8pPr>
+              <a:defRPr sz="1200"/>
+            </a:lvl8pPr>
+            <a:lvl9pPr>
+              <a:defRPr sz="1200"/>
+            </a:lvl9pPr>
+          </a:lstStyle>
+          <a:p>
+            <a:pPr lvl="0"/>
+            <a:r>
+              <a:rPr lang="en-US"/>
+              <a:t>Click to edit Master text styles</a:t>
+            </a:r>
+          </a:p>
+          <a:p>
+            <a:pPr lvl="1"/>
+            <a:r>
+              <a:rPr lang="en-US"/>
+              <a:t>Second level</a:t>
+            </a:r>
+          </a:p>
+          <a:p>
+            <a:pPr lvl="2"/>
+            <a:r>
+              <a:rPr lang="en-US"/>
+              <a:t>Third level</a:t>
+            </a:r>
+          </a:p>
+          <a:p>
+            <a:pPr lvl="3"/>
+            <a:r>
+              <a:rPr lang="en-US"/>
+              <a:t>Fourth level</a:t>
+            </a:r>
+          </a:p>
+          <a:p>
+            <a:pPr lvl="4"/>
+            <a:r>
+              <a:rPr lang="en-US"/>
+              <a:t>Fifth level</a:t>
+            </a:r>
+            <a:endParaRPr lang="en-US" dirty="0"/>
+          </a:p>
+        </p:txBody>
+      </p:sp>
+      <p:sp>
+        <p:nvSpPr>
+          <p:cNvPr id="5" name="Date Placeholder 4"/>
+          <p:cNvSpPr>
+            <a:spLocks noGrp="1"/>
+          </p:cNvSpPr>
+          <p:nvPr>
+            <p:ph type="dt" sz="half" idx="10"/>
+          </p:nvPr>
+        </p:nvSpPr>
+        <p:spPr/>
+        <p:txBody>
           <a:bodyPr/>
           <a:lstStyle/>
           <a:p>
-            <a:pPr lvl="0"/>
-            <a:r>
-              <a:rPr lang="en-US"/>
-              <a:t>Click to edit Master text styles</a:t>
-            </a:r>
-          </a:p>
-          <a:p>
-            <a:pPr lvl="1"/>
-            <a:r>
-              <a:rPr lang="en-US"/>
-              <a:t>Second level</a:t>
-            </a:r>
-          </a:p>
-          <a:p>
-            <a:pPr lvl="2"/>
-            <a:r>
-              <a:rPr lang="en-US"/>
-              <a:t>Third level</a:t>
-            </a:r>
-          </a:p>
-          <a:p>
-            <a:pPr lvl="3"/>
-            <a:r>
-              <a:rPr lang="en-US"/>
-              <a:t>Fourth level</a:t>
-            </a:r>
-          </a:p>
-          <a:p>
-            <a:pPr lvl="4"/>
-            <a:r>
-              <a:rPr lang="en-US"/>
-              <a:t>Fifth level</a:t>
-            </a:r>
-          </a:p>
-        </p:txBody>
-      </p:sp>
-      <p:sp>
-        <p:nvSpPr>
-          <p:cNvPr id="4" name="Content Placeholder 3">
-            <a:extLst>
-              <a:ext uri="{FF2B5EF4-FFF2-40B4-BE49-F238E27FC236}">
-                <a16:creationId xmlns:a16="http://schemas.microsoft.com/office/drawing/2014/main" id="{6203CE18-0BFA-42FA-9DA3-6D7C4AF32164}"/>
-              </a:ext>
-            </a:extLst>
-          </p:cNvPr>
-          <p:cNvSpPr>
-            <a:spLocks noGrp="1"/>
-          </p:cNvSpPr>
-          <p:nvPr>
-            <p:ph sz="half" idx="2"/>
-          </p:nvPr>
-        </p:nvSpPr>
-        <p:spPr>
-          <a:xfrm>
-            <a:off x="6172200" y="1825625"/>
-            <a:ext cx="5181600" cy="4351338"/>
-          </a:xfrm>
-        </p:spPr>
+            <a:fld id="{F4C6FC4E-C84B-4657-97FD-F4C92E31B913}" type="datetimeFigureOut">
+              <a:rPr lang="en-US" smtClean="0"/>
+              <a:t>6/25/2020</a:t>
+            </a:fld>
+            <a:endParaRPr lang="en-US"/>
+          </a:p>
+        </p:txBody>
+      </p:sp>
+      <p:sp>
+        <p:nvSpPr>
+          <p:cNvPr id="6" name="Footer Placeholder 5"/>
+          <p:cNvSpPr>
+            <a:spLocks noGrp="1"/>
+          </p:cNvSpPr>
+          <p:nvPr>
+            <p:ph type="ftr" sz="quarter" idx="11"/>
+          </p:nvPr>
+        </p:nvSpPr>
+        <p:spPr/>
         <p:txBody>
           <a:bodyPr/>
           <a:lstStyle/>
           <a:p>
-            <a:pPr lvl="0"/>
-            <a:r>
-              <a:rPr lang="en-US"/>
-              <a:t>Click to edit Master text styles</a:t>
-            </a:r>
-          </a:p>
-          <a:p>
-            <a:pPr lvl="1"/>
-            <a:r>
-              <a:rPr lang="en-US"/>
-              <a:t>Second level</a:t>
-            </a:r>
-          </a:p>
-          <a:p>
-            <a:pPr lvl="2"/>
-            <a:r>
-              <a:rPr lang="en-US"/>
-              <a:t>Third level</a:t>
-            </a:r>
-          </a:p>
-          <a:p>
-            <a:pPr lvl="3"/>
-            <a:r>
-              <a:rPr lang="en-US"/>
-              <a:t>Fourth level</a:t>
-            </a:r>
-          </a:p>
-          <a:p>
-            <a:pPr lvl="4"/>
-            <a:r>
-              <a:rPr lang="en-US"/>
-              <a:t>Fifth level</a:t>
-            </a:r>
-          </a:p>
-        </p:txBody>
-      </p:sp>
-      <p:sp>
-        <p:nvSpPr>
-          <p:cNvPr id="5" name="Date Placeholder 4">
-            <a:extLst>
-              <a:ext uri="{FF2B5EF4-FFF2-40B4-BE49-F238E27FC236}">
-                <a16:creationId xmlns:a16="http://schemas.microsoft.com/office/drawing/2014/main" id="{E77AEFA8-6115-4D8C-B57A-FB45C067E4BE}"/>
-              </a:ext>
-            </a:extLst>
-          </p:cNvPr>
-          <p:cNvSpPr>
-            <a:spLocks noGrp="1"/>
-          </p:cNvSpPr>
-          <p:nvPr>
-            <p:ph type="dt" sz="half" idx="10"/>
-          </p:nvPr>
-        </p:nvSpPr>
-        <p:spPr/>
-        <p:txBody>
-          <a:bodyPr/>
-          <a:lstStyle/>
-          <a:p>
-            <a:fld id="{F4C6FC4E-C84B-4657-97FD-F4C92E31B913}" type="datetimeFigureOut">
-              <a:rPr lang="en-US" smtClean="0"/>
-              <a:t>6/24/2020</a:t>
-            </a:fld>
             <a:endParaRPr lang="en-US"/>
           </a:p>
         </p:txBody>
       </p:sp>
       <p:sp>
         <p:nvSpPr>
-          <p:cNvPr id="6" name="Footer Placeholder 5">
-            <a:extLst>
-              <a:ext uri="{FF2B5EF4-FFF2-40B4-BE49-F238E27FC236}">
-                <a16:creationId xmlns:a16="http://schemas.microsoft.com/office/drawing/2014/main" id="{74E70092-7581-41AE-B9B9-98CB39C1099A}"/>
-              </a:ext>
-            </a:extLst>
-          </p:cNvPr>
-          <p:cNvSpPr>
-            <a:spLocks noGrp="1"/>
-          </p:cNvSpPr>
-          <p:nvPr>
-            <p:ph type="ftr" sz="quarter" idx="11"/>
-          </p:nvPr>
-        </p:nvSpPr>
-        <p:spPr/>
-        <p:txBody>
-          <a:bodyPr/>
-          <a:lstStyle/>
-          <a:p>
-            <a:endParaRPr lang="en-US"/>
-          </a:p>
-        </p:txBody>
-      </p:sp>
-      <p:sp>
-        <p:nvSpPr>
-          <p:cNvPr id="7" name="Slide Number Placeholder 6">
-            <a:extLst>
-              <a:ext uri="{FF2B5EF4-FFF2-40B4-BE49-F238E27FC236}">
-                <a16:creationId xmlns:a16="http://schemas.microsoft.com/office/drawing/2014/main" id="{8C75FBE1-15B8-41DF-9311-2E17B2B0AE41}"/>
-              </a:ext>
-            </a:extLst>
-          </p:cNvPr>
+          <p:cNvPr id="7" name="Slide Number Placeholder 6"/>
           <p:cNvSpPr>
             <a:spLocks noGrp="1"/>
           </p:cNvSpPr>
@@ -3961,7 +6471,7 @@
     </p:spTree>
     <p:extLst>
       <p:ext uri="{BB962C8B-B14F-4D97-AF65-F5344CB8AC3E}">
-        <p14:creationId xmlns:p14="http://schemas.microsoft.com/office/powerpoint/2010/main" val="1038679267"/>
+        <p14:creationId xmlns:p14="http://schemas.microsoft.com/office/powerpoint/2010/main" val="3410672117"/>
       </p:ext>
     </p:extLst>
   </p:cSld>
@@ -3990,65 +6500,62 @@
       </p:grpSpPr>
       <p:sp>
         <p:nvSpPr>
-          <p:cNvPr id="2" name="Title 1">
-            <a:extLst>
-              <a:ext uri="{FF2B5EF4-FFF2-40B4-BE49-F238E27FC236}">
-                <a16:creationId xmlns:a16="http://schemas.microsoft.com/office/drawing/2014/main" id="{58F67927-2916-4253-BD17-86AEFB9810F4}"/>
-              </a:ext>
-            </a:extLst>
-          </p:cNvPr>
+          <p:cNvPr id="2" name="Title 1"/>
           <p:cNvSpPr>
             <a:spLocks noGrp="1"/>
           </p:cNvSpPr>
           <p:nvPr>
             <p:ph type="title"/>
+          </p:nvPr>
+        </p:nvSpPr>
+        <p:spPr/>
+        <p:txBody>
+          <a:bodyPr/>
+          <a:lstStyle>
+            <a:lvl1pPr>
+              <a:defRPr/>
+            </a:lvl1pPr>
+          </a:lstStyle>
+          <a:p>
+            <a:r>
+              <a:rPr lang="en-US"/>
+              <a:t>Click to edit Master title style</a:t>
+            </a:r>
+            <a:endParaRPr lang="en-US" dirty="0"/>
+          </a:p>
+        </p:txBody>
+      </p:sp>
+      <p:sp>
+        <p:nvSpPr>
+          <p:cNvPr id="3" name="Text Placeholder 2"/>
+          <p:cNvSpPr>
+            <a:spLocks noGrp="1"/>
+          </p:cNvSpPr>
+          <p:nvPr>
+            <p:ph type="body" idx="1"/>
           </p:nvPr>
         </p:nvSpPr>
         <p:spPr>
           <a:xfrm>
-            <a:off x="839788" y="365125"/>
-            <a:ext cx="10515600" cy="1325563"/>
+            <a:off x="1103313" y="1905000"/>
+            <a:ext cx="4396338" cy="576262"/>
           </a:xfrm>
         </p:spPr>
         <p:txBody>
-          <a:bodyPr/>
-          <a:lstStyle/>
-          <a:p>
-            <a:r>
-              <a:rPr lang="en-US"/>
-              <a:t>Click to edit Master title style</a:t>
-            </a:r>
-          </a:p>
-        </p:txBody>
-      </p:sp>
-      <p:sp>
-        <p:nvSpPr>
-          <p:cNvPr id="3" name="Text Placeholder 2">
-            <a:extLst>
-              <a:ext uri="{FF2B5EF4-FFF2-40B4-BE49-F238E27FC236}">
-                <a16:creationId xmlns:a16="http://schemas.microsoft.com/office/drawing/2014/main" id="{CD73C08C-913C-4FD2-BEA2-786D07D3CE43}"/>
-              </a:ext>
-            </a:extLst>
-          </p:cNvPr>
-          <p:cNvSpPr>
-            <a:spLocks noGrp="1"/>
-          </p:cNvSpPr>
-          <p:nvPr>
-            <p:ph type="body" idx="1"/>
-          </p:nvPr>
-        </p:nvSpPr>
-        <p:spPr>
-          <a:xfrm>
-            <a:off x="839788" y="1681163"/>
-            <a:ext cx="5157787" cy="823912"/>
-          </a:xfrm>
-        </p:spPr>
-        <p:txBody>
-          <a:bodyPr anchor="b"/>
+          <a:bodyPr anchor="b">
+            <a:noAutofit/>
+          </a:bodyPr>
           <a:lstStyle>
             <a:lvl1pPr marL="0" indent="0">
               <a:buNone/>
-              <a:defRPr sz="2400" b="1"/>
+              <a:defRPr sz="2400" b="0">
+                <a:solidFill>
+                  <a:schemeClr val="bg2">
+                    <a:lumMod val="40000"/>
+                    <a:lumOff val="60000"/>
+                  </a:schemeClr>
+                </a:solidFill>
+              </a:defRPr>
             </a:lvl1pPr>
             <a:lvl2pPr marL="457200" indent="0">
               <a:buNone/>
@@ -4094,13 +6601,7 @@
       </p:sp>
       <p:sp>
         <p:nvSpPr>
-          <p:cNvPr id="4" name="Content Placeholder 3">
-            <a:extLst>
-              <a:ext uri="{FF2B5EF4-FFF2-40B4-BE49-F238E27FC236}">
-                <a16:creationId xmlns:a16="http://schemas.microsoft.com/office/drawing/2014/main" id="{0017D6A8-4691-4640-A0EA-5C8E4E5E02A4}"/>
-              </a:ext>
-            </a:extLst>
-          </p:cNvPr>
+          <p:cNvPr id="4" name="Content Placeholder 3"/>
           <p:cNvSpPr>
             <a:spLocks noGrp="1"/>
           </p:cNvSpPr>
@@ -4110,13 +6611,43 @@
         </p:nvSpPr>
         <p:spPr>
           <a:xfrm>
-            <a:off x="839788" y="2505075"/>
-            <a:ext cx="5157787" cy="3684588"/>
+            <a:off x="1103312" y="2514600"/>
+            <a:ext cx="4396339" cy="3741738"/>
           </a:xfrm>
         </p:spPr>
         <p:txBody>
-          <a:bodyPr/>
-          <a:lstStyle/>
+          <a:bodyPr>
+            <a:normAutofit/>
+          </a:bodyPr>
+          <a:lstStyle>
+            <a:lvl1pPr>
+              <a:defRPr sz="1800"/>
+            </a:lvl1pPr>
+            <a:lvl2pPr>
+              <a:defRPr sz="1600"/>
+            </a:lvl2pPr>
+            <a:lvl3pPr>
+              <a:defRPr sz="1400"/>
+            </a:lvl3pPr>
+            <a:lvl4pPr>
+              <a:defRPr sz="1200"/>
+            </a:lvl4pPr>
+            <a:lvl5pPr>
+              <a:defRPr sz="1200"/>
+            </a:lvl5pPr>
+            <a:lvl6pPr>
+              <a:defRPr sz="1200"/>
+            </a:lvl6pPr>
+            <a:lvl7pPr>
+              <a:defRPr sz="1200"/>
+            </a:lvl7pPr>
+            <a:lvl8pPr>
+              <a:defRPr sz="1200"/>
+            </a:lvl8pPr>
+            <a:lvl9pPr>
+              <a:defRPr sz="1200"/>
+            </a:lvl9pPr>
+          </a:lstStyle>
           <a:p>
             <a:pPr lvl="0"/>
             <a:r>
@@ -4151,18 +6682,13 @@
               <a:rPr lang="en-US"/>
               <a:t>Fifth level</a:t>
             </a:r>
-          </a:p>
-        </p:txBody>
-      </p:sp>
-      <p:sp>
-        <p:nvSpPr>
-          <p:cNvPr id="5" name="Text Placeholder 4">
-            <a:extLst>
-              <a:ext uri="{FF2B5EF4-FFF2-40B4-BE49-F238E27FC236}">
-                <a16:creationId xmlns:a16="http://schemas.microsoft.com/office/drawing/2014/main" id="{797E7AA5-261F-4BE3-8DF2-56A7EB569563}"/>
-              </a:ext>
-            </a:extLst>
-          </p:cNvPr>
+            <a:endParaRPr lang="en-US" dirty="0"/>
+          </a:p>
+        </p:txBody>
+      </p:sp>
+      <p:sp>
+        <p:nvSpPr>
+          <p:cNvPr id="5" name="Text Placeholder 4"/>
           <p:cNvSpPr>
             <a:spLocks noGrp="1"/>
           </p:cNvSpPr>
@@ -4172,16 +6698,25 @@
         </p:nvSpPr>
         <p:spPr>
           <a:xfrm>
-            <a:off x="6172200" y="1681163"/>
-            <a:ext cx="5183188" cy="823912"/>
+            <a:off x="5654495" y="1905000"/>
+            <a:ext cx="4396339" cy="576262"/>
           </a:xfrm>
         </p:spPr>
         <p:txBody>
-          <a:bodyPr anchor="b"/>
+          <a:bodyPr anchor="b">
+            <a:noAutofit/>
+          </a:bodyPr>
           <a:lstStyle>
             <a:lvl1pPr marL="0" indent="0">
               <a:buNone/>
-              <a:defRPr sz="2400" b="1"/>
+              <a:defRPr sz="2400" b="0">
+                <a:solidFill>
+                  <a:schemeClr val="bg2">
+                    <a:lumMod val="40000"/>
+                    <a:lumOff val="60000"/>
+                  </a:schemeClr>
+                </a:solidFill>
+              </a:defRPr>
             </a:lvl1pPr>
             <a:lvl2pPr marL="457200" indent="0">
               <a:buNone/>
@@ -4227,13 +6762,7 @@
       </p:sp>
       <p:sp>
         <p:nvSpPr>
-          <p:cNvPr id="6" name="Content Placeholder 5">
-            <a:extLst>
-              <a:ext uri="{FF2B5EF4-FFF2-40B4-BE49-F238E27FC236}">
-                <a16:creationId xmlns:a16="http://schemas.microsoft.com/office/drawing/2014/main" id="{4CB7C21C-7764-41EC-8904-271FD78B3B7D}"/>
-              </a:ext>
-            </a:extLst>
-          </p:cNvPr>
+          <p:cNvPr id="6" name="Content Placeholder 5"/>
           <p:cNvSpPr>
             <a:spLocks noGrp="1"/>
           </p:cNvSpPr>
@@ -4243,64 +6772,112 @@
         </p:nvSpPr>
         <p:spPr>
           <a:xfrm>
-            <a:off x="6172200" y="2505075"/>
-            <a:ext cx="5183188" cy="3684588"/>
+            <a:off x="5654495" y="2514600"/>
+            <a:ext cx="4396339" cy="3741738"/>
           </a:xfrm>
         </p:spPr>
         <p:txBody>
+          <a:bodyPr>
+            <a:normAutofit/>
+          </a:bodyPr>
+          <a:lstStyle>
+            <a:lvl1pPr>
+              <a:defRPr sz="1800"/>
+            </a:lvl1pPr>
+            <a:lvl2pPr>
+              <a:defRPr sz="1600"/>
+            </a:lvl2pPr>
+            <a:lvl3pPr>
+              <a:defRPr sz="1400"/>
+            </a:lvl3pPr>
+            <a:lvl4pPr>
+              <a:defRPr sz="1200"/>
+            </a:lvl4pPr>
+            <a:lvl5pPr>
+              <a:defRPr sz="1200"/>
+            </a:lvl5pPr>
+            <a:lvl6pPr>
+              <a:defRPr sz="1200"/>
+            </a:lvl6pPr>
+            <a:lvl7pPr>
+              <a:defRPr sz="1200"/>
+            </a:lvl7pPr>
+            <a:lvl8pPr>
+              <a:defRPr sz="1200"/>
+            </a:lvl8pPr>
+            <a:lvl9pPr>
+              <a:defRPr sz="1200"/>
+            </a:lvl9pPr>
+          </a:lstStyle>
+          <a:p>
+            <a:pPr lvl="0"/>
+            <a:r>
+              <a:rPr lang="en-US"/>
+              <a:t>Click to edit Master text styles</a:t>
+            </a:r>
+          </a:p>
+          <a:p>
+            <a:pPr lvl="1"/>
+            <a:r>
+              <a:rPr lang="en-US"/>
+              <a:t>Second level</a:t>
+            </a:r>
+          </a:p>
+          <a:p>
+            <a:pPr lvl="2"/>
+            <a:r>
+              <a:rPr lang="en-US"/>
+              <a:t>Third level</a:t>
+            </a:r>
+          </a:p>
+          <a:p>
+            <a:pPr lvl="3"/>
+            <a:r>
+              <a:rPr lang="en-US"/>
+              <a:t>Fourth level</a:t>
+            </a:r>
+          </a:p>
+          <a:p>
+            <a:pPr lvl="4"/>
+            <a:r>
+              <a:rPr lang="en-US"/>
+              <a:t>Fifth level</a:t>
+            </a:r>
+            <a:endParaRPr lang="en-US" dirty="0"/>
+          </a:p>
+        </p:txBody>
+      </p:sp>
+      <p:sp>
+        <p:nvSpPr>
+          <p:cNvPr id="7" name="Date Placeholder 6"/>
+          <p:cNvSpPr>
+            <a:spLocks noGrp="1"/>
+          </p:cNvSpPr>
+          <p:nvPr>
+            <p:ph type="dt" sz="half" idx="10"/>
+          </p:nvPr>
+        </p:nvSpPr>
+        <p:spPr/>
+        <p:txBody>
           <a:bodyPr/>
           <a:lstStyle/>
           <a:p>
-            <a:pPr lvl="0"/>
-            <a:r>
-              <a:rPr lang="en-US"/>
-              <a:t>Click to edit Master text styles</a:t>
-            </a:r>
-          </a:p>
-          <a:p>
-            <a:pPr lvl="1"/>
-            <a:r>
-              <a:rPr lang="en-US"/>
-              <a:t>Second level</a:t>
-            </a:r>
-          </a:p>
-          <a:p>
-            <a:pPr lvl="2"/>
-            <a:r>
-              <a:rPr lang="en-US"/>
-              <a:t>Third level</a:t>
-            </a:r>
-          </a:p>
-          <a:p>
-            <a:pPr lvl="3"/>
-            <a:r>
-              <a:rPr lang="en-US"/>
-              <a:t>Fourth level</a:t>
-            </a:r>
-          </a:p>
-          <a:p>
-            <a:pPr lvl="4"/>
-            <a:r>
-              <a:rPr lang="en-US"/>
-              <a:t>Fifth level</a:t>
-            </a:r>
-          </a:p>
-        </p:txBody>
-      </p:sp>
-      <p:sp>
-        <p:nvSpPr>
-          <p:cNvPr id="7" name="Date Placeholder 6">
-            <a:extLst>
-              <a:ext uri="{FF2B5EF4-FFF2-40B4-BE49-F238E27FC236}">
-                <a16:creationId xmlns:a16="http://schemas.microsoft.com/office/drawing/2014/main" id="{DCCB2A05-3757-410A-97A0-2FC450A1D923}"/>
-              </a:ext>
-            </a:extLst>
-          </p:cNvPr>
-          <p:cNvSpPr>
-            <a:spLocks noGrp="1"/>
-          </p:cNvSpPr>
-          <p:nvPr>
-            <p:ph type="dt" sz="half" idx="10"/>
+            <a:fld id="{F4C6FC4E-C84B-4657-97FD-F4C92E31B913}" type="datetimeFigureOut">
+              <a:rPr lang="en-US" smtClean="0"/>
+              <a:t>6/25/2020</a:t>
+            </a:fld>
+            <a:endParaRPr lang="en-US"/>
+          </a:p>
+        </p:txBody>
+      </p:sp>
+      <p:sp>
+        <p:nvSpPr>
+          <p:cNvPr id="8" name="Footer Placeholder 7"/>
+          <p:cNvSpPr>
+            <a:spLocks noGrp="1"/>
+          </p:cNvSpPr>
+          <p:nvPr>
+            <p:ph type="ftr" sz="quarter" idx="11"/>
           </p:nvPr>
         </p:nvSpPr>
         <p:spPr/>
@@ -4308,48 +6885,13 @@
           <a:bodyPr/>
           <a:lstStyle/>
           <a:p>
-            <a:fld id="{F4C6FC4E-C84B-4657-97FD-F4C92E31B913}" type="datetimeFigureOut">
-              <a:rPr lang="en-US" smtClean="0"/>
-              <a:t>6/24/2020</a:t>
-            </a:fld>
             <a:endParaRPr lang="en-US"/>
           </a:p>
         </p:txBody>
       </p:sp>
       <p:sp>
         <p:nvSpPr>
-          <p:cNvPr id="8" name="Footer Placeholder 7">
-            <a:extLst>
-              <a:ext uri="{FF2B5EF4-FFF2-40B4-BE49-F238E27FC236}">
-                <a16:creationId xmlns:a16="http://schemas.microsoft.com/office/drawing/2014/main" id="{F1A5DBCD-FB78-4258-B069-68456FEB0F33}"/>
-              </a:ext>
-            </a:extLst>
-          </p:cNvPr>
-          <p:cNvSpPr>
-            <a:spLocks noGrp="1"/>
-          </p:cNvSpPr>
-          <p:nvPr>
-            <p:ph type="ftr" sz="quarter" idx="11"/>
-          </p:nvPr>
-        </p:nvSpPr>
-        <p:spPr/>
-        <p:txBody>
-          <a:bodyPr/>
-          <a:lstStyle/>
-          <a:p>
-            <a:endParaRPr lang="en-US"/>
-          </a:p>
-        </p:txBody>
-      </p:sp>
-      <p:sp>
-        <p:nvSpPr>
-          <p:cNvPr id="9" name="Slide Number Placeholder 8">
-            <a:extLst>
-              <a:ext uri="{FF2B5EF4-FFF2-40B4-BE49-F238E27FC236}">
-                <a16:creationId xmlns:a16="http://schemas.microsoft.com/office/drawing/2014/main" id="{C45C9D53-4B9D-4897-A4C7-B89FD9D532F8}"/>
-              </a:ext>
-            </a:extLst>
-          </p:cNvPr>
+          <p:cNvPr id="9" name="Slide Number Placeholder 8"/>
           <p:cNvSpPr>
             <a:spLocks noGrp="1"/>
           </p:cNvSpPr>
@@ -4373,7 +6915,7 @@
     </p:spTree>
     <p:extLst>
       <p:ext uri="{BB962C8B-B14F-4D97-AF65-F5344CB8AC3E}">
-        <p14:creationId xmlns:p14="http://schemas.microsoft.com/office/powerpoint/2010/main" val="116396094"/>
+        <p14:creationId xmlns:p14="http://schemas.microsoft.com/office/powerpoint/2010/main" val="4121087595"/>
       </p:ext>
     </p:extLst>
   </p:cSld>
@@ -4402,13 +6944,7 @@
       </p:grpSpPr>
       <p:sp>
         <p:nvSpPr>
-          <p:cNvPr id="2" name="Title 1">
-            <a:extLst>
-              <a:ext uri="{FF2B5EF4-FFF2-40B4-BE49-F238E27FC236}">
-                <a16:creationId xmlns:a16="http://schemas.microsoft.com/office/drawing/2014/main" id="{6E191E49-7619-4A12-9F90-E1AF956F01A1}"/>
-              </a:ext>
-            </a:extLst>
-          </p:cNvPr>
+          <p:cNvPr id="2" name="Title 1"/>
           <p:cNvSpPr>
             <a:spLocks noGrp="1"/>
           </p:cNvSpPr>
@@ -4425,18 +6961,13 @@
               <a:rPr lang="en-US"/>
               <a:t>Click to edit Master title style</a:t>
             </a:r>
-          </a:p>
-        </p:txBody>
-      </p:sp>
-      <p:sp>
-        <p:nvSpPr>
-          <p:cNvPr id="3" name="Date Placeholder 2">
-            <a:extLst>
-              <a:ext uri="{FF2B5EF4-FFF2-40B4-BE49-F238E27FC236}">
-                <a16:creationId xmlns:a16="http://schemas.microsoft.com/office/drawing/2014/main" id="{6642A75C-54D1-4536-BC10-2892703E0A54}"/>
-              </a:ext>
-            </a:extLst>
-          </p:cNvPr>
+            <a:endParaRPr lang="en-US" dirty="0"/>
+          </a:p>
+        </p:txBody>
+      </p:sp>
+      <p:sp>
+        <p:nvSpPr>
+          <p:cNvPr id="7" name="Date Placeholder 2"/>
           <p:cNvSpPr>
             <a:spLocks noGrp="1"/>
           </p:cNvSpPr>
@@ -4451,7 +6982,7 @@
           <a:p>
             <a:fld id="{F4C6FC4E-C84B-4657-97FD-F4C92E31B913}" type="datetimeFigureOut">
               <a:rPr lang="en-US" smtClean="0"/>
-              <a:t>6/24/2020</a:t>
+              <a:t>6/25/2020</a:t>
             </a:fld>
             <a:endParaRPr lang="en-US"/>
           </a:p>
@@ -4459,13 +6990,7 @@
       </p:sp>
       <p:sp>
         <p:nvSpPr>
-          <p:cNvPr id="4" name="Footer Placeholder 3">
-            <a:extLst>
-              <a:ext uri="{FF2B5EF4-FFF2-40B4-BE49-F238E27FC236}">
-                <a16:creationId xmlns:a16="http://schemas.microsoft.com/office/drawing/2014/main" id="{8E8AFE00-287E-41BA-B38E-06A51F9389CE}"/>
-              </a:ext>
-            </a:extLst>
-          </p:cNvPr>
+          <p:cNvPr id="5" name="Footer Placeholder 3"/>
           <p:cNvSpPr>
             <a:spLocks noGrp="1"/>
           </p:cNvSpPr>
@@ -4484,13 +7009,7 @@
       </p:sp>
       <p:sp>
         <p:nvSpPr>
-          <p:cNvPr id="5" name="Slide Number Placeholder 4">
-            <a:extLst>
-              <a:ext uri="{FF2B5EF4-FFF2-40B4-BE49-F238E27FC236}">
-                <a16:creationId xmlns:a16="http://schemas.microsoft.com/office/drawing/2014/main" id="{EEBF6374-5ACC-4336-93DC-F6C4E486755A}"/>
-              </a:ext>
-            </a:extLst>
-          </p:cNvPr>
+          <p:cNvPr id="6" name="Slide Number Placeholder 4"/>
           <p:cNvSpPr>
             <a:spLocks noGrp="1"/>
           </p:cNvSpPr>
@@ -4514,7 +7033,7 @@
     </p:spTree>
     <p:extLst>
       <p:ext uri="{BB962C8B-B14F-4D97-AF65-F5344CB8AC3E}">
-        <p14:creationId xmlns:p14="http://schemas.microsoft.com/office/powerpoint/2010/main" val="2019010579"/>
+        <p14:creationId xmlns:p14="http://schemas.microsoft.com/office/powerpoint/2010/main" val="842418320"/>
       </p:ext>
     </p:extLst>
   </p:cSld>
@@ -4543,13 +7062,7 @@
       </p:grpSpPr>
       <p:sp>
         <p:nvSpPr>
-          <p:cNvPr id="2" name="Date Placeholder 1">
-            <a:extLst>
-              <a:ext uri="{FF2B5EF4-FFF2-40B4-BE49-F238E27FC236}">
-                <a16:creationId xmlns:a16="http://schemas.microsoft.com/office/drawing/2014/main" id="{6CEA3FDE-E179-4324-8EA3-CF8C3D07B70A}"/>
-              </a:ext>
-            </a:extLst>
-          </p:cNvPr>
+          <p:cNvPr id="7" name="Date Placeholder 1"/>
           <p:cNvSpPr>
             <a:spLocks noGrp="1"/>
           </p:cNvSpPr>
@@ -4564,7 +7077,7 @@
           <a:p>
             <a:fld id="{F4C6FC4E-C84B-4657-97FD-F4C92E31B913}" type="datetimeFigureOut">
               <a:rPr lang="en-US" smtClean="0"/>
-              <a:t>6/24/2020</a:t>
+              <a:t>6/25/2020</a:t>
             </a:fld>
             <a:endParaRPr lang="en-US"/>
           </a:p>
@@ -4572,13 +7085,7 @@
       </p:sp>
       <p:sp>
         <p:nvSpPr>
-          <p:cNvPr id="3" name="Footer Placeholder 2">
-            <a:extLst>
-              <a:ext uri="{FF2B5EF4-FFF2-40B4-BE49-F238E27FC236}">
-                <a16:creationId xmlns:a16="http://schemas.microsoft.com/office/drawing/2014/main" id="{A4009A33-BD76-49DD-83BF-25F19D7FC445}"/>
-              </a:ext>
-            </a:extLst>
-          </p:cNvPr>
+          <p:cNvPr id="5" name="Footer Placeholder 2"/>
           <p:cNvSpPr>
             <a:spLocks noGrp="1"/>
           </p:cNvSpPr>
@@ -4597,13 +7104,7 @@
       </p:sp>
       <p:sp>
         <p:nvSpPr>
-          <p:cNvPr id="4" name="Slide Number Placeholder 3">
-            <a:extLst>
-              <a:ext uri="{FF2B5EF4-FFF2-40B4-BE49-F238E27FC236}">
-                <a16:creationId xmlns:a16="http://schemas.microsoft.com/office/drawing/2014/main" id="{C449FD78-005C-4650-AEBF-91D5A9CA7CA5}"/>
-              </a:ext>
-            </a:extLst>
-          </p:cNvPr>
+          <p:cNvPr id="6" name="Slide Number Placeholder 3"/>
           <p:cNvSpPr>
             <a:spLocks noGrp="1"/>
           </p:cNvSpPr>
@@ -4627,7 +7128,7 @@
     </p:spTree>
     <p:extLst>
       <p:ext uri="{BB962C8B-B14F-4D97-AF65-F5344CB8AC3E}">
-        <p14:creationId xmlns:p14="http://schemas.microsoft.com/office/powerpoint/2010/main" val="1969176668"/>
+        <p14:creationId xmlns:p14="http://schemas.microsoft.com/office/powerpoint/2010/main" val="368120828"/>
       </p:ext>
     </p:extLst>
   </p:cSld>
@@ -4656,13 +7157,7 @@
       </p:grpSpPr>
       <p:sp>
         <p:nvSpPr>
-          <p:cNvPr id="2" name="Title 1">
-            <a:extLst>
-              <a:ext uri="{FF2B5EF4-FFF2-40B4-BE49-F238E27FC236}">
-                <a16:creationId xmlns:a16="http://schemas.microsoft.com/office/drawing/2014/main" id="{9B557F63-4E8E-4CB0-A7AF-308FA17472F8}"/>
-              </a:ext>
-            </a:extLst>
-          </p:cNvPr>
+          <p:cNvPr id="2" name="Title 1"/>
           <p:cNvSpPr>
             <a:spLocks noGrp="1"/>
           </p:cNvSpPr>
@@ -4672,15 +7167,15 @@
         </p:nvSpPr>
         <p:spPr>
           <a:xfrm>
-            <a:off x="839788" y="457200"/>
-            <a:ext cx="3932237" cy="1600200"/>
+            <a:off x="1154953" y="1447800"/>
+            <a:ext cx="3401064" cy="1447800"/>
           </a:xfrm>
         </p:spPr>
         <p:txBody>
           <a:bodyPr anchor="b"/>
           <a:lstStyle>
-            <a:lvl1pPr>
-              <a:defRPr sz="3200"/>
+            <a:lvl1pPr algn="l">
+              <a:defRPr sz="2400" b="0"/>
             </a:lvl1pPr>
           </a:lstStyle>
           <a:p>
@@ -4688,18 +7183,13 @@
               <a:rPr lang="en-US"/>
               <a:t>Click to edit Master title style</a:t>
             </a:r>
-          </a:p>
-        </p:txBody>
-      </p:sp>
-      <p:sp>
-        <p:nvSpPr>
-          <p:cNvPr id="3" name="Content Placeholder 2">
-            <a:extLst>
-              <a:ext uri="{FF2B5EF4-FFF2-40B4-BE49-F238E27FC236}">
-                <a16:creationId xmlns:a16="http://schemas.microsoft.com/office/drawing/2014/main" id="{ED3E40F9-1132-497B-A112-ED0BA52080E2}"/>
-              </a:ext>
-            </a:extLst>
-          </p:cNvPr>
+            <a:endParaRPr lang="en-US" dirty="0"/>
+          </a:p>
+        </p:txBody>
+      </p:sp>
+      <p:sp>
+        <p:nvSpPr>
+          <p:cNvPr id="3" name="Content Placeholder 2"/>
           <p:cNvSpPr>
             <a:spLocks noGrp="1"/>
           </p:cNvSpPr>
@@ -4709,39 +7199,41 @@
         </p:nvSpPr>
         <p:spPr>
           <a:xfrm>
-            <a:off x="5183188" y="987425"/>
-            <a:ext cx="6172200" cy="4873625"/>
+            <a:off x="4784616" y="1447800"/>
+            <a:ext cx="5195997" cy="4572000"/>
           </a:xfrm>
         </p:spPr>
         <p:txBody>
-          <a:bodyPr/>
+          <a:bodyPr anchor="ctr">
+            <a:normAutofit/>
+          </a:bodyPr>
           <a:lstStyle>
             <a:lvl1pPr>
-              <a:defRPr sz="3200"/>
+              <a:defRPr sz="2000"/>
             </a:lvl1pPr>
             <a:lvl2pPr>
-              <a:defRPr sz="2800"/>
+              <a:defRPr sz="1800"/>
             </a:lvl2pPr>
             <a:lvl3pPr>
-              <a:defRPr sz="2400"/>
+              <a:defRPr sz="1600"/>
             </a:lvl3pPr>
             <a:lvl4pPr>
-              <a:defRPr sz="2000"/>
+              <a:defRPr sz="1400"/>
             </a:lvl4pPr>
             <a:lvl5pPr>
-              <a:defRPr sz="2000"/>
+              <a:defRPr sz="1400"/>
             </a:lvl5pPr>
             <a:lvl6pPr>
-              <a:defRPr sz="2000"/>
+              <a:defRPr sz="1400"/>
             </a:lvl6pPr>
             <a:lvl7pPr>
-              <a:defRPr sz="2000"/>
+              <a:defRPr sz="1400"/>
             </a:lvl7pPr>
             <a:lvl8pPr>
-              <a:defRPr sz="2000"/>
+              <a:defRPr sz="1400"/>
             </a:lvl8pPr>
             <a:lvl9pPr>
-              <a:defRPr sz="2000"/>
+              <a:defRPr sz="1400"/>
             </a:lvl9pPr>
           </a:lstStyle>
           <a:p>
@@ -4778,18 +7270,13 @@
               <a:rPr lang="en-US"/>
               <a:t>Fifth level</a:t>
             </a:r>
-          </a:p>
-        </p:txBody>
-      </p:sp>
-      <p:sp>
-        <p:nvSpPr>
-          <p:cNvPr id="4" name="Text Placeholder 3">
-            <a:extLst>
-              <a:ext uri="{FF2B5EF4-FFF2-40B4-BE49-F238E27FC236}">
-                <a16:creationId xmlns:a16="http://schemas.microsoft.com/office/drawing/2014/main" id="{9AC9CECB-3E27-4701-B3F1-2C5776B98BE0}"/>
-              </a:ext>
-            </a:extLst>
-          </p:cNvPr>
+            <a:endParaRPr lang="en-US" dirty="0"/>
+          </a:p>
+        </p:txBody>
+      </p:sp>
+      <p:sp>
+        <p:nvSpPr>
+          <p:cNvPr id="4" name="Text Placeholder 3"/>
           <p:cNvSpPr>
             <a:spLocks noGrp="1"/>
           </p:cNvSpPr>
@@ -4799,8 +7286,8 @@
         </p:nvSpPr>
         <p:spPr>
           <a:xfrm>
-            <a:off x="839788" y="2057400"/>
-            <a:ext cx="3932237" cy="3811588"/>
+            <a:off x="1154953" y="3129280"/>
+            <a:ext cx="3401063" cy="2895599"/>
           </a:xfrm>
         </p:spPr>
         <p:txBody>
@@ -4808,39 +7295,39 @@
           <a:lstStyle>
             <a:lvl1pPr marL="0" indent="0">
               <a:buNone/>
-              <a:defRPr sz="1600"/>
+              <a:defRPr sz="1400"/>
             </a:lvl1pPr>
             <a:lvl2pPr marL="457200" indent="0">
               <a:buNone/>
-              <a:defRPr sz="1400"/>
+              <a:defRPr sz="1200"/>
             </a:lvl2pPr>
             <a:lvl3pPr marL="914400" indent="0">
               <a:buNone/>
-              <a:defRPr sz="1200"/>
+              <a:defRPr sz="1000"/>
             </a:lvl3pPr>
             <a:lvl4pPr marL="1371600" indent="0">
               <a:buNone/>
-              <a:defRPr sz="1000"/>
+              <a:defRPr sz="900"/>
             </a:lvl4pPr>
             <a:lvl5pPr marL="1828800" indent="0">
               <a:buNone/>
-              <a:defRPr sz="1000"/>
+              <a:defRPr sz="900"/>
             </a:lvl5pPr>
             <a:lvl6pPr marL="2286000" indent="0">
               <a:buNone/>
-              <a:defRPr sz="1000"/>
+              <a:defRPr sz="900"/>
             </a:lvl6pPr>
             <a:lvl7pPr marL="2743200" indent="0">
               <a:buNone/>
-              <a:defRPr sz="1000"/>
+              <a:defRPr sz="900"/>
             </a:lvl7pPr>
             <a:lvl8pPr marL="3200400" indent="0">
               <a:buNone/>
-              <a:defRPr sz="1000"/>
+              <a:defRPr sz="900"/>
             </a:lvl8pPr>
             <a:lvl9pPr marL="3657600" indent="0">
               <a:buNone/>
-              <a:defRPr sz="1000"/>
+              <a:defRPr sz="900"/>
             </a:lvl9pPr>
           </a:lstStyle>
           <a:p>
@@ -4854,13 +7341,7 @@
       </p:sp>
       <p:sp>
         <p:nvSpPr>
-          <p:cNvPr id="5" name="Date Placeholder 4">
-            <a:extLst>
-              <a:ext uri="{FF2B5EF4-FFF2-40B4-BE49-F238E27FC236}">
-                <a16:creationId xmlns:a16="http://schemas.microsoft.com/office/drawing/2014/main" id="{FFC03C08-CB41-4995-8E77-EDEA95465491}"/>
-              </a:ext>
-            </a:extLst>
-          </p:cNvPr>
+          <p:cNvPr id="7" name="Date Placeholder 4"/>
           <p:cNvSpPr>
             <a:spLocks noGrp="1"/>
           </p:cNvSpPr>
@@ -4875,7 +7356,7 @@
           <a:p>
             <a:fld id="{F4C6FC4E-C84B-4657-97FD-F4C92E31B913}" type="datetimeFigureOut">
               <a:rPr lang="en-US" smtClean="0"/>
-              <a:t>6/24/2020</a:t>
+              <a:t>6/25/2020</a:t>
             </a:fld>
             <a:endParaRPr lang="en-US"/>
           </a:p>
@@ -4883,13 +7364,7 @@
       </p:sp>
       <p:sp>
         <p:nvSpPr>
-          <p:cNvPr id="6" name="Footer Placeholder 5">
-            <a:extLst>
-              <a:ext uri="{FF2B5EF4-FFF2-40B4-BE49-F238E27FC236}">
-                <a16:creationId xmlns:a16="http://schemas.microsoft.com/office/drawing/2014/main" id="{F79F34A2-8072-4DD6-A07A-88018E397E3D}"/>
-              </a:ext>
-            </a:extLst>
-          </p:cNvPr>
+          <p:cNvPr id="5" name="Footer Placeholder 5"/>
           <p:cNvSpPr>
             <a:spLocks noGrp="1"/>
           </p:cNvSpPr>
@@ -4908,13 +7383,7 @@
       </p:sp>
       <p:sp>
         <p:nvSpPr>
-          <p:cNvPr id="7" name="Slide Number Placeholder 6">
-            <a:extLst>
-              <a:ext uri="{FF2B5EF4-FFF2-40B4-BE49-F238E27FC236}">
-                <a16:creationId xmlns:a16="http://schemas.microsoft.com/office/drawing/2014/main" id="{255EFB2C-8313-4E09-AF8A-716A148E7E64}"/>
-              </a:ext>
-            </a:extLst>
-          </p:cNvPr>
+          <p:cNvPr id="6" name="Slide Number Placeholder 6"/>
           <p:cNvSpPr>
             <a:spLocks noGrp="1"/>
           </p:cNvSpPr>
@@ -4938,7 +7407,7 @@
     </p:spTree>
     <p:extLst>
       <p:ext uri="{BB962C8B-B14F-4D97-AF65-F5344CB8AC3E}">
-        <p14:creationId xmlns:p14="http://schemas.microsoft.com/office/powerpoint/2010/main" val="1005184536"/>
+        <p14:creationId xmlns:p14="http://schemas.microsoft.com/office/powerpoint/2010/main" val="1524093331"/>
       </p:ext>
     </p:extLst>
   </p:cSld>
@@ -4967,13 +7436,7 @@
       </p:grpSpPr>
       <p:sp>
         <p:nvSpPr>
-          <p:cNvPr id="2" name="Title 1">
-            <a:extLst>
-              <a:ext uri="{FF2B5EF4-FFF2-40B4-BE49-F238E27FC236}">
-                <a16:creationId xmlns:a16="http://schemas.microsoft.com/office/drawing/2014/main" id="{907AECE9-88B1-4B97-ADE2-415BA273DB4D}"/>
-              </a:ext>
-            </a:extLst>
-          </p:cNvPr>
+          <p:cNvPr id="2" name="Title 1"/>
           <p:cNvSpPr>
             <a:spLocks noGrp="1"/>
           </p:cNvSpPr>
@@ -4983,15 +7446,17 @@
         </p:nvSpPr>
         <p:spPr>
           <a:xfrm>
-            <a:off x="839788" y="457200"/>
-            <a:ext cx="3932237" cy="1600200"/>
+            <a:off x="1153907" y="1854192"/>
+            <a:ext cx="5092906" cy="1574808"/>
           </a:xfrm>
         </p:spPr>
         <p:txBody>
-          <a:bodyPr anchor="b"/>
+          <a:bodyPr anchor="b">
+            <a:normAutofit/>
+          </a:bodyPr>
           <a:lstStyle>
-            <a:lvl1pPr>
-              <a:defRPr sz="3200"/>
+            <a:lvl1pPr algn="l">
+              <a:defRPr sz="3600" b="0"/>
             </a:lvl1pPr>
           </a:lstStyle>
           <a:p>
@@ -4999,20 +7464,15 @@
               <a:rPr lang="en-US"/>
               <a:t>Click to edit Master title style</a:t>
             </a:r>
-          </a:p>
-        </p:txBody>
-      </p:sp>
-      <p:sp>
-        <p:nvSpPr>
-          <p:cNvPr id="3" name="Picture Placeholder 2">
-            <a:extLst>
-              <a:ext uri="{FF2B5EF4-FFF2-40B4-BE49-F238E27FC236}">
-                <a16:creationId xmlns:a16="http://schemas.microsoft.com/office/drawing/2014/main" id="{9C7C6E4A-849D-4E56-92B4-EAED8A8901B8}"/>
-              </a:ext>
-            </a:extLst>
-          </p:cNvPr>
-          <p:cNvSpPr>
-            <a:spLocks noGrp="1"/>
+            <a:endParaRPr lang="en-US" dirty="0"/>
+          </a:p>
+        </p:txBody>
+      </p:sp>
+      <p:sp>
+        <p:nvSpPr>
+          <p:cNvPr id="3" name="Picture Placeholder 2"/>
+          <p:cNvSpPr>
+            <a:spLocks noGrp="1" noChangeAspect="1"/>
           </p:cNvSpPr>
           <p:nvPr>
             <p:ph type="pic" idx="1"/>
@@ -5020,118 +7480,132 @@
         </p:nvSpPr>
         <p:spPr>
           <a:xfrm>
-            <a:off x="5183188" y="987425"/>
-            <a:ext cx="6172200" cy="4873625"/>
+            <a:off x="6949546" y="1143000"/>
+            <a:ext cx="3200400" cy="4572000"/>
           </a:xfrm>
+          <a:prstGeom prst="roundRect">
+            <a:avLst>
+              <a:gd name="adj" fmla="val 1858"/>
+            </a:avLst>
+          </a:prstGeom>
+          <a:effectLst>
+            <a:outerShdw blurRad="50800" dist="50800" dir="5400000" algn="tl" rotWithShape="0">
+              <a:srgbClr val="000000">
+                <a:alpha val="43000"/>
+              </a:srgbClr>
+            </a:outerShdw>
+          </a:effectLst>
         </p:spPr>
         <p:txBody>
-          <a:bodyPr/>
+          <a:bodyPr anchor="t">
+            <a:normAutofit/>
+          </a:bodyPr>
           <a:lstStyle>
-            <a:lvl1pPr marL="0" indent="0">
-              <a:buNone/>
-              <a:defRPr sz="3200"/>
-            </a:lvl1pPr>
-            <a:lvl2pPr marL="457200" indent="0">
-              <a:buNone/>
-              <a:defRPr sz="2800"/>
-            </a:lvl2pPr>
-            <a:lvl3pPr marL="914400" indent="0">
-              <a:buNone/>
-              <a:defRPr sz="2400"/>
-            </a:lvl3pPr>
-            <a:lvl4pPr marL="1371600" indent="0">
-              <a:buNone/>
-              <a:defRPr sz="2000"/>
-            </a:lvl4pPr>
-            <a:lvl5pPr marL="1828800" indent="0">
-              <a:buNone/>
-              <a:defRPr sz="2000"/>
-            </a:lvl5pPr>
-            <a:lvl6pPr marL="2286000" indent="0">
-              <a:buNone/>
-              <a:defRPr sz="2000"/>
-            </a:lvl6pPr>
-            <a:lvl7pPr marL="2743200" indent="0">
-              <a:buNone/>
-              <a:defRPr sz="2000"/>
-            </a:lvl7pPr>
-            <a:lvl8pPr marL="3200400" indent="0">
-              <a:buNone/>
-              <a:defRPr sz="2000"/>
-            </a:lvl8pPr>
-            <a:lvl9pPr marL="3657600" indent="0">
-              <a:buNone/>
-              <a:defRPr sz="2000"/>
-            </a:lvl9pPr>
-          </a:lstStyle>
-          <a:p>
-            <a:endParaRPr lang="en-US"/>
-          </a:p>
-        </p:txBody>
-      </p:sp>
-      <p:sp>
-        <p:nvSpPr>
-          <p:cNvPr id="4" name="Text Placeholder 3">
-            <a:extLst>
-              <a:ext uri="{FF2B5EF4-FFF2-40B4-BE49-F238E27FC236}">
-                <a16:creationId xmlns:a16="http://schemas.microsoft.com/office/drawing/2014/main" id="{5A0C5CE3-FEA9-4B02-9101-602A054A4D52}"/>
-              </a:ext>
-            </a:extLst>
-          </p:cNvPr>
-          <p:cNvSpPr>
-            <a:spLocks noGrp="1"/>
-          </p:cNvSpPr>
-          <p:nvPr>
-            <p:ph type="body" sz="half" idx="2"/>
-          </p:nvPr>
-        </p:nvSpPr>
-        <p:spPr>
-          <a:xfrm>
-            <a:off x="839788" y="2057400"/>
-            <a:ext cx="3932237" cy="3811588"/>
-          </a:xfrm>
-        </p:spPr>
-        <p:txBody>
-          <a:bodyPr/>
-          <a:lstStyle>
-            <a:lvl1pPr marL="0" indent="0">
+            <a:lvl1pPr marL="0" indent="0" algn="ctr">
               <a:buNone/>
               <a:defRPr sz="1600"/>
             </a:lvl1pPr>
             <a:lvl2pPr marL="457200" indent="0">
               <a:buNone/>
-              <a:defRPr sz="1400"/>
+              <a:defRPr sz="1600"/>
             </a:lvl2pPr>
             <a:lvl3pPr marL="914400" indent="0">
               <a:buNone/>
-              <a:defRPr sz="1200"/>
+              <a:defRPr sz="1600"/>
             </a:lvl3pPr>
             <a:lvl4pPr marL="1371600" indent="0">
               <a:buNone/>
-              <a:defRPr sz="1000"/>
+              <a:defRPr sz="1600"/>
             </a:lvl4pPr>
             <a:lvl5pPr marL="1828800" indent="0">
               <a:buNone/>
-              <a:defRPr sz="1000"/>
+              <a:defRPr sz="1600"/>
             </a:lvl5pPr>
             <a:lvl6pPr marL="2286000" indent="0">
               <a:buNone/>
-              <a:defRPr sz="1000"/>
+              <a:defRPr sz="1600"/>
             </a:lvl6pPr>
             <a:lvl7pPr marL="2743200" indent="0">
               <a:buNone/>
-              <a:defRPr sz="1000"/>
+              <a:defRPr sz="1600"/>
             </a:lvl7pPr>
             <a:lvl8pPr marL="3200400" indent="0">
               <a:buNone/>
-              <a:defRPr sz="1000"/>
+              <a:defRPr sz="1600"/>
             </a:lvl8pPr>
             <a:lvl9pPr marL="3657600" indent="0">
               <a:buNone/>
-              <a:defRPr sz="1000"/>
+              <a:defRPr sz="1600"/>
             </a:lvl9pPr>
           </a:lstStyle>
           <a:p>
+            <a:r>
+              <a:rPr lang="en-US"/>
+              <a:t>Click icon to add picture</a:t>
+            </a:r>
+            <a:endParaRPr lang="en-US" dirty="0"/>
+          </a:p>
+        </p:txBody>
+      </p:sp>
+      <p:sp>
+        <p:nvSpPr>
+          <p:cNvPr id="4" name="Text Placeholder 3"/>
+          <p:cNvSpPr>
+            <a:spLocks noGrp="1"/>
+          </p:cNvSpPr>
+          <p:nvPr>
+            <p:ph type="body" sz="half" idx="2"/>
+          </p:nvPr>
+        </p:nvSpPr>
+        <p:spPr>
+          <a:xfrm>
+            <a:off x="1154954" y="3657600"/>
+            <a:ext cx="5084979" cy="1371600"/>
+          </a:xfrm>
+        </p:spPr>
+        <p:txBody>
+          <a:bodyPr>
+            <a:normAutofit/>
+          </a:bodyPr>
+          <a:lstStyle>
+            <a:lvl1pPr marL="0" indent="0">
+              <a:buNone/>
+              <a:defRPr sz="1400"/>
+            </a:lvl1pPr>
+            <a:lvl2pPr marL="457200" indent="0">
+              <a:buNone/>
+              <a:defRPr sz="1200"/>
+            </a:lvl2pPr>
+            <a:lvl3pPr marL="914400" indent="0">
+              <a:buNone/>
+              <a:defRPr sz="1000"/>
+            </a:lvl3pPr>
+            <a:lvl4pPr marL="1371600" indent="0">
+              <a:buNone/>
+              <a:defRPr sz="900"/>
+            </a:lvl4pPr>
+            <a:lvl5pPr marL="1828800" indent="0">
+              <a:buNone/>
+              <a:defRPr sz="900"/>
+            </a:lvl5pPr>
+            <a:lvl6pPr marL="2286000" indent="0">
+              <a:buNone/>
+              <a:defRPr sz="900"/>
+            </a:lvl6pPr>
+            <a:lvl7pPr marL="2743200" indent="0">
+              <a:buNone/>
+              <a:defRPr sz="900"/>
+            </a:lvl7pPr>
+            <a:lvl8pPr marL="3200400" indent="0">
+              <a:buNone/>
+              <a:defRPr sz="900"/>
+            </a:lvl8pPr>
+            <a:lvl9pPr marL="3657600" indent="0">
+              <a:buNone/>
+              <a:defRPr sz="900"/>
+            </a:lvl9pPr>
+          </a:lstStyle>
+          <a:p>
             <a:pPr lvl="0"/>
             <a:r>
               <a:rPr lang="en-US"/>
@@ -5142,13 +7616,7 @@
       </p:sp>
       <p:sp>
         <p:nvSpPr>
-          <p:cNvPr id="5" name="Date Placeholder 4">
-            <a:extLst>
-              <a:ext uri="{FF2B5EF4-FFF2-40B4-BE49-F238E27FC236}">
-                <a16:creationId xmlns:a16="http://schemas.microsoft.com/office/drawing/2014/main" id="{7714F7AA-3B55-4CB9-BC75-A3C195A9ABEE}"/>
-              </a:ext>
-            </a:extLst>
-          </p:cNvPr>
+          <p:cNvPr id="5" name="Date Placeholder 4"/>
           <p:cNvSpPr>
             <a:spLocks noGrp="1"/>
           </p:cNvSpPr>
@@ -5163,7 +7631,7 @@
           <a:p>
             <a:fld id="{F4C6FC4E-C84B-4657-97FD-F4C92E31B913}" type="datetimeFigureOut">
               <a:rPr lang="en-US" smtClean="0"/>
-              <a:t>6/24/2020</a:t>
+              <a:t>6/25/2020</a:t>
             </a:fld>
             <a:endParaRPr lang="en-US"/>
           </a:p>
@@ -5171,13 +7639,7 @@
       </p:sp>
       <p:sp>
         <p:nvSpPr>
-          <p:cNvPr id="6" name="Footer Placeholder 5">
-            <a:extLst>
-              <a:ext uri="{FF2B5EF4-FFF2-40B4-BE49-F238E27FC236}">
-                <a16:creationId xmlns:a16="http://schemas.microsoft.com/office/drawing/2014/main" id="{66721042-E695-4F11-BA09-2C405698690B}"/>
-              </a:ext>
-            </a:extLst>
-          </p:cNvPr>
+          <p:cNvPr id="6" name="Footer Placeholder 5"/>
           <p:cNvSpPr>
             <a:spLocks noGrp="1"/>
           </p:cNvSpPr>
@@ -5196,13 +7658,7 @@
       </p:sp>
       <p:sp>
         <p:nvSpPr>
-          <p:cNvPr id="7" name="Slide Number Placeholder 6">
-            <a:extLst>
-              <a:ext uri="{FF2B5EF4-FFF2-40B4-BE49-F238E27FC236}">
-                <a16:creationId xmlns:a16="http://schemas.microsoft.com/office/drawing/2014/main" id="{634CF2B6-8C93-42DA-9BB6-985CB03E8DAA}"/>
-              </a:ext>
-            </a:extLst>
-          </p:cNvPr>
+          <p:cNvPr id="7" name="Slide Number Placeholder 6"/>
           <p:cNvSpPr>
             <a:spLocks noGrp="1"/>
           </p:cNvSpPr>
@@ -5226,7 +7682,7 @@
     </p:spTree>
     <p:extLst>
       <p:ext uri="{BB962C8B-B14F-4D97-AF65-F5344CB8AC3E}">
-        <p14:creationId xmlns:p14="http://schemas.microsoft.com/office/powerpoint/2010/main" val="2030167575"/>
+        <p14:creationId xmlns:p14="http://schemas.microsoft.com/office/powerpoint/2010/main" val="1826306451"/>
       </p:ext>
     </p:extLst>
   </p:cSld>
@@ -5240,8 +7696,8 @@
 <p:sldMaster xmlns:a="http://schemas.openxmlformats.org/drawingml/2006/main" xmlns:r="http://schemas.openxmlformats.org/officeDocument/2006/relationships" xmlns:p="http://schemas.openxmlformats.org/presentationml/2006/main">
   <p:cSld>
     <p:bg>
-      <p:bgRef idx="1001">
-        <a:schemeClr val="bg1"/>
+      <p:bgRef idx="1003">
+        <a:schemeClr val="bg2"/>
       </p:bgRef>
     </p:bg>
     <p:spTree>
@@ -5258,141 +7714,420 @@
           <a:chExt cx="0" cy="0"/>
         </a:xfrm>
       </p:grpSpPr>
-      <p:sp>
-        <p:nvSpPr>
-          <p:cNvPr id="2" name="Title Placeholder 1">
+      <p:pic>
+        <p:nvPicPr>
+          <p:cNvPr id="8" name="Picture 7"/>
+          <p:cNvPicPr>
+            <a:picLocks noChangeAspect="1"/>
+          </p:cNvPicPr>
+          <p:nvPr/>
+        </p:nvPicPr>
+        <p:blipFill rotWithShape="1">
+          <a:blip r:embed="rId19">
             <a:extLst>
-              <a:ext uri="{FF2B5EF4-FFF2-40B4-BE49-F238E27FC236}">
-                <a16:creationId xmlns:a16="http://schemas.microsoft.com/office/drawing/2014/main" id="{16825439-906F-4D11-8A35-2E00E61E1DC6}"/>
+              <a:ext uri="{28A0092B-C50C-407E-A947-70E740481C1C}">
+                <a14:useLocalDpi xmlns:a14="http://schemas.microsoft.com/office/drawing/2010/main" val="0"/>
               </a:ext>
             </a:extLst>
-          </p:cNvPr>
-          <p:cNvSpPr>
-            <a:spLocks noGrp="1"/>
-          </p:cNvSpPr>
-          <p:nvPr>
-            <p:ph type="title"/>
-          </p:nvPr>
-        </p:nvSpPr>
+          </a:blip>
+          <a:srcRect l="3613"/>
+          <a:stretch/>
+        </p:blipFill>
         <p:spPr>
           <a:xfrm>
-            <a:off x="838200" y="365125"/>
-            <a:ext cx="10515600" cy="1325563"/>
+            <a:off x="0" y="2669685"/>
+            <a:ext cx="4037012" cy="4188315"/>
           </a:xfrm>
           <a:prstGeom prst="rect">
             <a:avLst/>
           </a:prstGeom>
         </p:spPr>
-        <p:txBody>
-          <a:bodyPr vert="horz" lIns="91440" tIns="45720" rIns="91440" bIns="45720" rtlCol="0" anchor="ctr">
-            <a:normAutofit/>
-          </a:bodyPr>
-          <a:lstStyle/>
-          <a:p>
-            <a:r>
-              <a:rPr lang="en-US"/>
-              <a:t>Click to edit Master title style</a:t>
-            </a:r>
-          </a:p>
-        </p:txBody>
-      </p:sp>
-      <p:sp>
-        <p:nvSpPr>
-          <p:cNvPr id="3" name="Text Placeholder 2">
+      </p:pic>
+      <p:pic>
+        <p:nvPicPr>
+          <p:cNvPr id="7" name="Picture 6"/>
+          <p:cNvPicPr>
+            <a:picLocks noChangeAspect="1"/>
+          </p:cNvPicPr>
+          <p:nvPr/>
+        </p:nvPicPr>
+        <p:blipFill rotWithShape="1">
+          <a:blip r:embed="rId20">
             <a:extLst>
-              <a:ext uri="{FF2B5EF4-FFF2-40B4-BE49-F238E27FC236}">
-                <a16:creationId xmlns:a16="http://schemas.microsoft.com/office/drawing/2014/main" id="{B0802073-F48F-4792-B77C-FC37EA0631FE}"/>
+              <a:ext uri="{28A0092B-C50C-407E-A947-70E740481C1C}">
+                <a14:useLocalDpi xmlns:a14="http://schemas.microsoft.com/office/drawing/2010/main" val="0"/>
               </a:ext>
             </a:extLst>
-          </p:cNvPr>
-          <p:cNvSpPr>
-            <a:spLocks noGrp="1"/>
-          </p:cNvSpPr>
-          <p:nvPr>
-            <p:ph type="body" idx="1"/>
-          </p:nvPr>
-        </p:nvSpPr>
+          </a:blip>
+          <a:srcRect l="35640"/>
+          <a:stretch/>
+        </p:blipFill>
         <p:spPr>
           <a:xfrm>
-            <a:off x="838200" y="1825625"/>
-            <a:ext cx="10515600" cy="4351338"/>
+            <a:off x="0" y="2892347"/>
+            <a:ext cx="1522412" cy="2365453"/>
           </a:xfrm>
           <a:prstGeom prst="rect">
             <a:avLst/>
           </a:prstGeom>
         </p:spPr>
-        <p:txBody>
-          <a:bodyPr vert="horz" lIns="91440" tIns="45720" rIns="91440" bIns="45720" rtlCol="0">
-            <a:normAutofit/>
-          </a:bodyPr>
-          <a:lstStyle/>
-          <a:p>
-            <a:pPr lvl="0"/>
-            <a:r>
-              <a:rPr lang="en-US"/>
-              <a:t>Click to edit Master text styles</a:t>
-            </a:r>
-          </a:p>
-          <a:p>
-            <a:pPr lvl="1"/>
-            <a:r>
-              <a:rPr lang="en-US"/>
-              <a:t>Second level</a:t>
-            </a:r>
-          </a:p>
-          <a:p>
-            <a:pPr lvl="2"/>
-            <a:r>
-              <a:rPr lang="en-US"/>
-              <a:t>Third level</a:t>
-            </a:r>
-          </a:p>
-          <a:p>
-            <a:pPr lvl="3"/>
-            <a:r>
-              <a:rPr lang="en-US"/>
-              <a:t>Fourth level</a:t>
-            </a:r>
-          </a:p>
-          <a:p>
-            <a:pPr lvl="4"/>
-            <a:r>
-              <a:rPr lang="en-US"/>
-              <a:t>Fifth level</a:t>
-            </a:r>
-          </a:p>
-        </p:txBody>
-      </p:sp>
-      <p:sp>
-        <p:nvSpPr>
-          <p:cNvPr id="4" name="Date Placeholder 3">
+      </p:pic>
+      <p:sp>
+        <p:nvSpPr>
+          <p:cNvPr id="16" name="Oval 15"/>
+          <p:cNvSpPr/>
+          <p:nvPr/>
+        </p:nvSpPr>
+        <p:spPr>
+          <a:xfrm>
+            <a:off x="8609012" y="1676400"/>
+            <a:ext cx="2819400" cy="2819400"/>
+          </a:xfrm>
+          <a:prstGeom prst="ellipse">
+            <a:avLst/>
+          </a:prstGeom>
+          <a:gradFill flip="none" rotWithShape="1">
+            <a:gsLst>
+              <a:gs pos="0">
+                <a:schemeClr val="bg2">
+                  <a:lumMod val="60000"/>
+                  <a:lumOff val="40000"/>
+                  <a:alpha val="7000"/>
+                </a:schemeClr>
+              </a:gs>
+              <a:gs pos="69000">
+                <a:schemeClr val="bg2">
+                  <a:lumMod val="60000"/>
+                  <a:lumOff val="40000"/>
+                  <a:alpha val="0"/>
+                </a:schemeClr>
+              </a:gs>
+              <a:gs pos="36000">
+                <a:schemeClr val="bg2">
+                  <a:lumMod val="60000"/>
+                  <a:lumOff val="40000"/>
+                  <a:alpha val="6000"/>
+                </a:schemeClr>
+              </a:gs>
+            </a:gsLst>
+            <a:path path="circle">
+              <a:fillToRect l="50000" t="50000" r="50000" b="50000"/>
+            </a:path>
+            <a:tileRect/>
+          </a:gradFill>
+          <a:ln>
+            <a:noFill/>
+          </a:ln>
+          <a:effectLst/>
+        </p:spPr>
+        <p:style>
+          <a:lnRef idx="1">
+            <a:schemeClr val="accent1"/>
+          </a:lnRef>
+          <a:fillRef idx="3">
+            <a:schemeClr val="accent1"/>
+          </a:fillRef>
+          <a:effectRef idx="2">
+            <a:schemeClr val="accent1"/>
+          </a:effectRef>
+          <a:fontRef idx="minor">
+            <a:schemeClr val="lt1"/>
+          </a:fontRef>
+        </p:style>
+      </p:sp>
+      <p:pic>
+        <p:nvPicPr>
+          <p:cNvPr id="9" name="Picture 8"/>
+          <p:cNvPicPr>
+            <a:picLocks noChangeAspect="1"/>
+          </p:cNvPicPr>
+          <p:nvPr/>
+        </p:nvPicPr>
+        <p:blipFill rotWithShape="1">
+          <a:blip r:embed="rId21">
             <a:extLst>
-              <a:ext uri="{FF2B5EF4-FFF2-40B4-BE49-F238E27FC236}">
-                <a16:creationId xmlns:a16="http://schemas.microsoft.com/office/drawing/2014/main" id="{42AD2AAC-4DDB-4393-87AB-A2A788D2D77E}"/>
+              <a:ext uri="{28A0092B-C50C-407E-A947-70E740481C1C}">
+                <a14:useLocalDpi xmlns:a14="http://schemas.microsoft.com/office/drawing/2010/main" val="0"/>
               </a:ext>
             </a:extLst>
-          </p:cNvPr>
-          <p:cNvSpPr>
-            <a:spLocks noGrp="1"/>
-          </p:cNvSpPr>
-          <p:nvPr>
-            <p:ph type="dt" sz="half" idx="2"/>
-          </p:nvPr>
-        </p:nvSpPr>
+          </a:blip>
+          <a:srcRect t="28813"/>
+          <a:stretch/>
+        </p:blipFill>
         <p:spPr>
           <a:xfrm>
-            <a:off x="838200" y="6356350"/>
-            <a:ext cx="2743200" cy="365125"/>
+            <a:off x="7999412" y="0"/>
+            <a:ext cx="1603387" cy="1141407"/>
           </a:xfrm>
           <a:prstGeom prst="rect">
             <a:avLst/>
           </a:prstGeom>
         </p:spPr>
-        <p:txBody>
-          <a:bodyPr vert="horz" lIns="91440" tIns="45720" rIns="91440" bIns="45720" rtlCol="0" anchor="ctr"/>
+      </p:pic>
+      <p:pic>
+        <p:nvPicPr>
+          <p:cNvPr id="10" name="Picture 9"/>
+          <p:cNvPicPr>
+            <a:picLocks noChangeAspect="1"/>
+          </p:cNvPicPr>
+          <p:nvPr/>
+        </p:nvPicPr>
+        <p:blipFill rotWithShape="1">
+          <a:blip r:embed="rId22">
+            <a:extLst>
+              <a:ext uri="{28A0092B-C50C-407E-A947-70E740481C1C}">
+                <a14:useLocalDpi xmlns:a14="http://schemas.microsoft.com/office/drawing/2010/main" val="0"/>
+              </a:ext>
+            </a:extLst>
+          </a:blip>
+          <a:srcRect b="23320"/>
+          <a:stretch/>
+        </p:blipFill>
+        <p:spPr>
+          <a:xfrm>
+            <a:off x="8605878" y="6096000"/>
+            <a:ext cx="993734" cy="762000"/>
+          </a:xfrm>
+          <a:prstGeom prst="rect">
+            <a:avLst/>
+          </a:prstGeom>
+        </p:spPr>
+      </p:pic>
+      <p:sp>
+        <p:nvSpPr>
+          <p:cNvPr id="14" name="Rectangle 13"/>
+          <p:cNvSpPr/>
+          <p:nvPr/>
+        </p:nvSpPr>
+        <p:spPr>
+          <a:xfrm>
+            <a:off x="10437812" y="0"/>
+            <a:ext cx="685800" cy="1143000"/>
+          </a:xfrm>
+          <a:prstGeom prst="rect">
+            <a:avLst/>
+          </a:prstGeom>
+          <a:solidFill>
+            <a:schemeClr val="accent1"/>
+          </a:solidFill>
+          <a:ln>
+            <a:noFill/>
+          </a:ln>
+        </p:spPr>
+        <p:style>
+          <a:lnRef idx="1">
+            <a:schemeClr val="accent1"/>
+          </a:lnRef>
+          <a:fillRef idx="3">
+            <a:schemeClr val="accent1"/>
+          </a:fillRef>
+          <a:effectRef idx="2">
+            <a:schemeClr val="accent1"/>
+          </a:effectRef>
+          <a:fontRef idx="minor">
+            <a:schemeClr val="lt1"/>
+          </a:fontRef>
+        </p:style>
+      </p:sp>
+      <p:sp>
+        <p:nvSpPr>
+          <p:cNvPr id="2" name="Title Placeholder 1"/>
+          <p:cNvSpPr>
+            <a:spLocks noGrp="1"/>
+          </p:cNvSpPr>
+          <p:nvPr>
+            <p:ph type="title"/>
+          </p:nvPr>
+        </p:nvSpPr>
+        <p:spPr>
+          <a:xfrm>
+            <a:off x="646111" y="452718"/>
+            <a:ext cx="9404723" cy="1400530"/>
+          </a:xfrm>
+          <a:prstGeom prst="rect">
+            <a:avLst/>
+          </a:prstGeom>
+        </p:spPr>
+        <p:txBody>
+          <a:bodyPr vert="horz" lIns="91440" tIns="45720" rIns="91440" bIns="45720" rtlCol="0" anchor="t">
+            <a:noAutofit/>
+          </a:bodyPr>
+          <a:lstStyle/>
+          <a:p>
+            <a:r>
+              <a:rPr lang="en-US"/>
+              <a:t>Click to edit Master title style</a:t>
+            </a:r>
+            <a:endParaRPr lang="en-US" dirty="0"/>
+          </a:p>
+        </p:txBody>
+      </p:sp>
+      <p:sp>
+        <p:nvSpPr>
+          <p:cNvPr id="3" name="Text Placeholder 2"/>
+          <p:cNvSpPr>
+            <a:spLocks noGrp="1"/>
+          </p:cNvSpPr>
+          <p:nvPr>
+            <p:ph type="body" idx="1"/>
+          </p:nvPr>
+        </p:nvSpPr>
+        <p:spPr>
+          <a:xfrm>
+            <a:off x="1103312" y="2052918"/>
+            <a:ext cx="8946541" cy="4195481"/>
+          </a:xfrm>
+          <a:prstGeom prst="rect">
+            <a:avLst/>
+          </a:prstGeom>
+        </p:spPr>
+        <p:txBody>
+          <a:bodyPr vert="horz" lIns="91440" tIns="45720" rIns="91440" bIns="45720" rtlCol="0">
+            <a:normAutofit/>
+          </a:bodyPr>
+          <a:lstStyle/>
+          <a:p>
+            <a:pPr lvl="0"/>
+            <a:r>
+              <a:rPr lang="en-US"/>
+              <a:t>Click to edit Master text styles</a:t>
+            </a:r>
+          </a:p>
+          <a:p>
+            <a:pPr lvl="1"/>
+            <a:r>
+              <a:rPr lang="en-US"/>
+              <a:t>Second level</a:t>
+            </a:r>
+          </a:p>
+          <a:p>
+            <a:pPr lvl="2"/>
+            <a:r>
+              <a:rPr lang="en-US"/>
+              <a:t>Third level</a:t>
+            </a:r>
+          </a:p>
+          <a:p>
+            <a:pPr lvl="3"/>
+            <a:r>
+              <a:rPr lang="en-US"/>
+              <a:t>Fourth level</a:t>
+            </a:r>
+          </a:p>
+          <a:p>
+            <a:pPr lvl="4"/>
+            <a:r>
+              <a:rPr lang="en-US"/>
+              <a:t>Fifth level</a:t>
+            </a:r>
+            <a:endParaRPr lang="en-US" dirty="0"/>
+          </a:p>
+        </p:txBody>
+      </p:sp>
+      <p:sp>
+        <p:nvSpPr>
+          <p:cNvPr id="4" name="Date Placeholder 3"/>
+          <p:cNvSpPr>
+            <a:spLocks noGrp="1"/>
+          </p:cNvSpPr>
+          <p:nvPr>
+            <p:ph type="dt" sz="half" idx="2"/>
+          </p:nvPr>
+        </p:nvSpPr>
+        <p:spPr>
+          <a:xfrm rot="5400000">
+            <a:off x="10155639" y="1790701"/>
+            <a:ext cx="990599" cy="304799"/>
+          </a:xfrm>
+          <a:prstGeom prst="rect">
+            <a:avLst/>
+          </a:prstGeom>
+        </p:spPr>
+        <p:txBody>
+          <a:bodyPr vert="horz" lIns="91440" tIns="45720" rIns="91440" bIns="45720" rtlCol="0" anchor="t"/>
           <a:lstStyle>
             <a:lvl1pPr algn="l">
-              <a:defRPr sz="1200">
+              <a:defRPr sz="1100" b="0" i="0">
+                <a:solidFill>
+                  <a:schemeClr val="tx1">
+                    <a:tint val="75000"/>
+                    <a:alpha val="60000"/>
+                  </a:schemeClr>
+                </a:solidFill>
+              </a:defRPr>
+            </a:lvl1pPr>
+          </a:lstStyle>
+          <a:p>
+            <a:fld id="{F4C6FC4E-C84B-4657-97FD-F4C92E31B913}" type="datetimeFigureOut">
+              <a:rPr lang="en-US" smtClean="0"/>
+              <a:t>6/25/2020</a:t>
+            </a:fld>
+            <a:endParaRPr lang="en-US"/>
+          </a:p>
+        </p:txBody>
+      </p:sp>
+      <p:sp>
+        <p:nvSpPr>
+          <p:cNvPr id="5" name="Footer Placeholder 4"/>
+          <p:cNvSpPr>
+            <a:spLocks noGrp="1"/>
+          </p:cNvSpPr>
+          <p:nvPr>
+            <p:ph type="ftr" sz="quarter" idx="3"/>
+          </p:nvPr>
+        </p:nvSpPr>
+        <p:spPr>
+          <a:xfrm rot="5400000">
+            <a:off x="8951573" y="3225297"/>
+            <a:ext cx="3859795" cy="304801"/>
+          </a:xfrm>
+          <a:prstGeom prst="rect">
+            <a:avLst/>
+          </a:prstGeom>
+        </p:spPr>
+        <p:txBody>
+          <a:bodyPr vert="horz" lIns="91440" tIns="45720" rIns="91440" bIns="45720" rtlCol="0" anchor="b"/>
+          <a:lstStyle>
+            <a:lvl1pPr algn="l">
+              <a:defRPr sz="1100" b="0" i="0">
+                <a:solidFill>
+                  <a:schemeClr val="tx1">
+                    <a:tint val="75000"/>
+                    <a:alpha val="60000"/>
+                  </a:schemeClr>
+                </a:solidFill>
+              </a:defRPr>
+            </a:lvl1pPr>
+          </a:lstStyle>
+          <a:p>
+            <a:endParaRPr lang="en-US"/>
+          </a:p>
+        </p:txBody>
+      </p:sp>
+      <p:sp>
+        <p:nvSpPr>
+          <p:cNvPr id="6" name="Slide Number Placeholder 5"/>
+          <p:cNvSpPr>
+            <a:spLocks noGrp="1"/>
+          </p:cNvSpPr>
+          <p:nvPr>
+            <p:ph type="sldNum" sz="quarter" idx="4"/>
+          </p:nvPr>
+        </p:nvSpPr>
+        <p:spPr bwMode="gray">
+          <a:xfrm>
+            <a:off x="10352540" y="295729"/>
+            <a:ext cx="838199" cy="767687"/>
+          </a:xfrm>
+          <a:prstGeom prst="rect">
+            <a:avLst/>
+          </a:prstGeom>
+        </p:spPr>
+        <p:txBody>
+          <a:bodyPr vert="horz" lIns="91440" tIns="45720" rIns="91440" bIns="45720" rtlCol="0" anchor="b"/>
+          <a:lstStyle>
+            <a:lvl1pPr algn="ctr">
+              <a:defRPr sz="2800" b="0" i="0">
                 <a:solidFill>
                   <a:schemeClr val="tx1">
                     <a:tint val="75000"/>
@@ -5402,96 +8137,6 @@
             </a:lvl1pPr>
           </a:lstStyle>
           <a:p>
-            <a:fld id="{F4C6FC4E-C84B-4657-97FD-F4C92E31B913}" type="datetimeFigureOut">
-              <a:rPr lang="en-US" smtClean="0"/>
-              <a:t>6/24/2020</a:t>
-            </a:fld>
-            <a:endParaRPr lang="en-US"/>
-          </a:p>
-        </p:txBody>
-      </p:sp>
-      <p:sp>
-        <p:nvSpPr>
-          <p:cNvPr id="5" name="Footer Placeholder 4">
-            <a:extLst>
-              <a:ext uri="{FF2B5EF4-FFF2-40B4-BE49-F238E27FC236}">
-                <a16:creationId xmlns:a16="http://schemas.microsoft.com/office/drawing/2014/main" id="{F0A73037-8844-4A5B-82E5-DA1E16D378D8}"/>
-              </a:ext>
-            </a:extLst>
-          </p:cNvPr>
-          <p:cNvSpPr>
-            <a:spLocks noGrp="1"/>
-          </p:cNvSpPr>
-          <p:nvPr>
-            <p:ph type="ftr" sz="quarter" idx="3"/>
-          </p:nvPr>
-        </p:nvSpPr>
-        <p:spPr>
-          <a:xfrm>
-            <a:off x="4038600" y="6356350"/>
-            <a:ext cx="4114800" cy="365125"/>
-          </a:xfrm>
-          <a:prstGeom prst="rect">
-            <a:avLst/>
-          </a:prstGeom>
-        </p:spPr>
-        <p:txBody>
-          <a:bodyPr vert="horz" lIns="91440" tIns="45720" rIns="91440" bIns="45720" rtlCol="0" anchor="ctr"/>
-          <a:lstStyle>
-            <a:lvl1pPr algn="ctr">
-              <a:defRPr sz="1200">
-                <a:solidFill>
-                  <a:schemeClr val="tx1">
-                    <a:tint val="75000"/>
-                  </a:schemeClr>
-                </a:solidFill>
-              </a:defRPr>
-            </a:lvl1pPr>
-          </a:lstStyle>
-          <a:p>
-            <a:endParaRPr lang="en-US"/>
-          </a:p>
-        </p:txBody>
-      </p:sp>
-      <p:sp>
-        <p:nvSpPr>
-          <p:cNvPr id="6" name="Slide Number Placeholder 5">
-            <a:extLst>
-              <a:ext uri="{FF2B5EF4-FFF2-40B4-BE49-F238E27FC236}">
-                <a16:creationId xmlns:a16="http://schemas.microsoft.com/office/drawing/2014/main" id="{7366541F-329F-4E62-AE0A-45BE5ECD2C4F}"/>
-              </a:ext>
-            </a:extLst>
-          </p:cNvPr>
-          <p:cNvSpPr>
-            <a:spLocks noGrp="1"/>
-          </p:cNvSpPr>
-          <p:nvPr>
-            <p:ph type="sldNum" sz="quarter" idx="4"/>
-          </p:nvPr>
-        </p:nvSpPr>
-        <p:spPr>
-          <a:xfrm>
-            <a:off x="8610600" y="6356350"/>
-            <a:ext cx="2743200" cy="365125"/>
-          </a:xfrm>
-          <a:prstGeom prst="rect">
-            <a:avLst/>
-          </a:prstGeom>
-        </p:spPr>
-        <p:txBody>
-          <a:bodyPr vert="horz" lIns="91440" tIns="45720" rIns="91440" bIns="45720" rtlCol="0" anchor="ctr"/>
-          <a:lstStyle>
-            <a:lvl1pPr algn="r">
-              <a:defRPr sz="1200">
-                <a:solidFill>
-                  <a:schemeClr val="tx1">
-                    <a:tint val="75000"/>
-                  </a:schemeClr>
-                </a:solidFill>
-              </a:defRPr>
-            </a:lvl1pPr>
-          </a:lstStyle>
-          <a:p>
             <a:fld id="{F1D20B05-C423-423F-BECE-6249FDC28811}" type="slidenum">
               <a:rPr lang="en-US" smtClean="0"/>
               <a:t>‹#›</a:t>
@@ -5503,35 +8148,121 @@
     </p:spTree>
     <p:extLst>
       <p:ext uri="{BB962C8B-B14F-4D97-AF65-F5344CB8AC3E}">
-        <p14:creationId xmlns:p14="http://schemas.microsoft.com/office/powerpoint/2010/main" val="3382594582"/>
+        <p14:creationId xmlns:p14="http://schemas.microsoft.com/office/powerpoint/2010/main" val="1566550415"/>
       </p:ext>
     </p:extLst>
   </p:cSld>
-  <p:clrMap bg1="lt1" tx1="dk1" bg2="lt2" tx2="dk2" accent1="accent1" accent2="accent2" accent3="accent3" accent4="accent4" accent5="accent5" accent6="accent6" hlink="hlink" folHlink="folHlink"/>
+  <p:clrMap bg1="dk1" tx1="lt1" bg2="dk2" tx2="lt2" accent1="accent1" accent2="accent2" accent3="accent3" accent4="accent4" accent5="accent5" accent6="accent6" hlink="hlink" folHlink="folHlink"/>
   <p:sldLayoutIdLst>
-    <p:sldLayoutId id="2147483649" r:id="rId1"/>
-    <p:sldLayoutId id="2147483650" r:id="rId2"/>
-    <p:sldLayoutId id="2147483651" r:id="rId3"/>
-    <p:sldLayoutId id="2147483652" r:id="rId4"/>
-    <p:sldLayoutId id="2147483653" r:id="rId5"/>
-    <p:sldLayoutId id="2147483654" r:id="rId6"/>
-    <p:sldLayoutId id="2147483655" r:id="rId7"/>
-    <p:sldLayoutId id="2147483656" r:id="rId8"/>
-    <p:sldLayoutId id="2147483657" r:id="rId9"/>
-    <p:sldLayoutId id="2147483658" r:id="rId10"/>
-    <p:sldLayoutId id="2147483659" r:id="rId11"/>
+    <p:sldLayoutId id="2147483661" r:id="rId1"/>
+    <p:sldLayoutId id="2147483662" r:id="rId2"/>
+    <p:sldLayoutId id="2147483663" r:id="rId3"/>
+    <p:sldLayoutId id="2147483664" r:id="rId4"/>
+    <p:sldLayoutId id="2147483665" r:id="rId5"/>
+    <p:sldLayoutId id="2147483666" r:id="rId6"/>
+    <p:sldLayoutId id="2147483667" r:id="rId7"/>
+    <p:sldLayoutId id="2147483668" r:id="rId8"/>
+    <p:sldLayoutId id="2147483669" r:id="rId9"/>
+    <p:sldLayoutId id="2147483670" r:id="rId10"/>
+    <p:sldLayoutId id="2147483671" r:id="rId11"/>
+    <p:sldLayoutId id="2147483672" r:id="rId12"/>
+    <p:sldLayoutId id="2147483673" r:id="rId13"/>
+    <p:sldLayoutId id="2147483674" r:id="rId14"/>
+    <p:sldLayoutId id="2147483675" r:id="rId15"/>
+    <p:sldLayoutId id="2147483676" r:id="rId16"/>
+    <p:sldLayoutId id="2147483677" r:id="rId17"/>
   </p:sldLayoutIdLst>
   <p:txStyles>
     <p:titleStyle>
-      <a:lvl1pPr algn="l" defTabSz="914400" rtl="0" eaLnBrk="1" latinLnBrk="0" hangingPunct="1">
-        <a:lnSpc>
-          <a:spcPct val="90000"/>
-        </a:lnSpc>
+      <a:lvl1pPr algn="l" defTabSz="457200" rtl="0" eaLnBrk="1" latinLnBrk="0" hangingPunct="1">
         <a:spcBef>
           <a:spcPct val="0"/>
         </a:spcBef>
         <a:buNone/>
-        <a:defRPr sz="4400" kern="1200">
+        <a:defRPr sz="4200" b="0" i="0" kern="1200">
+          <a:solidFill>
+            <a:schemeClr val="tx2"/>
+          </a:solidFill>
+          <a:latin typeface="+mj-lt"/>
+          <a:ea typeface="+mj-ea"/>
+          <a:cs typeface="+mj-cs"/>
+        </a:defRPr>
+      </a:lvl1pPr>
+      <a:lvl2pPr eaLnBrk="1" hangingPunct="1">
+        <a:defRPr>
+          <a:solidFill>
+            <a:schemeClr val="tx2"/>
+          </a:solidFill>
+        </a:defRPr>
+      </a:lvl2pPr>
+      <a:lvl3pPr eaLnBrk="1" hangingPunct="1">
+        <a:defRPr>
+          <a:solidFill>
+            <a:schemeClr val="tx2"/>
+          </a:solidFill>
+        </a:defRPr>
+      </a:lvl3pPr>
+      <a:lvl4pPr eaLnBrk="1" hangingPunct="1">
+        <a:defRPr>
+          <a:solidFill>
+            <a:schemeClr val="tx2"/>
+          </a:solidFill>
+        </a:defRPr>
+      </a:lvl4pPr>
+      <a:lvl5pPr eaLnBrk="1" hangingPunct="1">
+        <a:defRPr>
+          <a:solidFill>
+            <a:schemeClr val="tx2"/>
+          </a:solidFill>
+        </a:defRPr>
+      </a:lvl5pPr>
+      <a:lvl6pPr eaLnBrk="1" hangingPunct="1">
+        <a:defRPr>
+          <a:solidFill>
+            <a:schemeClr val="tx2"/>
+          </a:solidFill>
+        </a:defRPr>
+      </a:lvl6pPr>
+      <a:lvl7pPr eaLnBrk="1" hangingPunct="1">
+        <a:defRPr>
+          <a:solidFill>
+            <a:schemeClr val="tx2"/>
+          </a:solidFill>
+        </a:defRPr>
+      </a:lvl7pPr>
+      <a:lvl8pPr eaLnBrk="1" hangingPunct="1">
+        <a:defRPr>
+          <a:solidFill>
+            <a:schemeClr val="tx2"/>
+          </a:solidFill>
+        </a:defRPr>
+      </a:lvl8pPr>
+      <a:lvl9pPr eaLnBrk="1" hangingPunct="1">
+        <a:defRPr>
+          <a:solidFill>
+            <a:schemeClr val="tx2"/>
+          </a:solidFill>
+        </a:defRPr>
+      </a:lvl9pPr>
+    </p:titleStyle>
+    <p:bodyStyle>
+      <a:lvl1pPr marL="342900" indent="-342900" algn="l" defTabSz="457200" rtl="0" eaLnBrk="1" latinLnBrk="0" hangingPunct="1">
+        <a:spcBef>
+          <a:spcPts val="1000"/>
+        </a:spcBef>
+        <a:spcAft>
+          <a:spcPts val="0"/>
+        </a:spcAft>
+        <a:buClr>
+          <a:schemeClr val="bg2">
+            <a:lumMod val="40000"/>
+            <a:lumOff val="60000"/>
+          </a:schemeClr>
+        </a:buClr>
+        <a:buSzPct val="80000"/>
+        <a:buFont typeface="Wingdings 3" charset="2"/>
+        <a:buChar char=""/>
+        <a:defRPr sz="2000" b="0" i="0" kern="1200">
           <a:solidFill>
             <a:schemeClr val="tx1"/>
           </a:solidFill>
@@ -5540,18 +8271,213 @@
           <a:cs typeface="+mj-cs"/>
         </a:defRPr>
       </a:lvl1pPr>
-    </p:titleStyle>
-    <p:bodyStyle>
-      <a:lvl1pPr marL="228600" indent="-228600" algn="l" defTabSz="914400" rtl="0" eaLnBrk="1" latinLnBrk="0" hangingPunct="1">
-        <a:lnSpc>
-          <a:spcPct val="90000"/>
-        </a:lnSpc>
+      <a:lvl2pPr marL="742950" indent="-285750" algn="l" defTabSz="457200" rtl="0" eaLnBrk="1" latinLnBrk="0" hangingPunct="1">
         <a:spcBef>
           <a:spcPts val="1000"/>
         </a:spcBef>
-        <a:buFont typeface="Arial" panose="020B0604020202020204" pitchFamily="34" charset="0"/>
-        <a:buChar char="•"/>
-        <a:defRPr sz="2800" kern="1200">
+        <a:spcAft>
+          <a:spcPts val="0"/>
+        </a:spcAft>
+        <a:buClr>
+          <a:schemeClr val="bg2">
+            <a:lumMod val="40000"/>
+            <a:lumOff val="60000"/>
+          </a:schemeClr>
+        </a:buClr>
+        <a:buSzPct val="80000"/>
+        <a:buFont typeface="Wingdings 3" charset="2"/>
+        <a:buChar char=""/>
+        <a:defRPr sz="1800" b="0" i="0" kern="1200">
+          <a:solidFill>
+            <a:schemeClr val="tx1"/>
+          </a:solidFill>
+          <a:latin typeface="+mj-lt"/>
+          <a:ea typeface="+mj-ea"/>
+          <a:cs typeface="+mj-cs"/>
+        </a:defRPr>
+      </a:lvl2pPr>
+      <a:lvl3pPr marL="1143000" indent="-228600" algn="l" defTabSz="457200" rtl="0" eaLnBrk="1" latinLnBrk="0" hangingPunct="1">
+        <a:spcBef>
+          <a:spcPts val="1000"/>
+        </a:spcBef>
+        <a:spcAft>
+          <a:spcPts val="0"/>
+        </a:spcAft>
+        <a:buClr>
+          <a:schemeClr val="bg2">
+            <a:lumMod val="40000"/>
+            <a:lumOff val="60000"/>
+          </a:schemeClr>
+        </a:buClr>
+        <a:buSzPct val="80000"/>
+        <a:buFont typeface="Wingdings 3" charset="2"/>
+        <a:buChar char=""/>
+        <a:defRPr sz="1600" b="0" i="0" kern="1200">
+          <a:solidFill>
+            <a:schemeClr val="tx1"/>
+          </a:solidFill>
+          <a:latin typeface="+mj-lt"/>
+          <a:ea typeface="+mj-ea"/>
+          <a:cs typeface="+mj-cs"/>
+        </a:defRPr>
+      </a:lvl3pPr>
+      <a:lvl4pPr marL="1600200" indent="-228600" algn="l" defTabSz="457200" rtl="0" eaLnBrk="1" latinLnBrk="0" hangingPunct="1">
+        <a:spcBef>
+          <a:spcPts val="1000"/>
+        </a:spcBef>
+        <a:spcAft>
+          <a:spcPts val="0"/>
+        </a:spcAft>
+        <a:buClr>
+          <a:schemeClr val="bg2">
+            <a:lumMod val="40000"/>
+            <a:lumOff val="60000"/>
+          </a:schemeClr>
+        </a:buClr>
+        <a:buSzPct val="80000"/>
+        <a:buFont typeface="Wingdings 3" charset="2"/>
+        <a:buChar char=""/>
+        <a:defRPr sz="1400" b="0" i="0" kern="1200">
+          <a:solidFill>
+            <a:schemeClr val="tx1"/>
+          </a:solidFill>
+          <a:latin typeface="+mj-lt"/>
+          <a:ea typeface="+mj-ea"/>
+          <a:cs typeface="+mj-cs"/>
+        </a:defRPr>
+      </a:lvl4pPr>
+      <a:lvl5pPr marL="2057400" indent="-228600" algn="l" defTabSz="457200" rtl="0" eaLnBrk="1" latinLnBrk="0" hangingPunct="1">
+        <a:spcBef>
+          <a:spcPts val="1000"/>
+        </a:spcBef>
+        <a:spcAft>
+          <a:spcPts val="0"/>
+        </a:spcAft>
+        <a:buClr>
+          <a:schemeClr val="bg2">
+            <a:lumMod val="40000"/>
+            <a:lumOff val="60000"/>
+          </a:schemeClr>
+        </a:buClr>
+        <a:buSzPct val="80000"/>
+        <a:buFont typeface="Wingdings 3" charset="2"/>
+        <a:buChar char=""/>
+        <a:defRPr sz="1400" b="0" i="0" kern="1200">
+          <a:solidFill>
+            <a:schemeClr val="tx1"/>
+          </a:solidFill>
+          <a:latin typeface="+mj-lt"/>
+          <a:ea typeface="+mj-ea"/>
+          <a:cs typeface="+mj-cs"/>
+        </a:defRPr>
+      </a:lvl5pPr>
+      <a:lvl6pPr marL="2506000" indent="-228600" algn="l" defTabSz="457200" rtl="0" eaLnBrk="1" latinLnBrk="0" hangingPunct="1">
+        <a:spcBef>
+          <a:spcPts val="1000"/>
+        </a:spcBef>
+        <a:spcAft>
+          <a:spcPts val="0"/>
+        </a:spcAft>
+        <a:buClr>
+          <a:schemeClr val="bg2">
+            <a:lumMod val="40000"/>
+            <a:lumOff val="60000"/>
+          </a:schemeClr>
+        </a:buClr>
+        <a:buSzPct val="80000"/>
+        <a:buFont typeface="Wingdings 3" charset="2"/>
+        <a:buChar char=""/>
+        <a:defRPr sz="1400" b="0" i="0" kern="1200">
+          <a:solidFill>
+            <a:schemeClr val="tx1"/>
+          </a:solidFill>
+          <a:latin typeface="+mj-lt"/>
+          <a:ea typeface="+mj-ea"/>
+          <a:cs typeface="+mj-cs"/>
+        </a:defRPr>
+      </a:lvl6pPr>
+      <a:lvl7pPr marL="2971800" indent="-228600" algn="l" defTabSz="457200" rtl="0" eaLnBrk="1" latinLnBrk="0" hangingPunct="1">
+        <a:spcBef>
+          <a:spcPts val="1000"/>
+        </a:spcBef>
+        <a:spcAft>
+          <a:spcPts val="0"/>
+        </a:spcAft>
+        <a:buClr>
+          <a:schemeClr val="bg2">
+            <a:lumMod val="40000"/>
+            <a:lumOff val="60000"/>
+          </a:schemeClr>
+        </a:buClr>
+        <a:buSzPct val="80000"/>
+        <a:buFont typeface="Wingdings 3" charset="2"/>
+        <a:buChar char=""/>
+        <a:defRPr sz="1400" b="0" i="0" kern="1200">
+          <a:solidFill>
+            <a:schemeClr val="tx1"/>
+          </a:solidFill>
+          <a:latin typeface="+mj-lt"/>
+          <a:ea typeface="+mj-ea"/>
+          <a:cs typeface="+mj-cs"/>
+        </a:defRPr>
+      </a:lvl7pPr>
+      <a:lvl8pPr marL="3429000" indent="-228600" algn="l" defTabSz="457200" rtl="0" eaLnBrk="1" latinLnBrk="0" hangingPunct="1">
+        <a:spcBef>
+          <a:spcPts val="1000"/>
+        </a:spcBef>
+        <a:spcAft>
+          <a:spcPts val="0"/>
+        </a:spcAft>
+        <a:buClr>
+          <a:schemeClr val="bg2">
+            <a:lumMod val="40000"/>
+            <a:lumOff val="60000"/>
+          </a:schemeClr>
+        </a:buClr>
+        <a:buSzPct val="80000"/>
+        <a:buFont typeface="Wingdings 3" charset="2"/>
+        <a:buChar char=""/>
+        <a:defRPr sz="1400" b="0" i="0" kern="1200">
+          <a:solidFill>
+            <a:schemeClr val="tx1"/>
+          </a:solidFill>
+          <a:latin typeface="+mj-lt"/>
+          <a:ea typeface="+mj-ea"/>
+          <a:cs typeface="+mj-cs"/>
+        </a:defRPr>
+      </a:lvl8pPr>
+      <a:lvl9pPr marL="3886200" indent="-228600" algn="l" defTabSz="457200" rtl="0" eaLnBrk="1" latinLnBrk="0" hangingPunct="1">
+        <a:spcBef>
+          <a:spcPts val="1000"/>
+        </a:spcBef>
+        <a:spcAft>
+          <a:spcPts val="0"/>
+        </a:spcAft>
+        <a:buClr>
+          <a:schemeClr val="bg2">
+            <a:lumMod val="40000"/>
+            <a:lumOff val="60000"/>
+          </a:schemeClr>
+        </a:buClr>
+        <a:buSzPct val="80000"/>
+        <a:buFont typeface="Wingdings 3" charset="2"/>
+        <a:buChar char=""/>
+        <a:defRPr sz="1400" b="0" i="0" kern="1200">
+          <a:solidFill>
+            <a:schemeClr val="tx1"/>
+          </a:solidFill>
+          <a:latin typeface="+mj-lt"/>
+          <a:ea typeface="+mj-ea"/>
+          <a:cs typeface="+mj-cs"/>
+        </a:defRPr>
+      </a:lvl9pPr>
+    </p:bodyStyle>
+    <p:otherStyle>
+      <a:defPPr>
+        <a:defRPr lang="en-US"/>
+      </a:defPPr>
+      <a:lvl1pPr marL="0" algn="l" defTabSz="457200" rtl="0" eaLnBrk="1" latinLnBrk="0" hangingPunct="1">
+        <a:defRPr sz="1800" kern="1200">
           <a:solidFill>
             <a:schemeClr val="tx1"/>
           </a:solidFill>
@@ -5560,16 +8486,8 @@
           <a:cs typeface="+mn-cs"/>
         </a:defRPr>
       </a:lvl1pPr>
-      <a:lvl2pPr marL="685800" indent="-228600" algn="l" defTabSz="914400" rtl="0" eaLnBrk="1" latinLnBrk="0" hangingPunct="1">
-        <a:lnSpc>
-          <a:spcPct val="90000"/>
-        </a:lnSpc>
-        <a:spcBef>
-          <a:spcPts val="500"/>
-        </a:spcBef>
-        <a:buFont typeface="Arial" panose="020B0604020202020204" pitchFamily="34" charset="0"/>
-        <a:buChar char="•"/>
-        <a:defRPr sz="2400" kern="1200">
+      <a:lvl2pPr marL="457200" algn="l" defTabSz="457200" rtl="0" eaLnBrk="1" latinLnBrk="0" hangingPunct="1">
+        <a:defRPr sz="1800" kern="1200">
           <a:solidFill>
             <a:schemeClr val="tx1"/>
           </a:solidFill>
@@ -5578,16 +8496,8 @@
           <a:cs typeface="+mn-cs"/>
         </a:defRPr>
       </a:lvl2pPr>
-      <a:lvl3pPr marL="1143000" indent="-228600" algn="l" defTabSz="914400" rtl="0" eaLnBrk="1" latinLnBrk="0" hangingPunct="1">
-        <a:lnSpc>
-          <a:spcPct val="90000"/>
-        </a:lnSpc>
-        <a:spcBef>
-          <a:spcPts val="500"/>
-        </a:spcBef>
-        <a:buFont typeface="Arial" panose="020B0604020202020204" pitchFamily="34" charset="0"/>
-        <a:buChar char="•"/>
-        <a:defRPr sz="2000" kern="1200">
+      <a:lvl3pPr marL="914400" algn="l" defTabSz="457200" rtl="0" eaLnBrk="1" latinLnBrk="0" hangingPunct="1">
+        <a:defRPr sz="1800" kern="1200">
           <a:solidFill>
             <a:schemeClr val="tx1"/>
           </a:solidFill>
@@ -5596,15 +8506,7 @@
           <a:cs typeface="+mn-cs"/>
         </a:defRPr>
       </a:lvl3pPr>
-      <a:lvl4pPr marL="1600200" indent="-228600" algn="l" defTabSz="914400" rtl="0" eaLnBrk="1" latinLnBrk="0" hangingPunct="1">
-        <a:lnSpc>
-          <a:spcPct val="90000"/>
-        </a:lnSpc>
-        <a:spcBef>
-          <a:spcPts val="500"/>
-        </a:spcBef>
-        <a:buFont typeface="Arial" panose="020B0604020202020204" pitchFamily="34" charset="0"/>
-        <a:buChar char="•"/>
+      <a:lvl4pPr marL="1371600" algn="l" defTabSz="457200" rtl="0" eaLnBrk="1" latinLnBrk="0" hangingPunct="1">
         <a:defRPr sz="1800" kern="1200">
           <a:solidFill>
             <a:schemeClr val="tx1"/>
@@ -5614,15 +8516,7 @@
           <a:cs typeface="+mn-cs"/>
         </a:defRPr>
       </a:lvl4pPr>
-      <a:lvl5pPr marL="2057400" indent="-228600" algn="l" defTabSz="914400" rtl="0" eaLnBrk="1" latinLnBrk="0" hangingPunct="1">
-        <a:lnSpc>
-          <a:spcPct val="90000"/>
-        </a:lnSpc>
-        <a:spcBef>
-          <a:spcPts val="500"/>
-        </a:spcBef>
-        <a:buFont typeface="Arial" panose="020B0604020202020204" pitchFamily="34" charset="0"/>
-        <a:buChar char="•"/>
+      <a:lvl5pPr marL="1828800" algn="l" defTabSz="457200" rtl="0" eaLnBrk="1" latinLnBrk="0" hangingPunct="1">
         <a:defRPr sz="1800" kern="1200">
           <a:solidFill>
             <a:schemeClr val="tx1"/>
@@ -5632,15 +8526,7 @@
           <a:cs typeface="+mn-cs"/>
         </a:defRPr>
       </a:lvl5pPr>
-      <a:lvl6pPr marL="2514600" indent="-228600" algn="l" defTabSz="914400" rtl="0" eaLnBrk="1" latinLnBrk="0" hangingPunct="1">
-        <a:lnSpc>
-          <a:spcPct val="90000"/>
-        </a:lnSpc>
-        <a:spcBef>
-          <a:spcPts val="500"/>
-        </a:spcBef>
-        <a:buFont typeface="Arial" panose="020B0604020202020204" pitchFamily="34" charset="0"/>
-        <a:buChar char="•"/>
+      <a:lvl6pPr marL="2286000" algn="l" defTabSz="457200" rtl="0" eaLnBrk="1" latinLnBrk="0" hangingPunct="1">
         <a:defRPr sz="1800" kern="1200">
           <a:solidFill>
             <a:schemeClr val="tx1"/>
@@ -5650,15 +8536,7 @@
           <a:cs typeface="+mn-cs"/>
         </a:defRPr>
       </a:lvl6pPr>
-      <a:lvl7pPr marL="2971800" indent="-228600" algn="l" defTabSz="914400" rtl="0" eaLnBrk="1" latinLnBrk="0" hangingPunct="1">
-        <a:lnSpc>
-          <a:spcPct val="90000"/>
-        </a:lnSpc>
-        <a:spcBef>
-          <a:spcPts val="500"/>
-        </a:spcBef>
-        <a:buFont typeface="Arial" panose="020B0604020202020204" pitchFamily="34" charset="0"/>
-        <a:buChar char="•"/>
+      <a:lvl7pPr marL="2743200" algn="l" defTabSz="457200" rtl="0" eaLnBrk="1" latinLnBrk="0" hangingPunct="1">
         <a:defRPr sz="1800" kern="1200">
           <a:solidFill>
             <a:schemeClr val="tx1"/>
@@ -5668,15 +8546,7 @@
           <a:cs typeface="+mn-cs"/>
         </a:defRPr>
       </a:lvl7pPr>
-      <a:lvl8pPr marL="3429000" indent="-228600" algn="l" defTabSz="914400" rtl="0" eaLnBrk="1" latinLnBrk="0" hangingPunct="1">
-        <a:lnSpc>
-          <a:spcPct val="90000"/>
-        </a:lnSpc>
-        <a:spcBef>
-          <a:spcPts val="500"/>
-        </a:spcBef>
-        <a:buFont typeface="Arial" panose="020B0604020202020204" pitchFamily="34" charset="0"/>
-        <a:buChar char="•"/>
+      <a:lvl8pPr marL="3200400" algn="l" defTabSz="457200" rtl="0" eaLnBrk="1" latinLnBrk="0" hangingPunct="1">
         <a:defRPr sz="1800" kern="1200">
           <a:solidFill>
             <a:schemeClr val="tx1"/>
@@ -5686,110 +8556,7 @@
           <a:cs typeface="+mn-cs"/>
         </a:defRPr>
       </a:lvl8pPr>
-      <a:lvl9pPr marL="3886200" indent="-228600" algn="l" defTabSz="914400" rtl="0" eaLnBrk="1" latinLnBrk="0" hangingPunct="1">
-        <a:lnSpc>
-          <a:spcPct val="90000"/>
-        </a:lnSpc>
-        <a:spcBef>
-          <a:spcPts val="500"/>
-        </a:spcBef>
-        <a:buFont typeface="Arial" panose="020B0604020202020204" pitchFamily="34" charset="0"/>
-        <a:buChar char="•"/>
-        <a:defRPr sz="1800" kern="1200">
-          <a:solidFill>
-            <a:schemeClr val="tx1"/>
-          </a:solidFill>
-          <a:latin typeface="+mn-lt"/>
-          <a:ea typeface="+mn-ea"/>
-          <a:cs typeface="+mn-cs"/>
-        </a:defRPr>
-      </a:lvl9pPr>
-    </p:bodyStyle>
-    <p:otherStyle>
-      <a:defPPr>
-        <a:defRPr lang="en-US"/>
-      </a:defPPr>
-      <a:lvl1pPr marL="0" algn="l" defTabSz="914400" rtl="0" eaLnBrk="1" latinLnBrk="0" hangingPunct="1">
-        <a:defRPr sz="1800" kern="1200">
-          <a:solidFill>
-            <a:schemeClr val="tx1"/>
-          </a:solidFill>
-          <a:latin typeface="+mn-lt"/>
-          <a:ea typeface="+mn-ea"/>
-          <a:cs typeface="+mn-cs"/>
-        </a:defRPr>
-      </a:lvl1pPr>
-      <a:lvl2pPr marL="457200" algn="l" defTabSz="914400" rtl="0" eaLnBrk="1" latinLnBrk="0" hangingPunct="1">
-        <a:defRPr sz="1800" kern="1200">
-          <a:solidFill>
-            <a:schemeClr val="tx1"/>
-          </a:solidFill>
-          <a:latin typeface="+mn-lt"/>
-          <a:ea typeface="+mn-ea"/>
-          <a:cs typeface="+mn-cs"/>
-        </a:defRPr>
-      </a:lvl2pPr>
-      <a:lvl3pPr marL="914400" algn="l" defTabSz="914400" rtl="0" eaLnBrk="1" latinLnBrk="0" hangingPunct="1">
-        <a:defRPr sz="1800" kern="1200">
-          <a:solidFill>
-            <a:schemeClr val="tx1"/>
-          </a:solidFill>
-          <a:latin typeface="+mn-lt"/>
-          <a:ea typeface="+mn-ea"/>
-          <a:cs typeface="+mn-cs"/>
-        </a:defRPr>
-      </a:lvl3pPr>
-      <a:lvl4pPr marL="1371600" algn="l" defTabSz="914400" rtl="0" eaLnBrk="1" latinLnBrk="0" hangingPunct="1">
-        <a:defRPr sz="1800" kern="1200">
-          <a:solidFill>
-            <a:schemeClr val="tx1"/>
-          </a:solidFill>
-          <a:latin typeface="+mn-lt"/>
-          <a:ea typeface="+mn-ea"/>
-          <a:cs typeface="+mn-cs"/>
-        </a:defRPr>
-      </a:lvl4pPr>
-      <a:lvl5pPr marL="1828800" algn="l" defTabSz="914400" rtl="0" eaLnBrk="1" latinLnBrk="0" hangingPunct="1">
-        <a:defRPr sz="1800" kern="1200">
-          <a:solidFill>
-            <a:schemeClr val="tx1"/>
-          </a:solidFill>
-          <a:latin typeface="+mn-lt"/>
-          <a:ea typeface="+mn-ea"/>
-          <a:cs typeface="+mn-cs"/>
-        </a:defRPr>
-      </a:lvl5pPr>
-      <a:lvl6pPr marL="2286000" algn="l" defTabSz="914400" rtl="0" eaLnBrk="1" latinLnBrk="0" hangingPunct="1">
-        <a:defRPr sz="1800" kern="1200">
-          <a:solidFill>
-            <a:schemeClr val="tx1"/>
-          </a:solidFill>
-          <a:latin typeface="+mn-lt"/>
-          <a:ea typeface="+mn-ea"/>
-          <a:cs typeface="+mn-cs"/>
-        </a:defRPr>
-      </a:lvl6pPr>
-      <a:lvl7pPr marL="2743200" algn="l" defTabSz="914400" rtl="0" eaLnBrk="1" latinLnBrk="0" hangingPunct="1">
-        <a:defRPr sz="1800" kern="1200">
-          <a:solidFill>
-            <a:schemeClr val="tx1"/>
-          </a:solidFill>
-          <a:latin typeface="+mn-lt"/>
-          <a:ea typeface="+mn-ea"/>
-          <a:cs typeface="+mn-cs"/>
-        </a:defRPr>
-      </a:lvl7pPr>
-      <a:lvl8pPr marL="3200400" algn="l" defTabSz="914400" rtl="0" eaLnBrk="1" latinLnBrk="0" hangingPunct="1">
-        <a:defRPr sz="1800" kern="1200">
-          <a:solidFill>
-            <a:schemeClr val="tx1"/>
-          </a:solidFill>
-          <a:latin typeface="+mn-lt"/>
-          <a:ea typeface="+mn-ea"/>
-          <a:cs typeface="+mn-cs"/>
-        </a:defRPr>
-      </a:lvl8pPr>
-      <a:lvl9pPr marL="3657600" algn="l" defTabSz="914400" rtl="0" eaLnBrk="1" latinLnBrk="0" hangingPunct="1">
+      <a:lvl9pPr marL="3657600" algn="l" defTabSz="457200" rtl="0" eaLnBrk="1" latinLnBrk="0" hangingPunct="1">
         <a:defRPr sz="1800" kern="1200">
           <a:solidFill>
             <a:schemeClr val="tx1"/>
@@ -5805,7 +8572,7 @@
 </file>
 
 <file path=ppt/slides/slide1.xml><?xml version="1.0" encoding="utf-8"?>
-<p:sld xmlns:a="http://schemas.openxmlformats.org/drawingml/2006/main" xmlns:r="http://schemas.openxmlformats.org/officeDocument/2006/relationships" xmlns:p="http://schemas.openxmlformats.org/presentationml/2006/main">
+<p:sld xmlns:a="http://schemas.openxmlformats.org/drawingml/2006/main" xmlns:r="http://schemas.openxmlformats.org/officeDocument/2006/relationships" xmlns:p="http://schemas.openxmlformats.org/presentationml/2006/main" showMasterSp="0">
   <p:cSld>
     <p:bg>
       <p:bgPr>
@@ -6074,9 +8841,6 @@
             <a:pPr algn="l"/>
             <a:r>
               <a:rPr lang="en-GB" b="1" dirty="0">
-                <a:solidFill>
-                  <a:schemeClr val="bg1"/>
-                </a:solidFill>
                 <a:latin typeface="Footlight MT Light" panose="0204060206030A020304" pitchFamily="18" charset="0"/>
               </a:rPr>
               <a:t>Md. Mehedi Hasan</a:t>
@@ -6086,9 +8850,6 @@
             <a:pPr algn="l"/>
             <a:r>
               <a:rPr lang="en-GB" b="1" dirty="0">
-                <a:solidFill>
-                  <a:schemeClr val="bg1"/>
-                </a:solidFill>
                 <a:latin typeface="Footlight MT Light" panose="0204060206030A020304" pitchFamily="18" charset="0"/>
               </a:rPr>
               <a:t>M.Sc. Student (Thesis)</a:t>
@@ -6098,9 +8859,6 @@
             <a:pPr algn="l"/>
             <a:r>
               <a:rPr lang="en-GB" b="1" dirty="0">
-                <a:solidFill>
-                  <a:schemeClr val="bg1"/>
-                </a:solidFill>
                 <a:latin typeface="Footlight MT Light" panose="0204060206030A020304" pitchFamily="18" charset="0"/>
               </a:rPr>
               <a:t>Department of Statistics(</a:t>
@@ -6116,9 +8874,6 @@
             </a:r>
             <a:r>
               <a:rPr lang="en-GB" b="1" dirty="0">
-                <a:solidFill>
-                  <a:schemeClr val="bg1"/>
-                </a:solidFill>
                 <a:latin typeface="Footlight MT Light" panose="0204060206030A020304" pitchFamily="18" charset="0"/>
               </a:rPr>
               <a:t>)</a:t>
@@ -6128,15 +8883,12 @@
             <a:pPr algn="l"/>
             <a:r>
               <a:rPr lang="en-GB" b="1" dirty="0">
-                <a:solidFill>
-                  <a:schemeClr val="bg1"/>
-                </a:solidFill>
                 <a:latin typeface="Footlight MT Light" panose="0204060206030A020304" pitchFamily="18" charset="0"/>
               </a:rPr>
               <a:t>Intern (</a:t>
             </a:r>
             <a:r>
-              <a:rPr lang="en-GB" b="1" dirty="0" err="1">
+              <a:rPr lang="en-GB" b="1" dirty="0">
                 <a:solidFill>
                   <a:srgbClr val="FFC000"/>
                 </a:solidFill>
@@ -6146,9 +8898,6 @@
             </a:r>
             <a:r>
               <a:rPr lang="en-GB" b="1" dirty="0">
-                <a:solidFill>
-                  <a:schemeClr val="bg1"/>
-                </a:solidFill>
                 <a:latin typeface="Footlight MT Light" panose="0204060206030A020304" pitchFamily="18" charset="0"/>
               </a:rPr>
               <a:t>)</a:t>
@@ -6218,7 +8967,7 @@
             <a:r>
               <a:rPr lang="en-US" dirty="0">
                 <a:solidFill>
-                  <a:srgbClr val="002060"/>
+                  <a:schemeClr val="tx1"/>
                 </a:solidFill>
                 <a:latin typeface="Times New Roman" panose="02020603050405020304" pitchFamily="18" charset="0"/>
                 <a:cs typeface="Times New Roman" panose="02020603050405020304" pitchFamily="18" charset="0"/>
@@ -6227,7 +8976,7 @@
             </a:r>
             <a:endParaRPr lang="en-US" dirty="0">
               <a:solidFill>
-                <a:srgbClr val="002060"/>
+                <a:schemeClr val="tx1"/>
               </a:solidFill>
             </a:endParaRPr>
           </a:p>
@@ -6251,16 +9000,17 @@
         </p:nvSpPr>
         <p:spPr>
           <a:xfrm>
-            <a:off x="308113" y="1337192"/>
-            <a:ext cx="5787887" cy="5673208"/>
+            <a:off x="0" y="1115219"/>
+            <a:ext cx="5950227" cy="5673208"/>
           </a:xfrm>
         </p:spPr>
         <p:txBody>
           <a:bodyPr>
-            <a:normAutofit fontScale="92500" lnSpcReduction="10000"/>
+            <a:normAutofit fontScale="92500" lnSpcReduction="20000"/>
           </a:bodyPr>
           <a:lstStyle/>
           <a:p>
+            <a:pPr algn="just"/>
             <a:r>
               <a:rPr lang="en-US" sz="3200" dirty="0">
                 <a:latin typeface="Times New Roman" panose="02020603050405020304" pitchFamily="18" charset="0"/>
@@ -6270,7 +9020,7 @@
             </a:r>
           </a:p>
           <a:p>
-            <a:pPr marL="0" indent="0">
+            <a:pPr marL="0" indent="0" algn="just">
               <a:buNone/>
             </a:pPr>
             <a:endParaRPr lang="en-US" dirty="0">
@@ -6279,6 +9029,7 @@
             </a:endParaRPr>
           </a:p>
           <a:p>
+            <a:pPr algn="just"/>
             <a:r>
               <a:rPr lang="en-US" sz="1900" dirty="0">
                 <a:latin typeface="Times New Roman" panose="02020603050405020304" pitchFamily="18" charset="0"/>
@@ -6305,6 +9056,7 @@
             </a:r>
           </a:p>
           <a:p>
+            <a:pPr algn="just"/>
             <a:endParaRPr lang="en-US" dirty="0"/>
           </a:p>
         </p:txBody>
@@ -6406,7 +9158,7 @@
             <a:r>
               <a:rPr lang="en-US" sz="4000" dirty="0">
                 <a:solidFill>
-                  <a:srgbClr val="002060"/>
+                  <a:srgbClr val="FFC000"/>
                 </a:solidFill>
                 <a:latin typeface="Segoe UI Semibold" panose="020B0702040204020203" pitchFamily="34" charset="0"/>
                 <a:ea typeface="Segoe UI Black" panose="020B0A02040204020203" pitchFamily="34" charset="0"/>
@@ -6507,7 +9259,7 @@
             <a:r>
               <a:rPr lang="en-US" b="1" dirty="0">
                 <a:solidFill>
-                  <a:srgbClr val="002060"/>
+                  <a:srgbClr val="FFFF00"/>
                 </a:solidFill>
               </a:rPr>
               <a:t>Hands-on</a:t>
@@ -6538,7 +9290,9 @@
           </a:xfrm>
         </p:spPr>
         <p:txBody>
-          <a:bodyPr/>
+          <a:bodyPr>
+            <a:normAutofit fontScale="92500"/>
+          </a:bodyPr>
           <a:lstStyle/>
           <a:p>
             <a:pPr>
@@ -6766,7 +9520,7 @@
         </p:nvGraphicFramePr>
         <p:xfrm>
           <a:off x="377688" y="3581105"/>
-          <a:ext cx="11237842" cy="2179320"/>
+          <a:ext cx="11237842" cy="2387600"/>
         </p:xfrm>
         <a:graphic>
           <a:graphicData uri="http://schemas.openxmlformats.org/drawingml/2006/table">
@@ -7201,20 +9955,42 @@
           <a:p>
             <a:r>
               <a:rPr lang="en-US" dirty="0">
+                <a:solidFill>
+                  <a:srgbClr val="0070C0"/>
+                </a:solidFill>
                 <a:latin typeface="Times New Roman" panose="02020603050405020304" pitchFamily="18" charset="0"/>
                 <a:cs typeface="Times New Roman" panose="02020603050405020304" pitchFamily="18" charset="0"/>
               </a:rPr>
-              <a:t>You’ll find wildcards, quantifiers and a lot more about regex here : </a:t>
+              <a:t>You’ll find wildcards, quantifiers and a lot more about regex here :</a:t>
             </a:r>
             <a:r>
               <a:rPr lang="en-US" dirty="0">
                 <a:latin typeface="Times New Roman" panose="02020603050405020304" pitchFamily="18" charset="0"/>
                 <a:cs typeface="Times New Roman" panose="02020603050405020304" pitchFamily="18" charset="0"/>
-                <a:hlinkClick r:id="rId2"/>
+              </a:rPr>
+              <a:t> </a:t>
+            </a:r>
+            <a:r>
+              <a:rPr lang="en-US" dirty="0">
+                <a:solidFill>
+                  <a:srgbClr val="FF0000"/>
+                </a:solidFill>
+                <a:latin typeface="Times New Roman" panose="02020603050405020304" pitchFamily="18" charset="0"/>
+                <a:cs typeface="Times New Roman" panose="02020603050405020304" pitchFamily="18" charset="0"/>
+                <a:hlinkClick r:id="rId2">
+                  <a:extLst>
+                    <a:ext uri="{A12FA001-AC4F-418D-AE19-62706E023703}">
+                      <ahyp:hlinkClr xmlns:ahyp="http://schemas.microsoft.com/office/drawing/2018/hyperlinkcolor" val="tx"/>
+                    </a:ext>
+                  </a:extLst>
+                </a:hlinkClick>
               </a:rPr>
               <a:t>http://www.rexegg.com/regex-quickstart.html#ref</a:t>
             </a:r>
             <a:endParaRPr lang="en-US" dirty="0">
+              <a:solidFill>
+                <a:srgbClr val="FF0000"/>
+              </a:solidFill>
               <a:latin typeface="Times New Roman" panose="02020603050405020304" pitchFamily="18" charset="0"/>
               <a:cs typeface="Times New Roman" panose="02020603050405020304" pitchFamily="18" charset="0"/>
             </a:endParaRPr>
@@ -7235,9 +10011,9 @@
 </file>
 
 <file path=ppt/theme/theme1.xml><?xml version="1.0" encoding="utf-8"?>
-<a:theme xmlns:a="http://schemas.openxmlformats.org/drawingml/2006/main" name="Office Theme">
+<a:theme xmlns:a="http://schemas.openxmlformats.org/drawingml/2006/main" name="Ion">
   <a:themeElements>
-    <a:clrScheme name="Office">
+    <a:clrScheme name="Ion">
       <a:dk1>
         <a:sysClr val="windowText" lastClr="000000"/>
       </a:dk1>
@@ -7245,44 +10021,44 @@
         <a:sysClr val="window" lastClr="FFFFFF"/>
       </a:lt1>
       <a:dk2>
-        <a:srgbClr val="44546A"/>
+        <a:srgbClr val="1E5155"/>
       </a:dk2>
       <a:lt2>
-        <a:srgbClr val="E7E6E6"/>
+        <a:srgbClr val="EBEBEB"/>
       </a:lt2>
       <a:accent1>
-        <a:srgbClr val="4472C4"/>
+        <a:srgbClr val="B01513"/>
       </a:accent1>
       <a:accent2>
-        <a:srgbClr val="ED7D31"/>
+        <a:srgbClr val="EA6312"/>
       </a:accent2>
       <a:accent3>
-        <a:srgbClr val="A5A5A5"/>
+        <a:srgbClr val="E6B729"/>
       </a:accent3>
       <a:accent4>
-        <a:srgbClr val="FFC000"/>
+        <a:srgbClr val="6AAC90"/>
       </a:accent4>
       <a:accent5>
-        <a:srgbClr val="5B9BD5"/>
+        <a:srgbClr val="54849A"/>
       </a:accent5>
       <a:accent6>
-        <a:srgbClr val="70AD47"/>
+        <a:srgbClr val="9E5E9B"/>
       </a:accent6>
       <a:hlink>
-        <a:srgbClr val="0563C1"/>
+        <a:srgbClr val="58C1BA"/>
       </a:hlink>
       <a:folHlink>
-        <a:srgbClr val="954F72"/>
+        <a:srgbClr val="9DFFCB"/>
       </a:folHlink>
     </a:clrScheme>
-    <a:fontScheme name="Office">
+    <a:fontScheme name="Ion">
       <a:majorFont>
-        <a:latin typeface="Calibri Light" panose="020F0302020204030204"/>
+        <a:latin typeface="Century Gothic" panose="020B0502020202020204"/>
         <a:ea typeface=""/>
         <a:cs typeface=""/>
-        <a:font script="Jpan" typeface="游ゴシック Light"/>
+        <a:font script="Jpan" typeface="メイリオ"/>
         <a:font script="Hang" typeface="맑은 고딕"/>
-        <a:font script="Hans" typeface="等线 Light"/>
+        <a:font script="Hans" typeface="宋体"/>
         <a:font script="Hant" typeface="新細明體"/>
         <a:font script="Arab" typeface="Times New Roman"/>
         <a:font script="Hebr" typeface="Times New Roman"/>
@@ -7310,31 +10086,14 @@
         <a:font script="Viet" typeface="Times New Roman"/>
         <a:font script="Uigh" typeface="Microsoft Uighur"/>
         <a:font script="Geor" typeface="Sylfaen"/>
-        <a:font script="Armn" typeface="Arial"/>
-        <a:font script="Bugi" typeface="Leelawadee UI"/>
-        <a:font script="Bopo" typeface="Microsoft JhengHei"/>
-        <a:font script="Java" typeface="Javanese Text"/>
-        <a:font script="Lisu" typeface="Segoe UI"/>
-        <a:font script="Mymr" typeface="Myanmar Text"/>
-        <a:font script="Nkoo" typeface="Ebrima"/>
-        <a:font script="Olck" typeface="Nirmala UI"/>
-        <a:font script="Osma" typeface="Ebrima"/>
-        <a:font script="Phag" typeface="Phagspa"/>
-        <a:font script="Syrn" typeface="Estrangelo Edessa"/>
-        <a:font script="Syrj" typeface="Estrangelo Edessa"/>
-        <a:font script="Syre" typeface="Estrangelo Edessa"/>
-        <a:font script="Sora" typeface="Nirmala UI"/>
-        <a:font script="Tale" typeface="Microsoft Tai Le"/>
-        <a:font script="Talu" typeface="Microsoft New Tai Lue"/>
-        <a:font script="Tfng" typeface="Ebrima"/>
       </a:majorFont>
       <a:minorFont>
-        <a:latin typeface="Calibri" panose="020F0502020204030204"/>
+        <a:latin typeface="Century Gothic" panose="020B0502020202020204"/>
         <a:ea typeface=""/>
         <a:cs typeface=""/>
-        <a:font script="Jpan" typeface="游ゴシック"/>
+        <a:font script="Jpan" typeface="メイリオ"/>
         <a:font script="Hang" typeface="맑은 고딕"/>
-        <a:font script="Hans" typeface="等线"/>
+        <a:font script="Hans" typeface="宋体"/>
         <a:font script="Hant" typeface="新細明體"/>
         <a:font script="Arab" typeface="Arial"/>
         <a:font script="Hebr" typeface="Arial"/>
@@ -7362,26 +10121,9 @@
         <a:font script="Viet" typeface="Arial"/>
         <a:font script="Uigh" typeface="Microsoft Uighur"/>
         <a:font script="Geor" typeface="Sylfaen"/>
-        <a:font script="Armn" typeface="Arial"/>
-        <a:font script="Bugi" typeface="Leelawadee UI"/>
-        <a:font script="Bopo" typeface="Microsoft JhengHei"/>
-        <a:font script="Java" typeface="Javanese Text"/>
-        <a:font script="Lisu" typeface="Segoe UI"/>
-        <a:font script="Mymr" typeface="Myanmar Text"/>
-        <a:font script="Nkoo" typeface="Ebrima"/>
-        <a:font script="Olck" typeface="Nirmala UI"/>
-        <a:font script="Osma" typeface="Ebrima"/>
-        <a:font script="Phag" typeface="Phagspa"/>
-        <a:font script="Syrn" typeface="Estrangelo Edessa"/>
-        <a:font script="Syrj" typeface="Estrangelo Edessa"/>
-        <a:font script="Syre" typeface="Estrangelo Edessa"/>
-        <a:font script="Sora" typeface="Nirmala UI"/>
-        <a:font script="Tale" typeface="Microsoft Tai Le"/>
-        <a:font script="Talu" typeface="Microsoft New Tai Lue"/>
-        <a:font script="Tfng" typeface="Ebrima"/>
       </a:minorFont>
     </a:fontScheme>
-    <a:fmtScheme name="Office">
+    <a:fmtScheme name="Ion">
       <a:fillStyleLst>
         <a:solidFill>
           <a:schemeClr val="phClr"/>
@@ -7390,23 +10132,15 @@
           <a:gsLst>
             <a:gs pos="0">
               <a:schemeClr val="phClr">
-                <a:lumMod val="110000"/>
-                <a:satMod val="105000"/>
-                <a:tint val="67000"/>
-              </a:schemeClr>
-            </a:gs>
-            <a:gs pos="50000">
-              <a:schemeClr val="phClr">
-                <a:lumMod val="105000"/>
-                <a:satMod val="103000"/>
-                <a:tint val="73000"/>
+                <a:tint val="64000"/>
+                <a:lumMod val="118000"/>
               </a:schemeClr>
             </a:gs>
             <a:gs pos="100000">
               <a:schemeClr val="phClr">
-                <a:lumMod val="105000"/>
-                <a:satMod val="109000"/>
-                <a:tint val="81000"/>
+                <a:tint val="92000"/>
+                <a:alpha val="100000"/>
+                <a:lumMod val="110000"/>
               </a:schemeClr>
             </a:gs>
           </a:gsLst>
@@ -7416,23 +10150,14 @@
           <a:gsLst>
             <a:gs pos="0">
               <a:schemeClr val="phClr">
-                <a:satMod val="103000"/>
-                <a:lumMod val="102000"/>
-                <a:tint val="94000"/>
-              </a:schemeClr>
-            </a:gs>
-            <a:gs pos="50000">
-              <a:schemeClr val="phClr">
-                <a:satMod val="110000"/>
-                <a:lumMod val="100000"/>
-                <a:shade val="100000"/>
+                <a:tint val="98000"/>
+                <a:lumMod val="114000"/>
               </a:schemeClr>
             </a:gs>
             <a:gs pos="100000">
               <a:schemeClr val="phClr">
-                <a:lumMod val="99000"/>
-                <a:satMod val="120000"/>
-                <a:shade val="78000"/>
+                <a:shade val="90000"/>
+                <a:lumMod val="84000"/>
               </a:schemeClr>
             </a:gs>
           </a:gsLst>
@@ -7440,26 +10165,23 @@
         </a:gradFill>
       </a:fillStyleLst>
       <a:lnStyleLst>
-        <a:ln w="6350" cap="flat" cmpd="sng" algn="ctr">
+        <a:ln w="9525" cap="rnd" cmpd="sng" algn="ctr">
           <a:solidFill>
             <a:schemeClr val="phClr"/>
           </a:solidFill>
           <a:prstDash val="solid"/>
-          <a:miter lim="800000"/>
         </a:ln>
-        <a:ln w="12700" cap="flat" cmpd="sng" algn="ctr">
+        <a:ln w="19050" cap="rnd" cmpd="sng" algn="ctr">
           <a:solidFill>
             <a:schemeClr val="phClr"/>
           </a:solidFill>
           <a:prstDash val="solid"/>
-          <a:miter lim="800000"/>
         </a:ln>
-        <a:ln w="19050" cap="flat" cmpd="sng" algn="ctr">
+        <a:ln w="28575" cap="rnd" cmpd="sng" algn="ctr">
           <a:solidFill>
             <a:schemeClr val="phClr"/>
           </a:solidFill>
           <a:prstDash val="solid"/>
-          <a:miter lim="800000"/>
         </a:ln>
       </a:lnStyleLst>
       <a:effectStyleLst>
@@ -7467,55 +10189,80 @@
           <a:effectLst/>
         </a:effectStyle>
         <a:effectStyle>
-          <a:effectLst/>
+          <a:effectLst>
+            <a:outerShdw blurRad="38100" dist="25400" dir="5400000" rotWithShape="0">
+              <a:srgbClr val="000000">
+                <a:alpha val="45000"/>
+              </a:srgbClr>
+            </a:outerShdw>
+          </a:effectLst>
         </a:effectStyle>
         <a:effectStyle>
           <a:effectLst>
-            <a:outerShdw blurRad="57150" dist="19050" dir="5400000" algn="ctr" rotWithShape="0">
+            <a:outerShdw blurRad="63500" dist="38100" dir="5400000" rotWithShape="0">
               <a:srgbClr val="000000">
-                <a:alpha val="63000"/>
+                <a:alpha val="60000"/>
               </a:srgbClr>
             </a:outerShdw>
           </a:effectLst>
+          <a:scene3d>
+            <a:camera prst="orthographicFront">
+              <a:rot lat="0" lon="0" rev="0"/>
+            </a:camera>
+            <a:lightRig rig="threePt" dir="tl"/>
+          </a:scene3d>
+          <a:sp3d prstMaterial="plastic">
+            <a:bevelT w="0" h="0"/>
+          </a:sp3d>
         </a:effectStyle>
       </a:effectStyleLst>
       <a:bgFillStyleLst>
         <a:solidFill>
           <a:schemeClr val="phClr"/>
         </a:solidFill>
-        <a:solidFill>
-          <a:schemeClr val="phClr">
-            <a:tint val="95000"/>
-            <a:satMod val="170000"/>
-          </a:schemeClr>
-        </a:solidFill>
         <a:gradFill rotWithShape="1">
           <a:gsLst>
             <a:gs pos="0">
               <a:schemeClr val="phClr">
-                <a:tint val="93000"/>
-                <a:satMod val="150000"/>
-                <a:shade val="98000"/>
-                <a:lumMod val="102000"/>
-              </a:schemeClr>
-            </a:gs>
-            <a:gs pos="50000">
-              <a:schemeClr val="phClr">
-                <a:tint val="98000"/>
+                <a:tint val="97000"/>
+                <a:hueMod val="88000"/>
                 <a:satMod val="130000"/>
-                <a:shade val="90000"/>
-                <a:lumMod val="103000"/>
+                <a:lumMod val="124000"/>
               </a:schemeClr>
             </a:gs>
             <a:gs pos="100000">
               <a:schemeClr val="phClr">
-                <a:shade val="63000"/>
-                <a:satMod val="120000"/>
+                <a:tint val="96000"/>
+                <a:shade val="88000"/>
+                <a:hueMod val="108000"/>
+                <a:satMod val="164000"/>
+                <a:lumMod val="76000"/>
               </a:schemeClr>
             </a:gs>
           </a:gsLst>
-          <a:lin ang="5400000" scaled="0"/>
+          <a:path path="circle">
+            <a:fillToRect l="45000" t="65000" r="125000" b="100000"/>
+          </a:path>
         </a:gradFill>
+        <a:blipFill rotWithShape="1">
+          <a:blip xmlns:r="http://schemas.openxmlformats.org/officeDocument/2006/relationships" r:embed="rId1">
+            <a:duotone>
+              <a:schemeClr val="phClr">
+                <a:shade val="69000"/>
+                <a:hueMod val="108000"/>
+                <a:satMod val="164000"/>
+                <a:lumMod val="74000"/>
+              </a:schemeClr>
+              <a:schemeClr val="phClr">
+                <a:tint val="96000"/>
+                <a:hueMod val="88000"/>
+                <a:satMod val="140000"/>
+                <a:lumMod val="132000"/>
+              </a:schemeClr>
+            </a:duotone>
+          </a:blip>
+          <a:stretch/>
+        </a:blipFill>
       </a:bgFillStyleLst>
     </a:fmtScheme>
   </a:themeElements>
@@ -7523,7 +10270,7 @@
   <a:extraClrSchemeLst/>
   <a:extLst>
     <a:ext uri="{05A4C25C-085E-4340-85A3-A5531E510DB2}">
-      <thm15:themeFamily xmlns:thm15="http://schemas.microsoft.com/office/thememl/2012/main" name="Office Theme" id="{62F939B6-93AF-4DB8-9C6B-D6C7DFDC589F}" vid="{4A3C46E8-61CC-4603-A589-7422A47A8E4A}"/>
+      <thm15:themeFamily xmlns:thm15="http://schemas.microsoft.com/office/thememl/2012/main" name="Ion" id="{B8441ADB-2E43-4AF7-B97A-BD870242C6A8}" vid="{292E63A9-BB86-4E3D-B92A-7223C6510D2E}"/>
     </a:ext>
   </a:extLst>
 </a:theme>

--- a/Regex_final.pptx
+++ b/Regex_final.pptx
@@ -2,13 +2,14 @@
 <file path=ppt/presentation.xml><?xml version="1.0" encoding="utf-8"?>
 <p:presentation xmlns:a="http://schemas.openxmlformats.org/drawingml/2006/main" xmlns:r="http://schemas.openxmlformats.org/officeDocument/2006/relationships" xmlns:p="http://schemas.openxmlformats.org/presentationml/2006/main" saveSubsetFonts="1">
   <p:sldMasterIdLst>
-    <p:sldMasterId id="2147483660" r:id="rId1"/>
+    <p:sldMasterId id="2147483648" r:id="rId1"/>
   </p:sldMasterIdLst>
   <p:sldIdLst>
     <p:sldId id="261" r:id="rId2"/>
     <p:sldId id="257" r:id="rId3"/>
-    <p:sldId id="259" r:id="rId4"/>
-    <p:sldId id="260" r:id="rId5"/>
+    <p:sldId id="262" r:id="rId4"/>
+    <p:sldId id="259" r:id="rId5"/>
+    <p:sldId id="260" r:id="rId6"/>
   </p:sldIdLst>
   <p:sldSz cx="12192000" cy="6858000"/>
   <p:notesSz cx="6858000" cy="9144000"/>
@@ -16,7 +17,7 @@
     <a:defPPr>
       <a:defRPr lang="en-US"/>
     </a:defPPr>
-    <a:lvl1pPr marL="0" algn="l" defTabSz="457200" rtl="0" eaLnBrk="1" latinLnBrk="0" hangingPunct="1">
+    <a:lvl1pPr marL="0" algn="l" defTabSz="914400" rtl="0" eaLnBrk="1" latinLnBrk="0" hangingPunct="1">
       <a:defRPr sz="1800" kern="1200">
         <a:solidFill>
           <a:schemeClr val="tx1"/>
@@ -26,7 +27,7 @@
         <a:cs typeface="+mn-cs"/>
       </a:defRPr>
     </a:lvl1pPr>
-    <a:lvl2pPr marL="457200" algn="l" defTabSz="457200" rtl="0" eaLnBrk="1" latinLnBrk="0" hangingPunct="1">
+    <a:lvl2pPr marL="457200" algn="l" defTabSz="914400" rtl="0" eaLnBrk="1" latinLnBrk="0" hangingPunct="1">
       <a:defRPr sz="1800" kern="1200">
         <a:solidFill>
           <a:schemeClr val="tx1"/>
@@ -36,7 +37,7 @@
         <a:cs typeface="+mn-cs"/>
       </a:defRPr>
     </a:lvl2pPr>
-    <a:lvl3pPr marL="914400" algn="l" defTabSz="457200" rtl="0" eaLnBrk="1" latinLnBrk="0" hangingPunct="1">
+    <a:lvl3pPr marL="914400" algn="l" defTabSz="914400" rtl="0" eaLnBrk="1" latinLnBrk="0" hangingPunct="1">
       <a:defRPr sz="1800" kern="1200">
         <a:solidFill>
           <a:schemeClr val="tx1"/>
@@ -46,7 +47,7 @@
         <a:cs typeface="+mn-cs"/>
       </a:defRPr>
     </a:lvl3pPr>
-    <a:lvl4pPr marL="1371600" algn="l" defTabSz="457200" rtl="0" eaLnBrk="1" latinLnBrk="0" hangingPunct="1">
+    <a:lvl4pPr marL="1371600" algn="l" defTabSz="914400" rtl="0" eaLnBrk="1" latinLnBrk="0" hangingPunct="1">
       <a:defRPr sz="1800" kern="1200">
         <a:solidFill>
           <a:schemeClr val="tx1"/>
@@ -56,7 +57,7 @@
         <a:cs typeface="+mn-cs"/>
       </a:defRPr>
     </a:lvl4pPr>
-    <a:lvl5pPr marL="1828800" algn="l" defTabSz="457200" rtl="0" eaLnBrk="1" latinLnBrk="0" hangingPunct="1">
+    <a:lvl5pPr marL="1828800" algn="l" defTabSz="914400" rtl="0" eaLnBrk="1" latinLnBrk="0" hangingPunct="1">
       <a:defRPr sz="1800" kern="1200">
         <a:solidFill>
           <a:schemeClr val="tx1"/>
@@ -66,7 +67,7 @@
         <a:cs typeface="+mn-cs"/>
       </a:defRPr>
     </a:lvl5pPr>
-    <a:lvl6pPr marL="2286000" algn="l" defTabSz="457200" rtl="0" eaLnBrk="1" latinLnBrk="0" hangingPunct="1">
+    <a:lvl6pPr marL="2286000" algn="l" defTabSz="914400" rtl="0" eaLnBrk="1" latinLnBrk="0" hangingPunct="1">
       <a:defRPr sz="1800" kern="1200">
         <a:solidFill>
           <a:schemeClr val="tx1"/>
@@ -76,7 +77,7 @@
         <a:cs typeface="+mn-cs"/>
       </a:defRPr>
     </a:lvl6pPr>
-    <a:lvl7pPr marL="2743200" algn="l" defTabSz="457200" rtl="0" eaLnBrk="1" latinLnBrk="0" hangingPunct="1">
+    <a:lvl7pPr marL="2743200" algn="l" defTabSz="914400" rtl="0" eaLnBrk="1" latinLnBrk="0" hangingPunct="1">
       <a:defRPr sz="1800" kern="1200">
         <a:solidFill>
           <a:schemeClr val="tx1"/>
@@ -86,7 +87,7 @@
         <a:cs typeface="+mn-cs"/>
       </a:defRPr>
     </a:lvl7pPr>
-    <a:lvl8pPr marL="3200400" algn="l" defTabSz="457200" rtl="0" eaLnBrk="1" latinLnBrk="0" hangingPunct="1">
+    <a:lvl8pPr marL="3200400" algn="l" defTabSz="914400" rtl="0" eaLnBrk="1" latinLnBrk="0" hangingPunct="1">
       <a:defRPr sz="1800" kern="1200">
         <a:solidFill>
           <a:schemeClr val="tx1"/>
@@ -96,7 +97,7 @@
         <a:cs typeface="+mn-cs"/>
       </a:defRPr>
     </a:lvl8pPr>
-    <a:lvl9pPr marL="3657600" algn="l" defTabSz="457200" rtl="0" eaLnBrk="1" latinLnBrk="0" hangingPunct="1">
+    <a:lvl9pPr marL="3657600" algn="l" defTabSz="914400" rtl="0" eaLnBrk="1" latinLnBrk="0" hangingPunct="1">
       <a:defRPr sz="1800" kern="1200">
         <a:solidFill>
           <a:schemeClr val="tx1"/>
@@ -113,6 +114,46 @@
     </p:ext>
   </p:extLst>
 </p:presentation>
+</file>
+
+<file path=ppt/commentAuthors.xml><?xml version="1.0" encoding="utf-8"?>
+<p:cmAuthorLst xmlns:a="http://schemas.openxmlformats.org/drawingml/2006/main" xmlns:r="http://schemas.openxmlformats.org/officeDocument/2006/relationships" xmlns:p="http://schemas.openxmlformats.org/presentationml/2006/main">
+  <p:cmAuthor id="1" name="Sharker, Yushuf" initials="SY" lastIdx="2" clrIdx="0">
+    <p:extLst>
+      <p:ext uri="{19B8F6BF-5375-455C-9EA6-DF929625EA0E}">
+        <p15:presenceInfo xmlns:p15="http://schemas.microsoft.com/office/powerpoint/2012/main" userId="S::yushuf.sharker@yale.edu::394c41d4-37e4-4ca3-82e9-d4320b4a0eaa" providerId="AD"/>
+      </p:ext>
+    </p:extLst>
+  </p:cmAuthor>
+</p:cmAuthorLst>
+</file>
+
+<file path=ppt/comments/comment1.xml><?xml version="1.0" encoding="utf-8"?>
+<p:cmLst xmlns:a="http://schemas.openxmlformats.org/drawingml/2006/main" xmlns:r="http://schemas.openxmlformats.org/officeDocument/2006/relationships" xmlns:p="http://schemas.openxmlformats.org/presentationml/2006/main">
+  <p:cm authorId="1" dt="2020-06-24T16:09:23.322" idx="1">
+    <p:pos x="751" y="610"/>
+    <p:text>Always try to keep the same layout as the first slide. too much deviation makes the presentation distracting. Please follow the example of the third slide. Also You have scope of adding more informationtin in this slide.</p:text>
+    <p:extLst>
+      <p:ext uri="{C676402C-5697-4E1C-873F-D02D1690AC5C}">
+        <p15:threadingInfo xmlns:p15="http://schemas.microsoft.com/office/powerpoint/2012/main" timeZoneBias="240"/>
+      </p:ext>
+    </p:extLst>
+  </p:cm>
+</p:cmLst>
+</file>
+
+<file path=ppt/comments/comment2.xml><?xml version="1.0" encoding="utf-8"?>
+<p:cmLst xmlns:a="http://schemas.openxmlformats.org/drawingml/2006/main" xmlns:r="http://schemas.openxmlformats.org/officeDocument/2006/relationships" xmlns:p="http://schemas.openxmlformats.org/presentationml/2006/main">
+  <p:cm authorId="1" dt="2020-06-24T16:12:08.962" idx="2">
+    <p:pos x="10" y="10"/>
+    <p:text>Same as comments in slide 4</p:text>
+    <p:extLst>
+      <p:ext uri="{C676402C-5697-4E1C-873F-D02D1690AC5C}">
+        <p15:threadingInfo xmlns:p15="http://schemas.microsoft.com/office/powerpoint/2012/main" timeZoneBias="240"/>
+      </p:ext>
+    </p:extLst>
+  </p:cm>
+</p:cmLst>
 </file>
 
 <file path=ppt/diagrams/colors1.xml><?xml version="1.0" encoding="utf-8"?>
@@ -1167,7 +1208,7 @@
             <a:alphaOff val="0"/>
           </a:schemeClr>
         </a:solidFill>
-        <a:ln w="19050" cap="rnd" cmpd="sng" algn="ctr">
+        <a:ln w="12700" cap="flat" cmpd="sng" algn="ctr">
           <a:solidFill>
             <a:schemeClr val="lt1">
               <a:hueOff val="0"/>
@@ -1177,6 +1218,7 @@
             </a:schemeClr>
           </a:solidFill>
           <a:prstDash val="solid"/>
+          <a:miter lim="800000"/>
         </a:ln>
         <a:effectLst/>
       </dsp:spPr>
@@ -1249,13 +1291,13 @@
         </a:prstGeom>
         <a:solidFill>
           <a:schemeClr val="accent5">
-            <a:hueOff val="3118619"/>
-            <a:satOff val="-2006"/>
-            <a:lumOff val="1372"/>
+            <a:hueOff val="-3379271"/>
+            <a:satOff val="-8710"/>
+            <a:lumOff val="-5883"/>
             <a:alphaOff val="0"/>
           </a:schemeClr>
         </a:solidFill>
-        <a:ln w="19050" cap="rnd" cmpd="sng" algn="ctr">
+        <a:ln w="12700" cap="flat" cmpd="sng" algn="ctr">
           <a:solidFill>
             <a:schemeClr val="lt1">
               <a:hueOff val="0"/>
@@ -1265,6 +1307,7 @@
             </a:schemeClr>
           </a:solidFill>
           <a:prstDash val="solid"/>
+          <a:miter lim="800000"/>
         </a:ln>
         <a:effectLst/>
       </dsp:spPr>
@@ -1337,13 +1380,13 @@
         </a:prstGeom>
         <a:solidFill>
           <a:schemeClr val="accent5">
-            <a:hueOff val="6237238"/>
-            <a:satOff val="-4013"/>
-            <a:lumOff val="2744"/>
+            <a:hueOff val="-6758543"/>
+            <a:satOff val="-17419"/>
+            <a:lumOff val="-11765"/>
             <a:alphaOff val="0"/>
           </a:schemeClr>
         </a:solidFill>
-        <a:ln w="19050" cap="rnd" cmpd="sng" algn="ctr">
+        <a:ln w="12700" cap="flat" cmpd="sng" algn="ctr">
           <a:solidFill>
             <a:schemeClr val="lt1">
               <a:hueOff val="0"/>
@@ -1353,6 +1396,7 @@
             </a:schemeClr>
           </a:solidFill>
           <a:prstDash val="solid"/>
+          <a:miter lim="800000"/>
         </a:ln>
         <a:effectLst/>
       </dsp:spPr>
@@ -2628,7 +2672,13 @@
       </p:grpSpPr>
       <p:sp>
         <p:nvSpPr>
-          <p:cNvPr id="2" name="Title 1"/>
+          <p:cNvPr id="2" name="Title 1">
+            <a:extLst>
+              <a:ext uri="{FF2B5EF4-FFF2-40B4-BE49-F238E27FC236}">
+                <a16:creationId xmlns:a16="http://schemas.microsoft.com/office/drawing/2014/main" id="{8E507925-29FA-4D4E-897F-40A71FC06883}"/>
+              </a:ext>
+            </a:extLst>
+          </p:cNvPr>
           <p:cNvSpPr>
             <a:spLocks noGrp="1"/>
           </p:cNvSpPr>
@@ -2638,15 +2688,15 @@
         </p:nvSpPr>
         <p:spPr>
           <a:xfrm>
-            <a:off x="1154955" y="1447800"/>
-            <a:ext cx="8825658" cy="3329581"/>
+            <a:off x="1524000" y="1122363"/>
+            <a:ext cx="9144000" cy="2387600"/>
           </a:xfrm>
         </p:spPr>
         <p:txBody>
           <a:bodyPr anchor="b"/>
           <a:lstStyle>
-            <a:lvl1pPr>
-              <a:defRPr sz="7200"/>
+            <a:lvl1pPr algn="ctr">
+              <a:defRPr sz="6000"/>
             </a:lvl1pPr>
           </a:lstStyle>
           <a:p>
@@ -2654,13 +2704,18 @@
               <a:rPr lang="en-US"/>
               <a:t>Click to edit Master title style</a:t>
             </a:r>
-            <a:endParaRPr lang="en-US" dirty="0"/>
           </a:p>
         </p:txBody>
       </p:sp>
       <p:sp>
         <p:nvSpPr>
-          <p:cNvPr id="3" name="Subtitle 2"/>
+          <p:cNvPr id="3" name="Subtitle 2">
+            <a:extLst>
+              <a:ext uri="{FF2B5EF4-FFF2-40B4-BE49-F238E27FC236}">
+                <a16:creationId xmlns:a16="http://schemas.microsoft.com/office/drawing/2014/main" id="{84270716-3504-4750-9226-99F33BA59345}"/>
+              </a:ext>
+            </a:extLst>
+          </p:cNvPr>
           <p:cNvSpPr>
             <a:spLocks noGrp="1"/>
           </p:cNvSpPr>
@@ -2670,103 +2725,48 @@
         </p:nvSpPr>
         <p:spPr>
           <a:xfrm>
-            <a:off x="1154955" y="4777380"/>
-            <a:ext cx="8825658" cy="861420"/>
+            <a:off x="1524000" y="3602038"/>
+            <a:ext cx="9144000" cy="1655762"/>
           </a:xfrm>
         </p:spPr>
         <p:txBody>
-          <a:bodyPr anchor="t"/>
+          <a:bodyPr/>
           <a:lstStyle>
-            <a:lvl1pPr marL="0" indent="0" algn="l">
+            <a:lvl1pPr marL="0" indent="0" algn="ctr">
               <a:buNone/>
-              <a:defRPr cap="all">
-                <a:solidFill>
-                  <a:schemeClr val="bg2">
-                    <a:lumMod val="40000"/>
-                    <a:lumOff val="60000"/>
-                  </a:schemeClr>
-                </a:solidFill>
-              </a:defRPr>
+              <a:defRPr sz="2400"/>
             </a:lvl1pPr>
             <a:lvl2pPr marL="457200" indent="0" algn="ctr">
               <a:buNone/>
-              <a:defRPr>
-                <a:solidFill>
-                  <a:schemeClr val="tx1">
-                    <a:tint val="75000"/>
-                  </a:schemeClr>
-                </a:solidFill>
-              </a:defRPr>
+              <a:defRPr sz="2000"/>
             </a:lvl2pPr>
             <a:lvl3pPr marL="914400" indent="0" algn="ctr">
               <a:buNone/>
-              <a:defRPr>
-                <a:solidFill>
-                  <a:schemeClr val="tx1">
-                    <a:tint val="75000"/>
-                  </a:schemeClr>
-                </a:solidFill>
-              </a:defRPr>
+              <a:defRPr sz="1800"/>
             </a:lvl3pPr>
             <a:lvl4pPr marL="1371600" indent="0" algn="ctr">
               <a:buNone/>
-              <a:defRPr>
-                <a:solidFill>
-                  <a:schemeClr val="tx1">
-                    <a:tint val="75000"/>
-                  </a:schemeClr>
-                </a:solidFill>
-              </a:defRPr>
+              <a:defRPr sz="1600"/>
             </a:lvl4pPr>
             <a:lvl5pPr marL="1828800" indent="0" algn="ctr">
               <a:buNone/>
-              <a:defRPr>
-                <a:solidFill>
-                  <a:schemeClr val="tx1">
-                    <a:tint val="75000"/>
-                  </a:schemeClr>
-                </a:solidFill>
-              </a:defRPr>
+              <a:defRPr sz="1600"/>
             </a:lvl5pPr>
             <a:lvl6pPr marL="2286000" indent="0" algn="ctr">
               <a:buNone/>
-              <a:defRPr>
-                <a:solidFill>
-                  <a:schemeClr val="tx1">
-                    <a:tint val="75000"/>
-                  </a:schemeClr>
-                </a:solidFill>
-              </a:defRPr>
+              <a:defRPr sz="1600"/>
             </a:lvl6pPr>
             <a:lvl7pPr marL="2743200" indent="0" algn="ctr">
               <a:buNone/>
-              <a:defRPr>
-                <a:solidFill>
-                  <a:schemeClr val="tx1">
-                    <a:tint val="75000"/>
-                  </a:schemeClr>
-                </a:solidFill>
-              </a:defRPr>
+              <a:defRPr sz="1600"/>
             </a:lvl7pPr>
             <a:lvl8pPr marL="3200400" indent="0" algn="ctr">
               <a:buNone/>
-              <a:defRPr>
-                <a:solidFill>
-                  <a:schemeClr val="tx1">
-                    <a:tint val="75000"/>
-                  </a:schemeClr>
-                </a:solidFill>
-              </a:defRPr>
+              <a:defRPr sz="1600"/>
             </a:lvl8pPr>
             <a:lvl9pPr marL="3657600" indent="0" algn="ctr">
               <a:buNone/>
-              <a:defRPr>
-                <a:solidFill>
-                  <a:schemeClr val="tx1">
-                    <a:tint val="75000"/>
-                  </a:schemeClr>
-                </a:solidFill>
-              </a:defRPr>
+              <a:defRPr sz="1600"/>
             </a:lvl9pPr>
           </a:lstStyle>
           <a:p>
@@ -2774,13 +2774,18 @@
               <a:rPr lang="en-US"/>
               <a:t>Click to edit Master subtitle style</a:t>
             </a:r>
-            <a:endParaRPr lang="en-US" dirty="0"/>
           </a:p>
         </p:txBody>
       </p:sp>
       <p:sp>
         <p:nvSpPr>
-          <p:cNvPr id="4" name="Date Placeholder 3"/>
+          <p:cNvPr id="4" name="Date Placeholder 3">
+            <a:extLst>
+              <a:ext uri="{FF2B5EF4-FFF2-40B4-BE49-F238E27FC236}">
+                <a16:creationId xmlns:a16="http://schemas.microsoft.com/office/drawing/2014/main" id="{D48DDE91-E3E6-4EEA-AE45-F160422552A8}"/>
+              </a:ext>
+            </a:extLst>
+          </p:cNvPr>
           <p:cNvSpPr>
             <a:spLocks noGrp="1"/>
           </p:cNvSpPr>
@@ -2795,7 +2800,7 @@
           <a:p>
             <a:fld id="{F4C6FC4E-C84B-4657-97FD-F4C92E31B913}" type="datetimeFigureOut">
               <a:rPr lang="en-US" smtClean="0"/>
-              <a:t>6/25/2020</a:t>
+              <a:t>6/24/2020</a:t>
             </a:fld>
             <a:endParaRPr lang="en-US"/>
           </a:p>
@@ -2803,7 +2808,13 @@
       </p:sp>
       <p:sp>
         <p:nvSpPr>
-          <p:cNvPr id="5" name="Footer Placeholder 4"/>
+          <p:cNvPr id="5" name="Footer Placeholder 4">
+            <a:extLst>
+              <a:ext uri="{FF2B5EF4-FFF2-40B4-BE49-F238E27FC236}">
+                <a16:creationId xmlns:a16="http://schemas.microsoft.com/office/drawing/2014/main" id="{93DACA69-2B1C-46AC-91F2-66C0ABE0A14A}"/>
+              </a:ext>
+            </a:extLst>
+          </p:cNvPr>
           <p:cNvSpPr>
             <a:spLocks noGrp="1"/>
           </p:cNvSpPr>
@@ -2822,7 +2833,13 @@
       </p:sp>
       <p:sp>
         <p:nvSpPr>
-          <p:cNvPr id="6" name="Slide Number Placeholder 5"/>
+          <p:cNvPr id="6" name="Slide Number Placeholder 5">
+            <a:extLst>
+              <a:ext uri="{FF2B5EF4-FFF2-40B4-BE49-F238E27FC236}">
+                <a16:creationId xmlns:a16="http://schemas.microsoft.com/office/drawing/2014/main" id="{70B0E9A0-9540-47E0-8C28-0D32B9ED5AB8}"/>
+              </a:ext>
+            </a:extLst>
+          </p:cNvPr>
           <p:cNvSpPr>
             <a:spLocks noGrp="1"/>
           </p:cNvSpPr>
@@ -2846,7 +2863,7 @@
     </p:spTree>
     <p:extLst>
       <p:ext uri="{BB962C8B-B14F-4D97-AF65-F5344CB8AC3E}">
-        <p14:creationId xmlns:p14="http://schemas.microsoft.com/office/powerpoint/2010/main" val="339968265"/>
+        <p14:creationId xmlns:p14="http://schemas.microsoft.com/office/powerpoint/2010/main" val="2202089768"/>
       </p:ext>
     </p:extLst>
   </p:cSld>
@@ -2857,8 +2874,8 @@
 </file>
 
 <file path=ppt/slideLayouts/slideLayout10.xml><?xml version="1.0" encoding="utf-8"?>
-<p:sldLayout xmlns:a="http://schemas.openxmlformats.org/drawingml/2006/main" xmlns:r="http://schemas.openxmlformats.org/officeDocument/2006/relationships" xmlns:p="http://schemas.openxmlformats.org/presentationml/2006/main" preserve="1">
-  <p:cSld name="Panoramic Picture with Caption">
+<p:sldLayout xmlns:a="http://schemas.openxmlformats.org/drawingml/2006/main" xmlns:r="http://schemas.openxmlformats.org/officeDocument/2006/relationships" xmlns:p="http://schemas.openxmlformats.org/presentationml/2006/main" type="vertTx" preserve="1">
+  <p:cSld name="Title and Vertical Text">
     <p:spTree>
       <p:nvGrpSpPr>
         <p:cNvPr id="1" name=""/>
@@ -2875,7 +2892,13 @@
       </p:grpSpPr>
       <p:sp>
         <p:nvSpPr>
-          <p:cNvPr id="2" name="Title 1"/>
+          <p:cNvPr id="2" name="Title 1">
+            <a:extLst>
+              <a:ext uri="{FF2B5EF4-FFF2-40B4-BE49-F238E27FC236}">
+                <a16:creationId xmlns:a16="http://schemas.microsoft.com/office/drawing/2014/main" id="{EFBD8E7A-B0CA-45A7-9335-8A382415BB10}"/>
+              </a:ext>
+            </a:extLst>
+          </p:cNvPr>
           <p:cNvSpPr>
             <a:spLocks noGrp="1"/>
           </p:cNvSpPr>
@@ -2883,179 +2906,84 @@
             <p:ph type="title"/>
           </p:nvPr>
         </p:nvSpPr>
-        <p:spPr>
-          <a:xfrm>
-            <a:off x="1154956" y="4800587"/>
-            <a:ext cx="8825657" cy="566738"/>
-          </a:xfrm>
-        </p:spPr>
+        <p:spPr/>
         <p:txBody>
-          <a:bodyPr anchor="b">
-            <a:normAutofit/>
-          </a:bodyPr>
-          <a:lstStyle>
-            <a:lvl1pPr algn="l">
-              <a:defRPr sz="2400" b="0"/>
-            </a:lvl1pPr>
-          </a:lstStyle>
+          <a:bodyPr/>
+          <a:lstStyle/>
           <a:p>
             <a:r>
               <a:rPr lang="en-US"/>
               <a:t>Click to edit Master title style</a:t>
             </a:r>
-            <a:endParaRPr lang="en-US" dirty="0"/>
           </a:p>
         </p:txBody>
       </p:sp>
       <p:sp>
         <p:nvSpPr>
-          <p:cNvPr id="3" name="Picture Placeholder 2"/>
+          <p:cNvPr id="3" name="Vertical Text Placeholder 2">
+            <a:extLst>
+              <a:ext uri="{FF2B5EF4-FFF2-40B4-BE49-F238E27FC236}">
+                <a16:creationId xmlns:a16="http://schemas.microsoft.com/office/drawing/2014/main" id="{CF88C9B9-C0E6-4EE5-B4AA-AE821C12E680}"/>
+              </a:ext>
+            </a:extLst>
+          </p:cNvPr>
           <p:cNvSpPr>
-            <a:spLocks noGrp="1" noChangeAspect="1"/>
+            <a:spLocks noGrp="1"/>
           </p:cNvSpPr>
           <p:nvPr>
-            <p:ph type="pic" idx="1"/>
+            <p:ph type="body" orient="vert" idx="1"/>
           </p:nvPr>
         </p:nvSpPr>
-        <p:spPr>
-          <a:xfrm>
-            <a:off x="1154955" y="685800"/>
-            <a:ext cx="8825658" cy="3640666"/>
-          </a:xfrm>
-          <a:prstGeom prst="roundRect">
-            <a:avLst>
-              <a:gd name="adj" fmla="val 1858"/>
-            </a:avLst>
-          </a:prstGeom>
-          <a:effectLst>
-            <a:outerShdw blurRad="50800" dist="50800" dir="5400000" algn="tl" rotWithShape="0">
-              <a:srgbClr val="000000">
-                <a:alpha val="43000"/>
-              </a:srgbClr>
-            </a:outerShdw>
-          </a:effectLst>
-        </p:spPr>
+        <p:spPr/>
         <p:txBody>
-          <a:bodyPr anchor="t">
-            <a:normAutofit/>
-          </a:bodyPr>
-          <a:lstStyle>
-            <a:lvl1pPr marL="0" indent="0" algn="ctr">
-              <a:buNone/>
-              <a:defRPr sz="1600"/>
-            </a:lvl1pPr>
-            <a:lvl2pPr marL="457200" indent="0">
-              <a:buNone/>
-              <a:defRPr sz="1600"/>
-            </a:lvl2pPr>
-            <a:lvl3pPr marL="914400" indent="0">
-              <a:buNone/>
-              <a:defRPr sz="1600"/>
-            </a:lvl3pPr>
-            <a:lvl4pPr marL="1371600" indent="0">
-              <a:buNone/>
-              <a:defRPr sz="1600"/>
-            </a:lvl4pPr>
-            <a:lvl5pPr marL="1828800" indent="0">
-              <a:buNone/>
-              <a:defRPr sz="1600"/>
-            </a:lvl5pPr>
-            <a:lvl6pPr marL="2286000" indent="0">
-              <a:buNone/>
-              <a:defRPr sz="1600"/>
-            </a:lvl6pPr>
-            <a:lvl7pPr marL="2743200" indent="0">
-              <a:buNone/>
-              <a:defRPr sz="1600"/>
-            </a:lvl7pPr>
-            <a:lvl8pPr marL="3200400" indent="0">
-              <a:buNone/>
-              <a:defRPr sz="1600"/>
-            </a:lvl8pPr>
-            <a:lvl9pPr marL="3657600" indent="0">
-              <a:buNone/>
-              <a:defRPr sz="1600"/>
-            </a:lvl9pPr>
-          </a:lstStyle>
-          <a:p>
+          <a:bodyPr vert="eaVert"/>
+          <a:lstStyle/>
+          <a:p>
+            <a:pPr lvl="0"/>
             <a:r>
               <a:rPr lang="en-US"/>
-              <a:t>Click icon to add picture</a:t>
-            </a:r>
-            <a:endParaRPr lang="en-US" dirty="0"/>
+              <a:t>Click to edit Master text styles</a:t>
+            </a:r>
+          </a:p>
+          <a:p>
+            <a:pPr lvl="1"/>
+            <a:r>
+              <a:rPr lang="en-US"/>
+              <a:t>Second level</a:t>
+            </a:r>
+          </a:p>
+          <a:p>
+            <a:pPr lvl="2"/>
+            <a:r>
+              <a:rPr lang="en-US"/>
+              <a:t>Third level</a:t>
+            </a:r>
+          </a:p>
+          <a:p>
+            <a:pPr lvl="3"/>
+            <a:r>
+              <a:rPr lang="en-US"/>
+              <a:t>Fourth level</a:t>
+            </a:r>
+          </a:p>
+          <a:p>
+            <a:pPr lvl="4"/>
+            <a:r>
+              <a:rPr lang="en-US"/>
+              <a:t>Fifth level</a:t>
+            </a:r>
           </a:p>
         </p:txBody>
       </p:sp>
       <p:sp>
         <p:nvSpPr>
-          <p:cNvPr id="4" name="Text Placeholder 3"/>
-          <p:cNvSpPr>
-            <a:spLocks noGrp="1"/>
-          </p:cNvSpPr>
-          <p:nvPr>
-            <p:ph type="body" sz="half" idx="2"/>
-          </p:nvPr>
-        </p:nvSpPr>
-        <p:spPr>
-          <a:xfrm>
-            <a:off x="1154956" y="5367325"/>
-            <a:ext cx="8825656" cy="493712"/>
-          </a:xfrm>
-        </p:spPr>
-        <p:txBody>
-          <a:bodyPr>
-            <a:normAutofit/>
-          </a:bodyPr>
-          <a:lstStyle>
-            <a:lvl1pPr marL="0" indent="0">
-              <a:buNone/>
-              <a:defRPr sz="1200"/>
-            </a:lvl1pPr>
-            <a:lvl2pPr marL="457200" indent="0">
-              <a:buNone/>
-              <a:defRPr sz="1200"/>
-            </a:lvl2pPr>
-            <a:lvl3pPr marL="914400" indent="0">
-              <a:buNone/>
-              <a:defRPr sz="1000"/>
-            </a:lvl3pPr>
-            <a:lvl4pPr marL="1371600" indent="0">
-              <a:buNone/>
-              <a:defRPr sz="900"/>
-            </a:lvl4pPr>
-            <a:lvl5pPr marL="1828800" indent="0">
-              <a:buNone/>
-              <a:defRPr sz="900"/>
-            </a:lvl5pPr>
-            <a:lvl6pPr marL="2286000" indent="0">
-              <a:buNone/>
-              <a:defRPr sz="900"/>
-            </a:lvl6pPr>
-            <a:lvl7pPr marL="2743200" indent="0">
-              <a:buNone/>
-              <a:defRPr sz="900"/>
-            </a:lvl7pPr>
-            <a:lvl8pPr marL="3200400" indent="0">
-              <a:buNone/>
-              <a:defRPr sz="900"/>
-            </a:lvl8pPr>
-            <a:lvl9pPr marL="3657600" indent="0">
-              <a:buNone/>
-              <a:defRPr sz="900"/>
-            </a:lvl9pPr>
-          </a:lstStyle>
-          <a:p>
-            <a:pPr lvl="0"/>
-            <a:r>
-              <a:rPr lang="en-US"/>
-              <a:t>Click to edit Master text styles</a:t>
-            </a:r>
-          </a:p>
-        </p:txBody>
-      </p:sp>
-      <p:sp>
-        <p:nvSpPr>
-          <p:cNvPr id="5" name="Date Placeholder 4"/>
+          <p:cNvPr id="4" name="Date Placeholder 3">
+            <a:extLst>
+              <a:ext uri="{FF2B5EF4-FFF2-40B4-BE49-F238E27FC236}">
+                <a16:creationId xmlns:a16="http://schemas.microsoft.com/office/drawing/2014/main" id="{56AB3B29-7D45-4DBB-BF80-C7A4FF621DCA}"/>
+              </a:ext>
+            </a:extLst>
+          </p:cNvPr>
           <p:cNvSpPr>
             <a:spLocks noGrp="1"/>
           </p:cNvSpPr>
@@ -3070,7 +2998,7 @@
           <a:p>
             <a:fld id="{F4C6FC4E-C84B-4657-97FD-F4C92E31B913}" type="datetimeFigureOut">
               <a:rPr lang="en-US" smtClean="0"/>
-              <a:t>6/25/2020</a:t>
+              <a:t>6/24/2020</a:t>
             </a:fld>
             <a:endParaRPr lang="en-US"/>
           </a:p>
@@ -3078,7 +3006,13 @@
       </p:sp>
       <p:sp>
         <p:nvSpPr>
-          <p:cNvPr id="6" name="Footer Placeholder 5"/>
+          <p:cNvPr id="5" name="Footer Placeholder 4">
+            <a:extLst>
+              <a:ext uri="{FF2B5EF4-FFF2-40B4-BE49-F238E27FC236}">
+                <a16:creationId xmlns:a16="http://schemas.microsoft.com/office/drawing/2014/main" id="{18B4FEF9-2DD0-49C2-8E1B-3BC92E1F81D5}"/>
+              </a:ext>
+            </a:extLst>
+          </p:cNvPr>
           <p:cNvSpPr>
             <a:spLocks noGrp="1"/>
           </p:cNvSpPr>
@@ -3097,7 +3031,13 @@
       </p:sp>
       <p:sp>
         <p:nvSpPr>
-          <p:cNvPr id="7" name="Slide Number Placeholder 6"/>
+          <p:cNvPr id="6" name="Slide Number Placeholder 5">
+            <a:extLst>
+              <a:ext uri="{FF2B5EF4-FFF2-40B4-BE49-F238E27FC236}">
+                <a16:creationId xmlns:a16="http://schemas.microsoft.com/office/drawing/2014/main" id="{4C52D5D9-3867-4C72-A466-3E945AB17301}"/>
+              </a:ext>
+            </a:extLst>
+          </p:cNvPr>
           <p:cNvSpPr>
             <a:spLocks noGrp="1"/>
           </p:cNvSpPr>
@@ -3121,7 +3061,7 @@
     </p:spTree>
     <p:extLst>
       <p:ext uri="{BB962C8B-B14F-4D97-AF65-F5344CB8AC3E}">
-        <p14:creationId xmlns:p14="http://schemas.microsoft.com/office/powerpoint/2010/main" val="2372469524"/>
+        <p14:creationId xmlns:p14="http://schemas.microsoft.com/office/powerpoint/2010/main" val="3345479789"/>
       </p:ext>
     </p:extLst>
   </p:cSld>
@@ -3132,8 +3072,8 @@
 </file>
 
 <file path=ppt/slideLayouts/slideLayout11.xml><?xml version="1.0" encoding="utf-8"?>
-<p:sldLayout xmlns:a="http://schemas.openxmlformats.org/drawingml/2006/main" xmlns:r="http://schemas.openxmlformats.org/officeDocument/2006/relationships" xmlns:p="http://schemas.openxmlformats.org/presentationml/2006/main" preserve="1">
-  <p:cSld name="Title and Caption">
+<p:sldLayout xmlns:a="http://schemas.openxmlformats.org/drawingml/2006/main" xmlns:r="http://schemas.openxmlformats.org/officeDocument/2006/relationships" xmlns:p="http://schemas.openxmlformats.org/presentationml/2006/main" type="vertTitleAndTx" preserve="1">
+  <p:cSld name="Vertical Title and Text">
     <p:spTree>
       <p:nvGrpSpPr>
         <p:cNvPr id="1" name=""/>
@@ -3150,106 +3090,108 @@
       </p:grpSpPr>
       <p:sp>
         <p:nvSpPr>
-          <p:cNvPr id="2" name="Title 1"/>
+          <p:cNvPr id="2" name="Vertical Title 1">
+            <a:extLst>
+              <a:ext uri="{FF2B5EF4-FFF2-40B4-BE49-F238E27FC236}">
+                <a16:creationId xmlns:a16="http://schemas.microsoft.com/office/drawing/2014/main" id="{6F56E181-91E1-4545-A666-5F6342B4043D}"/>
+              </a:ext>
+            </a:extLst>
+          </p:cNvPr>
           <p:cNvSpPr>
             <a:spLocks noGrp="1"/>
           </p:cNvSpPr>
           <p:nvPr>
-            <p:ph type="title"/>
+            <p:ph type="title" orient="vert"/>
           </p:nvPr>
         </p:nvSpPr>
         <p:spPr>
           <a:xfrm>
-            <a:off x="1154954" y="1447800"/>
-            <a:ext cx="8825659" cy="1981200"/>
+            <a:off x="8724900" y="365125"/>
+            <a:ext cx="2628900" cy="5811838"/>
           </a:xfrm>
         </p:spPr>
         <p:txBody>
-          <a:bodyPr/>
-          <a:lstStyle>
-            <a:lvl1pPr>
-              <a:defRPr sz="4800"/>
-            </a:lvl1pPr>
-          </a:lstStyle>
+          <a:bodyPr vert="eaVert"/>
+          <a:lstStyle/>
           <a:p>
             <a:r>
               <a:rPr lang="en-US"/>
               <a:t>Click to edit Master title style</a:t>
             </a:r>
-            <a:endParaRPr lang="en-US" dirty="0"/>
           </a:p>
         </p:txBody>
       </p:sp>
       <p:sp>
         <p:nvSpPr>
-          <p:cNvPr id="8" name="Text Placeholder 3"/>
+          <p:cNvPr id="3" name="Vertical Text Placeholder 2">
+            <a:extLst>
+              <a:ext uri="{FF2B5EF4-FFF2-40B4-BE49-F238E27FC236}">
+                <a16:creationId xmlns:a16="http://schemas.microsoft.com/office/drawing/2014/main" id="{E75AFF13-7725-4FF9-A183-65E998DAA90B}"/>
+              </a:ext>
+            </a:extLst>
+          </p:cNvPr>
           <p:cNvSpPr>
             <a:spLocks noGrp="1"/>
           </p:cNvSpPr>
           <p:nvPr>
-            <p:ph type="body" sz="half" idx="2"/>
+            <p:ph type="body" orient="vert" idx="1"/>
           </p:nvPr>
         </p:nvSpPr>
         <p:spPr>
           <a:xfrm>
-            <a:off x="1154954" y="3657600"/>
-            <a:ext cx="8825659" cy="2362200"/>
+            <a:off x="838200" y="365125"/>
+            <a:ext cx="7734300" cy="5811838"/>
           </a:xfrm>
         </p:spPr>
         <p:txBody>
-          <a:bodyPr anchor="ctr">
-            <a:normAutofit/>
-          </a:bodyPr>
-          <a:lstStyle>
-            <a:lvl1pPr marL="0" indent="0">
-              <a:buNone/>
-              <a:defRPr sz="1800"/>
-            </a:lvl1pPr>
-            <a:lvl2pPr marL="457200" indent="0">
-              <a:buNone/>
-              <a:defRPr sz="1200"/>
-            </a:lvl2pPr>
-            <a:lvl3pPr marL="914400" indent="0">
-              <a:buNone/>
-              <a:defRPr sz="1000"/>
-            </a:lvl3pPr>
-            <a:lvl4pPr marL="1371600" indent="0">
-              <a:buNone/>
-              <a:defRPr sz="900"/>
-            </a:lvl4pPr>
-            <a:lvl5pPr marL="1828800" indent="0">
-              <a:buNone/>
-              <a:defRPr sz="900"/>
-            </a:lvl5pPr>
-            <a:lvl6pPr marL="2286000" indent="0">
-              <a:buNone/>
-              <a:defRPr sz="900"/>
-            </a:lvl6pPr>
-            <a:lvl7pPr marL="2743200" indent="0">
-              <a:buNone/>
-              <a:defRPr sz="900"/>
-            </a:lvl7pPr>
-            <a:lvl8pPr marL="3200400" indent="0">
-              <a:buNone/>
-              <a:defRPr sz="900"/>
-            </a:lvl8pPr>
-            <a:lvl9pPr marL="3657600" indent="0">
-              <a:buNone/>
-              <a:defRPr sz="900"/>
-            </a:lvl9pPr>
-          </a:lstStyle>
+          <a:bodyPr vert="eaVert"/>
+          <a:lstStyle/>
           <a:p>
             <a:pPr lvl="0"/>
             <a:r>
               <a:rPr lang="en-US"/>
               <a:t>Click to edit Master text styles</a:t>
+            </a:r>
+          </a:p>
+          <a:p>
+            <a:pPr lvl="1"/>
+            <a:r>
+              <a:rPr lang="en-US"/>
+              <a:t>Second level</a:t>
+            </a:r>
+          </a:p>
+          <a:p>
+            <a:pPr lvl="2"/>
+            <a:r>
+              <a:rPr lang="en-US"/>
+              <a:t>Third level</a:t>
+            </a:r>
+          </a:p>
+          <a:p>
+            <a:pPr lvl="3"/>
+            <a:r>
+              <a:rPr lang="en-US"/>
+              <a:t>Fourth level</a:t>
+            </a:r>
+          </a:p>
+          <a:p>
+            <a:pPr lvl="4"/>
+            <a:r>
+              <a:rPr lang="en-US"/>
+              <a:t>Fifth level</a:t>
             </a:r>
           </a:p>
         </p:txBody>
       </p:sp>
       <p:sp>
         <p:nvSpPr>
-          <p:cNvPr id="4" name="Date Placeholder 3"/>
+          <p:cNvPr id="4" name="Date Placeholder 3">
+            <a:extLst>
+              <a:ext uri="{FF2B5EF4-FFF2-40B4-BE49-F238E27FC236}">
+                <a16:creationId xmlns:a16="http://schemas.microsoft.com/office/drawing/2014/main" id="{DB78F3D1-8D77-4519-BFE7-371F2756F5AB}"/>
+              </a:ext>
+            </a:extLst>
+          </p:cNvPr>
           <p:cNvSpPr>
             <a:spLocks noGrp="1"/>
           </p:cNvSpPr>
@@ -3264,7 +3206,7 @@
           <a:p>
             <a:fld id="{F4C6FC4E-C84B-4657-97FD-F4C92E31B913}" type="datetimeFigureOut">
               <a:rPr lang="en-US" smtClean="0"/>
-              <a:t>6/25/2020</a:t>
+              <a:t>6/24/2020</a:t>
             </a:fld>
             <a:endParaRPr lang="en-US"/>
           </a:p>
@@ -3272,7 +3214,13 @@
       </p:sp>
       <p:sp>
         <p:nvSpPr>
-          <p:cNvPr id="5" name="Footer Placeholder 4"/>
+          <p:cNvPr id="5" name="Footer Placeholder 4">
+            <a:extLst>
+              <a:ext uri="{FF2B5EF4-FFF2-40B4-BE49-F238E27FC236}">
+                <a16:creationId xmlns:a16="http://schemas.microsoft.com/office/drawing/2014/main" id="{00D6640D-CC48-4F57-863A-771232C9963C}"/>
+              </a:ext>
+            </a:extLst>
+          </p:cNvPr>
           <p:cNvSpPr>
             <a:spLocks noGrp="1"/>
           </p:cNvSpPr>
@@ -3291,7 +3239,13 @@
       </p:sp>
       <p:sp>
         <p:nvSpPr>
-          <p:cNvPr id="6" name="Slide Number Placeholder 5"/>
+          <p:cNvPr id="6" name="Slide Number Placeholder 5">
+            <a:extLst>
+              <a:ext uri="{FF2B5EF4-FFF2-40B4-BE49-F238E27FC236}">
+                <a16:creationId xmlns:a16="http://schemas.microsoft.com/office/drawing/2014/main" id="{CF8FFA66-0B68-4360-9118-150C200E4F7B}"/>
+              </a:ext>
+            </a:extLst>
+          </p:cNvPr>
           <p:cNvSpPr>
             <a:spLocks noGrp="1"/>
           </p:cNvSpPr>
@@ -3315,7 +3269,7 @@
     </p:spTree>
     <p:extLst>
       <p:ext uri="{BB962C8B-B14F-4D97-AF65-F5344CB8AC3E}">
-        <p14:creationId xmlns:p14="http://schemas.microsoft.com/office/powerpoint/2010/main" val="901414507"/>
+        <p14:creationId xmlns:p14="http://schemas.microsoft.com/office/powerpoint/2010/main" val="660714564"/>
       </p:ext>
     </p:extLst>
   </p:cSld>
@@ -3325,9 +3279,9 @@
 </p:sldLayout>
 </file>
 
-<file path=ppt/slideLayouts/slideLayout12.xml><?xml version="1.0" encoding="utf-8"?>
-<p:sldLayout xmlns:a="http://schemas.openxmlformats.org/drawingml/2006/main" xmlns:r="http://schemas.openxmlformats.org/officeDocument/2006/relationships" xmlns:p="http://schemas.openxmlformats.org/presentationml/2006/main" preserve="1">
-  <p:cSld name="Quote with Caption">
+<file path=ppt/slideLayouts/slideLayout2.xml><?xml version="1.0" encoding="utf-8"?>
+<p:sldLayout xmlns:a="http://schemas.openxmlformats.org/drawingml/2006/main" xmlns:r="http://schemas.openxmlformats.org/officeDocument/2006/relationships" xmlns:p="http://schemas.openxmlformats.org/presentationml/2006/main" type="obj" preserve="1">
+  <p:cSld name="Title and Content">
     <p:spTree>
       <p:nvGrpSpPr>
         <p:cNvPr id="1" name=""/>
@@ -3344,7 +3298,13 @@
       </p:grpSpPr>
       <p:sp>
         <p:nvSpPr>
-          <p:cNvPr id="2" name="Title 1"/>
+          <p:cNvPr id="2" name="Title 1">
+            <a:extLst>
+              <a:ext uri="{FF2B5EF4-FFF2-40B4-BE49-F238E27FC236}">
+                <a16:creationId xmlns:a16="http://schemas.microsoft.com/office/drawing/2014/main" id="{DFC22AE4-92D1-4D4E-8B23-AD2777A39569}"/>
+              </a:ext>
+            </a:extLst>
+          </p:cNvPr>
           <p:cNvSpPr>
             <a:spLocks noGrp="1"/>
           </p:cNvSpPr>
@@ -3352,177 +3312,84 @@
             <p:ph type="title"/>
           </p:nvPr>
         </p:nvSpPr>
-        <p:spPr>
-          <a:xfrm>
-            <a:off x="1574801" y="1447800"/>
-            <a:ext cx="7999315" cy="2323374"/>
-          </a:xfrm>
-        </p:spPr>
+        <p:spPr/>
         <p:txBody>
           <a:bodyPr/>
-          <a:lstStyle>
-            <a:lvl1pPr>
-              <a:defRPr sz="4800"/>
-            </a:lvl1pPr>
-          </a:lstStyle>
+          <a:lstStyle/>
           <a:p>
             <a:r>
               <a:rPr lang="en-US"/>
               <a:t>Click to edit Master title style</a:t>
             </a:r>
-            <a:endParaRPr lang="en-US" dirty="0"/>
           </a:p>
         </p:txBody>
       </p:sp>
       <p:sp>
         <p:nvSpPr>
-          <p:cNvPr id="11" name="Text Placeholder 3"/>
+          <p:cNvPr id="3" name="Content Placeholder 2">
+            <a:extLst>
+              <a:ext uri="{FF2B5EF4-FFF2-40B4-BE49-F238E27FC236}">
+                <a16:creationId xmlns:a16="http://schemas.microsoft.com/office/drawing/2014/main" id="{772CAA47-1CC8-4A84-9C5D-D1FB7150DE99}"/>
+              </a:ext>
+            </a:extLst>
+          </p:cNvPr>
           <p:cNvSpPr>
             <a:spLocks noGrp="1"/>
           </p:cNvSpPr>
           <p:nvPr>
-            <p:ph type="body" sz="half" idx="14"/>
+            <p:ph idx="1"/>
           </p:nvPr>
         </p:nvSpPr>
-        <p:spPr>
-          <a:xfrm>
-            <a:off x="1930400" y="3771174"/>
-            <a:ext cx="7279649" cy="342174"/>
-          </a:xfrm>
-        </p:spPr>
+        <p:spPr/>
         <p:txBody>
-          <a:bodyPr vert="horz" lIns="91440" tIns="45720" rIns="91440" bIns="45720" rtlCol="0" anchor="t">
-            <a:normAutofit/>
-          </a:bodyPr>
-          <a:lstStyle>
-            <a:lvl1pPr marL="0" indent="0">
-              <a:buNone/>
-              <a:defRPr lang="en-US" sz="1400" b="0" i="0" kern="1200" cap="small" dirty="0">
-                <a:solidFill>
-                  <a:schemeClr val="bg2">
-                    <a:lumMod val="40000"/>
-                    <a:lumOff val="60000"/>
-                  </a:schemeClr>
-                </a:solidFill>
-                <a:latin typeface="+mj-lt"/>
-                <a:ea typeface="+mj-ea"/>
-                <a:cs typeface="+mj-cs"/>
-              </a:defRPr>
-            </a:lvl1pPr>
-            <a:lvl2pPr marL="457200" indent="0">
-              <a:buNone/>
-              <a:defRPr sz="1200"/>
-            </a:lvl2pPr>
-            <a:lvl3pPr marL="914400" indent="0">
-              <a:buNone/>
-              <a:defRPr sz="1000"/>
-            </a:lvl3pPr>
-            <a:lvl4pPr marL="1371600" indent="0">
-              <a:buNone/>
-              <a:defRPr sz="900"/>
-            </a:lvl4pPr>
-            <a:lvl5pPr marL="1828800" indent="0">
-              <a:buNone/>
-              <a:defRPr sz="900"/>
-            </a:lvl5pPr>
-            <a:lvl6pPr marL="2286000" indent="0">
-              <a:buNone/>
-              <a:defRPr sz="900"/>
-            </a:lvl6pPr>
-            <a:lvl7pPr marL="2743200" indent="0">
-              <a:buNone/>
-              <a:defRPr sz="900"/>
-            </a:lvl7pPr>
-            <a:lvl8pPr marL="3200400" indent="0">
-              <a:buNone/>
-              <a:defRPr sz="900"/>
-            </a:lvl8pPr>
-            <a:lvl9pPr marL="3657600" indent="0">
-              <a:buNone/>
-              <a:defRPr sz="900"/>
-            </a:lvl9pPr>
-          </a:lstStyle>
-          <a:p>
-            <a:pPr marL="0" lvl="0" indent="0">
-              <a:buNone/>
-            </a:pPr>
+          <a:bodyPr/>
+          <a:lstStyle/>
+          <a:p>
+            <a:pPr lvl="0"/>
             <a:r>
               <a:rPr lang="en-US"/>
               <a:t>Click to edit Master text styles</a:t>
+            </a:r>
+          </a:p>
+          <a:p>
+            <a:pPr lvl="1"/>
+            <a:r>
+              <a:rPr lang="en-US"/>
+              <a:t>Second level</a:t>
+            </a:r>
+          </a:p>
+          <a:p>
+            <a:pPr lvl="2"/>
+            <a:r>
+              <a:rPr lang="en-US"/>
+              <a:t>Third level</a:t>
+            </a:r>
+          </a:p>
+          <a:p>
+            <a:pPr lvl="3"/>
+            <a:r>
+              <a:rPr lang="en-US"/>
+              <a:t>Fourth level</a:t>
+            </a:r>
+          </a:p>
+          <a:p>
+            <a:pPr lvl="4"/>
+            <a:r>
+              <a:rPr lang="en-US"/>
+              <a:t>Fifth level</a:t>
             </a:r>
           </a:p>
         </p:txBody>
       </p:sp>
       <p:sp>
         <p:nvSpPr>
-          <p:cNvPr id="10" name="Text Placeholder 3"/>
-          <p:cNvSpPr>
-            <a:spLocks noGrp="1"/>
-          </p:cNvSpPr>
-          <p:nvPr>
-            <p:ph type="body" sz="half" idx="2"/>
-          </p:nvPr>
-        </p:nvSpPr>
-        <p:spPr>
-          <a:xfrm>
-            <a:off x="1154954" y="4350657"/>
-            <a:ext cx="8825659" cy="1676400"/>
-          </a:xfrm>
-        </p:spPr>
-        <p:txBody>
-          <a:bodyPr anchor="ctr">
-            <a:normAutofit/>
-          </a:bodyPr>
-          <a:lstStyle>
-            <a:lvl1pPr marL="0" indent="0">
-              <a:buNone/>
-              <a:defRPr sz="1800"/>
-            </a:lvl1pPr>
-            <a:lvl2pPr marL="457200" indent="0">
-              <a:buNone/>
-              <a:defRPr sz="1200"/>
-            </a:lvl2pPr>
-            <a:lvl3pPr marL="914400" indent="0">
-              <a:buNone/>
-              <a:defRPr sz="1000"/>
-            </a:lvl3pPr>
-            <a:lvl4pPr marL="1371600" indent="0">
-              <a:buNone/>
-              <a:defRPr sz="900"/>
-            </a:lvl4pPr>
-            <a:lvl5pPr marL="1828800" indent="0">
-              <a:buNone/>
-              <a:defRPr sz="900"/>
-            </a:lvl5pPr>
-            <a:lvl6pPr marL="2286000" indent="0">
-              <a:buNone/>
-              <a:defRPr sz="900"/>
-            </a:lvl6pPr>
-            <a:lvl7pPr marL="2743200" indent="0">
-              <a:buNone/>
-              <a:defRPr sz="900"/>
-            </a:lvl7pPr>
-            <a:lvl8pPr marL="3200400" indent="0">
-              <a:buNone/>
-              <a:defRPr sz="900"/>
-            </a:lvl8pPr>
-            <a:lvl9pPr marL="3657600" indent="0">
-              <a:buNone/>
-              <a:defRPr sz="900"/>
-            </a:lvl9pPr>
-          </a:lstStyle>
-          <a:p>
-            <a:pPr lvl="0"/>
-            <a:r>
-              <a:rPr lang="en-US"/>
-              <a:t>Click to edit Master text styles</a:t>
-            </a:r>
-          </a:p>
-        </p:txBody>
-      </p:sp>
-      <p:sp>
-        <p:nvSpPr>
-          <p:cNvPr id="4" name="Date Placeholder 3"/>
+          <p:cNvPr id="4" name="Date Placeholder 3">
+            <a:extLst>
+              <a:ext uri="{FF2B5EF4-FFF2-40B4-BE49-F238E27FC236}">
+                <a16:creationId xmlns:a16="http://schemas.microsoft.com/office/drawing/2014/main" id="{6EE260C3-91F8-4327-888D-BC35493A6273}"/>
+              </a:ext>
+            </a:extLst>
+          </p:cNvPr>
           <p:cNvSpPr>
             <a:spLocks noGrp="1"/>
           </p:cNvSpPr>
@@ -3537,7 +3404,7 @@
           <a:p>
             <a:fld id="{F4C6FC4E-C84B-4657-97FD-F4C92E31B913}" type="datetimeFigureOut">
               <a:rPr lang="en-US" smtClean="0"/>
-              <a:t>6/25/2020</a:t>
+              <a:t>6/24/2020</a:t>
             </a:fld>
             <a:endParaRPr lang="en-US"/>
           </a:p>
@@ -3545,7 +3412,13 @@
       </p:sp>
       <p:sp>
         <p:nvSpPr>
-          <p:cNvPr id="5" name="Footer Placeholder 4"/>
+          <p:cNvPr id="5" name="Footer Placeholder 4">
+            <a:extLst>
+              <a:ext uri="{FF2B5EF4-FFF2-40B4-BE49-F238E27FC236}">
+                <a16:creationId xmlns:a16="http://schemas.microsoft.com/office/drawing/2014/main" id="{019AD1E6-CAAB-4928-8CF0-82C9CE4578D5}"/>
+              </a:ext>
+            </a:extLst>
+          </p:cNvPr>
           <p:cNvSpPr>
             <a:spLocks noGrp="1"/>
           </p:cNvSpPr>
@@ -3564,7 +3437,13 @@
       </p:sp>
       <p:sp>
         <p:nvSpPr>
-          <p:cNvPr id="6" name="Slide Number Placeholder 5"/>
+          <p:cNvPr id="6" name="Slide Number Placeholder 5">
+            <a:extLst>
+              <a:ext uri="{FF2B5EF4-FFF2-40B4-BE49-F238E27FC236}">
+                <a16:creationId xmlns:a16="http://schemas.microsoft.com/office/drawing/2014/main" id="{D0CE852F-6F27-44F4-9E45-C29474720C8E}"/>
+              </a:ext>
+            </a:extLst>
+          </p:cNvPr>
           <p:cNvSpPr>
             <a:spLocks noGrp="1"/>
           </p:cNvSpPr>
@@ -3585,104 +3464,10 @@
           </a:p>
         </p:txBody>
       </p:sp>
-      <p:sp>
-        <p:nvSpPr>
-          <p:cNvPr id="12" name="TextBox 11"/>
-          <p:cNvSpPr txBox="1"/>
-          <p:nvPr/>
-        </p:nvSpPr>
-        <p:spPr>
-          <a:xfrm>
-            <a:off x="898295" y="971253"/>
-            <a:ext cx="801912" cy="1969770"/>
-          </a:xfrm>
-          <a:prstGeom prst="rect">
-            <a:avLst/>
-          </a:prstGeom>
-          <a:noFill/>
-        </p:spPr>
-        <p:txBody>
-          <a:bodyPr wrap="square" rtlCol="0">
-            <a:spAutoFit/>
-          </a:bodyPr>
-          <a:lstStyle>
-            <a:defPPr>
-              <a:defRPr lang="en-US"/>
-            </a:defPPr>
-            <a:lvl1pPr algn="r">
-              <a:defRPr sz="12200" b="0" i="0">
-                <a:solidFill>
-                  <a:schemeClr val="bg2">
-                    <a:lumMod val="40000"/>
-                    <a:lumOff val="60000"/>
-                  </a:schemeClr>
-                </a:solidFill>
-                <a:latin typeface="Arial"/>
-                <a:ea typeface="+mj-ea"/>
-                <a:cs typeface="+mj-cs"/>
-              </a:defRPr>
-            </a:lvl1pPr>
-          </a:lstStyle>
-          <a:p>
-            <a:pPr lvl="0"/>
-            <a:r>
-              <a:rPr lang="en-US" dirty="0"/>
-              <a:t>“</a:t>
-            </a:r>
-          </a:p>
-        </p:txBody>
-      </p:sp>
-      <p:sp>
-        <p:nvSpPr>
-          <p:cNvPr id="15" name="TextBox 14"/>
-          <p:cNvSpPr txBox="1"/>
-          <p:nvPr/>
-        </p:nvSpPr>
-        <p:spPr>
-          <a:xfrm>
-            <a:off x="9330490" y="2613787"/>
-            <a:ext cx="801912" cy="1969770"/>
-          </a:xfrm>
-          <a:prstGeom prst="rect">
-            <a:avLst/>
-          </a:prstGeom>
-          <a:noFill/>
-        </p:spPr>
-        <p:txBody>
-          <a:bodyPr wrap="square" rtlCol="0">
-            <a:spAutoFit/>
-          </a:bodyPr>
-          <a:lstStyle>
-            <a:defPPr>
-              <a:defRPr lang="en-US"/>
-            </a:defPPr>
-            <a:lvl1pPr algn="r">
-              <a:defRPr sz="12200" b="0" i="0">
-                <a:solidFill>
-                  <a:schemeClr val="bg2">
-                    <a:lumMod val="40000"/>
-                    <a:lumOff val="60000"/>
-                  </a:schemeClr>
-                </a:solidFill>
-                <a:latin typeface="Arial"/>
-                <a:ea typeface="+mj-ea"/>
-                <a:cs typeface="+mj-cs"/>
-              </a:defRPr>
-            </a:lvl1pPr>
-          </a:lstStyle>
-          <a:p>
-            <a:pPr lvl="0"/>
-            <a:r>
-              <a:rPr lang="en-US" dirty="0"/>
-              <a:t>”</a:t>
-            </a:r>
-          </a:p>
-        </p:txBody>
-      </p:sp>
     </p:spTree>
     <p:extLst>
       <p:ext uri="{BB962C8B-B14F-4D97-AF65-F5344CB8AC3E}">
-        <p14:creationId xmlns:p14="http://schemas.microsoft.com/office/powerpoint/2010/main" val="1842991068"/>
+        <p14:creationId xmlns:p14="http://schemas.microsoft.com/office/powerpoint/2010/main" val="395583048"/>
       </p:ext>
     </p:extLst>
   </p:cSld>
@@ -3692,9 +3477,9 @@
 </p:sldLayout>
 </file>
 
-<file path=ppt/slideLayouts/slideLayout13.xml><?xml version="1.0" encoding="utf-8"?>
-<p:sldLayout xmlns:a="http://schemas.openxmlformats.org/drawingml/2006/main" xmlns:r="http://schemas.openxmlformats.org/officeDocument/2006/relationships" xmlns:p="http://schemas.openxmlformats.org/presentationml/2006/main" preserve="1">
-  <p:cSld name="Name Card">
+<file path=ppt/slideLayouts/slideLayout3.xml><?xml version="1.0" encoding="utf-8"?>
+<p:sldLayout xmlns:a="http://schemas.openxmlformats.org/drawingml/2006/main" xmlns:r="http://schemas.openxmlformats.org/officeDocument/2006/relationships" xmlns:p="http://schemas.openxmlformats.org/presentationml/2006/main" type="secHead" preserve="1">
+  <p:cSld name="Section Header">
     <p:spTree>
       <p:nvGrpSpPr>
         <p:cNvPr id="1" name=""/>
@@ -3711,7 +3496,13 @@
       </p:grpSpPr>
       <p:sp>
         <p:nvSpPr>
-          <p:cNvPr id="2" name="Title 1"/>
+          <p:cNvPr id="2" name="Title 1">
+            <a:extLst>
+              <a:ext uri="{FF2B5EF4-FFF2-40B4-BE49-F238E27FC236}">
+                <a16:creationId xmlns:a16="http://schemas.microsoft.com/office/drawing/2014/main" id="{1528FD2A-6AE4-4195-8334-9245EE805A93}"/>
+              </a:ext>
+            </a:extLst>
+          </p:cNvPr>
           <p:cNvSpPr>
             <a:spLocks noGrp="1"/>
           </p:cNvSpPr>
@@ -3721,15 +3512,15 @@
         </p:nvSpPr>
         <p:spPr>
           <a:xfrm>
-            <a:off x="1154954" y="3124201"/>
-            <a:ext cx="8825660" cy="1653180"/>
+            <a:off x="831850" y="1709738"/>
+            <a:ext cx="10515600" cy="2852737"/>
           </a:xfrm>
         </p:spPr>
         <p:txBody>
           <a:bodyPr anchor="b"/>
           <a:lstStyle>
-            <a:lvl1pPr algn="l">
-              <a:defRPr sz="4000" b="0" cap="none"/>
+            <a:lvl1pPr>
+              <a:defRPr sz="6000"/>
             </a:lvl1pPr>
           </a:lstStyle>
           <a:p>
@@ -3737,13 +3528,18 @@
               <a:rPr lang="en-US"/>
               <a:t>Click to edit Master title style</a:t>
             </a:r>
-            <a:endParaRPr lang="en-US" dirty="0"/>
           </a:p>
         </p:txBody>
       </p:sp>
       <p:sp>
         <p:nvSpPr>
-          <p:cNvPr id="3" name="Text Placeholder 2"/>
+          <p:cNvPr id="3" name="Text Placeholder 2">
+            <a:extLst>
+              <a:ext uri="{FF2B5EF4-FFF2-40B4-BE49-F238E27FC236}">
+                <a16:creationId xmlns:a16="http://schemas.microsoft.com/office/drawing/2014/main" id="{FF5BC7B6-60F5-4FA3-A78A-DD2DC38B4189}"/>
+              </a:ext>
+            </a:extLst>
+          </p:cNvPr>
           <p:cNvSpPr>
             <a:spLocks noGrp="1"/>
           </p:cNvSpPr>
@@ -3753,27 +3549,26 @@
         </p:nvSpPr>
         <p:spPr>
           <a:xfrm>
-            <a:off x="1154954" y="4777381"/>
-            <a:ext cx="8825659" cy="860400"/>
+            <a:off x="831850" y="4589463"/>
+            <a:ext cx="10515600" cy="1500187"/>
           </a:xfrm>
         </p:spPr>
         <p:txBody>
-          <a:bodyPr anchor="t"/>
+          <a:bodyPr/>
           <a:lstStyle>
-            <a:lvl1pPr marL="0" indent="0" algn="l">
+            <a:lvl1pPr marL="0" indent="0">
               <a:buNone/>
-              <a:defRPr sz="2000" cap="none">
+              <a:defRPr sz="2400">
                 <a:solidFill>
-                  <a:schemeClr val="bg2">
-                    <a:lumMod val="40000"/>
-                    <a:lumOff val="60000"/>
+                  <a:schemeClr val="tx1">
+                    <a:tint val="75000"/>
                   </a:schemeClr>
                 </a:solidFill>
               </a:defRPr>
             </a:lvl1pPr>
             <a:lvl2pPr marL="457200" indent="0">
               <a:buNone/>
-              <a:defRPr sz="1800">
+              <a:defRPr sz="2000">
                 <a:solidFill>
                   <a:schemeClr val="tx1">
                     <a:tint val="75000"/>
@@ -3783,7 +3578,7 @@
             </a:lvl2pPr>
             <a:lvl3pPr marL="914400" indent="0">
               <a:buNone/>
-              <a:defRPr sz="1600">
+              <a:defRPr sz="1800">
                 <a:solidFill>
                   <a:schemeClr val="tx1">
                     <a:tint val="75000"/>
@@ -3793,7 +3588,7 @@
             </a:lvl3pPr>
             <a:lvl4pPr marL="1371600" indent="0">
               <a:buNone/>
-              <a:defRPr sz="1400">
+              <a:defRPr sz="1600">
                 <a:solidFill>
                   <a:schemeClr val="tx1">
                     <a:tint val="75000"/>
@@ -3803,7 +3598,7 @@
             </a:lvl4pPr>
             <a:lvl5pPr marL="1828800" indent="0">
               <a:buNone/>
-              <a:defRPr sz="1400">
+              <a:defRPr sz="1600">
                 <a:solidFill>
                   <a:schemeClr val="tx1">
                     <a:tint val="75000"/>
@@ -3813,7 +3608,7 @@
             </a:lvl5pPr>
             <a:lvl6pPr marL="2286000" indent="0">
               <a:buNone/>
-              <a:defRPr sz="1400">
+              <a:defRPr sz="1600">
                 <a:solidFill>
                   <a:schemeClr val="tx1">
                     <a:tint val="75000"/>
@@ -3823,7 +3618,7 @@
             </a:lvl6pPr>
             <a:lvl7pPr marL="2743200" indent="0">
               <a:buNone/>
-              <a:defRPr sz="1400">
+              <a:defRPr sz="1600">
                 <a:solidFill>
                   <a:schemeClr val="tx1">
                     <a:tint val="75000"/>
@@ -3833,7 +3628,7 @@
             </a:lvl7pPr>
             <a:lvl8pPr marL="3200400" indent="0">
               <a:buNone/>
-              <a:defRPr sz="1400">
+              <a:defRPr sz="1600">
                 <a:solidFill>
                   <a:schemeClr val="tx1">
                     <a:tint val="75000"/>
@@ -3843,7 +3638,7 @@
             </a:lvl8pPr>
             <a:lvl9pPr marL="3657600" indent="0">
               <a:buNone/>
-              <a:defRPr sz="1400">
+              <a:defRPr sz="1600">
                 <a:solidFill>
                   <a:schemeClr val="tx1">
                     <a:tint val="75000"/>
@@ -3863,7 +3658,13 @@
       </p:sp>
       <p:sp>
         <p:nvSpPr>
-          <p:cNvPr id="4" name="Date Placeholder 3"/>
+          <p:cNvPr id="4" name="Date Placeholder 3">
+            <a:extLst>
+              <a:ext uri="{FF2B5EF4-FFF2-40B4-BE49-F238E27FC236}">
+                <a16:creationId xmlns:a16="http://schemas.microsoft.com/office/drawing/2014/main" id="{C29B4C5D-0CF2-45D6-B464-2DF60559792B}"/>
+              </a:ext>
+            </a:extLst>
+          </p:cNvPr>
           <p:cNvSpPr>
             <a:spLocks noGrp="1"/>
           </p:cNvSpPr>
@@ -3878,7 +3679,7 @@
           <a:p>
             <a:fld id="{F4C6FC4E-C84B-4657-97FD-F4C92E31B913}" type="datetimeFigureOut">
               <a:rPr lang="en-US" smtClean="0"/>
-              <a:t>6/25/2020</a:t>
+              <a:t>6/24/2020</a:t>
             </a:fld>
             <a:endParaRPr lang="en-US"/>
           </a:p>
@@ -3886,7 +3687,13 @@
       </p:sp>
       <p:sp>
         <p:nvSpPr>
-          <p:cNvPr id="5" name="Footer Placeholder 4"/>
+          <p:cNvPr id="5" name="Footer Placeholder 4">
+            <a:extLst>
+              <a:ext uri="{FF2B5EF4-FFF2-40B4-BE49-F238E27FC236}">
+                <a16:creationId xmlns:a16="http://schemas.microsoft.com/office/drawing/2014/main" id="{186F010E-7272-4575-B2D5-C49596858B64}"/>
+              </a:ext>
+            </a:extLst>
+          </p:cNvPr>
           <p:cNvSpPr>
             <a:spLocks noGrp="1"/>
           </p:cNvSpPr>
@@ -3905,7 +3712,13 @@
       </p:sp>
       <p:sp>
         <p:nvSpPr>
-          <p:cNvPr id="6" name="Slide Number Placeholder 5"/>
+          <p:cNvPr id="6" name="Slide Number Placeholder 5">
+            <a:extLst>
+              <a:ext uri="{FF2B5EF4-FFF2-40B4-BE49-F238E27FC236}">
+                <a16:creationId xmlns:a16="http://schemas.microsoft.com/office/drawing/2014/main" id="{FC92FF70-B655-44FB-974F-CBF7B7D957AC}"/>
+              </a:ext>
+            </a:extLst>
+          </p:cNvPr>
           <p:cNvSpPr>
             <a:spLocks noGrp="1"/>
           </p:cNvSpPr>
@@ -3929,7 +3742,7 @@
     </p:spTree>
     <p:extLst>
       <p:ext uri="{BB962C8B-B14F-4D97-AF65-F5344CB8AC3E}">
-        <p14:creationId xmlns:p14="http://schemas.microsoft.com/office/powerpoint/2010/main" val="1038058732"/>
+        <p14:creationId xmlns:p14="http://schemas.microsoft.com/office/powerpoint/2010/main" val="1283587540"/>
       </p:ext>
     </p:extLst>
   </p:cSld>
@@ -3939,9 +3752,9 @@
 </p:sldLayout>
 </file>
 
-<file path=ppt/slideLayouts/slideLayout14.xml><?xml version="1.0" encoding="utf-8"?>
-<p:sldLayout xmlns:a="http://schemas.openxmlformats.org/drawingml/2006/main" xmlns:r="http://schemas.openxmlformats.org/officeDocument/2006/relationships" xmlns:p="http://schemas.openxmlformats.org/presentationml/2006/main" preserve="1">
-  <p:cSld name="3 Column">
+<file path=ppt/slideLayouts/slideLayout4.xml><?xml version="1.0" encoding="utf-8"?>
+<p:sldLayout xmlns:a="http://schemas.openxmlformats.org/drawingml/2006/main" xmlns:r="http://schemas.openxmlformats.org/officeDocument/2006/relationships" xmlns:p="http://schemas.openxmlformats.org/presentationml/2006/main" type="twoObj" preserve="1">
+  <p:cSld name="Two Content">
     <p:spTree>
       <p:nvGrpSpPr>
         <p:cNvPr id="1" name=""/>
@@ -3958,7 +3771,13 @@
       </p:grpSpPr>
       <p:sp>
         <p:nvSpPr>
-          <p:cNvPr id="2" name="Title 1"/>
+          <p:cNvPr id="2" name="Title 1">
+            <a:extLst>
+              <a:ext uri="{FF2B5EF4-FFF2-40B4-BE49-F238E27FC236}">
+                <a16:creationId xmlns:a16="http://schemas.microsoft.com/office/drawing/2014/main" id="{2C04C763-35BD-443F-ABEF-089E018A3BC3}"/>
+              </a:ext>
+            </a:extLst>
+          </p:cNvPr>
           <p:cNvSpPr>
             <a:spLocks noGrp="1"/>
           </p:cNvSpPr>
@@ -3969,23 +3788,294 @@
         <p:spPr/>
         <p:txBody>
           <a:bodyPr/>
-          <a:lstStyle>
-            <a:lvl1pPr>
-              <a:defRPr sz="4200"/>
-            </a:lvl1pPr>
-          </a:lstStyle>
+          <a:lstStyle/>
           <a:p>
             <a:r>
               <a:rPr lang="en-US"/>
               <a:t>Click to edit Master title style</a:t>
             </a:r>
-            <a:endParaRPr lang="en-US" dirty="0"/>
           </a:p>
         </p:txBody>
       </p:sp>
       <p:sp>
         <p:nvSpPr>
-          <p:cNvPr id="3" name="Text Placeholder 2"/>
+          <p:cNvPr id="3" name="Content Placeholder 2">
+            <a:extLst>
+              <a:ext uri="{FF2B5EF4-FFF2-40B4-BE49-F238E27FC236}">
+                <a16:creationId xmlns:a16="http://schemas.microsoft.com/office/drawing/2014/main" id="{0C764604-20B6-4E0A-B37E-80EA900321DB}"/>
+              </a:ext>
+            </a:extLst>
+          </p:cNvPr>
+          <p:cNvSpPr>
+            <a:spLocks noGrp="1"/>
+          </p:cNvSpPr>
+          <p:nvPr>
+            <p:ph sz="half" idx="1"/>
+          </p:nvPr>
+        </p:nvSpPr>
+        <p:spPr>
+          <a:xfrm>
+            <a:off x="838200" y="1825625"/>
+            <a:ext cx="5181600" cy="4351338"/>
+          </a:xfrm>
+        </p:spPr>
+        <p:txBody>
+          <a:bodyPr/>
+          <a:lstStyle/>
+          <a:p>
+            <a:pPr lvl="0"/>
+            <a:r>
+              <a:rPr lang="en-US"/>
+              <a:t>Click to edit Master text styles</a:t>
+            </a:r>
+          </a:p>
+          <a:p>
+            <a:pPr lvl="1"/>
+            <a:r>
+              <a:rPr lang="en-US"/>
+              <a:t>Second level</a:t>
+            </a:r>
+          </a:p>
+          <a:p>
+            <a:pPr lvl="2"/>
+            <a:r>
+              <a:rPr lang="en-US"/>
+              <a:t>Third level</a:t>
+            </a:r>
+          </a:p>
+          <a:p>
+            <a:pPr lvl="3"/>
+            <a:r>
+              <a:rPr lang="en-US"/>
+              <a:t>Fourth level</a:t>
+            </a:r>
+          </a:p>
+          <a:p>
+            <a:pPr lvl="4"/>
+            <a:r>
+              <a:rPr lang="en-US"/>
+              <a:t>Fifth level</a:t>
+            </a:r>
+          </a:p>
+        </p:txBody>
+      </p:sp>
+      <p:sp>
+        <p:nvSpPr>
+          <p:cNvPr id="4" name="Content Placeholder 3">
+            <a:extLst>
+              <a:ext uri="{FF2B5EF4-FFF2-40B4-BE49-F238E27FC236}">
+                <a16:creationId xmlns:a16="http://schemas.microsoft.com/office/drawing/2014/main" id="{6203CE18-0BFA-42FA-9DA3-6D7C4AF32164}"/>
+              </a:ext>
+            </a:extLst>
+          </p:cNvPr>
+          <p:cNvSpPr>
+            <a:spLocks noGrp="1"/>
+          </p:cNvSpPr>
+          <p:nvPr>
+            <p:ph sz="half" idx="2"/>
+          </p:nvPr>
+        </p:nvSpPr>
+        <p:spPr>
+          <a:xfrm>
+            <a:off x="6172200" y="1825625"/>
+            <a:ext cx="5181600" cy="4351338"/>
+          </a:xfrm>
+        </p:spPr>
+        <p:txBody>
+          <a:bodyPr/>
+          <a:lstStyle/>
+          <a:p>
+            <a:pPr lvl="0"/>
+            <a:r>
+              <a:rPr lang="en-US"/>
+              <a:t>Click to edit Master text styles</a:t>
+            </a:r>
+          </a:p>
+          <a:p>
+            <a:pPr lvl="1"/>
+            <a:r>
+              <a:rPr lang="en-US"/>
+              <a:t>Second level</a:t>
+            </a:r>
+          </a:p>
+          <a:p>
+            <a:pPr lvl="2"/>
+            <a:r>
+              <a:rPr lang="en-US"/>
+              <a:t>Third level</a:t>
+            </a:r>
+          </a:p>
+          <a:p>
+            <a:pPr lvl="3"/>
+            <a:r>
+              <a:rPr lang="en-US"/>
+              <a:t>Fourth level</a:t>
+            </a:r>
+          </a:p>
+          <a:p>
+            <a:pPr lvl="4"/>
+            <a:r>
+              <a:rPr lang="en-US"/>
+              <a:t>Fifth level</a:t>
+            </a:r>
+          </a:p>
+        </p:txBody>
+      </p:sp>
+      <p:sp>
+        <p:nvSpPr>
+          <p:cNvPr id="5" name="Date Placeholder 4">
+            <a:extLst>
+              <a:ext uri="{FF2B5EF4-FFF2-40B4-BE49-F238E27FC236}">
+                <a16:creationId xmlns:a16="http://schemas.microsoft.com/office/drawing/2014/main" id="{E77AEFA8-6115-4D8C-B57A-FB45C067E4BE}"/>
+              </a:ext>
+            </a:extLst>
+          </p:cNvPr>
+          <p:cNvSpPr>
+            <a:spLocks noGrp="1"/>
+          </p:cNvSpPr>
+          <p:nvPr>
+            <p:ph type="dt" sz="half" idx="10"/>
+          </p:nvPr>
+        </p:nvSpPr>
+        <p:spPr/>
+        <p:txBody>
+          <a:bodyPr/>
+          <a:lstStyle/>
+          <a:p>
+            <a:fld id="{F4C6FC4E-C84B-4657-97FD-F4C92E31B913}" type="datetimeFigureOut">
+              <a:rPr lang="en-US" smtClean="0"/>
+              <a:t>6/24/2020</a:t>
+            </a:fld>
+            <a:endParaRPr lang="en-US"/>
+          </a:p>
+        </p:txBody>
+      </p:sp>
+      <p:sp>
+        <p:nvSpPr>
+          <p:cNvPr id="6" name="Footer Placeholder 5">
+            <a:extLst>
+              <a:ext uri="{FF2B5EF4-FFF2-40B4-BE49-F238E27FC236}">
+                <a16:creationId xmlns:a16="http://schemas.microsoft.com/office/drawing/2014/main" id="{74E70092-7581-41AE-B9B9-98CB39C1099A}"/>
+              </a:ext>
+            </a:extLst>
+          </p:cNvPr>
+          <p:cNvSpPr>
+            <a:spLocks noGrp="1"/>
+          </p:cNvSpPr>
+          <p:nvPr>
+            <p:ph type="ftr" sz="quarter" idx="11"/>
+          </p:nvPr>
+        </p:nvSpPr>
+        <p:spPr/>
+        <p:txBody>
+          <a:bodyPr/>
+          <a:lstStyle/>
+          <a:p>
+            <a:endParaRPr lang="en-US"/>
+          </a:p>
+        </p:txBody>
+      </p:sp>
+      <p:sp>
+        <p:nvSpPr>
+          <p:cNvPr id="7" name="Slide Number Placeholder 6">
+            <a:extLst>
+              <a:ext uri="{FF2B5EF4-FFF2-40B4-BE49-F238E27FC236}">
+                <a16:creationId xmlns:a16="http://schemas.microsoft.com/office/drawing/2014/main" id="{8C75FBE1-15B8-41DF-9311-2E17B2B0AE41}"/>
+              </a:ext>
+            </a:extLst>
+          </p:cNvPr>
+          <p:cNvSpPr>
+            <a:spLocks noGrp="1"/>
+          </p:cNvSpPr>
+          <p:nvPr>
+            <p:ph type="sldNum" sz="quarter" idx="12"/>
+          </p:nvPr>
+        </p:nvSpPr>
+        <p:spPr/>
+        <p:txBody>
+          <a:bodyPr/>
+          <a:lstStyle/>
+          <a:p>
+            <a:fld id="{F1D20B05-C423-423F-BECE-6249FDC28811}" type="slidenum">
+              <a:rPr lang="en-US" smtClean="0"/>
+              <a:t>‹#›</a:t>
+            </a:fld>
+            <a:endParaRPr lang="en-US"/>
+          </a:p>
+        </p:txBody>
+      </p:sp>
+    </p:spTree>
+    <p:extLst>
+      <p:ext uri="{BB962C8B-B14F-4D97-AF65-F5344CB8AC3E}">
+        <p14:creationId xmlns:p14="http://schemas.microsoft.com/office/powerpoint/2010/main" val="1038679267"/>
+      </p:ext>
+    </p:extLst>
+  </p:cSld>
+  <p:clrMapOvr>
+    <a:masterClrMapping/>
+  </p:clrMapOvr>
+</p:sldLayout>
+</file>
+
+<file path=ppt/slideLayouts/slideLayout5.xml><?xml version="1.0" encoding="utf-8"?>
+<p:sldLayout xmlns:a="http://schemas.openxmlformats.org/drawingml/2006/main" xmlns:r="http://schemas.openxmlformats.org/officeDocument/2006/relationships" xmlns:p="http://schemas.openxmlformats.org/presentationml/2006/main" type="twoTxTwoObj" preserve="1">
+  <p:cSld name="Comparison">
+    <p:spTree>
+      <p:nvGrpSpPr>
+        <p:cNvPr id="1" name=""/>
+        <p:cNvGrpSpPr/>
+        <p:nvPr/>
+      </p:nvGrpSpPr>
+      <p:grpSpPr>
+        <a:xfrm>
+          <a:off x="0" y="0"/>
+          <a:ext cx="0" cy="0"/>
+          <a:chOff x="0" y="0"/>
+          <a:chExt cx="0" cy="0"/>
+        </a:xfrm>
+      </p:grpSpPr>
+      <p:sp>
+        <p:nvSpPr>
+          <p:cNvPr id="2" name="Title 1">
+            <a:extLst>
+              <a:ext uri="{FF2B5EF4-FFF2-40B4-BE49-F238E27FC236}">
+                <a16:creationId xmlns:a16="http://schemas.microsoft.com/office/drawing/2014/main" id="{58F67927-2916-4253-BD17-86AEFB9810F4}"/>
+              </a:ext>
+            </a:extLst>
+          </p:cNvPr>
+          <p:cNvSpPr>
+            <a:spLocks noGrp="1"/>
+          </p:cNvSpPr>
+          <p:nvPr>
+            <p:ph type="title"/>
+          </p:nvPr>
+        </p:nvSpPr>
+        <p:spPr>
+          <a:xfrm>
+            <a:off x="839788" y="365125"/>
+            <a:ext cx="10515600" cy="1325563"/>
+          </a:xfrm>
+        </p:spPr>
+        <p:txBody>
+          <a:bodyPr/>
+          <a:lstStyle/>
+          <a:p>
+            <a:r>
+              <a:rPr lang="en-US"/>
+              <a:t>Click to edit Master title style</a:t>
+            </a:r>
+          </a:p>
+        </p:txBody>
+      </p:sp>
+      <p:sp>
+        <p:nvSpPr>
+          <p:cNvPr id="3" name="Text Placeholder 2">
+            <a:extLst>
+              <a:ext uri="{FF2B5EF4-FFF2-40B4-BE49-F238E27FC236}">
+                <a16:creationId xmlns:a16="http://schemas.microsoft.com/office/drawing/2014/main" id="{CD73C08C-913C-4FD2-BEA2-786D07D3CE43}"/>
+              </a:ext>
+            </a:extLst>
+          </p:cNvPr>
           <p:cNvSpPr>
             <a:spLocks noGrp="1"/>
           </p:cNvSpPr>
@@ -3995,25 +4085,16 @@
         </p:nvSpPr>
         <p:spPr>
           <a:xfrm>
-            <a:off x="632947" y="1981200"/>
-            <a:ext cx="2946866" cy="576262"/>
+            <a:off x="839788" y="1681163"/>
+            <a:ext cx="5157787" cy="823912"/>
           </a:xfrm>
         </p:spPr>
         <p:txBody>
-          <a:bodyPr anchor="b">
-            <a:noAutofit/>
-          </a:bodyPr>
+          <a:bodyPr anchor="b"/>
           <a:lstStyle>
             <a:lvl1pPr marL="0" indent="0">
               <a:buNone/>
-              <a:defRPr sz="2400" b="0">
-                <a:solidFill>
-                  <a:schemeClr val="bg2">
-                    <a:lumMod val="40000"/>
-                    <a:lumOff val="60000"/>
-                  </a:schemeClr>
-                </a:solidFill>
-              </a:defRPr>
+              <a:defRPr sz="2400" b="1"/>
             </a:lvl1pPr>
             <a:lvl2pPr marL="457200" indent="0">
               <a:buNone/>
@@ -4059,74 +4140,75 @@
       </p:sp>
       <p:sp>
         <p:nvSpPr>
-          <p:cNvPr id="16" name="Text Placeholder 3"/>
+          <p:cNvPr id="4" name="Content Placeholder 3">
+            <a:extLst>
+              <a:ext uri="{FF2B5EF4-FFF2-40B4-BE49-F238E27FC236}">
+                <a16:creationId xmlns:a16="http://schemas.microsoft.com/office/drawing/2014/main" id="{0017D6A8-4691-4640-A0EA-5C8E4E5E02A4}"/>
+              </a:ext>
+            </a:extLst>
+          </p:cNvPr>
           <p:cNvSpPr>
             <a:spLocks noGrp="1"/>
           </p:cNvSpPr>
           <p:nvPr>
-            <p:ph type="body" sz="half" idx="15"/>
+            <p:ph sz="half" idx="2"/>
           </p:nvPr>
         </p:nvSpPr>
         <p:spPr>
           <a:xfrm>
-            <a:off x="652463" y="2667000"/>
-            <a:ext cx="2927350" cy="3589338"/>
+            <a:off x="839788" y="2505075"/>
+            <a:ext cx="5157787" cy="3684588"/>
           </a:xfrm>
         </p:spPr>
         <p:txBody>
-          <a:bodyPr anchor="t">
-            <a:normAutofit/>
-          </a:bodyPr>
-          <a:lstStyle>
-            <a:lvl1pPr marL="0" indent="0">
-              <a:buNone/>
-              <a:defRPr sz="1400"/>
-            </a:lvl1pPr>
-            <a:lvl2pPr marL="457200" indent="0">
-              <a:buNone/>
-              <a:defRPr sz="1200"/>
-            </a:lvl2pPr>
-            <a:lvl3pPr marL="914400" indent="0">
-              <a:buNone/>
-              <a:defRPr sz="1000"/>
-            </a:lvl3pPr>
-            <a:lvl4pPr marL="1371600" indent="0">
-              <a:buNone/>
-              <a:defRPr sz="900"/>
-            </a:lvl4pPr>
-            <a:lvl5pPr marL="1828800" indent="0">
-              <a:buNone/>
-              <a:defRPr sz="900"/>
-            </a:lvl5pPr>
-            <a:lvl6pPr marL="2286000" indent="0">
-              <a:buNone/>
-              <a:defRPr sz="900"/>
-            </a:lvl6pPr>
-            <a:lvl7pPr marL="2743200" indent="0">
-              <a:buNone/>
-              <a:defRPr sz="900"/>
-            </a:lvl7pPr>
-            <a:lvl8pPr marL="3200400" indent="0">
-              <a:buNone/>
-              <a:defRPr sz="900"/>
-            </a:lvl8pPr>
-            <a:lvl9pPr marL="3657600" indent="0">
-              <a:buNone/>
-              <a:defRPr sz="900"/>
-            </a:lvl9pPr>
-          </a:lstStyle>
+          <a:bodyPr/>
+          <a:lstStyle/>
           <a:p>
             <a:pPr lvl="0"/>
             <a:r>
               <a:rPr lang="en-US"/>
               <a:t>Click to edit Master text styles</a:t>
+            </a:r>
+          </a:p>
+          <a:p>
+            <a:pPr lvl="1"/>
+            <a:r>
+              <a:rPr lang="en-US"/>
+              <a:t>Second level</a:t>
+            </a:r>
+          </a:p>
+          <a:p>
+            <a:pPr lvl="2"/>
+            <a:r>
+              <a:rPr lang="en-US"/>
+              <a:t>Third level</a:t>
+            </a:r>
+          </a:p>
+          <a:p>
+            <a:pPr lvl="3"/>
+            <a:r>
+              <a:rPr lang="en-US"/>
+              <a:t>Fourth level</a:t>
+            </a:r>
+          </a:p>
+          <a:p>
+            <a:pPr lvl="4"/>
+            <a:r>
+              <a:rPr lang="en-US"/>
+              <a:t>Fifth level</a:t>
             </a:r>
           </a:p>
         </p:txBody>
       </p:sp>
       <p:sp>
         <p:nvSpPr>
-          <p:cNvPr id="5" name="Text Placeholder 4"/>
+          <p:cNvPr id="5" name="Text Placeholder 4">
+            <a:extLst>
+              <a:ext uri="{FF2B5EF4-FFF2-40B4-BE49-F238E27FC236}">
+                <a16:creationId xmlns:a16="http://schemas.microsoft.com/office/drawing/2014/main" id="{797E7AA5-261F-4BE3-8DF2-56A7EB569563}"/>
+              </a:ext>
+            </a:extLst>
+          </p:cNvPr>
           <p:cNvSpPr>
             <a:spLocks noGrp="1"/>
           </p:cNvSpPr>
@@ -4136,25 +4218,16 @@
         </p:nvSpPr>
         <p:spPr>
           <a:xfrm>
-            <a:off x="3883659" y="1981200"/>
-            <a:ext cx="2936241" cy="576262"/>
+            <a:off x="6172200" y="1681163"/>
+            <a:ext cx="5183188" cy="823912"/>
           </a:xfrm>
         </p:spPr>
         <p:txBody>
-          <a:bodyPr anchor="b">
-            <a:noAutofit/>
-          </a:bodyPr>
+          <a:bodyPr anchor="b"/>
           <a:lstStyle>
             <a:lvl1pPr marL="0" indent="0">
               <a:buNone/>
-              <a:defRPr sz="2400" b="0">
-                <a:solidFill>
-                  <a:schemeClr val="bg2">
-                    <a:lumMod val="40000"/>
-                    <a:lumOff val="60000"/>
-                  </a:schemeClr>
-                </a:solidFill>
-              </a:defRPr>
+              <a:defRPr sz="2400" b="1"/>
             </a:lvl1pPr>
             <a:lvl2pPr marL="457200" indent="0">
               <a:buNone/>
@@ -4200,293 +4273,75 @@
       </p:sp>
       <p:sp>
         <p:nvSpPr>
-          <p:cNvPr id="19" name="Text Placeholder 3"/>
+          <p:cNvPr id="6" name="Content Placeholder 5">
+            <a:extLst>
+              <a:ext uri="{FF2B5EF4-FFF2-40B4-BE49-F238E27FC236}">
+                <a16:creationId xmlns:a16="http://schemas.microsoft.com/office/drawing/2014/main" id="{4CB7C21C-7764-41EC-8904-271FD78B3B7D}"/>
+              </a:ext>
+            </a:extLst>
+          </p:cNvPr>
           <p:cNvSpPr>
             <a:spLocks noGrp="1"/>
           </p:cNvSpPr>
           <p:nvPr>
-            <p:ph type="body" sz="half" idx="16"/>
+            <p:ph sz="quarter" idx="4"/>
           </p:nvPr>
         </p:nvSpPr>
         <p:spPr>
           <a:xfrm>
-            <a:off x="3873106" y="2667000"/>
-            <a:ext cx="2946794" cy="3589338"/>
+            <a:off x="6172200" y="2505075"/>
+            <a:ext cx="5183188" cy="3684588"/>
           </a:xfrm>
         </p:spPr>
         <p:txBody>
-          <a:bodyPr anchor="t">
-            <a:normAutofit/>
-          </a:bodyPr>
-          <a:lstStyle>
-            <a:lvl1pPr marL="0" indent="0">
-              <a:buNone/>
-              <a:defRPr sz="1400"/>
-            </a:lvl1pPr>
-            <a:lvl2pPr marL="457200" indent="0">
-              <a:buNone/>
-              <a:defRPr sz="1200"/>
-            </a:lvl2pPr>
-            <a:lvl3pPr marL="914400" indent="0">
-              <a:buNone/>
-              <a:defRPr sz="1000"/>
-            </a:lvl3pPr>
-            <a:lvl4pPr marL="1371600" indent="0">
-              <a:buNone/>
-              <a:defRPr sz="900"/>
-            </a:lvl4pPr>
-            <a:lvl5pPr marL="1828800" indent="0">
-              <a:buNone/>
-              <a:defRPr sz="900"/>
-            </a:lvl5pPr>
-            <a:lvl6pPr marL="2286000" indent="0">
-              <a:buNone/>
-              <a:defRPr sz="900"/>
-            </a:lvl6pPr>
-            <a:lvl7pPr marL="2743200" indent="0">
-              <a:buNone/>
-              <a:defRPr sz="900"/>
-            </a:lvl7pPr>
-            <a:lvl8pPr marL="3200400" indent="0">
-              <a:buNone/>
-              <a:defRPr sz="900"/>
-            </a:lvl8pPr>
-            <a:lvl9pPr marL="3657600" indent="0">
-              <a:buNone/>
-              <a:defRPr sz="900"/>
-            </a:lvl9pPr>
-          </a:lstStyle>
+          <a:bodyPr/>
+          <a:lstStyle/>
           <a:p>
             <a:pPr lvl="0"/>
             <a:r>
               <a:rPr lang="en-US"/>
               <a:t>Click to edit Master text styles</a:t>
+            </a:r>
+          </a:p>
+          <a:p>
+            <a:pPr lvl="1"/>
+            <a:r>
+              <a:rPr lang="en-US"/>
+              <a:t>Second level</a:t>
+            </a:r>
+          </a:p>
+          <a:p>
+            <a:pPr lvl="2"/>
+            <a:r>
+              <a:rPr lang="en-US"/>
+              <a:t>Third level</a:t>
+            </a:r>
+          </a:p>
+          <a:p>
+            <a:pPr lvl="3"/>
+            <a:r>
+              <a:rPr lang="en-US"/>
+              <a:t>Fourth level</a:t>
+            </a:r>
+          </a:p>
+          <a:p>
+            <a:pPr lvl="4"/>
+            <a:r>
+              <a:rPr lang="en-US"/>
+              <a:t>Fifth level</a:t>
             </a:r>
           </a:p>
         </p:txBody>
       </p:sp>
       <p:sp>
         <p:nvSpPr>
-          <p:cNvPr id="14" name="Text Placeholder 4"/>
-          <p:cNvSpPr>
-            <a:spLocks noGrp="1"/>
-          </p:cNvSpPr>
-          <p:nvPr>
-            <p:ph type="body" sz="quarter" idx="13"/>
-          </p:nvPr>
-        </p:nvSpPr>
-        <p:spPr>
-          <a:xfrm>
-            <a:off x="7124700" y="1981200"/>
-            <a:ext cx="2932113" cy="576262"/>
-          </a:xfrm>
-        </p:spPr>
-        <p:txBody>
-          <a:bodyPr anchor="b">
-            <a:noAutofit/>
-          </a:bodyPr>
-          <a:lstStyle>
-            <a:lvl1pPr marL="0" indent="0">
-              <a:buNone/>
-              <a:defRPr sz="2400" b="0">
-                <a:solidFill>
-                  <a:schemeClr val="bg2">
-                    <a:lumMod val="40000"/>
-                    <a:lumOff val="60000"/>
-                  </a:schemeClr>
-                </a:solidFill>
-              </a:defRPr>
-            </a:lvl1pPr>
-            <a:lvl2pPr marL="457200" indent="0">
-              <a:buNone/>
-              <a:defRPr sz="2000" b="1"/>
-            </a:lvl2pPr>
-            <a:lvl3pPr marL="914400" indent="0">
-              <a:buNone/>
-              <a:defRPr sz="1800" b="1"/>
-            </a:lvl3pPr>
-            <a:lvl4pPr marL="1371600" indent="0">
-              <a:buNone/>
-              <a:defRPr sz="1600" b="1"/>
-            </a:lvl4pPr>
-            <a:lvl5pPr marL="1828800" indent="0">
-              <a:buNone/>
-              <a:defRPr sz="1600" b="1"/>
-            </a:lvl5pPr>
-            <a:lvl6pPr marL="2286000" indent="0">
-              <a:buNone/>
-              <a:defRPr sz="1600" b="1"/>
-            </a:lvl6pPr>
-            <a:lvl7pPr marL="2743200" indent="0">
-              <a:buNone/>
-              <a:defRPr sz="1600" b="1"/>
-            </a:lvl7pPr>
-            <a:lvl8pPr marL="3200400" indent="0">
-              <a:buNone/>
-              <a:defRPr sz="1600" b="1"/>
-            </a:lvl8pPr>
-            <a:lvl9pPr marL="3657600" indent="0">
-              <a:buNone/>
-              <a:defRPr sz="1600" b="1"/>
-            </a:lvl9pPr>
-          </a:lstStyle>
-          <a:p>
-            <a:pPr lvl="0"/>
-            <a:r>
-              <a:rPr lang="en-US"/>
-              <a:t>Click to edit Master text styles</a:t>
-            </a:r>
-          </a:p>
-        </p:txBody>
-      </p:sp>
-      <p:sp>
-        <p:nvSpPr>
-          <p:cNvPr id="20" name="Text Placeholder 3"/>
-          <p:cNvSpPr>
-            <a:spLocks noGrp="1"/>
-          </p:cNvSpPr>
-          <p:nvPr>
-            <p:ph type="body" sz="half" idx="17"/>
-          </p:nvPr>
-        </p:nvSpPr>
-        <p:spPr>
-          <a:xfrm>
-            <a:off x="7124700" y="2667000"/>
-            <a:ext cx="2932113" cy="3589338"/>
-          </a:xfrm>
-        </p:spPr>
-        <p:txBody>
-          <a:bodyPr anchor="t">
-            <a:normAutofit/>
-          </a:bodyPr>
-          <a:lstStyle>
-            <a:lvl1pPr marL="0" indent="0">
-              <a:buNone/>
-              <a:defRPr sz="1400"/>
-            </a:lvl1pPr>
-            <a:lvl2pPr marL="457200" indent="0">
-              <a:buNone/>
-              <a:defRPr sz="1200"/>
-            </a:lvl2pPr>
-            <a:lvl3pPr marL="914400" indent="0">
-              <a:buNone/>
-              <a:defRPr sz="1000"/>
-            </a:lvl3pPr>
-            <a:lvl4pPr marL="1371600" indent="0">
-              <a:buNone/>
-              <a:defRPr sz="900"/>
-            </a:lvl4pPr>
-            <a:lvl5pPr marL="1828800" indent="0">
-              <a:buNone/>
-              <a:defRPr sz="900"/>
-            </a:lvl5pPr>
-            <a:lvl6pPr marL="2286000" indent="0">
-              <a:buNone/>
-              <a:defRPr sz="900"/>
-            </a:lvl6pPr>
-            <a:lvl7pPr marL="2743200" indent="0">
-              <a:buNone/>
-              <a:defRPr sz="900"/>
-            </a:lvl7pPr>
-            <a:lvl8pPr marL="3200400" indent="0">
-              <a:buNone/>
-              <a:defRPr sz="900"/>
-            </a:lvl8pPr>
-            <a:lvl9pPr marL="3657600" indent="0">
-              <a:buNone/>
-              <a:defRPr sz="900"/>
-            </a:lvl9pPr>
-          </a:lstStyle>
-          <a:p>
-            <a:pPr lvl="0"/>
-            <a:r>
-              <a:rPr lang="en-US"/>
-              <a:t>Click to edit Master text styles</a:t>
-            </a:r>
-          </a:p>
-        </p:txBody>
-      </p:sp>
-      <p:cxnSp>
-        <p:nvCxnSpPr>
-          <p:cNvPr id="17" name="Straight Connector 16"/>
-          <p:cNvCxnSpPr/>
-          <p:nvPr/>
-        </p:nvCxnSpPr>
-        <p:spPr>
-          <a:xfrm>
-            <a:off x="3726142" y="2133600"/>
-            <a:ext cx="0" cy="3962400"/>
-          </a:xfrm>
-          <a:prstGeom prst="line">
-            <a:avLst/>
-          </a:prstGeom>
-          <a:ln w="12700" cmpd="sng">
-            <a:solidFill>
-              <a:schemeClr val="bg2">
-                <a:lumMod val="40000"/>
-                <a:lumOff val="60000"/>
-                <a:alpha val="40000"/>
-              </a:schemeClr>
-            </a:solidFill>
-          </a:ln>
-        </p:spPr>
-        <p:style>
-          <a:lnRef idx="2">
-            <a:schemeClr val="accent1"/>
-          </a:lnRef>
-          <a:fillRef idx="0">
-            <a:schemeClr val="accent1"/>
-          </a:fillRef>
-          <a:effectRef idx="1">
-            <a:schemeClr val="accent1"/>
-          </a:effectRef>
-          <a:fontRef idx="minor">
-            <a:schemeClr val="tx1"/>
-          </a:fontRef>
-        </p:style>
-      </p:cxnSp>
-      <p:cxnSp>
-        <p:nvCxnSpPr>
-          <p:cNvPr id="18" name="Straight Connector 17"/>
-          <p:cNvCxnSpPr/>
-          <p:nvPr/>
-        </p:nvCxnSpPr>
-        <p:spPr>
-          <a:xfrm>
-            <a:off x="6962227" y="2133600"/>
-            <a:ext cx="0" cy="3966882"/>
-          </a:xfrm>
-          <a:prstGeom prst="line">
-            <a:avLst/>
-          </a:prstGeom>
-          <a:ln w="12700" cmpd="sng">
-            <a:solidFill>
-              <a:schemeClr val="bg2">
-                <a:lumMod val="40000"/>
-                <a:lumOff val="60000"/>
-                <a:alpha val="40000"/>
-              </a:schemeClr>
-            </a:solidFill>
-          </a:ln>
-        </p:spPr>
-        <p:style>
-          <a:lnRef idx="2">
-            <a:schemeClr val="accent1"/>
-          </a:lnRef>
-          <a:fillRef idx="0">
-            <a:schemeClr val="accent1"/>
-          </a:fillRef>
-          <a:effectRef idx="1">
-            <a:schemeClr val="accent1"/>
-          </a:effectRef>
-          <a:fontRef idx="minor">
-            <a:schemeClr val="tx1"/>
-          </a:fontRef>
-        </p:style>
-      </p:cxnSp>
-      <p:sp>
-        <p:nvSpPr>
-          <p:cNvPr id="7" name="Date Placeholder 3"/>
+          <p:cNvPr id="7" name="Date Placeholder 6">
+            <a:extLst>
+              <a:ext uri="{FF2B5EF4-FFF2-40B4-BE49-F238E27FC236}">
+                <a16:creationId xmlns:a16="http://schemas.microsoft.com/office/drawing/2014/main" id="{DCCB2A05-3757-410A-97A0-2FC450A1D923}"/>
+              </a:ext>
+            </a:extLst>
+          </p:cNvPr>
           <p:cNvSpPr>
             <a:spLocks noGrp="1"/>
           </p:cNvSpPr>
@@ -4501,7 +4356,7 @@
           <a:p>
             <a:fld id="{F4C6FC4E-C84B-4657-97FD-F4C92E31B913}" type="datetimeFigureOut">
               <a:rPr lang="en-US" smtClean="0"/>
-              <a:t>6/25/2020</a:t>
+              <a:t>6/24/2020</a:t>
             </a:fld>
             <a:endParaRPr lang="en-US"/>
           </a:p>
@@ -4509,7 +4364,13 @@
       </p:sp>
       <p:sp>
         <p:nvSpPr>
-          <p:cNvPr id="4" name="Footer Placeholder 4"/>
+          <p:cNvPr id="8" name="Footer Placeholder 7">
+            <a:extLst>
+              <a:ext uri="{FF2B5EF4-FFF2-40B4-BE49-F238E27FC236}">
+                <a16:creationId xmlns:a16="http://schemas.microsoft.com/office/drawing/2014/main" id="{F1A5DBCD-FB78-4258-B069-68456FEB0F33}"/>
+              </a:ext>
+            </a:extLst>
+          </p:cNvPr>
           <p:cNvSpPr>
             <a:spLocks noGrp="1"/>
           </p:cNvSpPr>
@@ -4528,7 +4389,13 @@
       </p:sp>
       <p:sp>
         <p:nvSpPr>
-          <p:cNvPr id="6" name="Slide Number Placeholder 5"/>
+          <p:cNvPr id="9" name="Slide Number Placeholder 8">
+            <a:extLst>
+              <a:ext uri="{FF2B5EF4-FFF2-40B4-BE49-F238E27FC236}">
+                <a16:creationId xmlns:a16="http://schemas.microsoft.com/office/drawing/2014/main" id="{C45C9D53-4B9D-4897-A4C7-B89FD9D532F8}"/>
+              </a:ext>
+            </a:extLst>
+          </p:cNvPr>
           <p:cNvSpPr>
             <a:spLocks noGrp="1"/>
           </p:cNvSpPr>
@@ -4552,2370 +4419,7 @@
     </p:spTree>
     <p:extLst>
       <p:ext uri="{BB962C8B-B14F-4D97-AF65-F5344CB8AC3E}">
-        <p14:creationId xmlns:p14="http://schemas.microsoft.com/office/powerpoint/2010/main" val="21500153"/>
-      </p:ext>
-    </p:extLst>
-  </p:cSld>
-  <p:clrMapOvr>
-    <a:masterClrMapping/>
-  </p:clrMapOvr>
-</p:sldLayout>
-</file>
-
-<file path=ppt/slideLayouts/slideLayout15.xml><?xml version="1.0" encoding="utf-8"?>
-<p:sldLayout xmlns:a="http://schemas.openxmlformats.org/drawingml/2006/main" xmlns:r="http://schemas.openxmlformats.org/officeDocument/2006/relationships" xmlns:p="http://schemas.openxmlformats.org/presentationml/2006/main" preserve="1">
-  <p:cSld name="3 Picture Column">
-    <p:spTree>
-      <p:nvGrpSpPr>
-        <p:cNvPr id="1" name=""/>
-        <p:cNvGrpSpPr/>
-        <p:nvPr/>
-      </p:nvGrpSpPr>
-      <p:grpSpPr>
-        <a:xfrm>
-          <a:off x="0" y="0"/>
-          <a:ext cx="0" cy="0"/>
-          <a:chOff x="0" y="0"/>
-          <a:chExt cx="0" cy="0"/>
-        </a:xfrm>
-      </p:grpSpPr>
-      <p:sp>
-        <p:nvSpPr>
-          <p:cNvPr id="2" name="Title 1"/>
-          <p:cNvSpPr>
-            <a:spLocks noGrp="1"/>
-          </p:cNvSpPr>
-          <p:nvPr>
-            <p:ph type="title"/>
-          </p:nvPr>
-        </p:nvSpPr>
-        <p:spPr/>
-        <p:txBody>
-          <a:bodyPr/>
-          <a:lstStyle>
-            <a:lvl1pPr>
-              <a:defRPr sz="4200"/>
-            </a:lvl1pPr>
-          </a:lstStyle>
-          <a:p>
-            <a:r>
-              <a:rPr lang="en-US"/>
-              <a:t>Click to edit Master title style</a:t>
-            </a:r>
-            <a:endParaRPr lang="en-US" dirty="0"/>
-          </a:p>
-        </p:txBody>
-      </p:sp>
-      <p:sp>
-        <p:nvSpPr>
-          <p:cNvPr id="3" name="Text Placeholder 2"/>
-          <p:cNvSpPr>
-            <a:spLocks noGrp="1"/>
-          </p:cNvSpPr>
-          <p:nvPr>
-            <p:ph type="body" idx="1"/>
-          </p:nvPr>
-        </p:nvSpPr>
-        <p:spPr>
-          <a:xfrm>
-            <a:off x="652463" y="4250949"/>
-            <a:ext cx="2940050" cy="576262"/>
-          </a:xfrm>
-        </p:spPr>
-        <p:txBody>
-          <a:bodyPr anchor="b">
-            <a:noAutofit/>
-          </a:bodyPr>
-          <a:lstStyle>
-            <a:lvl1pPr marL="0" indent="0">
-              <a:buNone/>
-              <a:defRPr sz="2400" b="0">
-                <a:solidFill>
-                  <a:schemeClr val="bg2">
-                    <a:lumMod val="40000"/>
-                    <a:lumOff val="60000"/>
-                  </a:schemeClr>
-                </a:solidFill>
-              </a:defRPr>
-            </a:lvl1pPr>
-            <a:lvl2pPr marL="457200" indent="0">
-              <a:buNone/>
-              <a:defRPr sz="2000" b="1"/>
-            </a:lvl2pPr>
-            <a:lvl3pPr marL="914400" indent="0">
-              <a:buNone/>
-              <a:defRPr sz="1800" b="1"/>
-            </a:lvl3pPr>
-            <a:lvl4pPr marL="1371600" indent="0">
-              <a:buNone/>
-              <a:defRPr sz="1600" b="1"/>
-            </a:lvl4pPr>
-            <a:lvl5pPr marL="1828800" indent="0">
-              <a:buNone/>
-              <a:defRPr sz="1600" b="1"/>
-            </a:lvl5pPr>
-            <a:lvl6pPr marL="2286000" indent="0">
-              <a:buNone/>
-              <a:defRPr sz="1600" b="1"/>
-            </a:lvl6pPr>
-            <a:lvl7pPr marL="2743200" indent="0">
-              <a:buNone/>
-              <a:defRPr sz="1600" b="1"/>
-            </a:lvl7pPr>
-            <a:lvl8pPr marL="3200400" indent="0">
-              <a:buNone/>
-              <a:defRPr sz="1600" b="1"/>
-            </a:lvl8pPr>
-            <a:lvl9pPr marL="3657600" indent="0">
-              <a:buNone/>
-              <a:defRPr sz="1600" b="1"/>
-            </a:lvl9pPr>
-          </a:lstStyle>
-          <a:p>
-            <a:pPr lvl="0"/>
-            <a:r>
-              <a:rPr lang="en-US"/>
-              <a:t>Click to edit Master text styles</a:t>
-            </a:r>
-          </a:p>
-        </p:txBody>
-      </p:sp>
-      <p:sp>
-        <p:nvSpPr>
-          <p:cNvPr id="29" name="Picture Placeholder 2"/>
-          <p:cNvSpPr>
-            <a:spLocks noGrp="1" noChangeAspect="1"/>
-          </p:cNvSpPr>
-          <p:nvPr>
-            <p:ph type="pic" idx="15"/>
-          </p:nvPr>
-        </p:nvSpPr>
-        <p:spPr>
-          <a:xfrm>
-            <a:off x="652463" y="2209800"/>
-            <a:ext cx="2940050" cy="1524000"/>
-          </a:xfrm>
-          <a:prstGeom prst="roundRect">
-            <a:avLst>
-              <a:gd name="adj" fmla="val 1858"/>
-            </a:avLst>
-          </a:prstGeom>
-          <a:effectLst>
-            <a:outerShdw blurRad="50800" dist="50800" dir="5400000" algn="tl" rotWithShape="0">
-              <a:srgbClr val="000000">
-                <a:alpha val="43000"/>
-              </a:srgbClr>
-            </a:outerShdw>
-          </a:effectLst>
-        </p:spPr>
-        <p:txBody>
-          <a:bodyPr anchor="t">
-            <a:normAutofit/>
-          </a:bodyPr>
-          <a:lstStyle>
-            <a:lvl1pPr marL="0" indent="0" algn="ctr">
-              <a:buNone/>
-              <a:defRPr sz="1600"/>
-            </a:lvl1pPr>
-            <a:lvl2pPr marL="457200" indent="0">
-              <a:buNone/>
-              <a:defRPr sz="1600"/>
-            </a:lvl2pPr>
-            <a:lvl3pPr marL="914400" indent="0">
-              <a:buNone/>
-              <a:defRPr sz="1600"/>
-            </a:lvl3pPr>
-            <a:lvl4pPr marL="1371600" indent="0">
-              <a:buNone/>
-              <a:defRPr sz="1600"/>
-            </a:lvl4pPr>
-            <a:lvl5pPr marL="1828800" indent="0">
-              <a:buNone/>
-              <a:defRPr sz="1600"/>
-            </a:lvl5pPr>
-            <a:lvl6pPr marL="2286000" indent="0">
-              <a:buNone/>
-              <a:defRPr sz="1600"/>
-            </a:lvl6pPr>
-            <a:lvl7pPr marL="2743200" indent="0">
-              <a:buNone/>
-              <a:defRPr sz="1600"/>
-            </a:lvl7pPr>
-            <a:lvl8pPr marL="3200400" indent="0">
-              <a:buNone/>
-              <a:defRPr sz="1600"/>
-            </a:lvl8pPr>
-            <a:lvl9pPr marL="3657600" indent="0">
-              <a:buNone/>
-              <a:defRPr sz="1600"/>
-            </a:lvl9pPr>
-          </a:lstStyle>
-          <a:p>
-            <a:r>
-              <a:rPr lang="en-US"/>
-              <a:t>Click icon to add picture</a:t>
-            </a:r>
-            <a:endParaRPr lang="en-US" dirty="0"/>
-          </a:p>
-        </p:txBody>
-      </p:sp>
-      <p:sp>
-        <p:nvSpPr>
-          <p:cNvPr id="22" name="Text Placeholder 3"/>
-          <p:cNvSpPr>
-            <a:spLocks noGrp="1"/>
-          </p:cNvSpPr>
-          <p:nvPr>
-            <p:ph type="body" sz="half" idx="18"/>
-          </p:nvPr>
-        </p:nvSpPr>
-        <p:spPr>
-          <a:xfrm>
-            <a:off x="652463" y="4827211"/>
-            <a:ext cx="2940050" cy="659189"/>
-          </a:xfrm>
-        </p:spPr>
-        <p:txBody>
-          <a:bodyPr anchor="t">
-            <a:normAutofit/>
-          </a:bodyPr>
-          <a:lstStyle>
-            <a:lvl1pPr marL="0" indent="0">
-              <a:buNone/>
-              <a:defRPr sz="1400"/>
-            </a:lvl1pPr>
-            <a:lvl2pPr marL="457200" indent="0">
-              <a:buNone/>
-              <a:defRPr sz="1200"/>
-            </a:lvl2pPr>
-            <a:lvl3pPr marL="914400" indent="0">
-              <a:buNone/>
-              <a:defRPr sz="1000"/>
-            </a:lvl3pPr>
-            <a:lvl4pPr marL="1371600" indent="0">
-              <a:buNone/>
-              <a:defRPr sz="900"/>
-            </a:lvl4pPr>
-            <a:lvl5pPr marL="1828800" indent="0">
-              <a:buNone/>
-              <a:defRPr sz="900"/>
-            </a:lvl5pPr>
-            <a:lvl6pPr marL="2286000" indent="0">
-              <a:buNone/>
-              <a:defRPr sz="900"/>
-            </a:lvl6pPr>
-            <a:lvl7pPr marL="2743200" indent="0">
-              <a:buNone/>
-              <a:defRPr sz="900"/>
-            </a:lvl7pPr>
-            <a:lvl8pPr marL="3200400" indent="0">
-              <a:buNone/>
-              <a:defRPr sz="900"/>
-            </a:lvl8pPr>
-            <a:lvl9pPr marL="3657600" indent="0">
-              <a:buNone/>
-              <a:defRPr sz="900"/>
-            </a:lvl9pPr>
-          </a:lstStyle>
-          <a:p>
-            <a:pPr lvl="0"/>
-            <a:r>
-              <a:rPr lang="en-US"/>
-              <a:t>Click to edit Master text styles</a:t>
-            </a:r>
-          </a:p>
-        </p:txBody>
-      </p:sp>
-      <p:sp>
-        <p:nvSpPr>
-          <p:cNvPr id="5" name="Text Placeholder 4"/>
-          <p:cNvSpPr>
-            <a:spLocks noGrp="1"/>
-          </p:cNvSpPr>
-          <p:nvPr>
-            <p:ph type="body" sz="quarter" idx="3"/>
-          </p:nvPr>
-        </p:nvSpPr>
-        <p:spPr>
-          <a:xfrm>
-            <a:off x="3889375" y="4250949"/>
-            <a:ext cx="2930525" cy="576262"/>
-          </a:xfrm>
-        </p:spPr>
-        <p:txBody>
-          <a:bodyPr anchor="b">
-            <a:noAutofit/>
-          </a:bodyPr>
-          <a:lstStyle>
-            <a:lvl1pPr marL="0" indent="0">
-              <a:buNone/>
-              <a:defRPr sz="2400" b="0">
-                <a:solidFill>
-                  <a:schemeClr val="bg2">
-                    <a:lumMod val="40000"/>
-                    <a:lumOff val="60000"/>
-                  </a:schemeClr>
-                </a:solidFill>
-              </a:defRPr>
-            </a:lvl1pPr>
-            <a:lvl2pPr marL="457200" indent="0">
-              <a:buNone/>
-              <a:defRPr sz="2000" b="1"/>
-            </a:lvl2pPr>
-            <a:lvl3pPr marL="914400" indent="0">
-              <a:buNone/>
-              <a:defRPr sz="1800" b="1"/>
-            </a:lvl3pPr>
-            <a:lvl4pPr marL="1371600" indent="0">
-              <a:buNone/>
-              <a:defRPr sz="1600" b="1"/>
-            </a:lvl4pPr>
-            <a:lvl5pPr marL="1828800" indent="0">
-              <a:buNone/>
-              <a:defRPr sz="1600" b="1"/>
-            </a:lvl5pPr>
-            <a:lvl6pPr marL="2286000" indent="0">
-              <a:buNone/>
-              <a:defRPr sz="1600" b="1"/>
-            </a:lvl6pPr>
-            <a:lvl7pPr marL="2743200" indent="0">
-              <a:buNone/>
-              <a:defRPr sz="1600" b="1"/>
-            </a:lvl7pPr>
-            <a:lvl8pPr marL="3200400" indent="0">
-              <a:buNone/>
-              <a:defRPr sz="1600" b="1"/>
-            </a:lvl8pPr>
-            <a:lvl9pPr marL="3657600" indent="0">
-              <a:buNone/>
-              <a:defRPr sz="1600" b="1"/>
-            </a:lvl9pPr>
-          </a:lstStyle>
-          <a:p>
-            <a:pPr lvl="0"/>
-            <a:r>
-              <a:rPr lang="en-US"/>
-              <a:t>Click to edit Master text styles</a:t>
-            </a:r>
-          </a:p>
-        </p:txBody>
-      </p:sp>
-      <p:sp>
-        <p:nvSpPr>
-          <p:cNvPr id="30" name="Picture Placeholder 2"/>
-          <p:cNvSpPr>
-            <a:spLocks noGrp="1" noChangeAspect="1"/>
-          </p:cNvSpPr>
-          <p:nvPr>
-            <p:ph type="pic" idx="21"/>
-          </p:nvPr>
-        </p:nvSpPr>
-        <p:spPr>
-          <a:xfrm>
-            <a:off x="3889374" y="2209800"/>
-            <a:ext cx="2930525" cy="1524000"/>
-          </a:xfrm>
-          <a:prstGeom prst="roundRect">
-            <a:avLst>
-              <a:gd name="adj" fmla="val 1858"/>
-            </a:avLst>
-          </a:prstGeom>
-          <a:effectLst>
-            <a:outerShdw blurRad="50800" dist="50800" dir="5400000" algn="tl" rotWithShape="0">
-              <a:srgbClr val="000000">
-                <a:alpha val="43000"/>
-              </a:srgbClr>
-            </a:outerShdw>
-          </a:effectLst>
-        </p:spPr>
-        <p:txBody>
-          <a:bodyPr anchor="t">
-            <a:normAutofit/>
-          </a:bodyPr>
-          <a:lstStyle>
-            <a:lvl1pPr marL="0" indent="0" algn="ctr">
-              <a:buNone/>
-              <a:defRPr sz="1600"/>
-            </a:lvl1pPr>
-            <a:lvl2pPr marL="457200" indent="0">
-              <a:buNone/>
-              <a:defRPr sz="1600"/>
-            </a:lvl2pPr>
-            <a:lvl3pPr marL="914400" indent="0">
-              <a:buNone/>
-              <a:defRPr sz="1600"/>
-            </a:lvl3pPr>
-            <a:lvl4pPr marL="1371600" indent="0">
-              <a:buNone/>
-              <a:defRPr sz="1600"/>
-            </a:lvl4pPr>
-            <a:lvl5pPr marL="1828800" indent="0">
-              <a:buNone/>
-              <a:defRPr sz="1600"/>
-            </a:lvl5pPr>
-            <a:lvl6pPr marL="2286000" indent="0">
-              <a:buNone/>
-              <a:defRPr sz="1600"/>
-            </a:lvl6pPr>
-            <a:lvl7pPr marL="2743200" indent="0">
-              <a:buNone/>
-              <a:defRPr sz="1600"/>
-            </a:lvl7pPr>
-            <a:lvl8pPr marL="3200400" indent="0">
-              <a:buNone/>
-              <a:defRPr sz="1600"/>
-            </a:lvl8pPr>
-            <a:lvl9pPr marL="3657600" indent="0">
-              <a:buNone/>
-              <a:defRPr sz="1600"/>
-            </a:lvl9pPr>
-          </a:lstStyle>
-          <a:p>
-            <a:r>
-              <a:rPr lang="en-US"/>
-              <a:t>Click icon to add picture</a:t>
-            </a:r>
-            <a:endParaRPr lang="en-US" dirty="0"/>
-          </a:p>
-        </p:txBody>
-      </p:sp>
-      <p:sp>
-        <p:nvSpPr>
-          <p:cNvPr id="23" name="Text Placeholder 3"/>
-          <p:cNvSpPr>
-            <a:spLocks noGrp="1"/>
-          </p:cNvSpPr>
-          <p:nvPr>
-            <p:ph type="body" sz="half" idx="19"/>
-          </p:nvPr>
-        </p:nvSpPr>
-        <p:spPr>
-          <a:xfrm>
-            <a:off x="3888022" y="4827210"/>
-            <a:ext cx="2934406" cy="659189"/>
-          </a:xfrm>
-        </p:spPr>
-        <p:txBody>
-          <a:bodyPr anchor="t">
-            <a:normAutofit/>
-          </a:bodyPr>
-          <a:lstStyle>
-            <a:lvl1pPr marL="0" indent="0">
-              <a:buNone/>
-              <a:defRPr sz="1400"/>
-            </a:lvl1pPr>
-            <a:lvl2pPr marL="457200" indent="0">
-              <a:buNone/>
-              <a:defRPr sz="1200"/>
-            </a:lvl2pPr>
-            <a:lvl3pPr marL="914400" indent="0">
-              <a:buNone/>
-              <a:defRPr sz="1000"/>
-            </a:lvl3pPr>
-            <a:lvl4pPr marL="1371600" indent="0">
-              <a:buNone/>
-              <a:defRPr sz="900"/>
-            </a:lvl4pPr>
-            <a:lvl5pPr marL="1828800" indent="0">
-              <a:buNone/>
-              <a:defRPr sz="900"/>
-            </a:lvl5pPr>
-            <a:lvl6pPr marL="2286000" indent="0">
-              <a:buNone/>
-              <a:defRPr sz="900"/>
-            </a:lvl6pPr>
-            <a:lvl7pPr marL="2743200" indent="0">
-              <a:buNone/>
-              <a:defRPr sz="900"/>
-            </a:lvl7pPr>
-            <a:lvl8pPr marL="3200400" indent="0">
-              <a:buNone/>
-              <a:defRPr sz="900"/>
-            </a:lvl8pPr>
-            <a:lvl9pPr marL="3657600" indent="0">
-              <a:buNone/>
-              <a:defRPr sz="900"/>
-            </a:lvl9pPr>
-          </a:lstStyle>
-          <a:p>
-            <a:pPr lvl="0"/>
-            <a:r>
-              <a:rPr lang="en-US"/>
-              <a:t>Click to edit Master text styles</a:t>
-            </a:r>
-          </a:p>
-        </p:txBody>
-      </p:sp>
-      <p:sp>
-        <p:nvSpPr>
-          <p:cNvPr id="14" name="Text Placeholder 4"/>
-          <p:cNvSpPr>
-            <a:spLocks noGrp="1"/>
-          </p:cNvSpPr>
-          <p:nvPr>
-            <p:ph type="body" sz="quarter" idx="13"/>
-          </p:nvPr>
-        </p:nvSpPr>
-        <p:spPr>
-          <a:xfrm>
-            <a:off x="7124700" y="4250949"/>
-            <a:ext cx="2932113" cy="576262"/>
-          </a:xfrm>
-        </p:spPr>
-        <p:txBody>
-          <a:bodyPr anchor="b">
-            <a:noAutofit/>
-          </a:bodyPr>
-          <a:lstStyle>
-            <a:lvl1pPr marL="0" indent="0">
-              <a:buNone/>
-              <a:defRPr sz="2400" b="0">
-                <a:solidFill>
-                  <a:schemeClr val="bg2">
-                    <a:lumMod val="40000"/>
-                    <a:lumOff val="60000"/>
-                  </a:schemeClr>
-                </a:solidFill>
-              </a:defRPr>
-            </a:lvl1pPr>
-            <a:lvl2pPr marL="457200" indent="0">
-              <a:buNone/>
-              <a:defRPr sz="2000" b="1"/>
-            </a:lvl2pPr>
-            <a:lvl3pPr marL="914400" indent="0">
-              <a:buNone/>
-              <a:defRPr sz="1800" b="1"/>
-            </a:lvl3pPr>
-            <a:lvl4pPr marL="1371600" indent="0">
-              <a:buNone/>
-              <a:defRPr sz="1600" b="1"/>
-            </a:lvl4pPr>
-            <a:lvl5pPr marL="1828800" indent="0">
-              <a:buNone/>
-              <a:defRPr sz="1600" b="1"/>
-            </a:lvl5pPr>
-            <a:lvl6pPr marL="2286000" indent="0">
-              <a:buNone/>
-              <a:defRPr sz="1600" b="1"/>
-            </a:lvl6pPr>
-            <a:lvl7pPr marL="2743200" indent="0">
-              <a:buNone/>
-              <a:defRPr sz="1600" b="1"/>
-            </a:lvl7pPr>
-            <a:lvl8pPr marL="3200400" indent="0">
-              <a:buNone/>
-              <a:defRPr sz="1600" b="1"/>
-            </a:lvl8pPr>
-            <a:lvl9pPr marL="3657600" indent="0">
-              <a:buNone/>
-              <a:defRPr sz="1600" b="1"/>
-            </a:lvl9pPr>
-          </a:lstStyle>
-          <a:p>
-            <a:pPr lvl="0"/>
-            <a:r>
-              <a:rPr lang="en-US"/>
-              <a:t>Click to edit Master text styles</a:t>
-            </a:r>
-          </a:p>
-        </p:txBody>
-      </p:sp>
-      <p:sp>
-        <p:nvSpPr>
-          <p:cNvPr id="31" name="Picture Placeholder 2"/>
-          <p:cNvSpPr>
-            <a:spLocks noGrp="1" noChangeAspect="1"/>
-          </p:cNvSpPr>
-          <p:nvPr>
-            <p:ph type="pic" idx="22"/>
-          </p:nvPr>
-        </p:nvSpPr>
-        <p:spPr>
-          <a:xfrm>
-            <a:off x="7124699" y="2209800"/>
-            <a:ext cx="2932113" cy="1524000"/>
-          </a:xfrm>
-          <a:prstGeom prst="roundRect">
-            <a:avLst>
-              <a:gd name="adj" fmla="val 1858"/>
-            </a:avLst>
-          </a:prstGeom>
-          <a:effectLst>
-            <a:outerShdw blurRad="50800" dist="50800" dir="5400000" algn="tl" rotWithShape="0">
-              <a:srgbClr val="000000">
-                <a:alpha val="43000"/>
-              </a:srgbClr>
-            </a:outerShdw>
-          </a:effectLst>
-        </p:spPr>
-        <p:txBody>
-          <a:bodyPr anchor="t">
-            <a:normAutofit/>
-          </a:bodyPr>
-          <a:lstStyle>
-            <a:lvl1pPr marL="0" indent="0" algn="ctr">
-              <a:buNone/>
-              <a:defRPr sz="1600"/>
-            </a:lvl1pPr>
-            <a:lvl2pPr marL="457200" indent="0">
-              <a:buNone/>
-              <a:defRPr sz="1600"/>
-            </a:lvl2pPr>
-            <a:lvl3pPr marL="914400" indent="0">
-              <a:buNone/>
-              <a:defRPr sz="1600"/>
-            </a:lvl3pPr>
-            <a:lvl4pPr marL="1371600" indent="0">
-              <a:buNone/>
-              <a:defRPr sz="1600"/>
-            </a:lvl4pPr>
-            <a:lvl5pPr marL="1828800" indent="0">
-              <a:buNone/>
-              <a:defRPr sz="1600"/>
-            </a:lvl5pPr>
-            <a:lvl6pPr marL="2286000" indent="0">
-              <a:buNone/>
-              <a:defRPr sz="1600"/>
-            </a:lvl6pPr>
-            <a:lvl7pPr marL="2743200" indent="0">
-              <a:buNone/>
-              <a:defRPr sz="1600"/>
-            </a:lvl7pPr>
-            <a:lvl8pPr marL="3200400" indent="0">
-              <a:buNone/>
-              <a:defRPr sz="1600"/>
-            </a:lvl8pPr>
-            <a:lvl9pPr marL="3657600" indent="0">
-              <a:buNone/>
-              <a:defRPr sz="1600"/>
-            </a:lvl9pPr>
-          </a:lstStyle>
-          <a:p>
-            <a:r>
-              <a:rPr lang="en-US"/>
-              <a:t>Click icon to add picture</a:t>
-            </a:r>
-            <a:endParaRPr lang="en-US" dirty="0"/>
-          </a:p>
-        </p:txBody>
-      </p:sp>
-      <p:sp>
-        <p:nvSpPr>
-          <p:cNvPr id="24" name="Text Placeholder 3"/>
-          <p:cNvSpPr>
-            <a:spLocks noGrp="1"/>
-          </p:cNvSpPr>
-          <p:nvPr>
-            <p:ph type="body" sz="half" idx="20"/>
-          </p:nvPr>
-        </p:nvSpPr>
-        <p:spPr>
-          <a:xfrm>
-            <a:off x="7124575" y="4827208"/>
-            <a:ext cx="2935997" cy="659189"/>
-          </a:xfrm>
-        </p:spPr>
-        <p:txBody>
-          <a:bodyPr anchor="t">
-            <a:normAutofit/>
-          </a:bodyPr>
-          <a:lstStyle>
-            <a:lvl1pPr marL="0" indent="0">
-              <a:buNone/>
-              <a:defRPr sz="1400"/>
-            </a:lvl1pPr>
-            <a:lvl2pPr marL="457200" indent="0">
-              <a:buNone/>
-              <a:defRPr sz="1200"/>
-            </a:lvl2pPr>
-            <a:lvl3pPr marL="914400" indent="0">
-              <a:buNone/>
-              <a:defRPr sz="1000"/>
-            </a:lvl3pPr>
-            <a:lvl4pPr marL="1371600" indent="0">
-              <a:buNone/>
-              <a:defRPr sz="900"/>
-            </a:lvl4pPr>
-            <a:lvl5pPr marL="1828800" indent="0">
-              <a:buNone/>
-              <a:defRPr sz="900"/>
-            </a:lvl5pPr>
-            <a:lvl6pPr marL="2286000" indent="0">
-              <a:buNone/>
-              <a:defRPr sz="900"/>
-            </a:lvl6pPr>
-            <a:lvl7pPr marL="2743200" indent="0">
-              <a:buNone/>
-              <a:defRPr sz="900"/>
-            </a:lvl7pPr>
-            <a:lvl8pPr marL="3200400" indent="0">
-              <a:buNone/>
-              <a:defRPr sz="900"/>
-            </a:lvl8pPr>
-            <a:lvl9pPr marL="3657600" indent="0">
-              <a:buNone/>
-              <a:defRPr sz="900"/>
-            </a:lvl9pPr>
-          </a:lstStyle>
-          <a:p>
-            <a:pPr lvl="0"/>
-            <a:r>
-              <a:rPr lang="en-US"/>
-              <a:t>Click to edit Master text styles</a:t>
-            </a:r>
-          </a:p>
-        </p:txBody>
-      </p:sp>
-      <p:cxnSp>
-        <p:nvCxnSpPr>
-          <p:cNvPr id="19" name="Straight Connector 18"/>
-          <p:cNvCxnSpPr/>
-          <p:nvPr/>
-        </p:nvCxnSpPr>
-        <p:spPr>
-          <a:xfrm>
-            <a:off x="3726142" y="2133600"/>
-            <a:ext cx="0" cy="3962400"/>
-          </a:xfrm>
-          <a:prstGeom prst="line">
-            <a:avLst/>
-          </a:prstGeom>
-          <a:ln w="12700" cmpd="sng">
-            <a:solidFill>
-              <a:schemeClr val="bg2">
-                <a:lumMod val="40000"/>
-                <a:lumOff val="60000"/>
-                <a:alpha val="40000"/>
-              </a:schemeClr>
-            </a:solidFill>
-          </a:ln>
-        </p:spPr>
-        <p:style>
-          <a:lnRef idx="2">
-            <a:schemeClr val="accent1"/>
-          </a:lnRef>
-          <a:fillRef idx="0">
-            <a:schemeClr val="accent1"/>
-          </a:fillRef>
-          <a:effectRef idx="1">
-            <a:schemeClr val="accent1"/>
-          </a:effectRef>
-          <a:fontRef idx="minor">
-            <a:schemeClr val="tx1"/>
-          </a:fontRef>
-        </p:style>
-      </p:cxnSp>
-      <p:cxnSp>
-        <p:nvCxnSpPr>
-          <p:cNvPr id="20" name="Straight Connector 19"/>
-          <p:cNvCxnSpPr/>
-          <p:nvPr/>
-        </p:nvCxnSpPr>
-        <p:spPr>
-          <a:xfrm>
-            <a:off x="6962227" y="2133600"/>
-            <a:ext cx="0" cy="3966882"/>
-          </a:xfrm>
-          <a:prstGeom prst="line">
-            <a:avLst/>
-          </a:prstGeom>
-          <a:ln w="12700" cmpd="sng">
-            <a:solidFill>
-              <a:schemeClr val="bg2">
-                <a:lumMod val="40000"/>
-                <a:lumOff val="60000"/>
-                <a:alpha val="40000"/>
-              </a:schemeClr>
-            </a:solidFill>
-          </a:ln>
-        </p:spPr>
-        <p:style>
-          <a:lnRef idx="2">
-            <a:schemeClr val="accent1"/>
-          </a:lnRef>
-          <a:fillRef idx="0">
-            <a:schemeClr val="accent1"/>
-          </a:fillRef>
-          <a:effectRef idx="1">
-            <a:schemeClr val="accent1"/>
-          </a:effectRef>
-          <a:fontRef idx="minor">
-            <a:schemeClr val="tx1"/>
-          </a:fontRef>
-        </p:style>
-      </p:cxnSp>
-      <p:sp>
-        <p:nvSpPr>
-          <p:cNvPr id="7" name="Date Placeholder 3"/>
-          <p:cNvSpPr>
-            <a:spLocks noGrp="1"/>
-          </p:cNvSpPr>
-          <p:nvPr>
-            <p:ph type="dt" sz="half" idx="10"/>
-          </p:nvPr>
-        </p:nvSpPr>
-        <p:spPr/>
-        <p:txBody>
-          <a:bodyPr/>
-          <a:lstStyle/>
-          <a:p>
-            <a:fld id="{F4C6FC4E-C84B-4657-97FD-F4C92E31B913}" type="datetimeFigureOut">
-              <a:rPr lang="en-US" smtClean="0"/>
-              <a:t>6/25/2020</a:t>
-            </a:fld>
-            <a:endParaRPr lang="en-US"/>
-          </a:p>
-        </p:txBody>
-      </p:sp>
-      <p:sp>
-        <p:nvSpPr>
-          <p:cNvPr id="4" name="Footer Placeholder 4"/>
-          <p:cNvSpPr>
-            <a:spLocks noGrp="1"/>
-          </p:cNvSpPr>
-          <p:nvPr>
-            <p:ph type="ftr" sz="quarter" idx="11"/>
-          </p:nvPr>
-        </p:nvSpPr>
-        <p:spPr/>
-        <p:txBody>
-          <a:bodyPr/>
-          <a:lstStyle/>
-          <a:p>
-            <a:endParaRPr lang="en-US"/>
-          </a:p>
-        </p:txBody>
-      </p:sp>
-      <p:sp>
-        <p:nvSpPr>
-          <p:cNvPr id="6" name="Slide Number Placeholder 5"/>
-          <p:cNvSpPr>
-            <a:spLocks noGrp="1"/>
-          </p:cNvSpPr>
-          <p:nvPr>
-            <p:ph type="sldNum" sz="quarter" idx="12"/>
-          </p:nvPr>
-        </p:nvSpPr>
-        <p:spPr/>
-        <p:txBody>
-          <a:bodyPr/>
-          <a:lstStyle/>
-          <a:p>
-            <a:fld id="{F1D20B05-C423-423F-BECE-6249FDC28811}" type="slidenum">
-              <a:rPr lang="en-US" smtClean="0"/>
-              <a:t>‹#›</a:t>
-            </a:fld>
-            <a:endParaRPr lang="en-US"/>
-          </a:p>
-        </p:txBody>
-      </p:sp>
-    </p:spTree>
-    <p:extLst>
-      <p:ext uri="{BB962C8B-B14F-4D97-AF65-F5344CB8AC3E}">
-        <p14:creationId xmlns:p14="http://schemas.microsoft.com/office/powerpoint/2010/main" val="2595380956"/>
-      </p:ext>
-    </p:extLst>
-  </p:cSld>
-  <p:clrMapOvr>
-    <a:masterClrMapping/>
-  </p:clrMapOvr>
-</p:sldLayout>
-</file>
-
-<file path=ppt/slideLayouts/slideLayout16.xml><?xml version="1.0" encoding="utf-8"?>
-<p:sldLayout xmlns:a="http://schemas.openxmlformats.org/drawingml/2006/main" xmlns:r="http://schemas.openxmlformats.org/officeDocument/2006/relationships" xmlns:p="http://schemas.openxmlformats.org/presentationml/2006/main" type="vertTx" preserve="1">
-  <p:cSld name="Title and Vertical Text">
-    <p:spTree>
-      <p:nvGrpSpPr>
-        <p:cNvPr id="1" name=""/>
-        <p:cNvGrpSpPr/>
-        <p:nvPr/>
-      </p:nvGrpSpPr>
-      <p:grpSpPr>
-        <a:xfrm>
-          <a:off x="0" y="0"/>
-          <a:ext cx="0" cy="0"/>
-          <a:chOff x="0" y="0"/>
-          <a:chExt cx="0" cy="0"/>
-        </a:xfrm>
-      </p:grpSpPr>
-      <p:sp>
-        <p:nvSpPr>
-          <p:cNvPr id="2" name="Title 1"/>
-          <p:cNvSpPr>
-            <a:spLocks noGrp="1"/>
-          </p:cNvSpPr>
-          <p:nvPr>
-            <p:ph type="title"/>
-          </p:nvPr>
-        </p:nvSpPr>
-        <p:spPr/>
-        <p:txBody>
-          <a:bodyPr/>
-          <a:lstStyle/>
-          <a:p>
-            <a:r>
-              <a:rPr lang="en-US"/>
-              <a:t>Click to edit Master title style</a:t>
-            </a:r>
-            <a:endParaRPr lang="en-US" dirty="0"/>
-          </a:p>
-        </p:txBody>
-      </p:sp>
-      <p:sp>
-        <p:nvSpPr>
-          <p:cNvPr id="3" name="Vertical Text Placeholder 2"/>
-          <p:cNvSpPr>
-            <a:spLocks noGrp="1"/>
-          </p:cNvSpPr>
-          <p:nvPr>
-            <p:ph type="body" orient="vert" idx="1"/>
-          </p:nvPr>
-        </p:nvSpPr>
-        <p:spPr/>
-        <p:txBody>
-          <a:bodyPr vert="eaVert" anchor="t" anchorCtr="0"/>
-          <a:lstStyle/>
-          <a:p>
-            <a:pPr lvl="0"/>
-            <a:r>
-              <a:rPr lang="en-US"/>
-              <a:t>Click to edit Master text styles</a:t>
-            </a:r>
-          </a:p>
-          <a:p>
-            <a:pPr lvl="1"/>
-            <a:r>
-              <a:rPr lang="en-US"/>
-              <a:t>Second level</a:t>
-            </a:r>
-          </a:p>
-          <a:p>
-            <a:pPr lvl="2"/>
-            <a:r>
-              <a:rPr lang="en-US"/>
-              <a:t>Third level</a:t>
-            </a:r>
-          </a:p>
-          <a:p>
-            <a:pPr lvl="3"/>
-            <a:r>
-              <a:rPr lang="en-US"/>
-              <a:t>Fourth level</a:t>
-            </a:r>
-          </a:p>
-          <a:p>
-            <a:pPr lvl="4"/>
-            <a:r>
-              <a:rPr lang="en-US"/>
-              <a:t>Fifth level</a:t>
-            </a:r>
-            <a:endParaRPr lang="en-US" dirty="0"/>
-          </a:p>
-        </p:txBody>
-      </p:sp>
-      <p:sp>
-        <p:nvSpPr>
-          <p:cNvPr id="4" name="Date Placeholder 3"/>
-          <p:cNvSpPr>
-            <a:spLocks noGrp="1"/>
-          </p:cNvSpPr>
-          <p:nvPr>
-            <p:ph type="dt" sz="half" idx="10"/>
-          </p:nvPr>
-        </p:nvSpPr>
-        <p:spPr/>
-        <p:txBody>
-          <a:bodyPr/>
-          <a:lstStyle/>
-          <a:p>
-            <a:fld id="{F4C6FC4E-C84B-4657-97FD-F4C92E31B913}" type="datetimeFigureOut">
-              <a:rPr lang="en-US" smtClean="0"/>
-              <a:t>6/25/2020</a:t>
-            </a:fld>
-            <a:endParaRPr lang="en-US"/>
-          </a:p>
-        </p:txBody>
-      </p:sp>
-      <p:sp>
-        <p:nvSpPr>
-          <p:cNvPr id="5" name="Footer Placeholder 4"/>
-          <p:cNvSpPr>
-            <a:spLocks noGrp="1"/>
-          </p:cNvSpPr>
-          <p:nvPr>
-            <p:ph type="ftr" sz="quarter" idx="11"/>
-          </p:nvPr>
-        </p:nvSpPr>
-        <p:spPr/>
-        <p:txBody>
-          <a:bodyPr/>
-          <a:lstStyle/>
-          <a:p>
-            <a:endParaRPr lang="en-US"/>
-          </a:p>
-        </p:txBody>
-      </p:sp>
-      <p:sp>
-        <p:nvSpPr>
-          <p:cNvPr id="6" name="Slide Number Placeholder 5"/>
-          <p:cNvSpPr>
-            <a:spLocks noGrp="1"/>
-          </p:cNvSpPr>
-          <p:nvPr>
-            <p:ph type="sldNum" sz="quarter" idx="12"/>
-          </p:nvPr>
-        </p:nvSpPr>
-        <p:spPr/>
-        <p:txBody>
-          <a:bodyPr/>
-          <a:lstStyle/>
-          <a:p>
-            <a:fld id="{F1D20B05-C423-423F-BECE-6249FDC28811}" type="slidenum">
-              <a:rPr lang="en-US" smtClean="0"/>
-              <a:t>‹#›</a:t>
-            </a:fld>
-            <a:endParaRPr lang="en-US"/>
-          </a:p>
-        </p:txBody>
-      </p:sp>
-    </p:spTree>
-    <p:extLst>
-      <p:ext uri="{BB962C8B-B14F-4D97-AF65-F5344CB8AC3E}">
-        <p14:creationId xmlns:p14="http://schemas.microsoft.com/office/powerpoint/2010/main" val="1774239857"/>
-      </p:ext>
-    </p:extLst>
-  </p:cSld>
-  <p:clrMapOvr>
-    <a:masterClrMapping/>
-  </p:clrMapOvr>
-</p:sldLayout>
-</file>
-
-<file path=ppt/slideLayouts/slideLayout17.xml><?xml version="1.0" encoding="utf-8"?>
-<p:sldLayout xmlns:a="http://schemas.openxmlformats.org/drawingml/2006/main" xmlns:r="http://schemas.openxmlformats.org/officeDocument/2006/relationships" xmlns:p="http://schemas.openxmlformats.org/presentationml/2006/main" type="vertTitleAndTx" preserve="1">
-  <p:cSld name="Vertical Title and Text">
-    <p:spTree>
-      <p:nvGrpSpPr>
-        <p:cNvPr id="1" name=""/>
-        <p:cNvGrpSpPr/>
-        <p:nvPr/>
-      </p:nvGrpSpPr>
-      <p:grpSpPr>
-        <a:xfrm>
-          <a:off x="0" y="0"/>
-          <a:ext cx="0" cy="0"/>
-          <a:chOff x="0" y="0"/>
-          <a:chExt cx="0" cy="0"/>
-        </a:xfrm>
-      </p:grpSpPr>
-      <p:sp>
-        <p:nvSpPr>
-          <p:cNvPr id="2" name="Vertical Title 1"/>
-          <p:cNvSpPr>
-            <a:spLocks noGrp="1"/>
-          </p:cNvSpPr>
-          <p:nvPr>
-            <p:ph type="title" orient="vert"/>
-          </p:nvPr>
-        </p:nvSpPr>
-        <p:spPr>
-          <a:xfrm>
-            <a:off x="8304212" y="430213"/>
-            <a:ext cx="1752601" cy="5826125"/>
-          </a:xfrm>
-        </p:spPr>
-        <p:txBody>
-          <a:bodyPr vert="eaVert" anchor="b" anchorCtr="0"/>
-          <a:lstStyle/>
-          <a:p>
-            <a:r>
-              <a:rPr lang="en-US"/>
-              <a:t>Click to edit Master title style</a:t>
-            </a:r>
-            <a:endParaRPr lang="en-US" dirty="0"/>
-          </a:p>
-        </p:txBody>
-      </p:sp>
-      <p:sp>
-        <p:nvSpPr>
-          <p:cNvPr id="3" name="Vertical Text Placeholder 2"/>
-          <p:cNvSpPr>
-            <a:spLocks noGrp="1"/>
-          </p:cNvSpPr>
-          <p:nvPr>
-            <p:ph type="body" orient="vert" idx="1"/>
-          </p:nvPr>
-        </p:nvSpPr>
-        <p:spPr>
-          <a:xfrm>
-            <a:off x="652463" y="887414"/>
-            <a:ext cx="7423149" cy="5368924"/>
-          </a:xfrm>
-        </p:spPr>
-        <p:txBody>
-          <a:bodyPr vert="eaVert"/>
-          <a:lstStyle/>
-          <a:p>
-            <a:pPr lvl="0"/>
-            <a:r>
-              <a:rPr lang="en-US"/>
-              <a:t>Click to edit Master text styles</a:t>
-            </a:r>
-          </a:p>
-          <a:p>
-            <a:pPr lvl="1"/>
-            <a:r>
-              <a:rPr lang="en-US"/>
-              <a:t>Second level</a:t>
-            </a:r>
-          </a:p>
-          <a:p>
-            <a:pPr lvl="2"/>
-            <a:r>
-              <a:rPr lang="en-US"/>
-              <a:t>Third level</a:t>
-            </a:r>
-          </a:p>
-          <a:p>
-            <a:pPr lvl="3"/>
-            <a:r>
-              <a:rPr lang="en-US"/>
-              <a:t>Fourth level</a:t>
-            </a:r>
-          </a:p>
-          <a:p>
-            <a:pPr lvl="4"/>
-            <a:r>
-              <a:rPr lang="en-US"/>
-              <a:t>Fifth level</a:t>
-            </a:r>
-            <a:endParaRPr lang="en-US" dirty="0"/>
-          </a:p>
-        </p:txBody>
-      </p:sp>
-      <p:sp>
-        <p:nvSpPr>
-          <p:cNvPr id="4" name="Date Placeholder 3"/>
-          <p:cNvSpPr>
-            <a:spLocks noGrp="1"/>
-          </p:cNvSpPr>
-          <p:nvPr>
-            <p:ph type="dt" sz="half" idx="10"/>
-          </p:nvPr>
-        </p:nvSpPr>
-        <p:spPr/>
-        <p:txBody>
-          <a:bodyPr/>
-          <a:lstStyle/>
-          <a:p>
-            <a:fld id="{F4C6FC4E-C84B-4657-97FD-F4C92E31B913}" type="datetimeFigureOut">
-              <a:rPr lang="en-US" smtClean="0"/>
-              <a:t>6/25/2020</a:t>
-            </a:fld>
-            <a:endParaRPr lang="en-US"/>
-          </a:p>
-        </p:txBody>
-      </p:sp>
-      <p:sp>
-        <p:nvSpPr>
-          <p:cNvPr id="5" name="Footer Placeholder 4"/>
-          <p:cNvSpPr>
-            <a:spLocks noGrp="1"/>
-          </p:cNvSpPr>
-          <p:nvPr>
-            <p:ph type="ftr" sz="quarter" idx="11"/>
-          </p:nvPr>
-        </p:nvSpPr>
-        <p:spPr/>
-        <p:txBody>
-          <a:bodyPr/>
-          <a:lstStyle/>
-          <a:p>
-            <a:endParaRPr lang="en-US"/>
-          </a:p>
-        </p:txBody>
-      </p:sp>
-      <p:sp>
-        <p:nvSpPr>
-          <p:cNvPr id="6" name="Slide Number Placeholder 5"/>
-          <p:cNvSpPr>
-            <a:spLocks noGrp="1"/>
-          </p:cNvSpPr>
-          <p:nvPr>
-            <p:ph type="sldNum" sz="quarter" idx="12"/>
-          </p:nvPr>
-        </p:nvSpPr>
-        <p:spPr/>
-        <p:txBody>
-          <a:bodyPr/>
-          <a:lstStyle/>
-          <a:p>
-            <a:fld id="{F1D20B05-C423-423F-BECE-6249FDC28811}" type="slidenum">
-              <a:rPr lang="en-US" smtClean="0"/>
-              <a:t>‹#›</a:t>
-            </a:fld>
-            <a:endParaRPr lang="en-US"/>
-          </a:p>
-        </p:txBody>
-      </p:sp>
-    </p:spTree>
-    <p:extLst>
-      <p:ext uri="{BB962C8B-B14F-4D97-AF65-F5344CB8AC3E}">
-        <p14:creationId xmlns:p14="http://schemas.microsoft.com/office/powerpoint/2010/main" val="1792674708"/>
-      </p:ext>
-    </p:extLst>
-  </p:cSld>
-  <p:clrMapOvr>
-    <a:masterClrMapping/>
-  </p:clrMapOvr>
-</p:sldLayout>
-</file>
-
-<file path=ppt/slideLayouts/slideLayout2.xml><?xml version="1.0" encoding="utf-8"?>
-<p:sldLayout xmlns:a="http://schemas.openxmlformats.org/drawingml/2006/main" xmlns:r="http://schemas.openxmlformats.org/officeDocument/2006/relationships" xmlns:p="http://schemas.openxmlformats.org/presentationml/2006/main" type="obj" preserve="1">
-  <p:cSld name="Title and Content">
-    <p:spTree>
-      <p:nvGrpSpPr>
-        <p:cNvPr id="1" name=""/>
-        <p:cNvGrpSpPr/>
-        <p:nvPr/>
-      </p:nvGrpSpPr>
-      <p:grpSpPr>
-        <a:xfrm>
-          <a:off x="0" y="0"/>
-          <a:ext cx="0" cy="0"/>
-          <a:chOff x="0" y="0"/>
-          <a:chExt cx="0" cy="0"/>
-        </a:xfrm>
-      </p:grpSpPr>
-      <p:sp>
-        <p:nvSpPr>
-          <p:cNvPr id="2" name="Title 1"/>
-          <p:cNvSpPr>
-            <a:spLocks noGrp="1"/>
-          </p:cNvSpPr>
-          <p:nvPr>
-            <p:ph type="title"/>
-          </p:nvPr>
-        </p:nvSpPr>
-        <p:spPr/>
-        <p:txBody>
-          <a:bodyPr/>
-          <a:lstStyle/>
-          <a:p>
-            <a:r>
-              <a:rPr lang="en-US"/>
-              <a:t>Click to edit Master title style</a:t>
-            </a:r>
-            <a:endParaRPr lang="en-US" dirty="0"/>
-          </a:p>
-        </p:txBody>
-      </p:sp>
-      <p:sp>
-        <p:nvSpPr>
-          <p:cNvPr id="3" name="Content Placeholder 2"/>
-          <p:cNvSpPr>
-            <a:spLocks noGrp="1"/>
-          </p:cNvSpPr>
-          <p:nvPr>
-            <p:ph idx="1"/>
-          </p:nvPr>
-        </p:nvSpPr>
-        <p:spPr/>
-        <p:txBody>
-          <a:bodyPr/>
-          <a:lstStyle/>
-          <a:p>
-            <a:pPr lvl="0"/>
-            <a:r>
-              <a:rPr lang="en-US"/>
-              <a:t>Click to edit Master text styles</a:t>
-            </a:r>
-          </a:p>
-          <a:p>
-            <a:pPr lvl="1"/>
-            <a:r>
-              <a:rPr lang="en-US"/>
-              <a:t>Second level</a:t>
-            </a:r>
-          </a:p>
-          <a:p>
-            <a:pPr lvl="2"/>
-            <a:r>
-              <a:rPr lang="en-US"/>
-              <a:t>Third level</a:t>
-            </a:r>
-          </a:p>
-          <a:p>
-            <a:pPr lvl="3"/>
-            <a:r>
-              <a:rPr lang="en-US"/>
-              <a:t>Fourth level</a:t>
-            </a:r>
-          </a:p>
-          <a:p>
-            <a:pPr lvl="4"/>
-            <a:r>
-              <a:rPr lang="en-US"/>
-              <a:t>Fifth level</a:t>
-            </a:r>
-            <a:endParaRPr lang="en-US" dirty="0"/>
-          </a:p>
-        </p:txBody>
-      </p:sp>
-      <p:sp>
-        <p:nvSpPr>
-          <p:cNvPr id="7" name="Date Placeholder 3"/>
-          <p:cNvSpPr>
-            <a:spLocks noGrp="1"/>
-          </p:cNvSpPr>
-          <p:nvPr>
-            <p:ph type="dt" sz="half" idx="10"/>
-          </p:nvPr>
-        </p:nvSpPr>
-        <p:spPr/>
-        <p:txBody>
-          <a:bodyPr/>
-          <a:lstStyle/>
-          <a:p>
-            <a:fld id="{F4C6FC4E-C84B-4657-97FD-F4C92E31B913}" type="datetimeFigureOut">
-              <a:rPr lang="en-US" smtClean="0"/>
-              <a:t>6/25/2020</a:t>
-            </a:fld>
-            <a:endParaRPr lang="en-US"/>
-          </a:p>
-        </p:txBody>
-      </p:sp>
-      <p:sp>
-        <p:nvSpPr>
-          <p:cNvPr id="5" name="Footer Placeholder 4"/>
-          <p:cNvSpPr>
-            <a:spLocks noGrp="1"/>
-          </p:cNvSpPr>
-          <p:nvPr>
-            <p:ph type="ftr" sz="quarter" idx="11"/>
-          </p:nvPr>
-        </p:nvSpPr>
-        <p:spPr/>
-        <p:txBody>
-          <a:bodyPr/>
-          <a:lstStyle/>
-          <a:p>
-            <a:endParaRPr lang="en-US"/>
-          </a:p>
-        </p:txBody>
-      </p:sp>
-      <p:sp>
-        <p:nvSpPr>
-          <p:cNvPr id="6" name="Slide Number Placeholder 5"/>
-          <p:cNvSpPr>
-            <a:spLocks noGrp="1"/>
-          </p:cNvSpPr>
-          <p:nvPr>
-            <p:ph type="sldNum" sz="quarter" idx="12"/>
-          </p:nvPr>
-        </p:nvSpPr>
-        <p:spPr/>
-        <p:txBody>
-          <a:bodyPr/>
-          <a:lstStyle/>
-          <a:p>
-            <a:fld id="{F1D20B05-C423-423F-BECE-6249FDC28811}" type="slidenum">
-              <a:rPr lang="en-US" smtClean="0"/>
-              <a:t>‹#›</a:t>
-            </a:fld>
-            <a:endParaRPr lang="en-US"/>
-          </a:p>
-        </p:txBody>
-      </p:sp>
-    </p:spTree>
-    <p:extLst>
-      <p:ext uri="{BB962C8B-B14F-4D97-AF65-F5344CB8AC3E}">
-        <p14:creationId xmlns:p14="http://schemas.microsoft.com/office/powerpoint/2010/main" val="3162962399"/>
-      </p:ext>
-    </p:extLst>
-  </p:cSld>
-  <p:clrMapOvr>
-    <a:masterClrMapping/>
-  </p:clrMapOvr>
-</p:sldLayout>
-</file>
-
-<file path=ppt/slideLayouts/slideLayout3.xml><?xml version="1.0" encoding="utf-8"?>
-<p:sldLayout xmlns:a="http://schemas.openxmlformats.org/drawingml/2006/main" xmlns:r="http://schemas.openxmlformats.org/officeDocument/2006/relationships" xmlns:p="http://schemas.openxmlformats.org/presentationml/2006/main" type="secHead" preserve="1">
-  <p:cSld name="Section Header">
-    <p:spTree>
-      <p:nvGrpSpPr>
-        <p:cNvPr id="1" name=""/>
-        <p:cNvGrpSpPr/>
-        <p:nvPr/>
-      </p:nvGrpSpPr>
-      <p:grpSpPr>
-        <a:xfrm>
-          <a:off x="0" y="0"/>
-          <a:ext cx="0" cy="0"/>
-          <a:chOff x="0" y="0"/>
-          <a:chExt cx="0" cy="0"/>
-        </a:xfrm>
-      </p:grpSpPr>
-      <p:sp>
-        <p:nvSpPr>
-          <p:cNvPr id="2" name="Title 1"/>
-          <p:cNvSpPr>
-            <a:spLocks noGrp="1"/>
-          </p:cNvSpPr>
-          <p:nvPr>
-            <p:ph type="title"/>
-          </p:nvPr>
-        </p:nvSpPr>
-        <p:spPr>
-          <a:xfrm>
-            <a:off x="1154956" y="2861733"/>
-            <a:ext cx="8825657" cy="1915647"/>
-          </a:xfrm>
-        </p:spPr>
-        <p:txBody>
-          <a:bodyPr anchor="b"/>
-          <a:lstStyle>
-            <a:lvl1pPr algn="l">
-              <a:defRPr sz="4000" b="0" cap="none"/>
-            </a:lvl1pPr>
-          </a:lstStyle>
-          <a:p>
-            <a:r>
-              <a:rPr lang="en-US"/>
-              <a:t>Click to edit Master title style</a:t>
-            </a:r>
-            <a:endParaRPr lang="en-US" dirty="0"/>
-          </a:p>
-        </p:txBody>
-      </p:sp>
-      <p:sp>
-        <p:nvSpPr>
-          <p:cNvPr id="3" name="Text Placeholder 2"/>
-          <p:cNvSpPr>
-            <a:spLocks noGrp="1"/>
-          </p:cNvSpPr>
-          <p:nvPr>
-            <p:ph type="body" idx="1"/>
-          </p:nvPr>
-        </p:nvSpPr>
-        <p:spPr>
-          <a:xfrm>
-            <a:off x="1154955" y="4777381"/>
-            <a:ext cx="8825658" cy="860400"/>
-          </a:xfrm>
-        </p:spPr>
-        <p:txBody>
-          <a:bodyPr anchor="t"/>
-          <a:lstStyle>
-            <a:lvl1pPr marL="0" indent="0" algn="l">
-              <a:buNone/>
-              <a:defRPr sz="2000" cap="all">
-                <a:solidFill>
-                  <a:schemeClr val="bg2">
-                    <a:lumMod val="40000"/>
-                    <a:lumOff val="60000"/>
-                  </a:schemeClr>
-                </a:solidFill>
-              </a:defRPr>
-            </a:lvl1pPr>
-            <a:lvl2pPr marL="457200" indent="0">
-              <a:buNone/>
-              <a:defRPr sz="1800">
-                <a:solidFill>
-                  <a:schemeClr val="tx1">
-                    <a:tint val="75000"/>
-                  </a:schemeClr>
-                </a:solidFill>
-              </a:defRPr>
-            </a:lvl2pPr>
-            <a:lvl3pPr marL="914400" indent="0">
-              <a:buNone/>
-              <a:defRPr sz="1600">
-                <a:solidFill>
-                  <a:schemeClr val="tx1">
-                    <a:tint val="75000"/>
-                  </a:schemeClr>
-                </a:solidFill>
-              </a:defRPr>
-            </a:lvl3pPr>
-            <a:lvl4pPr marL="1371600" indent="0">
-              <a:buNone/>
-              <a:defRPr sz="1400">
-                <a:solidFill>
-                  <a:schemeClr val="tx1">
-                    <a:tint val="75000"/>
-                  </a:schemeClr>
-                </a:solidFill>
-              </a:defRPr>
-            </a:lvl4pPr>
-            <a:lvl5pPr marL="1828800" indent="0">
-              <a:buNone/>
-              <a:defRPr sz="1400">
-                <a:solidFill>
-                  <a:schemeClr val="tx1">
-                    <a:tint val="75000"/>
-                  </a:schemeClr>
-                </a:solidFill>
-              </a:defRPr>
-            </a:lvl5pPr>
-            <a:lvl6pPr marL="2286000" indent="0">
-              <a:buNone/>
-              <a:defRPr sz="1400">
-                <a:solidFill>
-                  <a:schemeClr val="tx1">
-                    <a:tint val="75000"/>
-                  </a:schemeClr>
-                </a:solidFill>
-              </a:defRPr>
-            </a:lvl6pPr>
-            <a:lvl7pPr marL="2743200" indent="0">
-              <a:buNone/>
-              <a:defRPr sz="1400">
-                <a:solidFill>
-                  <a:schemeClr val="tx1">
-                    <a:tint val="75000"/>
-                  </a:schemeClr>
-                </a:solidFill>
-              </a:defRPr>
-            </a:lvl7pPr>
-            <a:lvl8pPr marL="3200400" indent="0">
-              <a:buNone/>
-              <a:defRPr sz="1400">
-                <a:solidFill>
-                  <a:schemeClr val="tx1">
-                    <a:tint val="75000"/>
-                  </a:schemeClr>
-                </a:solidFill>
-              </a:defRPr>
-            </a:lvl8pPr>
-            <a:lvl9pPr marL="3657600" indent="0">
-              <a:buNone/>
-              <a:defRPr sz="1400">
-                <a:solidFill>
-                  <a:schemeClr val="tx1">
-                    <a:tint val="75000"/>
-                  </a:schemeClr>
-                </a:solidFill>
-              </a:defRPr>
-            </a:lvl9pPr>
-          </a:lstStyle>
-          <a:p>
-            <a:pPr lvl="0"/>
-            <a:r>
-              <a:rPr lang="en-US"/>
-              <a:t>Click to edit Master text styles</a:t>
-            </a:r>
-          </a:p>
-        </p:txBody>
-      </p:sp>
-      <p:sp>
-        <p:nvSpPr>
-          <p:cNvPr id="4" name="Date Placeholder 3"/>
-          <p:cNvSpPr>
-            <a:spLocks noGrp="1"/>
-          </p:cNvSpPr>
-          <p:nvPr>
-            <p:ph type="dt" sz="half" idx="10"/>
-          </p:nvPr>
-        </p:nvSpPr>
-        <p:spPr/>
-        <p:txBody>
-          <a:bodyPr/>
-          <a:lstStyle/>
-          <a:p>
-            <a:fld id="{F4C6FC4E-C84B-4657-97FD-F4C92E31B913}" type="datetimeFigureOut">
-              <a:rPr lang="en-US" smtClean="0"/>
-              <a:t>6/25/2020</a:t>
-            </a:fld>
-            <a:endParaRPr lang="en-US"/>
-          </a:p>
-        </p:txBody>
-      </p:sp>
-      <p:sp>
-        <p:nvSpPr>
-          <p:cNvPr id="5" name="Footer Placeholder 4"/>
-          <p:cNvSpPr>
-            <a:spLocks noGrp="1"/>
-          </p:cNvSpPr>
-          <p:nvPr>
-            <p:ph type="ftr" sz="quarter" idx="11"/>
-          </p:nvPr>
-        </p:nvSpPr>
-        <p:spPr/>
-        <p:txBody>
-          <a:bodyPr/>
-          <a:lstStyle/>
-          <a:p>
-            <a:endParaRPr lang="en-US"/>
-          </a:p>
-        </p:txBody>
-      </p:sp>
-      <p:sp>
-        <p:nvSpPr>
-          <p:cNvPr id="6" name="Slide Number Placeholder 5"/>
-          <p:cNvSpPr>
-            <a:spLocks noGrp="1"/>
-          </p:cNvSpPr>
-          <p:nvPr>
-            <p:ph type="sldNum" sz="quarter" idx="12"/>
-          </p:nvPr>
-        </p:nvSpPr>
-        <p:spPr/>
-        <p:txBody>
-          <a:bodyPr/>
-          <a:lstStyle/>
-          <a:p>
-            <a:fld id="{F1D20B05-C423-423F-BECE-6249FDC28811}" type="slidenum">
-              <a:rPr lang="en-US" smtClean="0"/>
-              <a:t>‹#›</a:t>
-            </a:fld>
-            <a:endParaRPr lang="en-US"/>
-          </a:p>
-        </p:txBody>
-      </p:sp>
-    </p:spTree>
-    <p:extLst>
-      <p:ext uri="{BB962C8B-B14F-4D97-AF65-F5344CB8AC3E}">
-        <p14:creationId xmlns:p14="http://schemas.microsoft.com/office/powerpoint/2010/main" val="1496944012"/>
-      </p:ext>
-    </p:extLst>
-  </p:cSld>
-  <p:clrMapOvr>
-    <a:masterClrMapping/>
-  </p:clrMapOvr>
-</p:sldLayout>
-</file>
-
-<file path=ppt/slideLayouts/slideLayout4.xml><?xml version="1.0" encoding="utf-8"?>
-<p:sldLayout xmlns:a="http://schemas.openxmlformats.org/drawingml/2006/main" xmlns:r="http://schemas.openxmlformats.org/officeDocument/2006/relationships" xmlns:p="http://schemas.openxmlformats.org/presentationml/2006/main" type="twoObj" preserve="1">
-  <p:cSld name="Two Content">
-    <p:spTree>
-      <p:nvGrpSpPr>
-        <p:cNvPr id="1" name=""/>
-        <p:cNvGrpSpPr/>
-        <p:nvPr/>
-      </p:nvGrpSpPr>
-      <p:grpSpPr>
-        <a:xfrm>
-          <a:off x="0" y="0"/>
-          <a:ext cx="0" cy="0"/>
-          <a:chOff x="0" y="0"/>
-          <a:chExt cx="0" cy="0"/>
-        </a:xfrm>
-      </p:grpSpPr>
-      <p:sp>
-        <p:nvSpPr>
-          <p:cNvPr id="2" name="Title 1"/>
-          <p:cNvSpPr>
-            <a:spLocks noGrp="1"/>
-          </p:cNvSpPr>
-          <p:nvPr>
-            <p:ph type="title"/>
-          </p:nvPr>
-        </p:nvSpPr>
-        <p:spPr/>
-        <p:txBody>
-          <a:bodyPr/>
-          <a:lstStyle/>
-          <a:p>
-            <a:r>
-              <a:rPr lang="en-US"/>
-              <a:t>Click to edit Master title style</a:t>
-            </a:r>
-            <a:endParaRPr lang="en-US" dirty="0"/>
-          </a:p>
-        </p:txBody>
-      </p:sp>
-      <p:sp>
-        <p:nvSpPr>
-          <p:cNvPr id="3" name="Content Placeholder 2"/>
-          <p:cNvSpPr>
-            <a:spLocks noGrp="1"/>
-          </p:cNvSpPr>
-          <p:nvPr>
-            <p:ph sz="half" idx="1"/>
-          </p:nvPr>
-        </p:nvSpPr>
-        <p:spPr>
-          <a:xfrm>
-            <a:off x="1103312" y="2060575"/>
-            <a:ext cx="4396339" cy="4195763"/>
-          </a:xfrm>
-        </p:spPr>
-        <p:txBody>
-          <a:bodyPr>
-            <a:normAutofit/>
-          </a:bodyPr>
-          <a:lstStyle>
-            <a:lvl1pPr>
-              <a:defRPr sz="1800"/>
-            </a:lvl1pPr>
-            <a:lvl2pPr>
-              <a:defRPr sz="1600"/>
-            </a:lvl2pPr>
-            <a:lvl3pPr>
-              <a:defRPr sz="1400"/>
-            </a:lvl3pPr>
-            <a:lvl4pPr>
-              <a:defRPr sz="1200"/>
-            </a:lvl4pPr>
-            <a:lvl5pPr>
-              <a:defRPr sz="1200"/>
-            </a:lvl5pPr>
-            <a:lvl6pPr>
-              <a:defRPr sz="1200"/>
-            </a:lvl6pPr>
-            <a:lvl7pPr>
-              <a:defRPr sz="1200"/>
-            </a:lvl7pPr>
-            <a:lvl8pPr>
-              <a:defRPr sz="1200"/>
-            </a:lvl8pPr>
-            <a:lvl9pPr>
-              <a:defRPr sz="1200"/>
-            </a:lvl9pPr>
-          </a:lstStyle>
-          <a:p>
-            <a:pPr lvl="0"/>
-            <a:r>
-              <a:rPr lang="en-US"/>
-              <a:t>Click to edit Master text styles</a:t>
-            </a:r>
-          </a:p>
-          <a:p>
-            <a:pPr lvl="1"/>
-            <a:r>
-              <a:rPr lang="en-US"/>
-              <a:t>Second level</a:t>
-            </a:r>
-          </a:p>
-          <a:p>
-            <a:pPr lvl="2"/>
-            <a:r>
-              <a:rPr lang="en-US"/>
-              <a:t>Third level</a:t>
-            </a:r>
-          </a:p>
-          <a:p>
-            <a:pPr lvl="3"/>
-            <a:r>
-              <a:rPr lang="en-US"/>
-              <a:t>Fourth level</a:t>
-            </a:r>
-          </a:p>
-          <a:p>
-            <a:pPr lvl="4"/>
-            <a:r>
-              <a:rPr lang="en-US"/>
-              <a:t>Fifth level</a:t>
-            </a:r>
-            <a:endParaRPr lang="en-US" dirty="0"/>
-          </a:p>
-        </p:txBody>
-      </p:sp>
-      <p:sp>
-        <p:nvSpPr>
-          <p:cNvPr id="4" name="Content Placeholder 3"/>
-          <p:cNvSpPr>
-            <a:spLocks noGrp="1"/>
-          </p:cNvSpPr>
-          <p:nvPr>
-            <p:ph sz="half" idx="2"/>
-          </p:nvPr>
-        </p:nvSpPr>
-        <p:spPr>
-          <a:xfrm>
-            <a:off x="5654493" y="2056092"/>
-            <a:ext cx="4396341" cy="4200245"/>
-          </a:xfrm>
-        </p:spPr>
-        <p:txBody>
-          <a:bodyPr>
-            <a:normAutofit/>
-          </a:bodyPr>
-          <a:lstStyle>
-            <a:lvl1pPr>
-              <a:defRPr sz="1800"/>
-            </a:lvl1pPr>
-            <a:lvl2pPr>
-              <a:defRPr sz="1600"/>
-            </a:lvl2pPr>
-            <a:lvl3pPr>
-              <a:defRPr sz="1400"/>
-            </a:lvl3pPr>
-            <a:lvl4pPr>
-              <a:defRPr sz="1200"/>
-            </a:lvl4pPr>
-            <a:lvl5pPr>
-              <a:defRPr sz="1200"/>
-            </a:lvl5pPr>
-            <a:lvl6pPr>
-              <a:defRPr sz="1200"/>
-            </a:lvl6pPr>
-            <a:lvl7pPr>
-              <a:defRPr sz="1200"/>
-            </a:lvl7pPr>
-            <a:lvl8pPr>
-              <a:defRPr sz="1200"/>
-            </a:lvl8pPr>
-            <a:lvl9pPr>
-              <a:defRPr sz="1200"/>
-            </a:lvl9pPr>
-          </a:lstStyle>
-          <a:p>
-            <a:pPr lvl="0"/>
-            <a:r>
-              <a:rPr lang="en-US"/>
-              <a:t>Click to edit Master text styles</a:t>
-            </a:r>
-          </a:p>
-          <a:p>
-            <a:pPr lvl="1"/>
-            <a:r>
-              <a:rPr lang="en-US"/>
-              <a:t>Second level</a:t>
-            </a:r>
-          </a:p>
-          <a:p>
-            <a:pPr lvl="2"/>
-            <a:r>
-              <a:rPr lang="en-US"/>
-              <a:t>Third level</a:t>
-            </a:r>
-          </a:p>
-          <a:p>
-            <a:pPr lvl="3"/>
-            <a:r>
-              <a:rPr lang="en-US"/>
-              <a:t>Fourth level</a:t>
-            </a:r>
-          </a:p>
-          <a:p>
-            <a:pPr lvl="4"/>
-            <a:r>
-              <a:rPr lang="en-US"/>
-              <a:t>Fifth level</a:t>
-            </a:r>
-            <a:endParaRPr lang="en-US" dirty="0"/>
-          </a:p>
-        </p:txBody>
-      </p:sp>
-      <p:sp>
-        <p:nvSpPr>
-          <p:cNvPr id="5" name="Date Placeholder 4"/>
-          <p:cNvSpPr>
-            <a:spLocks noGrp="1"/>
-          </p:cNvSpPr>
-          <p:nvPr>
-            <p:ph type="dt" sz="half" idx="10"/>
-          </p:nvPr>
-        </p:nvSpPr>
-        <p:spPr/>
-        <p:txBody>
-          <a:bodyPr/>
-          <a:lstStyle/>
-          <a:p>
-            <a:fld id="{F4C6FC4E-C84B-4657-97FD-F4C92E31B913}" type="datetimeFigureOut">
-              <a:rPr lang="en-US" smtClean="0"/>
-              <a:t>6/25/2020</a:t>
-            </a:fld>
-            <a:endParaRPr lang="en-US"/>
-          </a:p>
-        </p:txBody>
-      </p:sp>
-      <p:sp>
-        <p:nvSpPr>
-          <p:cNvPr id="6" name="Footer Placeholder 5"/>
-          <p:cNvSpPr>
-            <a:spLocks noGrp="1"/>
-          </p:cNvSpPr>
-          <p:nvPr>
-            <p:ph type="ftr" sz="quarter" idx="11"/>
-          </p:nvPr>
-        </p:nvSpPr>
-        <p:spPr/>
-        <p:txBody>
-          <a:bodyPr/>
-          <a:lstStyle/>
-          <a:p>
-            <a:endParaRPr lang="en-US"/>
-          </a:p>
-        </p:txBody>
-      </p:sp>
-      <p:sp>
-        <p:nvSpPr>
-          <p:cNvPr id="7" name="Slide Number Placeholder 6"/>
-          <p:cNvSpPr>
-            <a:spLocks noGrp="1"/>
-          </p:cNvSpPr>
-          <p:nvPr>
-            <p:ph type="sldNum" sz="quarter" idx="12"/>
-          </p:nvPr>
-        </p:nvSpPr>
-        <p:spPr/>
-        <p:txBody>
-          <a:bodyPr/>
-          <a:lstStyle/>
-          <a:p>
-            <a:fld id="{F1D20B05-C423-423F-BECE-6249FDC28811}" type="slidenum">
-              <a:rPr lang="en-US" smtClean="0"/>
-              <a:t>‹#›</a:t>
-            </a:fld>
-            <a:endParaRPr lang="en-US"/>
-          </a:p>
-        </p:txBody>
-      </p:sp>
-    </p:spTree>
-    <p:extLst>
-      <p:ext uri="{BB962C8B-B14F-4D97-AF65-F5344CB8AC3E}">
-        <p14:creationId xmlns:p14="http://schemas.microsoft.com/office/powerpoint/2010/main" val="3410672117"/>
-      </p:ext>
-    </p:extLst>
-  </p:cSld>
-  <p:clrMapOvr>
-    <a:masterClrMapping/>
-  </p:clrMapOvr>
-</p:sldLayout>
-</file>
-
-<file path=ppt/slideLayouts/slideLayout5.xml><?xml version="1.0" encoding="utf-8"?>
-<p:sldLayout xmlns:a="http://schemas.openxmlformats.org/drawingml/2006/main" xmlns:r="http://schemas.openxmlformats.org/officeDocument/2006/relationships" xmlns:p="http://schemas.openxmlformats.org/presentationml/2006/main" type="twoTxTwoObj" preserve="1">
-  <p:cSld name="Comparison">
-    <p:spTree>
-      <p:nvGrpSpPr>
-        <p:cNvPr id="1" name=""/>
-        <p:cNvGrpSpPr/>
-        <p:nvPr/>
-      </p:nvGrpSpPr>
-      <p:grpSpPr>
-        <a:xfrm>
-          <a:off x="0" y="0"/>
-          <a:ext cx="0" cy="0"/>
-          <a:chOff x="0" y="0"/>
-          <a:chExt cx="0" cy="0"/>
-        </a:xfrm>
-      </p:grpSpPr>
-      <p:sp>
-        <p:nvSpPr>
-          <p:cNvPr id="2" name="Title 1"/>
-          <p:cNvSpPr>
-            <a:spLocks noGrp="1"/>
-          </p:cNvSpPr>
-          <p:nvPr>
-            <p:ph type="title"/>
-          </p:nvPr>
-        </p:nvSpPr>
-        <p:spPr/>
-        <p:txBody>
-          <a:bodyPr/>
-          <a:lstStyle>
-            <a:lvl1pPr>
-              <a:defRPr/>
-            </a:lvl1pPr>
-          </a:lstStyle>
-          <a:p>
-            <a:r>
-              <a:rPr lang="en-US"/>
-              <a:t>Click to edit Master title style</a:t>
-            </a:r>
-            <a:endParaRPr lang="en-US" dirty="0"/>
-          </a:p>
-        </p:txBody>
-      </p:sp>
-      <p:sp>
-        <p:nvSpPr>
-          <p:cNvPr id="3" name="Text Placeholder 2"/>
-          <p:cNvSpPr>
-            <a:spLocks noGrp="1"/>
-          </p:cNvSpPr>
-          <p:nvPr>
-            <p:ph type="body" idx="1"/>
-          </p:nvPr>
-        </p:nvSpPr>
-        <p:spPr>
-          <a:xfrm>
-            <a:off x="1103313" y="1905000"/>
-            <a:ext cx="4396338" cy="576262"/>
-          </a:xfrm>
-        </p:spPr>
-        <p:txBody>
-          <a:bodyPr anchor="b">
-            <a:noAutofit/>
-          </a:bodyPr>
-          <a:lstStyle>
-            <a:lvl1pPr marL="0" indent="0">
-              <a:buNone/>
-              <a:defRPr sz="2400" b="0">
-                <a:solidFill>
-                  <a:schemeClr val="bg2">
-                    <a:lumMod val="40000"/>
-                    <a:lumOff val="60000"/>
-                  </a:schemeClr>
-                </a:solidFill>
-              </a:defRPr>
-            </a:lvl1pPr>
-            <a:lvl2pPr marL="457200" indent="0">
-              <a:buNone/>
-              <a:defRPr sz="2000" b="1"/>
-            </a:lvl2pPr>
-            <a:lvl3pPr marL="914400" indent="0">
-              <a:buNone/>
-              <a:defRPr sz="1800" b="1"/>
-            </a:lvl3pPr>
-            <a:lvl4pPr marL="1371600" indent="0">
-              <a:buNone/>
-              <a:defRPr sz="1600" b="1"/>
-            </a:lvl4pPr>
-            <a:lvl5pPr marL="1828800" indent="0">
-              <a:buNone/>
-              <a:defRPr sz="1600" b="1"/>
-            </a:lvl5pPr>
-            <a:lvl6pPr marL="2286000" indent="0">
-              <a:buNone/>
-              <a:defRPr sz="1600" b="1"/>
-            </a:lvl6pPr>
-            <a:lvl7pPr marL="2743200" indent="0">
-              <a:buNone/>
-              <a:defRPr sz="1600" b="1"/>
-            </a:lvl7pPr>
-            <a:lvl8pPr marL="3200400" indent="0">
-              <a:buNone/>
-              <a:defRPr sz="1600" b="1"/>
-            </a:lvl8pPr>
-            <a:lvl9pPr marL="3657600" indent="0">
-              <a:buNone/>
-              <a:defRPr sz="1600" b="1"/>
-            </a:lvl9pPr>
-          </a:lstStyle>
-          <a:p>
-            <a:pPr lvl="0"/>
-            <a:r>
-              <a:rPr lang="en-US"/>
-              <a:t>Click to edit Master text styles</a:t>
-            </a:r>
-          </a:p>
-        </p:txBody>
-      </p:sp>
-      <p:sp>
-        <p:nvSpPr>
-          <p:cNvPr id="4" name="Content Placeholder 3"/>
-          <p:cNvSpPr>
-            <a:spLocks noGrp="1"/>
-          </p:cNvSpPr>
-          <p:nvPr>
-            <p:ph sz="half" idx="2"/>
-          </p:nvPr>
-        </p:nvSpPr>
-        <p:spPr>
-          <a:xfrm>
-            <a:off x="1103312" y="2514600"/>
-            <a:ext cx="4396339" cy="3741738"/>
-          </a:xfrm>
-        </p:spPr>
-        <p:txBody>
-          <a:bodyPr>
-            <a:normAutofit/>
-          </a:bodyPr>
-          <a:lstStyle>
-            <a:lvl1pPr>
-              <a:defRPr sz="1800"/>
-            </a:lvl1pPr>
-            <a:lvl2pPr>
-              <a:defRPr sz="1600"/>
-            </a:lvl2pPr>
-            <a:lvl3pPr>
-              <a:defRPr sz="1400"/>
-            </a:lvl3pPr>
-            <a:lvl4pPr>
-              <a:defRPr sz="1200"/>
-            </a:lvl4pPr>
-            <a:lvl5pPr>
-              <a:defRPr sz="1200"/>
-            </a:lvl5pPr>
-            <a:lvl6pPr>
-              <a:defRPr sz="1200"/>
-            </a:lvl6pPr>
-            <a:lvl7pPr>
-              <a:defRPr sz="1200"/>
-            </a:lvl7pPr>
-            <a:lvl8pPr>
-              <a:defRPr sz="1200"/>
-            </a:lvl8pPr>
-            <a:lvl9pPr>
-              <a:defRPr sz="1200"/>
-            </a:lvl9pPr>
-          </a:lstStyle>
-          <a:p>
-            <a:pPr lvl="0"/>
-            <a:r>
-              <a:rPr lang="en-US"/>
-              <a:t>Click to edit Master text styles</a:t>
-            </a:r>
-          </a:p>
-          <a:p>
-            <a:pPr lvl="1"/>
-            <a:r>
-              <a:rPr lang="en-US"/>
-              <a:t>Second level</a:t>
-            </a:r>
-          </a:p>
-          <a:p>
-            <a:pPr lvl="2"/>
-            <a:r>
-              <a:rPr lang="en-US"/>
-              <a:t>Third level</a:t>
-            </a:r>
-          </a:p>
-          <a:p>
-            <a:pPr lvl="3"/>
-            <a:r>
-              <a:rPr lang="en-US"/>
-              <a:t>Fourth level</a:t>
-            </a:r>
-          </a:p>
-          <a:p>
-            <a:pPr lvl="4"/>
-            <a:r>
-              <a:rPr lang="en-US"/>
-              <a:t>Fifth level</a:t>
-            </a:r>
-            <a:endParaRPr lang="en-US" dirty="0"/>
-          </a:p>
-        </p:txBody>
-      </p:sp>
-      <p:sp>
-        <p:nvSpPr>
-          <p:cNvPr id="5" name="Text Placeholder 4"/>
-          <p:cNvSpPr>
-            <a:spLocks noGrp="1"/>
-          </p:cNvSpPr>
-          <p:nvPr>
-            <p:ph type="body" sz="quarter" idx="3"/>
-          </p:nvPr>
-        </p:nvSpPr>
-        <p:spPr>
-          <a:xfrm>
-            <a:off x="5654495" y="1905000"/>
-            <a:ext cx="4396339" cy="576262"/>
-          </a:xfrm>
-        </p:spPr>
-        <p:txBody>
-          <a:bodyPr anchor="b">
-            <a:noAutofit/>
-          </a:bodyPr>
-          <a:lstStyle>
-            <a:lvl1pPr marL="0" indent="0">
-              <a:buNone/>
-              <a:defRPr sz="2400" b="0">
-                <a:solidFill>
-                  <a:schemeClr val="bg2">
-                    <a:lumMod val="40000"/>
-                    <a:lumOff val="60000"/>
-                  </a:schemeClr>
-                </a:solidFill>
-              </a:defRPr>
-            </a:lvl1pPr>
-            <a:lvl2pPr marL="457200" indent="0">
-              <a:buNone/>
-              <a:defRPr sz="2000" b="1"/>
-            </a:lvl2pPr>
-            <a:lvl3pPr marL="914400" indent="0">
-              <a:buNone/>
-              <a:defRPr sz="1800" b="1"/>
-            </a:lvl3pPr>
-            <a:lvl4pPr marL="1371600" indent="0">
-              <a:buNone/>
-              <a:defRPr sz="1600" b="1"/>
-            </a:lvl4pPr>
-            <a:lvl5pPr marL="1828800" indent="0">
-              <a:buNone/>
-              <a:defRPr sz="1600" b="1"/>
-            </a:lvl5pPr>
-            <a:lvl6pPr marL="2286000" indent="0">
-              <a:buNone/>
-              <a:defRPr sz="1600" b="1"/>
-            </a:lvl6pPr>
-            <a:lvl7pPr marL="2743200" indent="0">
-              <a:buNone/>
-              <a:defRPr sz="1600" b="1"/>
-            </a:lvl7pPr>
-            <a:lvl8pPr marL="3200400" indent="0">
-              <a:buNone/>
-              <a:defRPr sz="1600" b="1"/>
-            </a:lvl8pPr>
-            <a:lvl9pPr marL="3657600" indent="0">
-              <a:buNone/>
-              <a:defRPr sz="1600" b="1"/>
-            </a:lvl9pPr>
-          </a:lstStyle>
-          <a:p>
-            <a:pPr lvl="0"/>
-            <a:r>
-              <a:rPr lang="en-US"/>
-              <a:t>Click to edit Master text styles</a:t>
-            </a:r>
-          </a:p>
-        </p:txBody>
-      </p:sp>
-      <p:sp>
-        <p:nvSpPr>
-          <p:cNvPr id="6" name="Content Placeholder 5"/>
-          <p:cNvSpPr>
-            <a:spLocks noGrp="1"/>
-          </p:cNvSpPr>
-          <p:nvPr>
-            <p:ph sz="quarter" idx="4"/>
-          </p:nvPr>
-        </p:nvSpPr>
-        <p:spPr>
-          <a:xfrm>
-            <a:off x="5654495" y="2514600"/>
-            <a:ext cx="4396339" cy="3741738"/>
-          </a:xfrm>
-        </p:spPr>
-        <p:txBody>
-          <a:bodyPr>
-            <a:normAutofit/>
-          </a:bodyPr>
-          <a:lstStyle>
-            <a:lvl1pPr>
-              <a:defRPr sz="1800"/>
-            </a:lvl1pPr>
-            <a:lvl2pPr>
-              <a:defRPr sz="1600"/>
-            </a:lvl2pPr>
-            <a:lvl3pPr>
-              <a:defRPr sz="1400"/>
-            </a:lvl3pPr>
-            <a:lvl4pPr>
-              <a:defRPr sz="1200"/>
-            </a:lvl4pPr>
-            <a:lvl5pPr>
-              <a:defRPr sz="1200"/>
-            </a:lvl5pPr>
-            <a:lvl6pPr>
-              <a:defRPr sz="1200"/>
-            </a:lvl6pPr>
-            <a:lvl7pPr>
-              <a:defRPr sz="1200"/>
-            </a:lvl7pPr>
-            <a:lvl8pPr>
-              <a:defRPr sz="1200"/>
-            </a:lvl8pPr>
-            <a:lvl9pPr>
-              <a:defRPr sz="1200"/>
-            </a:lvl9pPr>
-          </a:lstStyle>
-          <a:p>
-            <a:pPr lvl="0"/>
-            <a:r>
-              <a:rPr lang="en-US"/>
-              <a:t>Click to edit Master text styles</a:t>
-            </a:r>
-          </a:p>
-          <a:p>
-            <a:pPr lvl="1"/>
-            <a:r>
-              <a:rPr lang="en-US"/>
-              <a:t>Second level</a:t>
-            </a:r>
-          </a:p>
-          <a:p>
-            <a:pPr lvl="2"/>
-            <a:r>
-              <a:rPr lang="en-US"/>
-              <a:t>Third level</a:t>
-            </a:r>
-          </a:p>
-          <a:p>
-            <a:pPr lvl="3"/>
-            <a:r>
-              <a:rPr lang="en-US"/>
-              <a:t>Fourth level</a:t>
-            </a:r>
-          </a:p>
-          <a:p>
-            <a:pPr lvl="4"/>
-            <a:r>
-              <a:rPr lang="en-US"/>
-              <a:t>Fifth level</a:t>
-            </a:r>
-            <a:endParaRPr lang="en-US" dirty="0"/>
-          </a:p>
-        </p:txBody>
-      </p:sp>
-      <p:sp>
-        <p:nvSpPr>
-          <p:cNvPr id="7" name="Date Placeholder 6"/>
-          <p:cNvSpPr>
-            <a:spLocks noGrp="1"/>
-          </p:cNvSpPr>
-          <p:nvPr>
-            <p:ph type="dt" sz="half" idx="10"/>
-          </p:nvPr>
-        </p:nvSpPr>
-        <p:spPr/>
-        <p:txBody>
-          <a:bodyPr/>
-          <a:lstStyle/>
-          <a:p>
-            <a:fld id="{F4C6FC4E-C84B-4657-97FD-F4C92E31B913}" type="datetimeFigureOut">
-              <a:rPr lang="en-US" smtClean="0"/>
-              <a:t>6/25/2020</a:t>
-            </a:fld>
-            <a:endParaRPr lang="en-US"/>
-          </a:p>
-        </p:txBody>
-      </p:sp>
-      <p:sp>
-        <p:nvSpPr>
-          <p:cNvPr id="8" name="Footer Placeholder 7"/>
-          <p:cNvSpPr>
-            <a:spLocks noGrp="1"/>
-          </p:cNvSpPr>
-          <p:nvPr>
-            <p:ph type="ftr" sz="quarter" idx="11"/>
-          </p:nvPr>
-        </p:nvSpPr>
-        <p:spPr/>
-        <p:txBody>
-          <a:bodyPr/>
-          <a:lstStyle/>
-          <a:p>
-            <a:endParaRPr lang="en-US"/>
-          </a:p>
-        </p:txBody>
-      </p:sp>
-      <p:sp>
-        <p:nvSpPr>
-          <p:cNvPr id="9" name="Slide Number Placeholder 8"/>
-          <p:cNvSpPr>
-            <a:spLocks noGrp="1"/>
-          </p:cNvSpPr>
-          <p:nvPr>
-            <p:ph type="sldNum" sz="quarter" idx="12"/>
-          </p:nvPr>
-        </p:nvSpPr>
-        <p:spPr/>
-        <p:txBody>
-          <a:bodyPr/>
-          <a:lstStyle/>
-          <a:p>
-            <a:fld id="{F1D20B05-C423-423F-BECE-6249FDC28811}" type="slidenum">
-              <a:rPr lang="en-US" smtClean="0"/>
-              <a:t>‹#›</a:t>
-            </a:fld>
-            <a:endParaRPr lang="en-US"/>
-          </a:p>
-        </p:txBody>
-      </p:sp>
-    </p:spTree>
-    <p:extLst>
-      <p:ext uri="{BB962C8B-B14F-4D97-AF65-F5344CB8AC3E}">
-        <p14:creationId xmlns:p14="http://schemas.microsoft.com/office/powerpoint/2010/main" val="4121087595"/>
+        <p14:creationId xmlns:p14="http://schemas.microsoft.com/office/powerpoint/2010/main" val="116396094"/>
       </p:ext>
     </p:extLst>
   </p:cSld>
@@ -6944,7 +4448,13 @@
       </p:grpSpPr>
       <p:sp>
         <p:nvSpPr>
-          <p:cNvPr id="2" name="Title 1"/>
+          <p:cNvPr id="2" name="Title 1">
+            <a:extLst>
+              <a:ext uri="{FF2B5EF4-FFF2-40B4-BE49-F238E27FC236}">
+                <a16:creationId xmlns:a16="http://schemas.microsoft.com/office/drawing/2014/main" id="{6E191E49-7619-4A12-9F90-E1AF956F01A1}"/>
+              </a:ext>
+            </a:extLst>
+          </p:cNvPr>
           <p:cNvSpPr>
             <a:spLocks noGrp="1"/>
           </p:cNvSpPr>
@@ -6961,13 +4471,18 @@
               <a:rPr lang="en-US"/>
               <a:t>Click to edit Master title style</a:t>
             </a:r>
-            <a:endParaRPr lang="en-US" dirty="0"/>
           </a:p>
         </p:txBody>
       </p:sp>
       <p:sp>
         <p:nvSpPr>
-          <p:cNvPr id="7" name="Date Placeholder 2"/>
+          <p:cNvPr id="3" name="Date Placeholder 2">
+            <a:extLst>
+              <a:ext uri="{FF2B5EF4-FFF2-40B4-BE49-F238E27FC236}">
+                <a16:creationId xmlns:a16="http://schemas.microsoft.com/office/drawing/2014/main" id="{6642A75C-54D1-4536-BC10-2892703E0A54}"/>
+              </a:ext>
+            </a:extLst>
+          </p:cNvPr>
           <p:cNvSpPr>
             <a:spLocks noGrp="1"/>
           </p:cNvSpPr>
@@ -6982,7 +4497,7 @@
           <a:p>
             <a:fld id="{F4C6FC4E-C84B-4657-97FD-F4C92E31B913}" type="datetimeFigureOut">
               <a:rPr lang="en-US" smtClean="0"/>
-              <a:t>6/25/2020</a:t>
+              <a:t>6/24/2020</a:t>
             </a:fld>
             <a:endParaRPr lang="en-US"/>
           </a:p>
@@ -6990,7 +4505,13 @@
       </p:sp>
       <p:sp>
         <p:nvSpPr>
-          <p:cNvPr id="5" name="Footer Placeholder 3"/>
+          <p:cNvPr id="4" name="Footer Placeholder 3">
+            <a:extLst>
+              <a:ext uri="{FF2B5EF4-FFF2-40B4-BE49-F238E27FC236}">
+                <a16:creationId xmlns:a16="http://schemas.microsoft.com/office/drawing/2014/main" id="{8E8AFE00-287E-41BA-B38E-06A51F9389CE}"/>
+              </a:ext>
+            </a:extLst>
+          </p:cNvPr>
           <p:cNvSpPr>
             <a:spLocks noGrp="1"/>
           </p:cNvSpPr>
@@ -7009,7 +4530,13 @@
       </p:sp>
       <p:sp>
         <p:nvSpPr>
-          <p:cNvPr id="6" name="Slide Number Placeholder 4"/>
+          <p:cNvPr id="5" name="Slide Number Placeholder 4">
+            <a:extLst>
+              <a:ext uri="{FF2B5EF4-FFF2-40B4-BE49-F238E27FC236}">
+                <a16:creationId xmlns:a16="http://schemas.microsoft.com/office/drawing/2014/main" id="{EEBF6374-5ACC-4336-93DC-F6C4E486755A}"/>
+              </a:ext>
+            </a:extLst>
+          </p:cNvPr>
           <p:cNvSpPr>
             <a:spLocks noGrp="1"/>
           </p:cNvSpPr>
@@ -7033,7 +4560,7 @@
     </p:spTree>
     <p:extLst>
       <p:ext uri="{BB962C8B-B14F-4D97-AF65-F5344CB8AC3E}">
-        <p14:creationId xmlns:p14="http://schemas.microsoft.com/office/powerpoint/2010/main" val="842418320"/>
+        <p14:creationId xmlns:p14="http://schemas.microsoft.com/office/powerpoint/2010/main" val="2019010579"/>
       </p:ext>
     </p:extLst>
   </p:cSld>
@@ -7062,7 +4589,13 @@
       </p:grpSpPr>
       <p:sp>
         <p:nvSpPr>
-          <p:cNvPr id="7" name="Date Placeholder 1"/>
+          <p:cNvPr id="2" name="Date Placeholder 1">
+            <a:extLst>
+              <a:ext uri="{FF2B5EF4-FFF2-40B4-BE49-F238E27FC236}">
+                <a16:creationId xmlns:a16="http://schemas.microsoft.com/office/drawing/2014/main" id="{6CEA3FDE-E179-4324-8EA3-CF8C3D07B70A}"/>
+              </a:ext>
+            </a:extLst>
+          </p:cNvPr>
           <p:cNvSpPr>
             <a:spLocks noGrp="1"/>
           </p:cNvSpPr>
@@ -7077,7 +4610,7 @@
           <a:p>
             <a:fld id="{F4C6FC4E-C84B-4657-97FD-F4C92E31B913}" type="datetimeFigureOut">
               <a:rPr lang="en-US" smtClean="0"/>
-              <a:t>6/25/2020</a:t>
+              <a:t>6/24/2020</a:t>
             </a:fld>
             <a:endParaRPr lang="en-US"/>
           </a:p>
@@ -7085,7 +4618,13 @@
       </p:sp>
       <p:sp>
         <p:nvSpPr>
-          <p:cNvPr id="5" name="Footer Placeholder 2"/>
+          <p:cNvPr id="3" name="Footer Placeholder 2">
+            <a:extLst>
+              <a:ext uri="{FF2B5EF4-FFF2-40B4-BE49-F238E27FC236}">
+                <a16:creationId xmlns:a16="http://schemas.microsoft.com/office/drawing/2014/main" id="{A4009A33-BD76-49DD-83BF-25F19D7FC445}"/>
+              </a:ext>
+            </a:extLst>
+          </p:cNvPr>
           <p:cNvSpPr>
             <a:spLocks noGrp="1"/>
           </p:cNvSpPr>
@@ -7104,7 +4643,13 @@
       </p:sp>
       <p:sp>
         <p:nvSpPr>
-          <p:cNvPr id="6" name="Slide Number Placeholder 3"/>
+          <p:cNvPr id="4" name="Slide Number Placeholder 3">
+            <a:extLst>
+              <a:ext uri="{FF2B5EF4-FFF2-40B4-BE49-F238E27FC236}">
+                <a16:creationId xmlns:a16="http://schemas.microsoft.com/office/drawing/2014/main" id="{C449FD78-005C-4650-AEBF-91D5A9CA7CA5}"/>
+              </a:ext>
+            </a:extLst>
+          </p:cNvPr>
           <p:cNvSpPr>
             <a:spLocks noGrp="1"/>
           </p:cNvSpPr>
@@ -7128,7 +4673,7 @@
     </p:spTree>
     <p:extLst>
       <p:ext uri="{BB962C8B-B14F-4D97-AF65-F5344CB8AC3E}">
-        <p14:creationId xmlns:p14="http://schemas.microsoft.com/office/powerpoint/2010/main" val="368120828"/>
+        <p14:creationId xmlns:p14="http://schemas.microsoft.com/office/powerpoint/2010/main" val="1969176668"/>
       </p:ext>
     </p:extLst>
   </p:cSld>
@@ -7157,7 +4702,13 @@
       </p:grpSpPr>
       <p:sp>
         <p:nvSpPr>
-          <p:cNvPr id="2" name="Title 1"/>
+          <p:cNvPr id="2" name="Title 1">
+            <a:extLst>
+              <a:ext uri="{FF2B5EF4-FFF2-40B4-BE49-F238E27FC236}">
+                <a16:creationId xmlns:a16="http://schemas.microsoft.com/office/drawing/2014/main" id="{9B557F63-4E8E-4CB0-A7AF-308FA17472F8}"/>
+              </a:ext>
+            </a:extLst>
+          </p:cNvPr>
           <p:cNvSpPr>
             <a:spLocks noGrp="1"/>
           </p:cNvSpPr>
@@ -7167,15 +4718,15 @@
         </p:nvSpPr>
         <p:spPr>
           <a:xfrm>
-            <a:off x="1154953" y="1447800"/>
-            <a:ext cx="3401064" cy="1447800"/>
+            <a:off x="839788" y="457200"/>
+            <a:ext cx="3932237" cy="1600200"/>
           </a:xfrm>
         </p:spPr>
         <p:txBody>
           <a:bodyPr anchor="b"/>
           <a:lstStyle>
-            <a:lvl1pPr algn="l">
-              <a:defRPr sz="2400" b="0"/>
+            <a:lvl1pPr>
+              <a:defRPr sz="3200"/>
             </a:lvl1pPr>
           </a:lstStyle>
           <a:p>
@@ -7183,13 +4734,18 @@
               <a:rPr lang="en-US"/>
               <a:t>Click to edit Master title style</a:t>
             </a:r>
-            <a:endParaRPr lang="en-US" dirty="0"/>
           </a:p>
         </p:txBody>
       </p:sp>
       <p:sp>
         <p:nvSpPr>
-          <p:cNvPr id="3" name="Content Placeholder 2"/>
+          <p:cNvPr id="3" name="Content Placeholder 2">
+            <a:extLst>
+              <a:ext uri="{FF2B5EF4-FFF2-40B4-BE49-F238E27FC236}">
+                <a16:creationId xmlns:a16="http://schemas.microsoft.com/office/drawing/2014/main" id="{ED3E40F9-1132-497B-A112-ED0BA52080E2}"/>
+              </a:ext>
+            </a:extLst>
+          </p:cNvPr>
           <p:cNvSpPr>
             <a:spLocks noGrp="1"/>
           </p:cNvSpPr>
@@ -7199,41 +4755,39 @@
         </p:nvSpPr>
         <p:spPr>
           <a:xfrm>
-            <a:off x="4784616" y="1447800"/>
-            <a:ext cx="5195997" cy="4572000"/>
+            <a:off x="5183188" y="987425"/>
+            <a:ext cx="6172200" cy="4873625"/>
           </a:xfrm>
         </p:spPr>
         <p:txBody>
-          <a:bodyPr anchor="ctr">
-            <a:normAutofit/>
-          </a:bodyPr>
+          <a:bodyPr/>
           <a:lstStyle>
             <a:lvl1pPr>
-              <a:defRPr sz="2000"/>
+              <a:defRPr sz="3200"/>
             </a:lvl1pPr>
             <a:lvl2pPr>
-              <a:defRPr sz="1800"/>
+              <a:defRPr sz="2800"/>
             </a:lvl2pPr>
             <a:lvl3pPr>
-              <a:defRPr sz="1600"/>
+              <a:defRPr sz="2400"/>
             </a:lvl3pPr>
             <a:lvl4pPr>
-              <a:defRPr sz="1400"/>
+              <a:defRPr sz="2000"/>
             </a:lvl4pPr>
             <a:lvl5pPr>
-              <a:defRPr sz="1400"/>
+              <a:defRPr sz="2000"/>
             </a:lvl5pPr>
             <a:lvl6pPr>
-              <a:defRPr sz="1400"/>
+              <a:defRPr sz="2000"/>
             </a:lvl6pPr>
             <a:lvl7pPr>
-              <a:defRPr sz="1400"/>
+              <a:defRPr sz="2000"/>
             </a:lvl7pPr>
             <a:lvl8pPr>
-              <a:defRPr sz="1400"/>
+              <a:defRPr sz="2000"/>
             </a:lvl8pPr>
             <a:lvl9pPr>
-              <a:defRPr sz="1400"/>
+              <a:defRPr sz="2000"/>
             </a:lvl9pPr>
           </a:lstStyle>
           <a:p>
@@ -7270,13 +4824,18 @@
               <a:rPr lang="en-US"/>
               <a:t>Fifth level</a:t>
             </a:r>
-            <a:endParaRPr lang="en-US" dirty="0"/>
           </a:p>
         </p:txBody>
       </p:sp>
       <p:sp>
         <p:nvSpPr>
-          <p:cNvPr id="4" name="Text Placeholder 3"/>
+          <p:cNvPr id="4" name="Text Placeholder 3">
+            <a:extLst>
+              <a:ext uri="{FF2B5EF4-FFF2-40B4-BE49-F238E27FC236}">
+                <a16:creationId xmlns:a16="http://schemas.microsoft.com/office/drawing/2014/main" id="{9AC9CECB-3E27-4701-B3F1-2C5776B98BE0}"/>
+              </a:ext>
+            </a:extLst>
+          </p:cNvPr>
           <p:cNvSpPr>
             <a:spLocks noGrp="1"/>
           </p:cNvSpPr>
@@ -7286,8 +4845,8 @@
         </p:nvSpPr>
         <p:spPr>
           <a:xfrm>
-            <a:off x="1154953" y="3129280"/>
-            <a:ext cx="3401063" cy="2895599"/>
+            <a:off x="839788" y="2057400"/>
+            <a:ext cx="3932237" cy="3811588"/>
           </a:xfrm>
         </p:spPr>
         <p:txBody>
@@ -7295,39 +4854,39 @@
           <a:lstStyle>
             <a:lvl1pPr marL="0" indent="0">
               <a:buNone/>
-              <a:defRPr sz="1400"/>
+              <a:defRPr sz="1600"/>
             </a:lvl1pPr>
             <a:lvl2pPr marL="457200" indent="0">
               <a:buNone/>
-              <a:defRPr sz="1200"/>
+              <a:defRPr sz="1400"/>
             </a:lvl2pPr>
             <a:lvl3pPr marL="914400" indent="0">
               <a:buNone/>
-              <a:defRPr sz="1000"/>
+              <a:defRPr sz="1200"/>
             </a:lvl3pPr>
             <a:lvl4pPr marL="1371600" indent="0">
               <a:buNone/>
-              <a:defRPr sz="900"/>
+              <a:defRPr sz="1000"/>
             </a:lvl4pPr>
             <a:lvl5pPr marL="1828800" indent="0">
               <a:buNone/>
-              <a:defRPr sz="900"/>
+              <a:defRPr sz="1000"/>
             </a:lvl5pPr>
             <a:lvl6pPr marL="2286000" indent="0">
               <a:buNone/>
-              <a:defRPr sz="900"/>
+              <a:defRPr sz="1000"/>
             </a:lvl6pPr>
             <a:lvl7pPr marL="2743200" indent="0">
               <a:buNone/>
-              <a:defRPr sz="900"/>
+              <a:defRPr sz="1000"/>
             </a:lvl7pPr>
             <a:lvl8pPr marL="3200400" indent="0">
               <a:buNone/>
-              <a:defRPr sz="900"/>
+              <a:defRPr sz="1000"/>
             </a:lvl8pPr>
             <a:lvl9pPr marL="3657600" indent="0">
               <a:buNone/>
-              <a:defRPr sz="900"/>
+              <a:defRPr sz="1000"/>
             </a:lvl9pPr>
           </a:lstStyle>
           <a:p>
@@ -7341,7 +4900,13 @@
       </p:sp>
       <p:sp>
         <p:nvSpPr>
-          <p:cNvPr id="7" name="Date Placeholder 4"/>
+          <p:cNvPr id="5" name="Date Placeholder 4">
+            <a:extLst>
+              <a:ext uri="{FF2B5EF4-FFF2-40B4-BE49-F238E27FC236}">
+                <a16:creationId xmlns:a16="http://schemas.microsoft.com/office/drawing/2014/main" id="{FFC03C08-CB41-4995-8E77-EDEA95465491}"/>
+              </a:ext>
+            </a:extLst>
+          </p:cNvPr>
           <p:cNvSpPr>
             <a:spLocks noGrp="1"/>
           </p:cNvSpPr>
@@ -7356,7 +4921,7 @@
           <a:p>
             <a:fld id="{F4C6FC4E-C84B-4657-97FD-F4C92E31B913}" type="datetimeFigureOut">
               <a:rPr lang="en-US" smtClean="0"/>
-              <a:t>6/25/2020</a:t>
+              <a:t>6/24/2020</a:t>
             </a:fld>
             <a:endParaRPr lang="en-US"/>
           </a:p>
@@ -7364,7 +4929,13 @@
       </p:sp>
       <p:sp>
         <p:nvSpPr>
-          <p:cNvPr id="5" name="Footer Placeholder 5"/>
+          <p:cNvPr id="6" name="Footer Placeholder 5">
+            <a:extLst>
+              <a:ext uri="{FF2B5EF4-FFF2-40B4-BE49-F238E27FC236}">
+                <a16:creationId xmlns:a16="http://schemas.microsoft.com/office/drawing/2014/main" id="{F79F34A2-8072-4DD6-A07A-88018E397E3D}"/>
+              </a:ext>
+            </a:extLst>
+          </p:cNvPr>
           <p:cNvSpPr>
             <a:spLocks noGrp="1"/>
           </p:cNvSpPr>
@@ -7383,7 +4954,13 @@
       </p:sp>
       <p:sp>
         <p:nvSpPr>
-          <p:cNvPr id="6" name="Slide Number Placeholder 6"/>
+          <p:cNvPr id="7" name="Slide Number Placeholder 6">
+            <a:extLst>
+              <a:ext uri="{FF2B5EF4-FFF2-40B4-BE49-F238E27FC236}">
+                <a16:creationId xmlns:a16="http://schemas.microsoft.com/office/drawing/2014/main" id="{255EFB2C-8313-4E09-AF8A-716A148E7E64}"/>
+              </a:ext>
+            </a:extLst>
+          </p:cNvPr>
           <p:cNvSpPr>
             <a:spLocks noGrp="1"/>
           </p:cNvSpPr>
@@ -7407,7 +4984,7 @@
     </p:spTree>
     <p:extLst>
       <p:ext uri="{BB962C8B-B14F-4D97-AF65-F5344CB8AC3E}">
-        <p14:creationId xmlns:p14="http://schemas.microsoft.com/office/powerpoint/2010/main" val="1524093331"/>
+        <p14:creationId xmlns:p14="http://schemas.microsoft.com/office/powerpoint/2010/main" val="1005184536"/>
       </p:ext>
     </p:extLst>
   </p:cSld>
@@ -7436,7 +5013,13 @@
       </p:grpSpPr>
       <p:sp>
         <p:nvSpPr>
-          <p:cNvPr id="2" name="Title 1"/>
+          <p:cNvPr id="2" name="Title 1">
+            <a:extLst>
+              <a:ext uri="{FF2B5EF4-FFF2-40B4-BE49-F238E27FC236}">
+                <a16:creationId xmlns:a16="http://schemas.microsoft.com/office/drawing/2014/main" id="{907AECE9-88B1-4B97-ADE2-415BA273DB4D}"/>
+              </a:ext>
+            </a:extLst>
+          </p:cNvPr>
           <p:cNvSpPr>
             <a:spLocks noGrp="1"/>
           </p:cNvSpPr>
@@ -7446,17 +5029,15 @@
         </p:nvSpPr>
         <p:spPr>
           <a:xfrm>
-            <a:off x="1153907" y="1854192"/>
-            <a:ext cx="5092906" cy="1574808"/>
+            <a:off x="839788" y="457200"/>
+            <a:ext cx="3932237" cy="1600200"/>
           </a:xfrm>
         </p:spPr>
         <p:txBody>
-          <a:bodyPr anchor="b">
-            <a:normAutofit/>
-          </a:bodyPr>
+          <a:bodyPr anchor="b"/>
           <a:lstStyle>
-            <a:lvl1pPr algn="l">
-              <a:defRPr sz="3600" b="0"/>
+            <a:lvl1pPr>
+              <a:defRPr sz="3200"/>
             </a:lvl1pPr>
           </a:lstStyle>
           <a:p>
@@ -7464,15 +5045,20 @@
               <a:rPr lang="en-US"/>
               <a:t>Click to edit Master title style</a:t>
             </a:r>
-            <a:endParaRPr lang="en-US" dirty="0"/>
           </a:p>
         </p:txBody>
       </p:sp>
       <p:sp>
         <p:nvSpPr>
-          <p:cNvPr id="3" name="Picture Placeholder 2"/>
+          <p:cNvPr id="3" name="Picture Placeholder 2">
+            <a:extLst>
+              <a:ext uri="{FF2B5EF4-FFF2-40B4-BE49-F238E27FC236}">
+                <a16:creationId xmlns:a16="http://schemas.microsoft.com/office/drawing/2014/main" id="{9C7C6E4A-849D-4E56-92B4-EAED8A8901B8}"/>
+              </a:ext>
+            </a:extLst>
+          </p:cNvPr>
           <p:cNvSpPr>
-            <a:spLocks noGrp="1" noChangeAspect="1"/>
+            <a:spLocks noGrp="1"/>
           </p:cNvSpPr>
           <p:nvPr>
             <p:ph type="pic" idx="1"/>
@@ -7480,76 +5066,64 @@
         </p:nvSpPr>
         <p:spPr>
           <a:xfrm>
-            <a:off x="6949546" y="1143000"/>
-            <a:ext cx="3200400" cy="4572000"/>
+            <a:off x="5183188" y="987425"/>
+            <a:ext cx="6172200" cy="4873625"/>
           </a:xfrm>
-          <a:prstGeom prst="roundRect">
-            <a:avLst>
-              <a:gd name="adj" fmla="val 1858"/>
-            </a:avLst>
-          </a:prstGeom>
-          <a:effectLst>
-            <a:outerShdw blurRad="50800" dist="50800" dir="5400000" algn="tl" rotWithShape="0">
-              <a:srgbClr val="000000">
-                <a:alpha val="43000"/>
-              </a:srgbClr>
-            </a:outerShdw>
-          </a:effectLst>
         </p:spPr>
         <p:txBody>
-          <a:bodyPr anchor="t">
-            <a:normAutofit/>
-          </a:bodyPr>
+          <a:bodyPr/>
           <a:lstStyle>
-            <a:lvl1pPr marL="0" indent="0" algn="ctr">
+            <a:lvl1pPr marL="0" indent="0">
               <a:buNone/>
-              <a:defRPr sz="1600"/>
+              <a:defRPr sz="3200"/>
             </a:lvl1pPr>
             <a:lvl2pPr marL="457200" indent="0">
               <a:buNone/>
-              <a:defRPr sz="1600"/>
+              <a:defRPr sz="2800"/>
             </a:lvl2pPr>
             <a:lvl3pPr marL="914400" indent="0">
               <a:buNone/>
-              <a:defRPr sz="1600"/>
+              <a:defRPr sz="2400"/>
             </a:lvl3pPr>
             <a:lvl4pPr marL="1371600" indent="0">
               <a:buNone/>
-              <a:defRPr sz="1600"/>
+              <a:defRPr sz="2000"/>
             </a:lvl4pPr>
             <a:lvl5pPr marL="1828800" indent="0">
               <a:buNone/>
-              <a:defRPr sz="1600"/>
+              <a:defRPr sz="2000"/>
             </a:lvl5pPr>
             <a:lvl6pPr marL="2286000" indent="0">
               <a:buNone/>
-              <a:defRPr sz="1600"/>
+              <a:defRPr sz="2000"/>
             </a:lvl6pPr>
             <a:lvl7pPr marL="2743200" indent="0">
               <a:buNone/>
-              <a:defRPr sz="1600"/>
+              <a:defRPr sz="2000"/>
             </a:lvl7pPr>
             <a:lvl8pPr marL="3200400" indent="0">
               <a:buNone/>
-              <a:defRPr sz="1600"/>
+              <a:defRPr sz="2000"/>
             </a:lvl8pPr>
             <a:lvl9pPr marL="3657600" indent="0">
               <a:buNone/>
-              <a:defRPr sz="1600"/>
+              <a:defRPr sz="2000"/>
             </a:lvl9pPr>
           </a:lstStyle>
           <a:p>
-            <a:r>
-              <a:rPr lang="en-US"/>
-              <a:t>Click icon to add picture</a:t>
-            </a:r>
-            <a:endParaRPr lang="en-US" dirty="0"/>
+            <a:endParaRPr lang="en-US"/>
           </a:p>
         </p:txBody>
       </p:sp>
       <p:sp>
         <p:nvSpPr>
-          <p:cNvPr id="4" name="Text Placeholder 3"/>
+          <p:cNvPr id="4" name="Text Placeholder 3">
+            <a:extLst>
+              <a:ext uri="{FF2B5EF4-FFF2-40B4-BE49-F238E27FC236}">
+                <a16:creationId xmlns:a16="http://schemas.microsoft.com/office/drawing/2014/main" id="{5A0C5CE3-FEA9-4B02-9101-602A054A4D52}"/>
+              </a:ext>
+            </a:extLst>
+          </p:cNvPr>
           <p:cNvSpPr>
             <a:spLocks noGrp="1"/>
           </p:cNvSpPr>
@@ -7559,50 +5133,48 @@
         </p:nvSpPr>
         <p:spPr>
           <a:xfrm>
-            <a:off x="1154954" y="3657600"/>
-            <a:ext cx="5084979" cy="1371600"/>
+            <a:off x="839788" y="2057400"/>
+            <a:ext cx="3932237" cy="3811588"/>
           </a:xfrm>
         </p:spPr>
         <p:txBody>
-          <a:bodyPr>
-            <a:normAutofit/>
-          </a:bodyPr>
+          <a:bodyPr/>
           <a:lstStyle>
             <a:lvl1pPr marL="0" indent="0">
               <a:buNone/>
-              <a:defRPr sz="1400"/>
+              <a:defRPr sz="1600"/>
             </a:lvl1pPr>
             <a:lvl2pPr marL="457200" indent="0">
               <a:buNone/>
-              <a:defRPr sz="1200"/>
+              <a:defRPr sz="1400"/>
             </a:lvl2pPr>
             <a:lvl3pPr marL="914400" indent="0">
               <a:buNone/>
-              <a:defRPr sz="1000"/>
+              <a:defRPr sz="1200"/>
             </a:lvl3pPr>
             <a:lvl4pPr marL="1371600" indent="0">
               <a:buNone/>
-              <a:defRPr sz="900"/>
+              <a:defRPr sz="1000"/>
             </a:lvl4pPr>
             <a:lvl5pPr marL="1828800" indent="0">
               <a:buNone/>
-              <a:defRPr sz="900"/>
+              <a:defRPr sz="1000"/>
             </a:lvl5pPr>
             <a:lvl6pPr marL="2286000" indent="0">
               <a:buNone/>
-              <a:defRPr sz="900"/>
+              <a:defRPr sz="1000"/>
             </a:lvl6pPr>
             <a:lvl7pPr marL="2743200" indent="0">
               <a:buNone/>
-              <a:defRPr sz="900"/>
+              <a:defRPr sz="1000"/>
             </a:lvl7pPr>
             <a:lvl8pPr marL="3200400" indent="0">
               <a:buNone/>
-              <a:defRPr sz="900"/>
+              <a:defRPr sz="1000"/>
             </a:lvl8pPr>
             <a:lvl9pPr marL="3657600" indent="0">
               <a:buNone/>
-              <a:defRPr sz="900"/>
+              <a:defRPr sz="1000"/>
             </a:lvl9pPr>
           </a:lstStyle>
           <a:p>
@@ -7616,7 +5188,13 @@
       </p:sp>
       <p:sp>
         <p:nvSpPr>
-          <p:cNvPr id="5" name="Date Placeholder 4"/>
+          <p:cNvPr id="5" name="Date Placeholder 4">
+            <a:extLst>
+              <a:ext uri="{FF2B5EF4-FFF2-40B4-BE49-F238E27FC236}">
+                <a16:creationId xmlns:a16="http://schemas.microsoft.com/office/drawing/2014/main" id="{7714F7AA-3B55-4CB9-BC75-A3C195A9ABEE}"/>
+              </a:ext>
+            </a:extLst>
+          </p:cNvPr>
           <p:cNvSpPr>
             <a:spLocks noGrp="1"/>
           </p:cNvSpPr>
@@ -7631,7 +5209,7 @@
           <a:p>
             <a:fld id="{F4C6FC4E-C84B-4657-97FD-F4C92E31B913}" type="datetimeFigureOut">
               <a:rPr lang="en-US" smtClean="0"/>
-              <a:t>6/25/2020</a:t>
+              <a:t>6/24/2020</a:t>
             </a:fld>
             <a:endParaRPr lang="en-US"/>
           </a:p>
@@ -7639,7 +5217,13 @@
       </p:sp>
       <p:sp>
         <p:nvSpPr>
-          <p:cNvPr id="6" name="Footer Placeholder 5"/>
+          <p:cNvPr id="6" name="Footer Placeholder 5">
+            <a:extLst>
+              <a:ext uri="{FF2B5EF4-FFF2-40B4-BE49-F238E27FC236}">
+                <a16:creationId xmlns:a16="http://schemas.microsoft.com/office/drawing/2014/main" id="{66721042-E695-4F11-BA09-2C405698690B}"/>
+              </a:ext>
+            </a:extLst>
+          </p:cNvPr>
           <p:cNvSpPr>
             <a:spLocks noGrp="1"/>
           </p:cNvSpPr>
@@ -7658,7 +5242,13 @@
       </p:sp>
       <p:sp>
         <p:nvSpPr>
-          <p:cNvPr id="7" name="Slide Number Placeholder 6"/>
+          <p:cNvPr id="7" name="Slide Number Placeholder 6">
+            <a:extLst>
+              <a:ext uri="{FF2B5EF4-FFF2-40B4-BE49-F238E27FC236}">
+                <a16:creationId xmlns:a16="http://schemas.microsoft.com/office/drawing/2014/main" id="{634CF2B6-8C93-42DA-9BB6-985CB03E8DAA}"/>
+              </a:ext>
+            </a:extLst>
+          </p:cNvPr>
           <p:cNvSpPr>
             <a:spLocks noGrp="1"/>
           </p:cNvSpPr>
@@ -7682,7 +5272,7 @@
     </p:spTree>
     <p:extLst>
       <p:ext uri="{BB962C8B-B14F-4D97-AF65-F5344CB8AC3E}">
-        <p14:creationId xmlns:p14="http://schemas.microsoft.com/office/powerpoint/2010/main" val="1826306451"/>
+        <p14:creationId xmlns:p14="http://schemas.microsoft.com/office/powerpoint/2010/main" val="2030167575"/>
       </p:ext>
     </p:extLst>
   </p:cSld>
@@ -7696,8 +5286,8 @@
 <p:sldMaster xmlns:a="http://schemas.openxmlformats.org/drawingml/2006/main" xmlns:r="http://schemas.openxmlformats.org/officeDocument/2006/relationships" xmlns:p="http://schemas.openxmlformats.org/presentationml/2006/main">
   <p:cSld>
     <p:bg>
-      <p:bgRef idx="1003">
-        <a:schemeClr val="bg2"/>
+      <p:bgRef idx="1001">
+        <a:schemeClr val="bg1"/>
       </p:bgRef>
     </p:bg>
     <p:spTree>
@@ -7714,224 +5304,15 @@
           <a:chExt cx="0" cy="0"/>
         </a:xfrm>
       </p:grpSpPr>
-      <p:pic>
-        <p:nvPicPr>
-          <p:cNvPr id="8" name="Picture 7"/>
-          <p:cNvPicPr>
-            <a:picLocks noChangeAspect="1"/>
-          </p:cNvPicPr>
-          <p:nvPr/>
-        </p:nvPicPr>
-        <p:blipFill rotWithShape="1">
-          <a:blip r:embed="rId19">
+      <p:sp>
+        <p:nvSpPr>
+          <p:cNvPr id="2" name="Title Placeholder 1">
             <a:extLst>
-              <a:ext uri="{28A0092B-C50C-407E-A947-70E740481C1C}">
-                <a14:useLocalDpi xmlns:a14="http://schemas.microsoft.com/office/drawing/2010/main" val="0"/>
+              <a:ext uri="{FF2B5EF4-FFF2-40B4-BE49-F238E27FC236}">
+                <a16:creationId xmlns:a16="http://schemas.microsoft.com/office/drawing/2014/main" id="{16825439-906F-4D11-8A35-2E00E61E1DC6}"/>
               </a:ext>
             </a:extLst>
-          </a:blip>
-          <a:srcRect l="3613"/>
-          <a:stretch/>
-        </p:blipFill>
-        <p:spPr>
-          <a:xfrm>
-            <a:off x="0" y="2669685"/>
-            <a:ext cx="4037012" cy="4188315"/>
-          </a:xfrm>
-          <a:prstGeom prst="rect">
-            <a:avLst/>
-          </a:prstGeom>
-        </p:spPr>
-      </p:pic>
-      <p:pic>
-        <p:nvPicPr>
-          <p:cNvPr id="7" name="Picture 6"/>
-          <p:cNvPicPr>
-            <a:picLocks noChangeAspect="1"/>
-          </p:cNvPicPr>
-          <p:nvPr/>
-        </p:nvPicPr>
-        <p:blipFill rotWithShape="1">
-          <a:blip r:embed="rId20">
-            <a:extLst>
-              <a:ext uri="{28A0092B-C50C-407E-A947-70E740481C1C}">
-                <a14:useLocalDpi xmlns:a14="http://schemas.microsoft.com/office/drawing/2010/main" val="0"/>
-              </a:ext>
-            </a:extLst>
-          </a:blip>
-          <a:srcRect l="35640"/>
-          <a:stretch/>
-        </p:blipFill>
-        <p:spPr>
-          <a:xfrm>
-            <a:off x="0" y="2892347"/>
-            <a:ext cx="1522412" cy="2365453"/>
-          </a:xfrm>
-          <a:prstGeom prst="rect">
-            <a:avLst/>
-          </a:prstGeom>
-        </p:spPr>
-      </p:pic>
-      <p:sp>
-        <p:nvSpPr>
-          <p:cNvPr id="16" name="Oval 15"/>
-          <p:cNvSpPr/>
-          <p:nvPr/>
-        </p:nvSpPr>
-        <p:spPr>
-          <a:xfrm>
-            <a:off x="8609012" y="1676400"/>
-            <a:ext cx="2819400" cy="2819400"/>
-          </a:xfrm>
-          <a:prstGeom prst="ellipse">
-            <a:avLst/>
-          </a:prstGeom>
-          <a:gradFill flip="none" rotWithShape="1">
-            <a:gsLst>
-              <a:gs pos="0">
-                <a:schemeClr val="bg2">
-                  <a:lumMod val="60000"/>
-                  <a:lumOff val="40000"/>
-                  <a:alpha val="7000"/>
-                </a:schemeClr>
-              </a:gs>
-              <a:gs pos="69000">
-                <a:schemeClr val="bg2">
-                  <a:lumMod val="60000"/>
-                  <a:lumOff val="40000"/>
-                  <a:alpha val="0"/>
-                </a:schemeClr>
-              </a:gs>
-              <a:gs pos="36000">
-                <a:schemeClr val="bg2">
-                  <a:lumMod val="60000"/>
-                  <a:lumOff val="40000"/>
-                  <a:alpha val="6000"/>
-                </a:schemeClr>
-              </a:gs>
-            </a:gsLst>
-            <a:path path="circle">
-              <a:fillToRect l="50000" t="50000" r="50000" b="50000"/>
-            </a:path>
-            <a:tileRect/>
-          </a:gradFill>
-          <a:ln>
-            <a:noFill/>
-          </a:ln>
-          <a:effectLst/>
-        </p:spPr>
-        <p:style>
-          <a:lnRef idx="1">
-            <a:schemeClr val="accent1"/>
-          </a:lnRef>
-          <a:fillRef idx="3">
-            <a:schemeClr val="accent1"/>
-          </a:fillRef>
-          <a:effectRef idx="2">
-            <a:schemeClr val="accent1"/>
-          </a:effectRef>
-          <a:fontRef idx="minor">
-            <a:schemeClr val="lt1"/>
-          </a:fontRef>
-        </p:style>
-      </p:sp>
-      <p:pic>
-        <p:nvPicPr>
-          <p:cNvPr id="9" name="Picture 8"/>
-          <p:cNvPicPr>
-            <a:picLocks noChangeAspect="1"/>
-          </p:cNvPicPr>
-          <p:nvPr/>
-        </p:nvPicPr>
-        <p:blipFill rotWithShape="1">
-          <a:blip r:embed="rId21">
-            <a:extLst>
-              <a:ext uri="{28A0092B-C50C-407E-A947-70E740481C1C}">
-                <a14:useLocalDpi xmlns:a14="http://schemas.microsoft.com/office/drawing/2010/main" val="0"/>
-              </a:ext>
-            </a:extLst>
-          </a:blip>
-          <a:srcRect t="28813"/>
-          <a:stretch/>
-        </p:blipFill>
-        <p:spPr>
-          <a:xfrm>
-            <a:off x="7999412" y="0"/>
-            <a:ext cx="1603387" cy="1141407"/>
-          </a:xfrm>
-          <a:prstGeom prst="rect">
-            <a:avLst/>
-          </a:prstGeom>
-        </p:spPr>
-      </p:pic>
-      <p:pic>
-        <p:nvPicPr>
-          <p:cNvPr id="10" name="Picture 9"/>
-          <p:cNvPicPr>
-            <a:picLocks noChangeAspect="1"/>
-          </p:cNvPicPr>
-          <p:nvPr/>
-        </p:nvPicPr>
-        <p:blipFill rotWithShape="1">
-          <a:blip r:embed="rId22">
-            <a:extLst>
-              <a:ext uri="{28A0092B-C50C-407E-A947-70E740481C1C}">
-                <a14:useLocalDpi xmlns:a14="http://schemas.microsoft.com/office/drawing/2010/main" val="0"/>
-              </a:ext>
-            </a:extLst>
-          </a:blip>
-          <a:srcRect b="23320"/>
-          <a:stretch/>
-        </p:blipFill>
-        <p:spPr>
-          <a:xfrm>
-            <a:off x="8605878" y="6096000"/>
-            <a:ext cx="993734" cy="762000"/>
-          </a:xfrm>
-          <a:prstGeom prst="rect">
-            <a:avLst/>
-          </a:prstGeom>
-        </p:spPr>
-      </p:pic>
-      <p:sp>
-        <p:nvSpPr>
-          <p:cNvPr id="14" name="Rectangle 13"/>
-          <p:cNvSpPr/>
-          <p:nvPr/>
-        </p:nvSpPr>
-        <p:spPr>
-          <a:xfrm>
-            <a:off x="10437812" y="0"/>
-            <a:ext cx="685800" cy="1143000"/>
-          </a:xfrm>
-          <a:prstGeom prst="rect">
-            <a:avLst/>
-          </a:prstGeom>
-          <a:solidFill>
-            <a:schemeClr val="accent1"/>
-          </a:solidFill>
-          <a:ln>
-            <a:noFill/>
-          </a:ln>
-        </p:spPr>
-        <p:style>
-          <a:lnRef idx="1">
-            <a:schemeClr val="accent1"/>
-          </a:lnRef>
-          <a:fillRef idx="3">
-            <a:schemeClr val="accent1"/>
-          </a:fillRef>
-          <a:effectRef idx="2">
-            <a:schemeClr val="accent1"/>
-          </a:effectRef>
-          <a:fontRef idx="minor">
-            <a:schemeClr val="lt1"/>
-          </a:fontRef>
-        </p:style>
-      </p:sp>
-      <p:sp>
-        <p:nvSpPr>
-          <p:cNvPr id="2" name="Title Placeholder 1"/>
+          </p:cNvPr>
           <p:cNvSpPr>
             <a:spLocks noGrp="1"/>
           </p:cNvSpPr>
@@ -7941,16 +5322,16 @@
         </p:nvSpPr>
         <p:spPr>
           <a:xfrm>
-            <a:off x="646111" y="452718"/>
-            <a:ext cx="9404723" cy="1400530"/>
+            <a:off x="838200" y="365125"/>
+            <a:ext cx="10515600" cy="1325563"/>
           </a:xfrm>
           <a:prstGeom prst="rect">
             <a:avLst/>
           </a:prstGeom>
         </p:spPr>
         <p:txBody>
-          <a:bodyPr vert="horz" lIns="91440" tIns="45720" rIns="91440" bIns="45720" rtlCol="0" anchor="t">
-            <a:noAutofit/>
+          <a:bodyPr vert="horz" lIns="91440" tIns="45720" rIns="91440" bIns="45720" rtlCol="0" anchor="ctr">
+            <a:normAutofit/>
           </a:bodyPr>
           <a:lstStyle/>
           <a:p>
@@ -7958,13 +5339,18 @@
               <a:rPr lang="en-US"/>
               <a:t>Click to edit Master title style</a:t>
             </a:r>
-            <a:endParaRPr lang="en-US" dirty="0"/>
           </a:p>
         </p:txBody>
       </p:sp>
       <p:sp>
         <p:nvSpPr>
-          <p:cNvPr id="3" name="Text Placeholder 2"/>
+          <p:cNvPr id="3" name="Text Placeholder 2">
+            <a:extLst>
+              <a:ext uri="{FF2B5EF4-FFF2-40B4-BE49-F238E27FC236}">
+                <a16:creationId xmlns:a16="http://schemas.microsoft.com/office/drawing/2014/main" id="{B0802073-F48F-4792-B77C-FC37EA0631FE}"/>
+              </a:ext>
+            </a:extLst>
+          </p:cNvPr>
           <p:cNvSpPr>
             <a:spLocks noGrp="1"/>
           </p:cNvSpPr>
@@ -7974,8 +5360,8 @@
         </p:nvSpPr>
         <p:spPr>
           <a:xfrm>
-            <a:off x="1103312" y="2052918"/>
-            <a:ext cx="8946541" cy="4195481"/>
+            <a:off x="838200" y="1825625"/>
+            <a:ext cx="10515600" cy="4351338"/>
           </a:xfrm>
           <a:prstGeom prst="rect">
             <a:avLst/>
@@ -8020,13 +5406,18 @@
               <a:rPr lang="en-US"/>
               <a:t>Fifth level</a:t>
             </a:r>
-            <a:endParaRPr lang="en-US" dirty="0"/>
           </a:p>
         </p:txBody>
       </p:sp>
       <p:sp>
         <p:nvSpPr>
-          <p:cNvPr id="4" name="Date Placeholder 3"/>
+          <p:cNvPr id="4" name="Date Placeholder 3">
+            <a:extLst>
+              <a:ext uri="{FF2B5EF4-FFF2-40B4-BE49-F238E27FC236}">
+                <a16:creationId xmlns:a16="http://schemas.microsoft.com/office/drawing/2014/main" id="{42AD2AAC-4DDB-4393-87AB-A2A788D2D77E}"/>
+              </a:ext>
+            </a:extLst>
+          </p:cNvPr>
           <p:cNvSpPr>
             <a:spLocks noGrp="1"/>
           </p:cNvSpPr>
@@ -8035,23 +5426,22 @@
           </p:nvPr>
         </p:nvSpPr>
         <p:spPr>
-          <a:xfrm rot="5400000">
-            <a:off x="10155639" y="1790701"/>
-            <a:ext cx="990599" cy="304799"/>
+          <a:xfrm>
+            <a:off x="838200" y="6356350"/>
+            <a:ext cx="2743200" cy="365125"/>
           </a:xfrm>
           <a:prstGeom prst="rect">
             <a:avLst/>
           </a:prstGeom>
         </p:spPr>
         <p:txBody>
-          <a:bodyPr vert="horz" lIns="91440" tIns="45720" rIns="91440" bIns="45720" rtlCol="0" anchor="t"/>
+          <a:bodyPr vert="horz" lIns="91440" tIns="45720" rIns="91440" bIns="45720" rtlCol="0" anchor="ctr"/>
           <a:lstStyle>
             <a:lvl1pPr algn="l">
-              <a:defRPr sz="1100" b="0" i="0">
+              <a:defRPr sz="1200">
                 <a:solidFill>
                   <a:schemeClr val="tx1">
                     <a:tint val="75000"/>
-                    <a:alpha val="60000"/>
                   </a:schemeClr>
                 </a:solidFill>
               </a:defRPr>
@@ -8060,7 +5450,7 @@
           <a:p>
             <a:fld id="{F4C6FC4E-C84B-4657-97FD-F4C92E31B913}" type="datetimeFigureOut">
               <a:rPr lang="en-US" smtClean="0"/>
-              <a:t>6/25/2020</a:t>
+              <a:t>6/24/2020</a:t>
             </a:fld>
             <a:endParaRPr lang="en-US"/>
           </a:p>
@@ -8068,7 +5458,13 @@
       </p:sp>
       <p:sp>
         <p:nvSpPr>
-          <p:cNvPr id="5" name="Footer Placeholder 4"/>
+          <p:cNvPr id="5" name="Footer Placeholder 4">
+            <a:extLst>
+              <a:ext uri="{FF2B5EF4-FFF2-40B4-BE49-F238E27FC236}">
+                <a16:creationId xmlns:a16="http://schemas.microsoft.com/office/drawing/2014/main" id="{F0A73037-8844-4A5B-82E5-DA1E16D378D8}"/>
+              </a:ext>
+            </a:extLst>
+          </p:cNvPr>
           <p:cNvSpPr>
             <a:spLocks noGrp="1"/>
           </p:cNvSpPr>
@@ -8077,57 +5473,19 @@
           </p:nvPr>
         </p:nvSpPr>
         <p:spPr>
-          <a:xfrm rot="5400000">
-            <a:off x="8951573" y="3225297"/>
-            <a:ext cx="3859795" cy="304801"/>
+          <a:xfrm>
+            <a:off x="4038600" y="6356350"/>
+            <a:ext cx="4114800" cy="365125"/>
           </a:xfrm>
           <a:prstGeom prst="rect">
             <a:avLst/>
           </a:prstGeom>
         </p:spPr>
         <p:txBody>
-          <a:bodyPr vert="horz" lIns="91440" tIns="45720" rIns="91440" bIns="45720" rtlCol="0" anchor="b"/>
-          <a:lstStyle>
-            <a:lvl1pPr algn="l">
-              <a:defRPr sz="1100" b="0" i="0">
-                <a:solidFill>
-                  <a:schemeClr val="tx1">
-                    <a:tint val="75000"/>
-                    <a:alpha val="60000"/>
-                  </a:schemeClr>
-                </a:solidFill>
-              </a:defRPr>
-            </a:lvl1pPr>
-          </a:lstStyle>
-          <a:p>
-            <a:endParaRPr lang="en-US"/>
-          </a:p>
-        </p:txBody>
-      </p:sp>
-      <p:sp>
-        <p:nvSpPr>
-          <p:cNvPr id="6" name="Slide Number Placeholder 5"/>
-          <p:cNvSpPr>
-            <a:spLocks noGrp="1"/>
-          </p:cNvSpPr>
-          <p:nvPr>
-            <p:ph type="sldNum" sz="quarter" idx="4"/>
-          </p:nvPr>
-        </p:nvSpPr>
-        <p:spPr bwMode="gray">
-          <a:xfrm>
-            <a:off x="10352540" y="295729"/>
-            <a:ext cx="838199" cy="767687"/>
-          </a:xfrm>
-          <a:prstGeom prst="rect">
-            <a:avLst/>
-          </a:prstGeom>
-        </p:spPr>
-        <p:txBody>
-          <a:bodyPr vert="horz" lIns="91440" tIns="45720" rIns="91440" bIns="45720" rtlCol="0" anchor="b"/>
+          <a:bodyPr vert="horz" lIns="91440" tIns="45720" rIns="91440" bIns="45720" rtlCol="0" anchor="ctr"/>
           <a:lstStyle>
             <a:lvl1pPr algn="ctr">
-              <a:defRPr sz="2800" b="0" i="0">
+              <a:defRPr sz="1200">
                 <a:solidFill>
                   <a:schemeClr val="tx1">
                     <a:tint val="75000"/>
@@ -8137,6 +5495,49 @@
             </a:lvl1pPr>
           </a:lstStyle>
           <a:p>
+            <a:endParaRPr lang="en-US"/>
+          </a:p>
+        </p:txBody>
+      </p:sp>
+      <p:sp>
+        <p:nvSpPr>
+          <p:cNvPr id="6" name="Slide Number Placeholder 5">
+            <a:extLst>
+              <a:ext uri="{FF2B5EF4-FFF2-40B4-BE49-F238E27FC236}">
+                <a16:creationId xmlns:a16="http://schemas.microsoft.com/office/drawing/2014/main" id="{7366541F-329F-4E62-AE0A-45BE5ECD2C4F}"/>
+              </a:ext>
+            </a:extLst>
+          </p:cNvPr>
+          <p:cNvSpPr>
+            <a:spLocks noGrp="1"/>
+          </p:cNvSpPr>
+          <p:nvPr>
+            <p:ph type="sldNum" sz="quarter" idx="4"/>
+          </p:nvPr>
+        </p:nvSpPr>
+        <p:spPr>
+          <a:xfrm>
+            <a:off x="8610600" y="6356350"/>
+            <a:ext cx="2743200" cy="365125"/>
+          </a:xfrm>
+          <a:prstGeom prst="rect">
+            <a:avLst/>
+          </a:prstGeom>
+        </p:spPr>
+        <p:txBody>
+          <a:bodyPr vert="horz" lIns="91440" tIns="45720" rIns="91440" bIns="45720" rtlCol="0" anchor="ctr"/>
+          <a:lstStyle>
+            <a:lvl1pPr algn="r">
+              <a:defRPr sz="1200">
+                <a:solidFill>
+                  <a:schemeClr val="tx1">
+                    <a:tint val="75000"/>
+                  </a:schemeClr>
+                </a:solidFill>
+              </a:defRPr>
+            </a:lvl1pPr>
+          </a:lstStyle>
+          <a:p>
             <a:fld id="{F1D20B05-C423-423F-BECE-6249FDC28811}" type="slidenum">
               <a:rPr lang="en-US" smtClean="0"/>
               <a:t>‹#›</a:t>
@@ -8148,121 +5549,35 @@
     </p:spTree>
     <p:extLst>
       <p:ext uri="{BB962C8B-B14F-4D97-AF65-F5344CB8AC3E}">
-        <p14:creationId xmlns:p14="http://schemas.microsoft.com/office/powerpoint/2010/main" val="1566550415"/>
+        <p14:creationId xmlns:p14="http://schemas.microsoft.com/office/powerpoint/2010/main" val="3382594582"/>
       </p:ext>
     </p:extLst>
   </p:cSld>
-  <p:clrMap bg1="dk1" tx1="lt1" bg2="dk2" tx2="lt2" accent1="accent1" accent2="accent2" accent3="accent3" accent4="accent4" accent5="accent5" accent6="accent6" hlink="hlink" folHlink="folHlink"/>
+  <p:clrMap bg1="lt1" tx1="dk1" bg2="lt2" tx2="dk2" accent1="accent1" accent2="accent2" accent3="accent3" accent4="accent4" accent5="accent5" accent6="accent6" hlink="hlink" folHlink="folHlink"/>
   <p:sldLayoutIdLst>
-    <p:sldLayoutId id="2147483661" r:id="rId1"/>
-    <p:sldLayoutId id="2147483662" r:id="rId2"/>
-    <p:sldLayoutId id="2147483663" r:id="rId3"/>
-    <p:sldLayoutId id="2147483664" r:id="rId4"/>
-    <p:sldLayoutId id="2147483665" r:id="rId5"/>
-    <p:sldLayoutId id="2147483666" r:id="rId6"/>
-    <p:sldLayoutId id="2147483667" r:id="rId7"/>
-    <p:sldLayoutId id="2147483668" r:id="rId8"/>
-    <p:sldLayoutId id="2147483669" r:id="rId9"/>
-    <p:sldLayoutId id="2147483670" r:id="rId10"/>
-    <p:sldLayoutId id="2147483671" r:id="rId11"/>
-    <p:sldLayoutId id="2147483672" r:id="rId12"/>
-    <p:sldLayoutId id="2147483673" r:id="rId13"/>
-    <p:sldLayoutId id="2147483674" r:id="rId14"/>
-    <p:sldLayoutId id="2147483675" r:id="rId15"/>
-    <p:sldLayoutId id="2147483676" r:id="rId16"/>
-    <p:sldLayoutId id="2147483677" r:id="rId17"/>
+    <p:sldLayoutId id="2147483649" r:id="rId1"/>
+    <p:sldLayoutId id="2147483650" r:id="rId2"/>
+    <p:sldLayoutId id="2147483651" r:id="rId3"/>
+    <p:sldLayoutId id="2147483652" r:id="rId4"/>
+    <p:sldLayoutId id="2147483653" r:id="rId5"/>
+    <p:sldLayoutId id="2147483654" r:id="rId6"/>
+    <p:sldLayoutId id="2147483655" r:id="rId7"/>
+    <p:sldLayoutId id="2147483656" r:id="rId8"/>
+    <p:sldLayoutId id="2147483657" r:id="rId9"/>
+    <p:sldLayoutId id="2147483658" r:id="rId10"/>
+    <p:sldLayoutId id="2147483659" r:id="rId11"/>
   </p:sldLayoutIdLst>
   <p:txStyles>
     <p:titleStyle>
-      <a:lvl1pPr algn="l" defTabSz="457200" rtl="0" eaLnBrk="1" latinLnBrk="0" hangingPunct="1">
+      <a:lvl1pPr algn="l" defTabSz="914400" rtl="0" eaLnBrk="1" latinLnBrk="0" hangingPunct="1">
+        <a:lnSpc>
+          <a:spcPct val="90000"/>
+        </a:lnSpc>
         <a:spcBef>
           <a:spcPct val="0"/>
         </a:spcBef>
         <a:buNone/>
-        <a:defRPr sz="4200" b="0" i="0" kern="1200">
-          <a:solidFill>
-            <a:schemeClr val="tx2"/>
-          </a:solidFill>
-          <a:latin typeface="+mj-lt"/>
-          <a:ea typeface="+mj-ea"/>
-          <a:cs typeface="+mj-cs"/>
-        </a:defRPr>
-      </a:lvl1pPr>
-      <a:lvl2pPr eaLnBrk="1" hangingPunct="1">
-        <a:defRPr>
-          <a:solidFill>
-            <a:schemeClr val="tx2"/>
-          </a:solidFill>
-        </a:defRPr>
-      </a:lvl2pPr>
-      <a:lvl3pPr eaLnBrk="1" hangingPunct="1">
-        <a:defRPr>
-          <a:solidFill>
-            <a:schemeClr val="tx2"/>
-          </a:solidFill>
-        </a:defRPr>
-      </a:lvl3pPr>
-      <a:lvl4pPr eaLnBrk="1" hangingPunct="1">
-        <a:defRPr>
-          <a:solidFill>
-            <a:schemeClr val="tx2"/>
-          </a:solidFill>
-        </a:defRPr>
-      </a:lvl4pPr>
-      <a:lvl5pPr eaLnBrk="1" hangingPunct="1">
-        <a:defRPr>
-          <a:solidFill>
-            <a:schemeClr val="tx2"/>
-          </a:solidFill>
-        </a:defRPr>
-      </a:lvl5pPr>
-      <a:lvl6pPr eaLnBrk="1" hangingPunct="1">
-        <a:defRPr>
-          <a:solidFill>
-            <a:schemeClr val="tx2"/>
-          </a:solidFill>
-        </a:defRPr>
-      </a:lvl6pPr>
-      <a:lvl7pPr eaLnBrk="1" hangingPunct="1">
-        <a:defRPr>
-          <a:solidFill>
-            <a:schemeClr val="tx2"/>
-          </a:solidFill>
-        </a:defRPr>
-      </a:lvl7pPr>
-      <a:lvl8pPr eaLnBrk="1" hangingPunct="1">
-        <a:defRPr>
-          <a:solidFill>
-            <a:schemeClr val="tx2"/>
-          </a:solidFill>
-        </a:defRPr>
-      </a:lvl8pPr>
-      <a:lvl9pPr eaLnBrk="1" hangingPunct="1">
-        <a:defRPr>
-          <a:solidFill>
-            <a:schemeClr val="tx2"/>
-          </a:solidFill>
-        </a:defRPr>
-      </a:lvl9pPr>
-    </p:titleStyle>
-    <p:bodyStyle>
-      <a:lvl1pPr marL="342900" indent="-342900" algn="l" defTabSz="457200" rtl="0" eaLnBrk="1" latinLnBrk="0" hangingPunct="1">
-        <a:spcBef>
-          <a:spcPts val="1000"/>
-        </a:spcBef>
-        <a:spcAft>
-          <a:spcPts val="0"/>
-        </a:spcAft>
-        <a:buClr>
-          <a:schemeClr val="bg2">
-            <a:lumMod val="40000"/>
-            <a:lumOff val="60000"/>
-          </a:schemeClr>
-        </a:buClr>
-        <a:buSzPct val="80000"/>
-        <a:buFont typeface="Wingdings 3" charset="2"/>
-        <a:buChar char=""/>
-        <a:defRPr sz="2000" b="0" i="0" kern="1200">
+        <a:defRPr sz="4400" kern="1200">
           <a:solidFill>
             <a:schemeClr val="tx1"/>
           </a:solidFill>
@@ -8271,204 +5586,168 @@
           <a:cs typeface="+mj-cs"/>
         </a:defRPr>
       </a:lvl1pPr>
-      <a:lvl2pPr marL="742950" indent="-285750" algn="l" defTabSz="457200" rtl="0" eaLnBrk="1" latinLnBrk="0" hangingPunct="1">
+    </p:titleStyle>
+    <p:bodyStyle>
+      <a:lvl1pPr marL="228600" indent="-228600" algn="l" defTabSz="914400" rtl="0" eaLnBrk="1" latinLnBrk="0" hangingPunct="1">
+        <a:lnSpc>
+          <a:spcPct val="90000"/>
+        </a:lnSpc>
         <a:spcBef>
           <a:spcPts val="1000"/>
         </a:spcBef>
-        <a:spcAft>
-          <a:spcPts val="0"/>
-        </a:spcAft>
-        <a:buClr>
-          <a:schemeClr val="bg2">
-            <a:lumMod val="40000"/>
-            <a:lumOff val="60000"/>
-          </a:schemeClr>
-        </a:buClr>
-        <a:buSzPct val="80000"/>
-        <a:buFont typeface="Wingdings 3" charset="2"/>
-        <a:buChar char=""/>
-        <a:defRPr sz="1800" b="0" i="0" kern="1200">
+        <a:buFont typeface="Arial" panose="020B0604020202020204" pitchFamily="34" charset="0"/>
+        <a:buChar char="•"/>
+        <a:defRPr sz="2800" kern="1200">
           <a:solidFill>
             <a:schemeClr val="tx1"/>
           </a:solidFill>
-          <a:latin typeface="+mj-lt"/>
-          <a:ea typeface="+mj-ea"/>
-          <a:cs typeface="+mj-cs"/>
+          <a:latin typeface="+mn-lt"/>
+          <a:ea typeface="+mn-ea"/>
+          <a:cs typeface="+mn-cs"/>
         </a:defRPr>
-      </a:lvl2pPr>
-      <a:lvl3pPr marL="1143000" indent="-228600" algn="l" defTabSz="457200" rtl="0" eaLnBrk="1" latinLnBrk="0" hangingPunct="1">
+      </a:lvl1pPr>
+      <a:lvl2pPr marL="685800" indent="-228600" algn="l" defTabSz="914400" rtl="0" eaLnBrk="1" latinLnBrk="0" hangingPunct="1">
+        <a:lnSpc>
+          <a:spcPct val="90000"/>
+        </a:lnSpc>
         <a:spcBef>
-          <a:spcPts val="1000"/>
+          <a:spcPts val="500"/>
         </a:spcBef>
-        <a:spcAft>
-          <a:spcPts val="0"/>
-        </a:spcAft>
-        <a:buClr>
-          <a:schemeClr val="bg2">
-            <a:lumMod val="40000"/>
-            <a:lumOff val="60000"/>
-          </a:schemeClr>
-        </a:buClr>
-        <a:buSzPct val="80000"/>
-        <a:buFont typeface="Wingdings 3" charset="2"/>
-        <a:buChar char=""/>
-        <a:defRPr sz="1600" b="0" i="0" kern="1200">
+        <a:buFont typeface="Arial" panose="020B0604020202020204" pitchFamily="34" charset="0"/>
+        <a:buChar char="•"/>
+        <a:defRPr sz="2400" kern="1200">
           <a:solidFill>
             <a:schemeClr val="tx1"/>
           </a:solidFill>
-          <a:latin typeface="+mj-lt"/>
-          <a:ea typeface="+mj-ea"/>
-          <a:cs typeface="+mj-cs"/>
+          <a:latin typeface="+mn-lt"/>
+          <a:ea typeface="+mn-ea"/>
+          <a:cs typeface="+mn-cs"/>
         </a:defRPr>
-      </a:lvl3pPr>
-      <a:lvl4pPr marL="1600200" indent="-228600" algn="l" defTabSz="457200" rtl="0" eaLnBrk="1" latinLnBrk="0" hangingPunct="1">
+      </a:lvl2pPr>
+      <a:lvl3pPr marL="1143000" indent="-228600" algn="l" defTabSz="914400" rtl="0" eaLnBrk="1" latinLnBrk="0" hangingPunct="1">
+        <a:lnSpc>
+          <a:spcPct val="90000"/>
+        </a:lnSpc>
         <a:spcBef>
-          <a:spcPts val="1000"/>
+          <a:spcPts val="500"/>
         </a:spcBef>
-        <a:spcAft>
-          <a:spcPts val="0"/>
-        </a:spcAft>
-        <a:buClr>
-          <a:schemeClr val="bg2">
-            <a:lumMod val="40000"/>
-            <a:lumOff val="60000"/>
-          </a:schemeClr>
-        </a:buClr>
-        <a:buSzPct val="80000"/>
-        <a:buFont typeface="Wingdings 3" charset="2"/>
-        <a:buChar char=""/>
-        <a:defRPr sz="1400" b="0" i="0" kern="1200">
+        <a:buFont typeface="Arial" panose="020B0604020202020204" pitchFamily="34" charset="0"/>
+        <a:buChar char="•"/>
+        <a:defRPr sz="2000" kern="1200">
           <a:solidFill>
             <a:schemeClr val="tx1"/>
           </a:solidFill>
-          <a:latin typeface="+mj-lt"/>
-          <a:ea typeface="+mj-ea"/>
-          <a:cs typeface="+mj-cs"/>
+          <a:latin typeface="+mn-lt"/>
+          <a:ea typeface="+mn-ea"/>
+          <a:cs typeface="+mn-cs"/>
         </a:defRPr>
-      </a:lvl4pPr>
-      <a:lvl5pPr marL="2057400" indent="-228600" algn="l" defTabSz="457200" rtl="0" eaLnBrk="1" latinLnBrk="0" hangingPunct="1">
+      </a:lvl3pPr>
+      <a:lvl4pPr marL="1600200" indent="-228600" algn="l" defTabSz="914400" rtl="0" eaLnBrk="1" latinLnBrk="0" hangingPunct="1">
+        <a:lnSpc>
+          <a:spcPct val="90000"/>
+        </a:lnSpc>
         <a:spcBef>
-          <a:spcPts val="1000"/>
+          <a:spcPts val="500"/>
         </a:spcBef>
-        <a:spcAft>
-          <a:spcPts val="0"/>
-        </a:spcAft>
-        <a:buClr>
-          <a:schemeClr val="bg2">
-            <a:lumMod val="40000"/>
-            <a:lumOff val="60000"/>
-          </a:schemeClr>
-        </a:buClr>
-        <a:buSzPct val="80000"/>
-        <a:buFont typeface="Wingdings 3" charset="2"/>
-        <a:buChar char=""/>
-        <a:defRPr sz="1400" b="0" i="0" kern="1200">
+        <a:buFont typeface="Arial" panose="020B0604020202020204" pitchFamily="34" charset="0"/>
+        <a:buChar char="•"/>
+        <a:defRPr sz="1800" kern="1200">
           <a:solidFill>
             <a:schemeClr val="tx1"/>
           </a:solidFill>
-          <a:latin typeface="+mj-lt"/>
-          <a:ea typeface="+mj-ea"/>
-          <a:cs typeface="+mj-cs"/>
+          <a:latin typeface="+mn-lt"/>
+          <a:ea typeface="+mn-ea"/>
+          <a:cs typeface="+mn-cs"/>
         </a:defRPr>
-      </a:lvl5pPr>
-      <a:lvl6pPr marL="2506000" indent="-228600" algn="l" defTabSz="457200" rtl="0" eaLnBrk="1" latinLnBrk="0" hangingPunct="1">
+      </a:lvl4pPr>
+      <a:lvl5pPr marL="2057400" indent="-228600" algn="l" defTabSz="914400" rtl="0" eaLnBrk="1" latinLnBrk="0" hangingPunct="1">
+        <a:lnSpc>
+          <a:spcPct val="90000"/>
+        </a:lnSpc>
         <a:spcBef>
-          <a:spcPts val="1000"/>
+          <a:spcPts val="500"/>
         </a:spcBef>
-        <a:spcAft>
-          <a:spcPts val="0"/>
-        </a:spcAft>
-        <a:buClr>
-          <a:schemeClr val="bg2">
-            <a:lumMod val="40000"/>
-            <a:lumOff val="60000"/>
-          </a:schemeClr>
-        </a:buClr>
-        <a:buSzPct val="80000"/>
-        <a:buFont typeface="Wingdings 3" charset="2"/>
-        <a:buChar char=""/>
-        <a:defRPr sz="1400" b="0" i="0" kern="1200">
+        <a:buFont typeface="Arial" panose="020B0604020202020204" pitchFamily="34" charset="0"/>
+        <a:buChar char="•"/>
+        <a:defRPr sz="1800" kern="1200">
           <a:solidFill>
             <a:schemeClr val="tx1"/>
           </a:solidFill>
-          <a:latin typeface="+mj-lt"/>
-          <a:ea typeface="+mj-ea"/>
-          <a:cs typeface="+mj-cs"/>
+          <a:latin typeface="+mn-lt"/>
+          <a:ea typeface="+mn-ea"/>
+          <a:cs typeface="+mn-cs"/>
         </a:defRPr>
-      </a:lvl6pPr>
-      <a:lvl7pPr marL="2971800" indent="-228600" algn="l" defTabSz="457200" rtl="0" eaLnBrk="1" latinLnBrk="0" hangingPunct="1">
+      </a:lvl5pPr>
+      <a:lvl6pPr marL="2514600" indent="-228600" algn="l" defTabSz="914400" rtl="0" eaLnBrk="1" latinLnBrk="0" hangingPunct="1">
+        <a:lnSpc>
+          <a:spcPct val="90000"/>
+        </a:lnSpc>
         <a:spcBef>
-          <a:spcPts val="1000"/>
+          <a:spcPts val="500"/>
         </a:spcBef>
-        <a:spcAft>
-          <a:spcPts val="0"/>
-        </a:spcAft>
-        <a:buClr>
-          <a:schemeClr val="bg2">
-            <a:lumMod val="40000"/>
-            <a:lumOff val="60000"/>
-          </a:schemeClr>
-        </a:buClr>
-        <a:buSzPct val="80000"/>
-        <a:buFont typeface="Wingdings 3" charset="2"/>
-        <a:buChar char=""/>
-        <a:defRPr sz="1400" b="0" i="0" kern="1200">
+        <a:buFont typeface="Arial" panose="020B0604020202020204" pitchFamily="34" charset="0"/>
+        <a:buChar char="•"/>
+        <a:defRPr sz="1800" kern="1200">
           <a:solidFill>
             <a:schemeClr val="tx1"/>
           </a:solidFill>
-          <a:latin typeface="+mj-lt"/>
-          <a:ea typeface="+mj-ea"/>
-          <a:cs typeface="+mj-cs"/>
+          <a:latin typeface="+mn-lt"/>
+          <a:ea typeface="+mn-ea"/>
+          <a:cs typeface="+mn-cs"/>
         </a:defRPr>
-      </a:lvl7pPr>
-      <a:lvl8pPr marL="3429000" indent="-228600" algn="l" defTabSz="457200" rtl="0" eaLnBrk="1" latinLnBrk="0" hangingPunct="1">
+      </a:lvl6pPr>
+      <a:lvl7pPr marL="2971800" indent="-228600" algn="l" defTabSz="914400" rtl="0" eaLnBrk="1" latinLnBrk="0" hangingPunct="1">
+        <a:lnSpc>
+          <a:spcPct val="90000"/>
+        </a:lnSpc>
         <a:spcBef>
-          <a:spcPts val="1000"/>
+          <a:spcPts val="500"/>
         </a:spcBef>
-        <a:spcAft>
-          <a:spcPts val="0"/>
-        </a:spcAft>
-        <a:buClr>
-          <a:schemeClr val="bg2">
-            <a:lumMod val="40000"/>
-            <a:lumOff val="60000"/>
-          </a:schemeClr>
-        </a:buClr>
-        <a:buSzPct val="80000"/>
-        <a:buFont typeface="Wingdings 3" charset="2"/>
-        <a:buChar char=""/>
-        <a:defRPr sz="1400" b="0" i="0" kern="1200">
+        <a:buFont typeface="Arial" panose="020B0604020202020204" pitchFamily="34" charset="0"/>
+        <a:buChar char="•"/>
+        <a:defRPr sz="1800" kern="1200">
           <a:solidFill>
             <a:schemeClr val="tx1"/>
           </a:solidFill>
-          <a:latin typeface="+mj-lt"/>
-          <a:ea typeface="+mj-ea"/>
-          <a:cs typeface="+mj-cs"/>
+          <a:latin typeface="+mn-lt"/>
+          <a:ea typeface="+mn-ea"/>
+          <a:cs typeface="+mn-cs"/>
         </a:defRPr>
-      </a:lvl8pPr>
-      <a:lvl9pPr marL="3886200" indent="-228600" algn="l" defTabSz="457200" rtl="0" eaLnBrk="1" latinLnBrk="0" hangingPunct="1">
+      </a:lvl7pPr>
+      <a:lvl8pPr marL="3429000" indent="-228600" algn="l" defTabSz="914400" rtl="0" eaLnBrk="1" latinLnBrk="0" hangingPunct="1">
+        <a:lnSpc>
+          <a:spcPct val="90000"/>
+        </a:lnSpc>
         <a:spcBef>
-          <a:spcPts val="1000"/>
+          <a:spcPts val="500"/>
         </a:spcBef>
-        <a:spcAft>
-          <a:spcPts val="0"/>
-        </a:spcAft>
-        <a:buClr>
-          <a:schemeClr val="bg2">
-            <a:lumMod val="40000"/>
-            <a:lumOff val="60000"/>
-          </a:schemeClr>
-        </a:buClr>
-        <a:buSzPct val="80000"/>
-        <a:buFont typeface="Wingdings 3" charset="2"/>
-        <a:buChar char=""/>
-        <a:defRPr sz="1400" b="0" i="0" kern="1200">
+        <a:buFont typeface="Arial" panose="020B0604020202020204" pitchFamily="34" charset="0"/>
+        <a:buChar char="•"/>
+        <a:defRPr sz="1800" kern="1200">
           <a:solidFill>
             <a:schemeClr val="tx1"/>
           </a:solidFill>
-          <a:latin typeface="+mj-lt"/>
-          <a:ea typeface="+mj-ea"/>
-          <a:cs typeface="+mj-cs"/>
+          <a:latin typeface="+mn-lt"/>
+          <a:ea typeface="+mn-ea"/>
+          <a:cs typeface="+mn-cs"/>
+        </a:defRPr>
+      </a:lvl8pPr>
+      <a:lvl9pPr marL="3886200" indent="-228600" algn="l" defTabSz="914400" rtl="0" eaLnBrk="1" latinLnBrk="0" hangingPunct="1">
+        <a:lnSpc>
+          <a:spcPct val="90000"/>
+        </a:lnSpc>
+        <a:spcBef>
+          <a:spcPts val="500"/>
+        </a:spcBef>
+        <a:buFont typeface="Arial" panose="020B0604020202020204" pitchFamily="34" charset="0"/>
+        <a:buChar char="•"/>
+        <a:defRPr sz="1800" kern="1200">
+          <a:solidFill>
+            <a:schemeClr val="tx1"/>
+          </a:solidFill>
+          <a:latin typeface="+mn-lt"/>
+          <a:ea typeface="+mn-ea"/>
+          <a:cs typeface="+mn-cs"/>
         </a:defRPr>
       </a:lvl9pPr>
     </p:bodyStyle>
@@ -8476,7 +5755,7 @@
       <a:defPPr>
         <a:defRPr lang="en-US"/>
       </a:defPPr>
-      <a:lvl1pPr marL="0" algn="l" defTabSz="457200" rtl="0" eaLnBrk="1" latinLnBrk="0" hangingPunct="1">
+      <a:lvl1pPr marL="0" algn="l" defTabSz="914400" rtl="0" eaLnBrk="1" latinLnBrk="0" hangingPunct="1">
         <a:defRPr sz="1800" kern="1200">
           <a:solidFill>
             <a:schemeClr val="tx1"/>
@@ -8486,7 +5765,7 @@
           <a:cs typeface="+mn-cs"/>
         </a:defRPr>
       </a:lvl1pPr>
-      <a:lvl2pPr marL="457200" algn="l" defTabSz="457200" rtl="0" eaLnBrk="1" latinLnBrk="0" hangingPunct="1">
+      <a:lvl2pPr marL="457200" algn="l" defTabSz="914400" rtl="0" eaLnBrk="1" latinLnBrk="0" hangingPunct="1">
         <a:defRPr sz="1800" kern="1200">
           <a:solidFill>
             <a:schemeClr val="tx1"/>
@@ -8496,7 +5775,7 @@
           <a:cs typeface="+mn-cs"/>
         </a:defRPr>
       </a:lvl2pPr>
-      <a:lvl3pPr marL="914400" algn="l" defTabSz="457200" rtl="0" eaLnBrk="1" latinLnBrk="0" hangingPunct="1">
+      <a:lvl3pPr marL="914400" algn="l" defTabSz="914400" rtl="0" eaLnBrk="1" latinLnBrk="0" hangingPunct="1">
         <a:defRPr sz="1800" kern="1200">
           <a:solidFill>
             <a:schemeClr val="tx1"/>
@@ -8506,7 +5785,7 @@
           <a:cs typeface="+mn-cs"/>
         </a:defRPr>
       </a:lvl3pPr>
-      <a:lvl4pPr marL="1371600" algn="l" defTabSz="457200" rtl="0" eaLnBrk="1" latinLnBrk="0" hangingPunct="1">
+      <a:lvl4pPr marL="1371600" algn="l" defTabSz="914400" rtl="0" eaLnBrk="1" latinLnBrk="0" hangingPunct="1">
         <a:defRPr sz="1800" kern="1200">
           <a:solidFill>
             <a:schemeClr val="tx1"/>
@@ -8516,7 +5795,7 @@
           <a:cs typeface="+mn-cs"/>
         </a:defRPr>
       </a:lvl4pPr>
-      <a:lvl5pPr marL="1828800" algn="l" defTabSz="457200" rtl="0" eaLnBrk="1" latinLnBrk="0" hangingPunct="1">
+      <a:lvl5pPr marL="1828800" algn="l" defTabSz="914400" rtl="0" eaLnBrk="1" latinLnBrk="0" hangingPunct="1">
         <a:defRPr sz="1800" kern="1200">
           <a:solidFill>
             <a:schemeClr val="tx1"/>
@@ -8526,7 +5805,7 @@
           <a:cs typeface="+mn-cs"/>
         </a:defRPr>
       </a:lvl5pPr>
-      <a:lvl6pPr marL="2286000" algn="l" defTabSz="457200" rtl="0" eaLnBrk="1" latinLnBrk="0" hangingPunct="1">
+      <a:lvl6pPr marL="2286000" algn="l" defTabSz="914400" rtl="0" eaLnBrk="1" latinLnBrk="0" hangingPunct="1">
         <a:defRPr sz="1800" kern="1200">
           <a:solidFill>
             <a:schemeClr val="tx1"/>
@@ -8536,7 +5815,7 @@
           <a:cs typeface="+mn-cs"/>
         </a:defRPr>
       </a:lvl6pPr>
-      <a:lvl7pPr marL="2743200" algn="l" defTabSz="457200" rtl="0" eaLnBrk="1" latinLnBrk="0" hangingPunct="1">
+      <a:lvl7pPr marL="2743200" algn="l" defTabSz="914400" rtl="0" eaLnBrk="1" latinLnBrk="0" hangingPunct="1">
         <a:defRPr sz="1800" kern="1200">
           <a:solidFill>
             <a:schemeClr val="tx1"/>
@@ -8546,7 +5825,7 @@
           <a:cs typeface="+mn-cs"/>
         </a:defRPr>
       </a:lvl7pPr>
-      <a:lvl8pPr marL="3200400" algn="l" defTabSz="457200" rtl="0" eaLnBrk="1" latinLnBrk="0" hangingPunct="1">
+      <a:lvl8pPr marL="3200400" algn="l" defTabSz="914400" rtl="0" eaLnBrk="1" latinLnBrk="0" hangingPunct="1">
         <a:defRPr sz="1800" kern="1200">
           <a:solidFill>
             <a:schemeClr val="tx1"/>
@@ -8556,7 +5835,7 @@
           <a:cs typeface="+mn-cs"/>
         </a:defRPr>
       </a:lvl8pPr>
-      <a:lvl9pPr marL="3657600" algn="l" defTabSz="457200" rtl="0" eaLnBrk="1" latinLnBrk="0" hangingPunct="1">
+      <a:lvl9pPr marL="3657600" algn="l" defTabSz="914400" rtl="0" eaLnBrk="1" latinLnBrk="0" hangingPunct="1">
         <a:defRPr sz="1800" kern="1200">
           <a:solidFill>
             <a:schemeClr val="tx1"/>
@@ -8572,7 +5851,7 @@
 </file>
 
 <file path=ppt/slides/slide1.xml><?xml version="1.0" encoding="utf-8"?>
-<p:sld xmlns:a="http://schemas.openxmlformats.org/drawingml/2006/main" xmlns:r="http://schemas.openxmlformats.org/officeDocument/2006/relationships" xmlns:p="http://schemas.openxmlformats.org/presentationml/2006/main" showMasterSp="0">
+<p:sld xmlns:a="http://schemas.openxmlformats.org/drawingml/2006/main" xmlns:r="http://schemas.openxmlformats.org/officeDocument/2006/relationships" xmlns:p="http://schemas.openxmlformats.org/presentationml/2006/main">
   <p:cSld>
     <p:bg>
       <p:bgPr>
@@ -8841,6 +6120,9 @@
             <a:pPr algn="l"/>
             <a:r>
               <a:rPr lang="en-GB" b="1" dirty="0">
+                <a:solidFill>
+                  <a:schemeClr val="bg1"/>
+                </a:solidFill>
                 <a:latin typeface="Footlight MT Light" panose="0204060206030A020304" pitchFamily="18" charset="0"/>
               </a:rPr>
               <a:t>Md. Mehedi Hasan</a:t>
@@ -8850,6 +6132,9 @@
             <a:pPr algn="l"/>
             <a:r>
               <a:rPr lang="en-GB" b="1" dirty="0">
+                <a:solidFill>
+                  <a:schemeClr val="bg1"/>
+                </a:solidFill>
                 <a:latin typeface="Footlight MT Light" panose="0204060206030A020304" pitchFamily="18" charset="0"/>
               </a:rPr>
               <a:t>M.Sc. Student (Thesis)</a:t>
@@ -8859,6 +6144,9 @@
             <a:pPr algn="l"/>
             <a:r>
               <a:rPr lang="en-GB" b="1" dirty="0">
+                <a:solidFill>
+                  <a:schemeClr val="bg1"/>
+                </a:solidFill>
                 <a:latin typeface="Footlight MT Light" panose="0204060206030A020304" pitchFamily="18" charset="0"/>
               </a:rPr>
               <a:t>Department of Statistics(</a:t>
@@ -8874,6 +6162,9 @@
             </a:r>
             <a:r>
               <a:rPr lang="en-GB" b="1" dirty="0">
+                <a:solidFill>
+                  <a:schemeClr val="bg1"/>
+                </a:solidFill>
                 <a:latin typeface="Footlight MT Light" panose="0204060206030A020304" pitchFamily="18" charset="0"/>
               </a:rPr>
               <a:t>)</a:t>
@@ -8883,12 +6174,15 @@
             <a:pPr algn="l"/>
             <a:r>
               <a:rPr lang="en-GB" b="1" dirty="0">
+                <a:solidFill>
+                  <a:schemeClr val="bg1"/>
+                </a:solidFill>
                 <a:latin typeface="Footlight MT Light" panose="0204060206030A020304" pitchFamily="18" charset="0"/>
               </a:rPr>
               <a:t>Intern (</a:t>
             </a:r>
             <a:r>
-              <a:rPr lang="en-GB" b="1" dirty="0">
+              <a:rPr lang="en-GB" b="1" dirty="0" err="1">
                 <a:solidFill>
                   <a:srgbClr val="FFC000"/>
                 </a:solidFill>
@@ -8898,6 +6192,9 @@
             </a:r>
             <a:r>
               <a:rPr lang="en-GB" b="1" dirty="0">
+                <a:solidFill>
+                  <a:schemeClr val="bg1"/>
+                </a:solidFill>
                 <a:latin typeface="Footlight MT Light" panose="0204060206030A020304" pitchFamily="18" charset="0"/>
               </a:rPr>
               <a:t>)</a:t>
@@ -8956,7 +6253,7 @@
         </p:nvSpPr>
         <p:spPr>
           <a:xfrm>
-            <a:off x="308113" y="58012"/>
+            <a:off x="308113" y="11357"/>
             <a:ext cx="9379226" cy="1325563"/>
           </a:xfrm>
         </p:spPr>
@@ -8967,16 +6264,36 @@
             <a:r>
               <a:rPr lang="en-US" dirty="0">
                 <a:solidFill>
-                  <a:schemeClr val="tx1"/>
+                  <a:srgbClr val="002060"/>
                 </a:solidFill>
                 <a:latin typeface="Times New Roman" panose="02020603050405020304" pitchFamily="18" charset="0"/>
                 <a:cs typeface="Times New Roman" panose="02020603050405020304" pitchFamily="18" charset="0"/>
               </a:rPr>
-              <a:t>Regular Expression</a:t>
+              <a:t>Regular Expression (</a:t>
+            </a:r>
+            <a:r>
+              <a:rPr lang="en-US" dirty="0" err="1">
+                <a:solidFill>
+                  <a:srgbClr val="002060"/>
+                </a:solidFill>
+                <a:latin typeface="Times New Roman" panose="02020603050405020304" pitchFamily="18" charset="0"/>
+                <a:cs typeface="Times New Roman" panose="02020603050405020304" pitchFamily="18" charset="0"/>
+              </a:rPr>
+              <a:t>RegEx</a:t>
+            </a:r>
+            <a:r>
+              <a:rPr lang="en-US" dirty="0">
+                <a:solidFill>
+                  <a:srgbClr val="002060"/>
+                </a:solidFill>
+                <a:latin typeface="Times New Roman" panose="02020603050405020304" pitchFamily="18" charset="0"/>
+                <a:cs typeface="Times New Roman" panose="02020603050405020304" pitchFamily="18" charset="0"/>
+              </a:rPr>
+              <a:t>) </a:t>
             </a:r>
             <a:endParaRPr lang="en-US" dirty="0">
               <a:solidFill>
-                <a:schemeClr val="tx1"/>
+                <a:srgbClr val="002060"/>
               </a:solidFill>
             </a:endParaRPr>
           </a:p>
@@ -9000,64 +6317,106 @@
         </p:nvSpPr>
         <p:spPr>
           <a:xfrm>
-            <a:off x="0" y="1115219"/>
-            <a:ext cx="5950227" cy="5673208"/>
+            <a:off x="195943" y="1141243"/>
+            <a:ext cx="6148873" cy="5673208"/>
           </a:xfrm>
         </p:spPr>
         <p:txBody>
           <a:bodyPr>
-            <a:normAutofit fontScale="92500" lnSpcReduction="20000"/>
+            <a:normAutofit/>
           </a:bodyPr>
           <a:lstStyle/>
           <a:p>
-            <a:pPr algn="just"/>
-            <a:r>
-              <a:rPr lang="en-US" sz="3200" dirty="0">
+            <a:r>
+              <a:rPr lang="en-US" sz="2400" dirty="0">
                 <a:latin typeface="Times New Roman" panose="02020603050405020304" pitchFamily="18" charset="0"/>
                 <a:cs typeface="Times New Roman" panose="02020603050405020304" pitchFamily="18" charset="0"/>
               </a:rPr>
-              <a:t>A “Regular Expression”, also known as “Regex” is a special text string for describing a search pattern. Regular expressions are used to perform pattern-matching and "search-and-replace" functions on text. For extracting information from text such as code, log files, spreadsheets, or even documents, it is extremely useful. It is vastly used for text manipulations.</a:t>
-            </a:r>
-          </a:p>
-          <a:p>
-            <a:pPr marL="0" indent="0" algn="just">
-              <a:buNone/>
-            </a:pPr>
+              <a:t>Regex is a special text string for describing a search in a text. </a:t>
+            </a:r>
+          </a:p>
+          <a:p>
+            <a:r>
+              <a:rPr lang="en-US" sz="2400" dirty="0">
+                <a:latin typeface="Times New Roman" panose="02020603050405020304" pitchFamily="18" charset="0"/>
+                <a:cs typeface="Times New Roman" panose="02020603050405020304" pitchFamily="18" charset="0"/>
+              </a:rPr>
+              <a:t>Mainly used for pattern-matching and "search-and-replace" on text. </a:t>
+            </a:r>
+          </a:p>
+          <a:p>
+            <a:r>
+              <a:rPr lang="en-US" sz="2400" dirty="0">
+                <a:latin typeface="Times New Roman" panose="02020603050405020304" pitchFamily="18" charset="0"/>
+                <a:cs typeface="Times New Roman" panose="02020603050405020304" pitchFamily="18" charset="0"/>
+              </a:rPr>
+              <a:t>extracting information from text such as code and log files</a:t>
+            </a:r>
+          </a:p>
+          <a:p>
+            <a:r>
+              <a:rPr lang="en-US" sz="2400" dirty="0">
+                <a:latin typeface="Times New Roman" panose="02020603050405020304" pitchFamily="18" charset="0"/>
+                <a:cs typeface="Times New Roman" panose="02020603050405020304" pitchFamily="18" charset="0"/>
+              </a:rPr>
+              <a:t>It is vastly used for text mining</a:t>
+            </a:r>
+          </a:p>
+          <a:p>
+            <a:r>
+              <a:rPr lang="en-US" sz="2400" dirty="0" err="1">
+                <a:latin typeface="Times New Roman" panose="02020603050405020304" pitchFamily="18" charset="0"/>
+                <a:cs typeface="Times New Roman" panose="02020603050405020304" pitchFamily="18" charset="0"/>
+              </a:rPr>
+              <a:t>RegEx</a:t>
+            </a:r>
+            <a:r>
+              <a:rPr lang="en-US" sz="2400" dirty="0">
+                <a:latin typeface="Times New Roman" panose="02020603050405020304" pitchFamily="18" charset="0"/>
+                <a:cs typeface="Times New Roman" panose="02020603050405020304" pitchFamily="18" charset="0"/>
+              </a:rPr>
+              <a:t> can be use in software such as notepad++ or in programming such as R, Python</a:t>
+            </a:r>
+          </a:p>
+          <a:p>
+            <a:r>
+              <a:rPr lang="en-US" sz="2400" dirty="0">
+                <a:latin typeface="Times New Roman" panose="02020603050405020304" pitchFamily="18" charset="0"/>
+                <a:cs typeface="Times New Roman" panose="02020603050405020304" pitchFamily="18" charset="0"/>
+              </a:rPr>
+              <a:t>Important links: </a:t>
+            </a:r>
+          </a:p>
+          <a:p>
+            <a:pPr lvl="1"/>
+            <a:r>
+              <a:rPr lang="en-US" dirty="0" err="1">
+                <a:latin typeface="Times New Roman" panose="02020603050405020304" pitchFamily="18" charset="0"/>
+                <a:cs typeface="Times New Roman" panose="02020603050405020304" pitchFamily="18" charset="0"/>
+              </a:rPr>
+              <a:t>Hgh</a:t>
+            </a:r>
             <a:endParaRPr lang="en-US" dirty="0">
               <a:latin typeface="Times New Roman" panose="02020603050405020304" pitchFamily="18" charset="0"/>
               <a:cs typeface="Times New Roman" panose="02020603050405020304" pitchFamily="18" charset="0"/>
             </a:endParaRPr>
           </a:p>
           <a:p>
-            <a:pPr algn="just"/>
-            <a:r>
-              <a:rPr lang="en-US" sz="1900" dirty="0">
+            <a:pPr lvl="1"/>
+            <a:r>
+              <a:rPr lang="en-US" dirty="0" err="1">
                 <a:latin typeface="Times New Roman" panose="02020603050405020304" pitchFamily="18" charset="0"/>
                 <a:cs typeface="Times New Roman" panose="02020603050405020304" pitchFamily="18" charset="0"/>
               </a:rPr>
-              <a:t>[</a:t>
-            </a:r>
-            <a:r>
-              <a:rPr lang="en-US" sz="1900" dirty="0">
-                <a:solidFill>
-                  <a:srgbClr val="00B050"/>
-                </a:solidFill>
-                <a:latin typeface="Times New Roman" panose="02020603050405020304" pitchFamily="18" charset="0"/>
-                <a:cs typeface="Times New Roman" panose="02020603050405020304" pitchFamily="18" charset="0"/>
-              </a:rPr>
-              <a:t>Regular expressions are built into many environments, including text editors, programming languages, some internet search engines and many applications.</a:t>
-            </a:r>
-            <a:r>
-              <a:rPr lang="en-US" sz="1900" dirty="0">
-                <a:latin typeface="Times New Roman" panose="02020603050405020304" pitchFamily="18" charset="0"/>
-                <a:cs typeface="Times New Roman" panose="02020603050405020304" pitchFamily="18" charset="0"/>
-              </a:rPr>
-              <a:t>]</a:t>
-            </a:r>
-          </a:p>
-          <a:p>
-            <a:pPr algn="just"/>
-            <a:endParaRPr lang="en-US" dirty="0"/>
+              <a:t>hhfh</a:t>
+            </a:r>
+            <a:endParaRPr lang="en-US" dirty="0">
+              <a:latin typeface="Times New Roman" panose="02020603050405020304" pitchFamily="18" charset="0"/>
+              <a:cs typeface="Times New Roman" panose="02020603050405020304" pitchFamily="18" charset="0"/>
+            </a:endParaRPr>
+          </a:p>
+          <a:p>
+            <a:endParaRPr lang="en-US" sz="2400" dirty="0"/>
           </a:p>
         </p:txBody>
       </p:sp>
@@ -9089,8 +6448,8 @@
         </p:blipFill>
         <p:spPr>
           <a:xfrm>
-            <a:off x="6096000" y="543339"/>
-            <a:ext cx="5840895" cy="5976731"/>
+            <a:off x="6478556" y="1091316"/>
+            <a:ext cx="5278016" cy="5400762"/>
           </a:xfrm>
           <a:prstGeom prst="rect">
             <a:avLst/>
@@ -9111,6 +6470,179 @@
 </file>
 
 <file path=ppt/slides/slide3.xml><?xml version="1.0" encoding="utf-8"?>
+<p:sld xmlns:a="http://schemas.openxmlformats.org/drawingml/2006/main" xmlns:r="http://schemas.openxmlformats.org/officeDocument/2006/relationships" xmlns:p="http://schemas.openxmlformats.org/presentationml/2006/main">
+  <p:cSld>
+    <p:spTree>
+      <p:nvGrpSpPr>
+        <p:cNvPr id="1" name=""/>
+        <p:cNvGrpSpPr/>
+        <p:nvPr/>
+      </p:nvGrpSpPr>
+      <p:grpSpPr>
+        <a:xfrm>
+          <a:off x="0" y="0"/>
+          <a:ext cx="0" cy="0"/>
+          <a:chOff x="0" y="0"/>
+          <a:chExt cx="0" cy="0"/>
+        </a:xfrm>
+      </p:grpSpPr>
+      <p:sp>
+        <p:nvSpPr>
+          <p:cNvPr id="2" name="Title 1">
+            <a:extLst>
+              <a:ext uri="{FF2B5EF4-FFF2-40B4-BE49-F238E27FC236}">
+                <a16:creationId xmlns:a16="http://schemas.microsoft.com/office/drawing/2014/main" id="{E959A8F5-7DEE-4DFC-8B1B-AD7BB7720A44}"/>
+              </a:ext>
+            </a:extLst>
+          </p:cNvPr>
+          <p:cNvSpPr>
+            <a:spLocks noGrp="1"/>
+          </p:cNvSpPr>
+          <p:nvPr>
+            <p:ph type="title"/>
+          </p:nvPr>
+        </p:nvSpPr>
+        <p:spPr>
+          <a:xfrm>
+            <a:off x="308113" y="11357"/>
+            <a:ext cx="11561670" cy="1325563"/>
+          </a:xfrm>
+        </p:spPr>
+        <p:txBody>
+          <a:bodyPr/>
+          <a:lstStyle/>
+          <a:p>
+            <a:r>
+              <a:rPr lang="en-US" dirty="0">
+                <a:solidFill>
+                  <a:srgbClr val="002060"/>
+                </a:solidFill>
+                <a:latin typeface="Times New Roman" panose="02020603050405020304" pitchFamily="18" charset="0"/>
+                <a:cs typeface="Times New Roman" panose="02020603050405020304" pitchFamily="18" charset="0"/>
+              </a:rPr>
+              <a:t>Some Important Elements in </a:t>
+            </a:r>
+            <a:r>
+              <a:rPr lang="en-US" dirty="0" err="1">
+                <a:solidFill>
+                  <a:srgbClr val="002060"/>
+                </a:solidFill>
+                <a:latin typeface="Times New Roman" panose="02020603050405020304" pitchFamily="18" charset="0"/>
+                <a:cs typeface="Times New Roman" panose="02020603050405020304" pitchFamily="18" charset="0"/>
+              </a:rPr>
+              <a:t>RegEx</a:t>
+            </a:r>
+            <a:endParaRPr lang="en-US" dirty="0">
+              <a:solidFill>
+                <a:srgbClr val="002060"/>
+              </a:solidFill>
+            </a:endParaRPr>
+          </a:p>
+        </p:txBody>
+      </p:sp>
+      <p:sp>
+        <p:nvSpPr>
+          <p:cNvPr id="3" name="Content Placeholder 2">
+            <a:extLst>
+              <a:ext uri="{FF2B5EF4-FFF2-40B4-BE49-F238E27FC236}">
+                <a16:creationId xmlns:a16="http://schemas.microsoft.com/office/drawing/2014/main" id="{FA659984-A8B9-49DA-B40B-D2EF822A1134}"/>
+              </a:ext>
+            </a:extLst>
+          </p:cNvPr>
+          <p:cNvSpPr>
+            <a:spLocks noGrp="1"/>
+          </p:cNvSpPr>
+          <p:nvPr>
+            <p:ph idx="1"/>
+          </p:nvPr>
+        </p:nvSpPr>
+        <p:spPr>
+          <a:xfrm>
+            <a:off x="195942" y="1141243"/>
+            <a:ext cx="11848011" cy="5673208"/>
+          </a:xfrm>
+        </p:spPr>
+        <p:txBody>
+          <a:bodyPr>
+            <a:normAutofit/>
+          </a:bodyPr>
+          <a:lstStyle/>
+          <a:p>
+            <a:r>
+              <a:rPr lang="en-US" sz="2400" dirty="0">
+                <a:latin typeface="Times New Roman" panose="02020603050405020304" pitchFamily="18" charset="0"/>
+                <a:cs typeface="Times New Roman" panose="02020603050405020304" pitchFamily="18" charset="0"/>
+              </a:rPr>
+              <a:t>Wildcard :</a:t>
+            </a:r>
+          </a:p>
+          <a:p>
+            <a:endParaRPr lang="en-US" sz="2400" dirty="0">
+              <a:latin typeface="Times New Roman" panose="02020603050405020304" pitchFamily="18" charset="0"/>
+              <a:cs typeface="Times New Roman" panose="02020603050405020304" pitchFamily="18" charset="0"/>
+            </a:endParaRPr>
+          </a:p>
+          <a:p>
+            <a:r>
+              <a:rPr lang="en-US" sz="2400" dirty="0">
+                <a:latin typeface="Times New Roman" panose="02020603050405020304" pitchFamily="18" charset="0"/>
+                <a:cs typeface="Times New Roman" panose="02020603050405020304" pitchFamily="18" charset="0"/>
+              </a:rPr>
+              <a:t>Quantifiers:</a:t>
+            </a:r>
+          </a:p>
+          <a:p>
+            <a:endParaRPr lang="en-US" sz="2400" dirty="0">
+              <a:latin typeface="Times New Roman" panose="02020603050405020304" pitchFamily="18" charset="0"/>
+              <a:cs typeface="Times New Roman" panose="02020603050405020304" pitchFamily="18" charset="0"/>
+            </a:endParaRPr>
+          </a:p>
+          <a:p>
+            <a:r>
+              <a:rPr lang="en-US" sz="2400" dirty="0">
+                <a:latin typeface="Times New Roman" panose="02020603050405020304" pitchFamily="18" charset="0"/>
+                <a:cs typeface="Times New Roman" panose="02020603050405020304" pitchFamily="18" charset="0"/>
+              </a:rPr>
+              <a:t>Brackets:</a:t>
+            </a:r>
+          </a:p>
+          <a:p>
+            <a:endParaRPr lang="en-US" sz="2400" dirty="0">
+              <a:latin typeface="Times New Roman" panose="02020603050405020304" pitchFamily="18" charset="0"/>
+              <a:cs typeface="Times New Roman" panose="02020603050405020304" pitchFamily="18" charset="0"/>
+            </a:endParaRPr>
+          </a:p>
+          <a:p>
+            <a:endParaRPr lang="en-US" sz="2400" dirty="0">
+              <a:latin typeface="Times New Roman" panose="02020603050405020304" pitchFamily="18" charset="0"/>
+              <a:cs typeface="Times New Roman" panose="02020603050405020304" pitchFamily="18" charset="0"/>
+            </a:endParaRPr>
+          </a:p>
+          <a:p>
+            <a:endParaRPr lang="en-US" dirty="0">
+              <a:latin typeface="Times New Roman" panose="02020603050405020304" pitchFamily="18" charset="0"/>
+              <a:cs typeface="Times New Roman" panose="02020603050405020304" pitchFamily="18" charset="0"/>
+            </a:endParaRPr>
+          </a:p>
+          <a:p>
+            <a:endParaRPr lang="en-US" sz="2400" dirty="0"/>
+          </a:p>
+        </p:txBody>
+      </p:sp>
+    </p:spTree>
+    <p:extLst>
+      <p:ext uri="{BB962C8B-B14F-4D97-AF65-F5344CB8AC3E}">
+        <p14:creationId xmlns:p14="http://schemas.microsoft.com/office/powerpoint/2010/main" val="603532869"/>
+      </p:ext>
+    </p:extLst>
+  </p:cSld>
+  <p:clrMapOvr>
+    <a:masterClrMapping/>
+  </p:clrMapOvr>
+</p:sld>
+</file>
+
+<file path=ppt/slides/slide4.xml><?xml version="1.0" encoding="utf-8"?>
 <p:sld xmlns:a="http://schemas.openxmlformats.org/drawingml/2006/main" xmlns:r="http://schemas.openxmlformats.org/officeDocument/2006/relationships" xmlns:p="http://schemas.openxmlformats.org/presentationml/2006/main">
   <p:cSld>
     <p:spTree>
@@ -9158,7 +6690,7 @@
             <a:r>
               <a:rPr lang="en-US" sz="4000" dirty="0">
                 <a:solidFill>
-                  <a:srgbClr val="FFC000"/>
+                  <a:srgbClr val="002060"/>
                 </a:solidFill>
                 <a:latin typeface="Segoe UI Semibold" panose="020B0702040204020203" pitchFamily="34" charset="0"/>
                 <a:ea typeface="Segoe UI Black" panose="020B0A02040204020203" pitchFamily="34" charset="0"/>
@@ -9213,7 +6745,7 @@
 </p:sld>
 </file>
 
-<file path=ppt/slides/slide4.xml><?xml version="1.0" encoding="utf-8"?>
+<file path=ppt/slides/slide5.xml><?xml version="1.0" encoding="utf-8"?>
 <p:sld xmlns:a="http://schemas.openxmlformats.org/drawingml/2006/main" xmlns:r="http://schemas.openxmlformats.org/officeDocument/2006/relationships" xmlns:p="http://schemas.openxmlformats.org/presentationml/2006/main">
   <p:cSld>
     <p:spTree>
@@ -9259,7 +6791,7 @@
             <a:r>
               <a:rPr lang="en-US" b="1" dirty="0">
                 <a:solidFill>
-                  <a:srgbClr val="FFFF00"/>
+                  <a:srgbClr val="002060"/>
                 </a:solidFill>
               </a:rPr>
               <a:t>Hands-on</a:t>
@@ -9290,9 +6822,7 @@
           </a:xfrm>
         </p:spPr>
         <p:txBody>
-          <a:bodyPr>
-            <a:normAutofit fontScale="92500"/>
-          </a:bodyPr>
+          <a:bodyPr/>
           <a:lstStyle/>
           <a:p>
             <a:pPr>
@@ -9520,7 +7050,7 @@
         </p:nvGraphicFramePr>
         <p:xfrm>
           <a:off x="377688" y="3581105"/>
-          <a:ext cx="11237842" cy="2387600"/>
+          <a:ext cx="11237842" cy="2179320"/>
         </p:xfrm>
         <a:graphic>
           <a:graphicData uri="http://schemas.openxmlformats.org/drawingml/2006/table">
@@ -9955,42 +7485,20 @@
           <a:p>
             <a:r>
               <a:rPr lang="en-US" dirty="0">
-                <a:solidFill>
-                  <a:srgbClr val="0070C0"/>
-                </a:solidFill>
                 <a:latin typeface="Times New Roman" panose="02020603050405020304" pitchFamily="18" charset="0"/>
                 <a:cs typeface="Times New Roman" panose="02020603050405020304" pitchFamily="18" charset="0"/>
               </a:rPr>
-              <a:t>You’ll find wildcards, quantifiers and a lot more about regex here :</a:t>
+              <a:t>You’ll find wildcards, quantifiers and a lot more about regex here : </a:t>
             </a:r>
             <a:r>
               <a:rPr lang="en-US" dirty="0">
                 <a:latin typeface="Times New Roman" panose="02020603050405020304" pitchFamily="18" charset="0"/>
                 <a:cs typeface="Times New Roman" panose="02020603050405020304" pitchFamily="18" charset="0"/>
-              </a:rPr>
-              <a:t> </a:t>
-            </a:r>
-            <a:r>
-              <a:rPr lang="en-US" dirty="0">
-                <a:solidFill>
-                  <a:srgbClr val="FF0000"/>
-                </a:solidFill>
-                <a:latin typeface="Times New Roman" panose="02020603050405020304" pitchFamily="18" charset="0"/>
-                <a:cs typeface="Times New Roman" panose="02020603050405020304" pitchFamily="18" charset="0"/>
-                <a:hlinkClick r:id="rId2">
-                  <a:extLst>
-                    <a:ext uri="{A12FA001-AC4F-418D-AE19-62706E023703}">
-                      <ahyp:hlinkClr xmlns:ahyp="http://schemas.microsoft.com/office/drawing/2018/hyperlinkcolor" val="tx"/>
-                    </a:ext>
-                  </a:extLst>
-                </a:hlinkClick>
+                <a:hlinkClick r:id="rId2"/>
               </a:rPr>
               <a:t>http://www.rexegg.com/regex-quickstart.html#ref</a:t>
             </a:r>
             <a:endParaRPr lang="en-US" dirty="0">
-              <a:solidFill>
-                <a:srgbClr val="FF0000"/>
-              </a:solidFill>
               <a:latin typeface="Times New Roman" panose="02020603050405020304" pitchFamily="18" charset="0"/>
               <a:cs typeface="Times New Roman" panose="02020603050405020304" pitchFamily="18" charset="0"/>
             </a:endParaRPr>
@@ -10011,9 +7519,9 @@
 </file>
 
 <file path=ppt/theme/theme1.xml><?xml version="1.0" encoding="utf-8"?>
-<a:theme xmlns:a="http://schemas.openxmlformats.org/drawingml/2006/main" name="Ion">
+<a:theme xmlns:a="http://schemas.openxmlformats.org/drawingml/2006/main" name="Office Theme">
   <a:themeElements>
-    <a:clrScheme name="Ion">
+    <a:clrScheme name="Office">
       <a:dk1>
         <a:sysClr val="windowText" lastClr="000000"/>
       </a:dk1>
@@ -10021,44 +7529,44 @@
         <a:sysClr val="window" lastClr="FFFFFF"/>
       </a:lt1>
       <a:dk2>
-        <a:srgbClr val="1E5155"/>
+        <a:srgbClr val="44546A"/>
       </a:dk2>
       <a:lt2>
-        <a:srgbClr val="EBEBEB"/>
+        <a:srgbClr val="E7E6E6"/>
       </a:lt2>
       <a:accent1>
-        <a:srgbClr val="B01513"/>
+        <a:srgbClr val="4472C4"/>
       </a:accent1>
       <a:accent2>
-        <a:srgbClr val="EA6312"/>
+        <a:srgbClr val="ED7D31"/>
       </a:accent2>
       <a:accent3>
-        <a:srgbClr val="E6B729"/>
+        <a:srgbClr val="A5A5A5"/>
       </a:accent3>
       <a:accent4>
-        <a:srgbClr val="6AAC90"/>
+        <a:srgbClr val="FFC000"/>
       </a:accent4>
       <a:accent5>
-        <a:srgbClr val="54849A"/>
+        <a:srgbClr val="5B9BD5"/>
       </a:accent5>
       <a:accent6>
-        <a:srgbClr val="9E5E9B"/>
+        <a:srgbClr val="70AD47"/>
       </a:accent6>
       <a:hlink>
-        <a:srgbClr val="58C1BA"/>
+        <a:srgbClr val="0563C1"/>
       </a:hlink>
       <a:folHlink>
-        <a:srgbClr val="9DFFCB"/>
+        <a:srgbClr val="954F72"/>
       </a:folHlink>
     </a:clrScheme>
-    <a:fontScheme name="Ion">
+    <a:fontScheme name="Office">
       <a:majorFont>
-        <a:latin typeface="Century Gothic" panose="020B0502020202020204"/>
+        <a:latin typeface="Calibri Light" panose="020F0302020204030204"/>
         <a:ea typeface=""/>
         <a:cs typeface=""/>
-        <a:font script="Jpan" typeface="メイリオ"/>
+        <a:font script="Jpan" typeface="游ゴシック Light"/>
         <a:font script="Hang" typeface="맑은 고딕"/>
-        <a:font script="Hans" typeface="宋体"/>
+        <a:font script="Hans" typeface="等线 Light"/>
         <a:font script="Hant" typeface="新細明體"/>
         <a:font script="Arab" typeface="Times New Roman"/>
         <a:font script="Hebr" typeface="Times New Roman"/>
@@ -10086,14 +7594,31 @@
         <a:font script="Viet" typeface="Times New Roman"/>
         <a:font script="Uigh" typeface="Microsoft Uighur"/>
         <a:font script="Geor" typeface="Sylfaen"/>
+        <a:font script="Armn" typeface="Arial"/>
+        <a:font script="Bugi" typeface="Leelawadee UI"/>
+        <a:font script="Bopo" typeface="Microsoft JhengHei"/>
+        <a:font script="Java" typeface="Javanese Text"/>
+        <a:font script="Lisu" typeface="Segoe UI"/>
+        <a:font script="Mymr" typeface="Myanmar Text"/>
+        <a:font script="Nkoo" typeface="Ebrima"/>
+        <a:font script="Olck" typeface="Nirmala UI"/>
+        <a:font script="Osma" typeface="Ebrima"/>
+        <a:font script="Phag" typeface="Phagspa"/>
+        <a:font script="Syrn" typeface="Estrangelo Edessa"/>
+        <a:font script="Syrj" typeface="Estrangelo Edessa"/>
+        <a:font script="Syre" typeface="Estrangelo Edessa"/>
+        <a:font script="Sora" typeface="Nirmala UI"/>
+        <a:font script="Tale" typeface="Microsoft Tai Le"/>
+        <a:font script="Talu" typeface="Microsoft New Tai Lue"/>
+        <a:font script="Tfng" typeface="Ebrima"/>
       </a:majorFont>
       <a:minorFont>
-        <a:latin typeface="Century Gothic" panose="020B0502020202020204"/>
+        <a:latin typeface="Calibri" panose="020F0502020204030204"/>
         <a:ea typeface=""/>
         <a:cs typeface=""/>
-        <a:font script="Jpan" typeface="メイリオ"/>
+        <a:font script="Jpan" typeface="游ゴシック"/>
         <a:font script="Hang" typeface="맑은 고딕"/>
-        <a:font script="Hans" typeface="宋体"/>
+        <a:font script="Hans" typeface="等线"/>
         <a:font script="Hant" typeface="新細明體"/>
         <a:font script="Arab" typeface="Arial"/>
         <a:font script="Hebr" typeface="Arial"/>
@@ -10121,9 +7646,26 @@
         <a:font script="Viet" typeface="Arial"/>
         <a:font script="Uigh" typeface="Microsoft Uighur"/>
         <a:font script="Geor" typeface="Sylfaen"/>
+        <a:font script="Armn" typeface="Arial"/>
+        <a:font script="Bugi" typeface="Leelawadee UI"/>
+        <a:font script="Bopo" typeface="Microsoft JhengHei"/>
+        <a:font script="Java" typeface="Javanese Text"/>
+        <a:font script="Lisu" typeface="Segoe UI"/>
+        <a:font script="Mymr" typeface="Myanmar Text"/>
+        <a:font script="Nkoo" typeface="Ebrima"/>
+        <a:font script="Olck" typeface="Nirmala UI"/>
+        <a:font script="Osma" typeface="Ebrima"/>
+        <a:font script="Phag" typeface="Phagspa"/>
+        <a:font script="Syrn" typeface="Estrangelo Edessa"/>
+        <a:font script="Syrj" typeface="Estrangelo Edessa"/>
+        <a:font script="Syre" typeface="Estrangelo Edessa"/>
+        <a:font script="Sora" typeface="Nirmala UI"/>
+        <a:font script="Tale" typeface="Microsoft Tai Le"/>
+        <a:font script="Talu" typeface="Microsoft New Tai Lue"/>
+        <a:font script="Tfng" typeface="Ebrima"/>
       </a:minorFont>
     </a:fontScheme>
-    <a:fmtScheme name="Ion">
+    <a:fmtScheme name="Office">
       <a:fillStyleLst>
         <a:solidFill>
           <a:schemeClr val="phClr"/>
@@ -10132,15 +7674,23 @@
           <a:gsLst>
             <a:gs pos="0">
               <a:schemeClr val="phClr">
-                <a:tint val="64000"/>
-                <a:lumMod val="118000"/>
+                <a:lumMod val="110000"/>
+                <a:satMod val="105000"/>
+                <a:tint val="67000"/>
+              </a:schemeClr>
+            </a:gs>
+            <a:gs pos="50000">
+              <a:schemeClr val="phClr">
+                <a:lumMod val="105000"/>
+                <a:satMod val="103000"/>
+                <a:tint val="73000"/>
               </a:schemeClr>
             </a:gs>
             <a:gs pos="100000">
               <a:schemeClr val="phClr">
-                <a:tint val="92000"/>
-                <a:alpha val="100000"/>
-                <a:lumMod val="110000"/>
+                <a:lumMod val="105000"/>
+                <a:satMod val="109000"/>
+                <a:tint val="81000"/>
               </a:schemeClr>
             </a:gs>
           </a:gsLst>
@@ -10150,14 +7700,23 @@
           <a:gsLst>
             <a:gs pos="0">
               <a:schemeClr val="phClr">
-                <a:tint val="98000"/>
-                <a:lumMod val="114000"/>
+                <a:satMod val="103000"/>
+                <a:lumMod val="102000"/>
+                <a:tint val="94000"/>
+              </a:schemeClr>
+            </a:gs>
+            <a:gs pos="50000">
+              <a:schemeClr val="phClr">
+                <a:satMod val="110000"/>
+                <a:lumMod val="100000"/>
+                <a:shade val="100000"/>
               </a:schemeClr>
             </a:gs>
             <a:gs pos="100000">
               <a:schemeClr val="phClr">
-                <a:shade val="90000"/>
-                <a:lumMod val="84000"/>
+                <a:lumMod val="99000"/>
+                <a:satMod val="120000"/>
+                <a:shade val="78000"/>
               </a:schemeClr>
             </a:gs>
           </a:gsLst>
@@ -10165,23 +7724,26 @@
         </a:gradFill>
       </a:fillStyleLst>
       <a:lnStyleLst>
-        <a:ln w="9525" cap="rnd" cmpd="sng" algn="ctr">
+        <a:ln w="6350" cap="flat" cmpd="sng" algn="ctr">
           <a:solidFill>
             <a:schemeClr val="phClr"/>
           </a:solidFill>
           <a:prstDash val="solid"/>
+          <a:miter lim="800000"/>
         </a:ln>
-        <a:ln w="19050" cap="rnd" cmpd="sng" algn="ctr">
+        <a:ln w="12700" cap="flat" cmpd="sng" algn="ctr">
           <a:solidFill>
             <a:schemeClr val="phClr"/>
           </a:solidFill>
           <a:prstDash val="solid"/>
+          <a:miter lim="800000"/>
         </a:ln>
-        <a:ln w="28575" cap="rnd" cmpd="sng" algn="ctr">
+        <a:ln w="19050" cap="flat" cmpd="sng" algn="ctr">
           <a:solidFill>
             <a:schemeClr val="phClr"/>
           </a:solidFill>
           <a:prstDash val="solid"/>
+          <a:miter lim="800000"/>
         </a:ln>
       </a:lnStyleLst>
       <a:effectStyleLst>
@@ -10189,80 +7751,55 @@
           <a:effectLst/>
         </a:effectStyle>
         <a:effectStyle>
+          <a:effectLst/>
+        </a:effectStyle>
+        <a:effectStyle>
           <a:effectLst>
-            <a:outerShdw blurRad="38100" dist="25400" dir="5400000" rotWithShape="0">
+            <a:outerShdw blurRad="57150" dist="19050" dir="5400000" algn="ctr" rotWithShape="0">
               <a:srgbClr val="000000">
-                <a:alpha val="45000"/>
+                <a:alpha val="63000"/>
               </a:srgbClr>
             </a:outerShdw>
           </a:effectLst>
-        </a:effectStyle>
-        <a:effectStyle>
-          <a:effectLst>
-            <a:outerShdw blurRad="63500" dist="38100" dir="5400000" rotWithShape="0">
-              <a:srgbClr val="000000">
-                <a:alpha val="60000"/>
-              </a:srgbClr>
-            </a:outerShdw>
-          </a:effectLst>
-          <a:scene3d>
-            <a:camera prst="orthographicFront">
-              <a:rot lat="0" lon="0" rev="0"/>
-            </a:camera>
-            <a:lightRig rig="threePt" dir="tl"/>
-          </a:scene3d>
-          <a:sp3d prstMaterial="plastic">
-            <a:bevelT w="0" h="0"/>
-          </a:sp3d>
         </a:effectStyle>
       </a:effectStyleLst>
       <a:bgFillStyleLst>
         <a:solidFill>
           <a:schemeClr val="phClr"/>
         </a:solidFill>
+        <a:solidFill>
+          <a:schemeClr val="phClr">
+            <a:tint val="95000"/>
+            <a:satMod val="170000"/>
+          </a:schemeClr>
+        </a:solidFill>
         <a:gradFill rotWithShape="1">
           <a:gsLst>
             <a:gs pos="0">
               <a:schemeClr val="phClr">
-                <a:tint val="97000"/>
-                <a:hueMod val="88000"/>
+                <a:tint val="93000"/>
+                <a:satMod val="150000"/>
+                <a:shade val="98000"/>
+                <a:lumMod val="102000"/>
+              </a:schemeClr>
+            </a:gs>
+            <a:gs pos="50000">
+              <a:schemeClr val="phClr">
+                <a:tint val="98000"/>
                 <a:satMod val="130000"/>
-                <a:lumMod val="124000"/>
+                <a:shade val="90000"/>
+                <a:lumMod val="103000"/>
               </a:schemeClr>
             </a:gs>
             <a:gs pos="100000">
               <a:schemeClr val="phClr">
-                <a:tint val="96000"/>
-                <a:shade val="88000"/>
-                <a:hueMod val="108000"/>
-                <a:satMod val="164000"/>
-                <a:lumMod val="76000"/>
+                <a:shade val="63000"/>
+                <a:satMod val="120000"/>
               </a:schemeClr>
             </a:gs>
           </a:gsLst>
-          <a:path path="circle">
-            <a:fillToRect l="45000" t="65000" r="125000" b="100000"/>
-          </a:path>
+          <a:lin ang="5400000" scaled="0"/>
         </a:gradFill>
-        <a:blipFill rotWithShape="1">
-          <a:blip xmlns:r="http://schemas.openxmlformats.org/officeDocument/2006/relationships" r:embed="rId1">
-            <a:duotone>
-              <a:schemeClr val="phClr">
-                <a:shade val="69000"/>
-                <a:hueMod val="108000"/>
-                <a:satMod val="164000"/>
-                <a:lumMod val="74000"/>
-              </a:schemeClr>
-              <a:schemeClr val="phClr">
-                <a:tint val="96000"/>
-                <a:hueMod val="88000"/>
-                <a:satMod val="140000"/>
-                <a:lumMod val="132000"/>
-              </a:schemeClr>
-            </a:duotone>
-          </a:blip>
-          <a:stretch/>
-        </a:blipFill>
       </a:bgFillStyleLst>
     </a:fmtScheme>
   </a:themeElements>
@@ -10270,7 +7807,7 @@
   <a:extraClrSchemeLst/>
   <a:extLst>
     <a:ext uri="{05A4C25C-085E-4340-85A3-A5531E510DB2}">
-      <thm15:themeFamily xmlns:thm15="http://schemas.microsoft.com/office/thememl/2012/main" name="Ion" id="{B8441ADB-2E43-4AF7-B97A-BD870242C6A8}" vid="{292E63A9-BB86-4E3D-B92A-7223C6510D2E}"/>
+      <thm15:themeFamily xmlns:thm15="http://schemas.microsoft.com/office/thememl/2012/main" name="Office Theme" id="{62F939B6-93AF-4DB8-9C6B-D6C7DFDC589F}" vid="{4A3C46E8-61CC-4603-A589-7422A47A8E4A}"/>
     </a:ext>
   </a:extLst>
 </a:theme>
